--- a/doc/src/modules/pictures.pptx
+++ b/doc/src/modules/pictures.pptx
@@ -7,6 +7,7 @@
   <p:sldIdLst>
     <p:sldId id="256" r:id="rId2"/>
     <p:sldId id="257" r:id="rId3"/>
+    <p:sldId id="258" r:id="rId4"/>
   </p:sldIdLst>
   <p:sldSz cx="12192000" cy="6858000"/>
   <p:notesSz cx="6858000" cy="9144000"/>
@@ -105,6 +106,11 @@
       </a:defRPr>
     </a:lvl9pPr>
   </p:defaultTextStyle>
+  <p:extLst>
+    <p:ext uri="{EFAFB233-063F-42B5-8137-9DF3F51BA10A}">
+      <p15:sldGuideLst xmlns:p15="http://schemas.microsoft.com/office/powerpoint/2012/main"/>
+    </p:ext>
+  </p:extLst>
 </p:presentation>
 </file>
 
@@ -255,7 +261,7 @@
           <a:p>
             <a:fld id="{E019B8FA-7D10-47D5-BFE0-6BB09CDD23F4}" type="datetimeFigureOut">
               <a:rPr lang="en-US" smtClean="0"/>
-              <a:t>12/7/2023</a:t>
+              <a:t>12/12/2023</a:t>
             </a:fld>
             <a:endParaRPr lang="en-US"/>
           </a:p>
@@ -453,7 +459,7 @@
           <a:p>
             <a:fld id="{E019B8FA-7D10-47D5-BFE0-6BB09CDD23F4}" type="datetimeFigureOut">
               <a:rPr lang="en-US" smtClean="0"/>
-              <a:t>12/7/2023</a:t>
+              <a:t>12/12/2023</a:t>
             </a:fld>
             <a:endParaRPr lang="en-US"/>
           </a:p>
@@ -661,7 +667,7 @@
           <a:p>
             <a:fld id="{E019B8FA-7D10-47D5-BFE0-6BB09CDD23F4}" type="datetimeFigureOut">
               <a:rPr lang="en-US" smtClean="0"/>
-              <a:t>12/7/2023</a:t>
+              <a:t>12/12/2023</a:t>
             </a:fld>
             <a:endParaRPr lang="en-US"/>
           </a:p>
@@ -859,7 +865,7 @@
           <a:p>
             <a:fld id="{E019B8FA-7D10-47D5-BFE0-6BB09CDD23F4}" type="datetimeFigureOut">
               <a:rPr lang="en-US" smtClean="0"/>
-              <a:t>12/7/2023</a:t>
+              <a:t>12/12/2023</a:t>
             </a:fld>
             <a:endParaRPr lang="en-US"/>
           </a:p>
@@ -1134,7 +1140,7 @@
           <a:p>
             <a:fld id="{E019B8FA-7D10-47D5-BFE0-6BB09CDD23F4}" type="datetimeFigureOut">
               <a:rPr lang="en-US" smtClean="0"/>
-              <a:t>12/7/2023</a:t>
+              <a:t>12/12/2023</a:t>
             </a:fld>
             <a:endParaRPr lang="en-US"/>
           </a:p>
@@ -1399,7 +1405,7 @@
           <a:p>
             <a:fld id="{E019B8FA-7D10-47D5-BFE0-6BB09CDD23F4}" type="datetimeFigureOut">
               <a:rPr lang="en-US" smtClean="0"/>
-              <a:t>12/7/2023</a:t>
+              <a:t>12/12/2023</a:t>
             </a:fld>
             <a:endParaRPr lang="en-US"/>
           </a:p>
@@ -1811,7 +1817,7 @@
           <a:p>
             <a:fld id="{E019B8FA-7D10-47D5-BFE0-6BB09CDD23F4}" type="datetimeFigureOut">
               <a:rPr lang="en-US" smtClean="0"/>
-              <a:t>12/7/2023</a:t>
+              <a:t>12/12/2023</a:t>
             </a:fld>
             <a:endParaRPr lang="en-US"/>
           </a:p>
@@ -1952,7 +1958,7 @@
           <a:p>
             <a:fld id="{E019B8FA-7D10-47D5-BFE0-6BB09CDD23F4}" type="datetimeFigureOut">
               <a:rPr lang="en-US" smtClean="0"/>
-              <a:t>12/7/2023</a:t>
+              <a:t>12/12/2023</a:t>
             </a:fld>
             <a:endParaRPr lang="en-US"/>
           </a:p>
@@ -2065,7 +2071,7 @@
           <a:p>
             <a:fld id="{E019B8FA-7D10-47D5-BFE0-6BB09CDD23F4}" type="datetimeFigureOut">
               <a:rPr lang="en-US" smtClean="0"/>
-              <a:t>12/7/2023</a:t>
+              <a:t>12/12/2023</a:t>
             </a:fld>
             <a:endParaRPr lang="en-US"/>
           </a:p>
@@ -2376,7 +2382,7 @@
           <a:p>
             <a:fld id="{E019B8FA-7D10-47D5-BFE0-6BB09CDD23F4}" type="datetimeFigureOut">
               <a:rPr lang="en-US" smtClean="0"/>
-              <a:t>12/7/2023</a:t>
+              <a:t>12/12/2023</a:t>
             </a:fld>
             <a:endParaRPr lang="en-US"/>
           </a:p>
@@ -2664,7 +2670,7 @@
           <a:p>
             <a:fld id="{E019B8FA-7D10-47D5-BFE0-6BB09CDD23F4}" type="datetimeFigureOut">
               <a:rPr lang="en-US" smtClean="0"/>
-              <a:t>12/7/2023</a:t>
+              <a:t>12/12/2023</a:t>
             </a:fld>
             <a:endParaRPr lang="en-US"/>
           </a:p>
@@ -2905,7 +2911,7 @@
           <a:p>
             <a:fld id="{E019B8FA-7D10-47D5-BFE0-6BB09CDD23F4}" type="datetimeFigureOut">
               <a:rPr lang="en-US" smtClean="0"/>
-              <a:t>12/7/2023</a:t>
+              <a:t>12/12/2023</a:t>
             </a:fld>
             <a:endParaRPr lang="en-US"/>
           </a:p>
@@ -3845,6 +3851,156 @@
 </p:sld>
 </file>
 
+<file path=ppt/slides/slide3.xml><?xml version="1.0" encoding="utf-8"?>
+<p:sld xmlns:a="http://schemas.openxmlformats.org/drawingml/2006/main" xmlns:r="http://schemas.openxmlformats.org/officeDocument/2006/relationships" xmlns:p="http://schemas.openxmlformats.org/presentationml/2006/main">
+  <p:cSld>
+    <p:spTree>
+      <p:nvGrpSpPr>
+        <p:cNvPr id="1" name=""/>
+        <p:cNvGrpSpPr/>
+        <p:nvPr/>
+      </p:nvGrpSpPr>
+      <p:grpSpPr>
+        <a:xfrm>
+          <a:off x="0" y="0"/>
+          <a:ext cx="0" cy="0"/>
+          <a:chOff x="0" y="0"/>
+          <a:chExt cx="0" cy="0"/>
+        </a:xfrm>
+      </p:grpSpPr>
+      <p:sp>
+        <p:nvSpPr>
+          <p:cNvPr id="8" name="Rectangle 7">
+            <a:extLst>
+              <a:ext uri="{FF2B5EF4-FFF2-40B4-BE49-F238E27FC236}">
+                <a16:creationId xmlns:a16="http://schemas.microsoft.com/office/drawing/2014/main" id="{564391E3-A0AF-A095-FBBC-C1171CD7B6F4}"/>
+              </a:ext>
+            </a:extLst>
+          </p:cNvPr>
+          <p:cNvSpPr/>
+          <p:nvPr/>
+        </p:nvSpPr>
+        <p:spPr>
+          <a:xfrm>
+            <a:off x="212117" y="1894898"/>
+            <a:ext cx="9583523" cy="4603531"/>
+          </a:xfrm>
+          <a:prstGeom prst="rect">
+            <a:avLst/>
+          </a:prstGeom>
+          <a:solidFill>
+            <a:schemeClr val="bg1"/>
+          </a:solidFill>
+        </p:spPr>
+        <p:style>
+          <a:lnRef idx="2">
+            <a:schemeClr val="accent1">
+              <a:shade val="15000"/>
+            </a:schemeClr>
+          </a:lnRef>
+          <a:fillRef idx="1">
+            <a:schemeClr val="accent1"/>
+          </a:fillRef>
+          <a:effectRef idx="0">
+            <a:schemeClr val="accent1"/>
+          </a:effectRef>
+          <a:fontRef idx="minor">
+            <a:schemeClr val="lt1"/>
+          </a:fontRef>
+        </p:style>
+        <p:txBody>
+          <a:bodyPr rtlCol="0" anchor="ctr"/>
+          <a:lstStyle/>
+          <a:p>
+            <a:pPr algn="ctr"/>
+            <a:endParaRPr lang="en-US"/>
+          </a:p>
+        </p:txBody>
+      </p:sp>
+      <p:pic>
+        <p:nvPicPr>
+          <p:cNvPr id="5" name="Content Placeholder 4" descr="A screenshot of a computer program&#10;&#10;Description automatically generated">
+            <a:extLst>
+              <a:ext uri="{FF2B5EF4-FFF2-40B4-BE49-F238E27FC236}">
+                <a16:creationId xmlns:a16="http://schemas.microsoft.com/office/drawing/2014/main" id="{2ADE4715-F135-E980-A15B-6C66C4052F47}"/>
+              </a:ext>
+            </a:extLst>
+          </p:cNvPr>
+          <p:cNvPicPr>
+            <a:picLocks noGrp="1" noChangeAspect="1"/>
+          </p:cNvPicPr>
+          <p:nvPr>
+            <p:ph idx="1"/>
+          </p:nvPr>
+        </p:nvPicPr>
+        <p:blipFill>
+          <a:blip r:embed="rId2">
+            <a:extLst>
+              <a:ext uri="{28A0092B-C50C-407E-A947-70E740481C1C}">
+                <a14:useLocalDpi xmlns:a14="http://schemas.microsoft.com/office/drawing/2010/main" val="0"/>
+              </a:ext>
+            </a:extLst>
+          </a:blip>
+          <a:stretch>
+            <a:fillRect/>
+          </a:stretch>
+        </p:blipFill>
+        <p:spPr>
+          <a:xfrm>
+            <a:off x="201101" y="1894898"/>
+            <a:ext cx="4252923" cy="4351338"/>
+          </a:xfrm>
+        </p:spPr>
+      </p:pic>
+      <p:pic>
+        <p:nvPicPr>
+          <p:cNvPr id="7" name="Picture 6" descr="A screen shot of a graph&#10;&#10;Description automatically generated">
+            <a:extLst>
+              <a:ext uri="{FF2B5EF4-FFF2-40B4-BE49-F238E27FC236}">
+                <a16:creationId xmlns:a16="http://schemas.microsoft.com/office/drawing/2014/main" id="{B27FDD3E-C3F6-9930-AC18-8F672E6FECA9}"/>
+              </a:ext>
+            </a:extLst>
+          </p:cNvPr>
+          <p:cNvPicPr>
+            <a:picLocks noChangeAspect="1"/>
+          </p:cNvPicPr>
+          <p:nvPr/>
+        </p:nvPicPr>
+        <p:blipFill>
+          <a:blip r:embed="rId3">
+            <a:extLst>
+              <a:ext uri="{28A0092B-C50C-407E-A947-70E740481C1C}">
+                <a14:useLocalDpi xmlns:a14="http://schemas.microsoft.com/office/drawing/2010/main" val="0"/>
+              </a:ext>
+            </a:extLst>
+          </a:blip>
+          <a:stretch>
+            <a:fillRect/>
+          </a:stretch>
+        </p:blipFill>
+        <p:spPr>
+          <a:xfrm>
+            <a:off x="4465040" y="2600701"/>
+            <a:ext cx="5079365" cy="3530159"/>
+          </a:xfrm>
+          <a:prstGeom prst="rect">
+            <a:avLst/>
+          </a:prstGeom>
+        </p:spPr>
+      </p:pic>
+    </p:spTree>
+    <p:extLst>
+      <p:ext uri="{BB962C8B-B14F-4D97-AF65-F5344CB8AC3E}">
+        <p14:creationId xmlns:p14="http://schemas.microsoft.com/office/powerpoint/2010/main" val="3953055261"/>
+      </p:ext>
+    </p:extLst>
+  </p:cSld>
+  <p:clrMapOvr>
+    <a:masterClrMapping/>
+  </p:clrMapOvr>
+</p:sld>
+</file>
+
 <file path=ppt/theme/theme1.xml><?xml version="1.0" encoding="utf-8"?>
 <a:theme xmlns:a="http://schemas.openxmlformats.org/drawingml/2006/main" name="Office Theme">
   <a:themeElements>

--- a/doc/src/modules/pictures.pptx
+++ b/doc/src/modules/pictures.pptx
@@ -8,6 +8,7 @@
     <p:sldId id="256" r:id="rId2"/>
     <p:sldId id="257" r:id="rId3"/>
     <p:sldId id="258" r:id="rId4"/>
+    <p:sldId id="259" r:id="rId5"/>
   </p:sldIdLst>
   <p:sldSz cx="12192000" cy="6858000"/>
   <p:notesSz cx="6858000" cy="9144000"/>
@@ -261,7 +262,7 @@
           <a:p>
             <a:fld id="{E019B8FA-7D10-47D5-BFE0-6BB09CDD23F4}" type="datetimeFigureOut">
               <a:rPr lang="en-US" smtClean="0"/>
-              <a:t>12/12/2023</a:t>
+              <a:t>12/13/2023</a:t>
             </a:fld>
             <a:endParaRPr lang="en-US"/>
           </a:p>
@@ -459,7 +460,7 @@
           <a:p>
             <a:fld id="{E019B8FA-7D10-47D5-BFE0-6BB09CDD23F4}" type="datetimeFigureOut">
               <a:rPr lang="en-US" smtClean="0"/>
-              <a:t>12/12/2023</a:t>
+              <a:t>12/13/2023</a:t>
             </a:fld>
             <a:endParaRPr lang="en-US"/>
           </a:p>
@@ -667,7 +668,7 @@
           <a:p>
             <a:fld id="{E019B8FA-7D10-47D5-BFE0-6BB09CDD23F4}" type="datetimeFigureOut">
               <a:rPr lang="en-US" smtClean="0"/>
-              <a:t>12/12/2023</a:t>
+              <a:t>12/13/2023</a:t>
             </a:fld>
             <a:endParaRPr lang="en-US"/>
           </a:p>
@@ -865,7 +866,7 @@
           <a:p>
             <a:fld id="{E019B8FA-7D10-47D5-BFE0-6BB09CDD23F4}" type="datetimeFigureOut">
               <a:rPr lang="en-US" smtClean="0"/>
-              <a:t>12/12/2023</a:t>
+              <a:t>12/13/2023</a:t>
             </a:fld>
             <a:endParaRPr lang="en-US"/>
           </a:p>
@@ -1140,7 +1141,7 @@
           <a:p>
             <a:fld id="{E019B8FA-7D10-47D5-BFE0-6BB09CDD23F4}" type="datetimeFigureOut">
               <a:rPr lang="en-US" smtClean="0"/>
-              <a:t>12/12/2023</a:t>
+              <a:t>12/13/2023</a:t>
             </a:fld>
             <a:endParaRPr lang="en-US"/>
           </a:p>
@@ -1405,7 +1406,7 @@
           <a:p>
             <a:fld id="{E019B8FA-7D10-47D5-BFE0-6BB09CDD23F4}" type="datetimeFigureOut">
               <a:rPr lang="en-US" smtClean="0"/>
-              <a:t>12/12/2023</a:t>
+              <a:t>12/13/2023</a:t>
             </a:fld>
             <a:endParaRPr lang="en-US"/>
           </a:p>
@@ -1817,7 +1818,7 @@
           <a:p>
             <a:fld id="{E019B8FA-7D10-47D5-BFE0-6BB09CDD23F4}" type="datetimeFigureOut">
               <a:rPr lang="en-US" smtClean="0"/>
-              <a:t>12/12/2023</a:t>
+              <a:t>12/13/2023</a:t>
             </a:fld>
             <a:endParaRPr lang="en-US"/>
           </a:p>
@@ -1958,7 +1959,7 @@
           <a:p>
             <a:fld id="{E019B8FA-7D10-47D5-BFE0-6BB09CDD23F4}" type="datetimeFigureOut">
               <a:rPr lang="en-US" smtClean="0"/>
-              <a:t>12/12/2023</a:t>
+              <a:t>12/13/2023</a:t>
             </a:fld>
             <a:endParaRPr lang="en-US"/>
           </a:p>
@@ -2071,7 +2072,7 @@
           <a:p>
             <a:fld id="{E019B8FA-7D10-47D5-BFE0-6BB09CDD23F4}" type="datetimeFigureOut">
               <a:rPr lang="en-US" smtClean="0"/>
-              <a:t>12/12/2023</a:t>
+              <a:t>12/13/2023</a:t>
             </a:fld>
             <a:endParaRPr lang="en-US"/>
           </a:p>
@@ -2382,7 +2383,7 @@
           <a:p>
             <a:fld id="{E019B8FA-7D10-47D5-BFE0-6BB09CDD23F4}" type="datetimeFigureOut">
               <a:rPr lang="en-US" smtClean="0"/>
-              <a:t>12/12/2023</a:t>
+              <a:t>12/13/2023</a:t>
             </a:fld>
             <a:endParaRPr lang="en-US"/>
           </a:p>
@@ -2670,7 +2671,7 @@
           <a:p>
             <a:fld id="{E019B8FA-7D10-47D5-BFE0-6BB09CDD23F4}" type="datetimeFigureOut">
               <a:rPr lang="en-US" smtClean="0"/>
-              <a:t>12/12/2023</a:t>
+              <a:t>12/13/2023</a:t>
             </a:fld>
             <a:endParaRPr lang="en-US"/>
           </a:p>
@@ -2911,7 +2912,7 @@
           <a:p>
             <a:fld id="{E019B8FA-7D10-47D5-BFE0-6BB09CDD23F4}" type="datetimeFigureOut">
               <a:rPr lang="en-US" smtClean="0"/>
-              <a:t>12/12/2023</a:t>
+              <a:t>12/13/2023</a:t>
             </a:fld>
             <a:endParaRPr lang="en-US"/>
           </a:p>
@@ -4001,6 +4002,1245 @@
 </p:sld>
 </file>
 
+<file path=ppt/slides/slide4.xml><?xml version="1.0" encoding="utf-8"?>
+<p:sld xmlns:a="http://schemas.openxmlformats.org/drawingml/2006/main" xmlns:r="http://schemas.openxmlformats.org/officeDocument/2006/relationships" xmlns:p="http://schemas.openxmlformats.org/presentationml/2006/main">
+  <p:cSld>
+    <p:spTree>
+      <p:nvGrpSpPr>
+        <p:cNvPr id="1" name=""/>
+        <p:cNvGrpSpPr/>
+        <p:nvPr/>
+      </p:nvGrpSpPr>
+      <p:grpSpPr>
+        <a:xfrm>
+          <a:off x="0" y="0"/>
+          <a:ext cx="0" cy="0"/>
+          <a:chOff x="0" y="0"/>
+          <a:chExt cx="0" cy="0"/>
+        </a:xfrm>
+      </p:grpSpPr>
+      <p:grpSp>
+        <p:nvGrpSpPr>
+          <p:cNvPr id="13" name="Group 12">
+            <a:extLst>
+              <a:ext uri="{FF2B5EF4-FFF2-40B4-BE49-F238E27FC236}">
+                <a16:creationId xmlns:a16="http://schemas.microsoft.com/office/drawing/2014/main" id="{F9F4EDE4-F693-A1C6-F000-360258115F89}"/>
+              </a:ext>
+            </a:extLst>
+          </p:cNvPr>
+          <p:cNvGrpSpPr/>
+          <p:nvPr/>
+        </p:nvGrpSpPr>
+        <p:grpSpPr>
+          <a:xfrm>
+            <a:off x="87760" y="2857474"/>
+            <a:ext cx="12254337" cy="3724096"/>
+            <a:chOff x="87760" y="2857474"/>
+            <a:chExt cx="12254337" cy="3724096"/>
+          </a:xfrm>
+        </p:grpSpPr>
+        <p:sp>
+          <p:nvSpPr>
+            <p:cNvPr id="9" name="TextBox 8">
+              <a:extLst>
+                <a:ext uri="{FF2B5EF4-FFF2-40B4-BE49-F238E27FC236}">
+                  <a16:creationId xmlns:a16="http://schemas.microsoft.com/office/drawing/2014/main" id="{CC0B1A70-855D-2EB9-53D0-539F00721851}"/>
+                </a:ext>
+              </a:extLst>
+            </p:cNvPr>
+            <p:cNvSpPr txBox="1"/>
+            <p:nvPr/>
+          </p:nvSpPr>
+          <p:spPr>
+            <a:xfrm flipH="1">
+              <a:off x="87760" y="2888251"/>
+              <a:ext cx="3422694" cy="1938992"/>
+            </a:xfrm>
+            <a:prstGeom prst="rect">
+              <a:avLst/>
+            </a:prstGeom>
+            <a:noFill/>
+          </p:spPr>
+          <p:txBody>
+            <a:bodyPr wrap="square" rtlCol="0">
+              <a:spAutoFit/>
+            </a:bodyPr>
+            <a:lstStyle/>
+            <a:p>
+              <a:r>
+                <a:rPr lang="en-US" sz="2000" dirty="0">
+                  <a:latin typeface="Dreaming Outloud Script Pro" panose="020F0502020204030204" pitchFamily="66" charset="0"/>
+                  <a:cs typeface="Dreaming Outloud Script Pro" panose="020F0502020204030204" pitchFamily="66" charset="0"/>
+                </a:rPr>
+                <a:t>   Chocolate Fondant</a:t>
+              </a:r>
+            </a:p>
+            <a:p>
+              <a:pPr marL="742950" lvl="1" indent="-285750">
+                <a:buFont typeface="Arial" panose="020B0604020202020204" pitchFamily="34" charset="0"/>
+                <a:buChar char="•"/>
+              </a:pPr>
+              <a:r>
+                <a:rPr lang="en-US" sz="2000" dirty="0">
+                  <a:latin typeface="Dreaming Outloud Script Pro" panose="020F0502020204030204" pitchFamily="66" charset="0"/>
+                  <a:cs typeface="Dreaming Outloud Script Pro" panose="020F0502020204030204" pitchFamily="66" charset="0"/>
+                </a:rPr>
+                <a:t>250g butter</a:t>
+              </a:r>
+            </a:p>
+            <a:p>
+              <a:pPr marL="742950" lvl="1" indent="-285750">
+                <a:buFont typeface="Arial" panose="020B0604020202020204" pitchFamily="34" charset="0"/>
+                <a:buChar char="•"/>
+              </a:pPr>
+              <a:r>
+                <a:rPr lang="en-US" sz="2000" dirty="0">
+                  <a:latin typeface="Dreaming Outloud Script Pro" panose="020F0502020204030204" pitchFamily="66" charset="0"/>
+                  <a:cs typeface="Dreaming Outloud Script Pro" panose="020F0502020204030204" pitchFamily="66" charset="0"/>
+                </a:rPr>
+                <a:t>250g sugar</a:t>
+              </a:r>
+            </a:p>
+            <a:p>
+              <a:pPr marL="742950" lvl="1" indent="-285750">
+                <a:buFont typeface="Arial" panose="020B0604020202020204" pitchFamily="34" charset="0"/>
+                <a:buChar char="•"/>
+              </a:pPr>
+              <a:r>
+                <a:rPr lang="en-US" sz="2000" dirty="0">
+                  <a:latin typeface="Dreaming Outloud Script Pro" panose="020F0502020204030204" pitchFamily="66" charset="0"/>
+                  <a:cs typeface="Dreaming Outloud Script Pro" panose="020F0502020204030204" pitchFamily="66" charset="0"/>
+                </a:rPr>
+                <a:t>300g chocolate</a:t>
+              </a:r>
+            </a:p>
+            <a:p>
+              <a:pPr marL="742950" lvl="1" indent="-285750">
+                <a:buFont typeface="Arial" panose="020B0604020202020204" pitchFamily="34" charset="0"/>
+                <a:buChar char="•"/>
+              </a:pPr>
+              <a:r>
+                <a:rPr lang="en-US" sz="2000" dirty="0">
+                  <a:latin typeface="Dreaming Outloud Script Pro" panose="020F0502020204030204" pitchFamily="66" charset="0"/>
+                  <a:cs typeface="Dreaming Outloud Script Pro" panose="020F0502020204030204" pitchFamily="66" charset="0"/>
+                </a:rPr>
+                <a:t>170g flour</a:t>
+              </a:r>
+            </a:p>
+            <a:p>
+              <a:pPr marL="742950" lvl="1" indent="-285750">
+                <a:buFont typeface="Arial" panose="020B0604020202020204" pitchFamily="34" charset="0"/>
+                <a:buChar char="•"/>
+              </a:pPr>
+              <a:r>
+                <a:rPr lang="en-US" sz="2000" dirty="0">
+                  <a:latin typeface="Dreaming Outloud Script Pro" panose="020F0502020204030204" pitchFamily="66" charset="0"/>
+                  <a:cs typeface="Dreaming Outloud Script Pro" panose="020F0502020204030204" pitchFamily="66" charset="0"/>
+                </a:rPr>
+                <a:t>8 eggs</a:t>
+              </a:r>
+            </a:p>
+          </p:txBody>
+        </p:sp>
+        <p:sp>
+          <p:nvSpPr>
+            <p:cNvPr id="10" name="TextBox 9">
+              <a:extLst>
+                <a:ext uri="{FF2B5EF4-FFF2-40B4-BE49-F238E27FC236}">
+                  <a16:creationId xmlns:a16="http://schemas.microsoft.com/office/drawing/2014/main" id="{B1A3C9EA-4445-BCF5-EDBF-5C713FB6FC3B}"/>
+                </a:ext>
+              </a:extLst>
+            </p:cNvPr>
+            <p:cNvSpPr txBox="1"/>
+            <p:nvPr/>
+          </p:nvSpPr>
+          <p:spPr>
+            <a:xfrm flipH="1">
+              <a:off x="2802382" y="2857474"/>
+              <a:ext cx="3554074" cy="3724096"/>
+            </a:xfrm>
+            <a:prstGeom prst="rect">
+              <a:avLst/>
+            </a:prstGeom>
+            <a:noFill/>
+          </p:spPr>
+          <p:txBody>
+            <a:bodyPr wrap="square" rtlCol="0">
+              <a:spAutoFit/>
+            </a:bodyPr>
+            <a:lstStyle/>
+            <a:p>
+              <a:r>
+                <a:rPr lang="en-US" sz="2000" dirty="0">
+                  <a:latin typeface="Dreaming Outloud Script Pro" panose="020F0502020204030204" pitchFamily="66" charset="0"/>
+                  <a:cs typeface="Dreaming Outloud Script Pro" panose="020F0502020204030204" pitchFamily="66" charset="0"/>
+                </a:rPr>
+                <a:t>   Recipe</a:t>
+              </a:r>
+            </a:p>
+            <a:p>
+              <a:pPr marL="800100" lvl="1" indent="-342900">
+                <a:buFont typeface="+mj-lt"/>
+                <a:buAutoNum type="arabicPeriod"/>
+              </a:pPr>
+              <a:r>
+                <a:rPr lang="en-US" sz="2000" dirty="0">
+                  <a:latin typeface="Dreaming Outloud Script Pro" panose="020F0502020204030204" pitchFamily="66" charset="0"/>
+                  <a:cs typeface="Dreaming Outloud Script Pro" panose="020F0502020204030204" pitchFamily="66" charset="0"/>
+                </a:rPr>
+                <a:t>Melt the butter and chocolate</a:t>
+              </a:r>
+            </a:p>
+            <a:p>
+              <a:pPr marL="800100" lvl="1" indent="-342900">
+                <a:buFont typeface="+mj-lt"/>
+                <a:buAutoNum type="arabicPeriod"/>
+              </a:pPr>
+              <a:r>
+                <a:rPr lang="en-US" sz="2000" dirty="0">
+                  <a:latin typeface="Dreaming Outloud Script Pro" panose="020F0502020204030204" pitchFamily="66" charset="0"/>
+                  <a:cs typeface="Dreaming Outloud Script Pro" panose="020F0502020204030204" pitchFamily="66" charset="0"/>
+                </a:rPr>
+                <a:t>Add the flour</a:t>
+              </a:r>
+            </a:p>
+            <a:p>
+              <a:pPr marL="800100" lvl="1" indent="-342900">
+                <a:buFont typeface="+mj-lt"/>
+                <a:buAutoNum type="arabicPeriod"/>
+              </a:pPr>
+              <a:r>
+                <a:rPr lang="en-US" sz="2000" dirty="0">
+                  <a:latin typeface="Dreaming Outloud Script Pro" panose="020F0502020204030204" pitchFamily="66" charset="0"/>
+                  <a:cs typeface="Dreaming Outloud Script Pro" panose="020F0502020204030204" pitchFamily="66" charset="0"/>
+                </a:rPr>
+                <a:t>Mix in one and one egg</a:t>
+              </a:r>
+            </a:p>
+            <a:p>
+              <a:pPr marL="800100" lvl="1" indent="-342900">
+                <a:buFont typeface="+mj-lt"/>
+                <a:buAutoNum type="arabicPeriod"/>
+              </a:pPr>
+              <a:r>
+                <a:rPr lang="en-US" sz="2000" dirty="0">
+                  <a:latin typeface="Dreaming Outloud Script Pro" panose="020F0502020204030204" pitchFamily="66" charset="0"/>
+                  <a:cs typeface="Dreaming Outloud Script Pro" panose="020F0502020204030204" pitchFamily="66" charset="0"/>
+                </a:rPr>
+                <a:t>Pour the batter in equal sized cups</a:t>
+              </a:r>
+            </a:p>
+            <a:p>
+              <a:pPr marL="800100" lvl="1" indent="-342900">
+                <a:buFont typeface="+mj-lt"/>
+                <a:buAutoNum type="arabicPeriod"/>
+              </a:pPr>
+              <a:r>
+                <a:rPr lang="en-US" sz="2000" dirty="0">
+                  <a:latin typeface="Dreaming Outloud Script Pro" panose="020F0502020204030204" pitchFamily="66" charset="0"/>
+                  <a:cs typeface="Dreaming Outloud Script Pro" panose="020F0502020204030204" pitchFamily="66" charset="0"/>
+                </a:rPr>
+                <a:t>Bake at 200C until ready </a:t>
+              </a:r>
+            </a:p>
+            <a:p>
+              <a:pPr marL="800100" lvl="1" indent="-342900">
+                <a:buFont typeface="+mj-lt"/>
+                <a:buAutoNum type="arabicPeriod"/>
+              </a:pPr>
+              <a:endParaRPr lang="en-US" dirty="0">
+                <a:latin typeface="Dreaming Outloud Script Pro" panose="020F0502020204030204" pitchFamily="66" charset="0"/>
+                <a:cs typeface="Dreaming Outloud Script Pro" panose="020F0502020204030204" pitchFamily="66" charset="0"/>
+              </a:endParaRPr>
+            </a:p>
+            <a:p>
+              <a:pPr marL="800100" lvl="1" indent="-342900">
+                <a:buFont typeface="+mj-lt"/>
+                <a:buAutoNum type="arabicPeriod"/>
+              </a:pPr>
+              <a:endParaRPr lang="en-US" dirty="0">
+                <a:latin typeface="Dreaming Outloud Script Pro" panose="020F0502020204030204" pitchFamily="66" charset="0"/>
+                <a:cs typeface="Dreaming Outloud Script Pro" panose="020F0502020204030204" pitchFamily="66" charset="0"/>
+              </a:endParaRPr>
+            </a:p>
+          </p:txBody>
+        </p:sp>
+        <p:sp>
+          <p:nvSpPr>
+            <p:cNvPr id="12" name="TextBox 11">
+              <a:extLst>
+                <a:ext uri="{FF2B5EF4-FFF2-40B4-BE49-F238E27FC236}">
+                  <a16:creationId xmlns:a16="http://schemas.microsoft.com/office/drawing/2014/main" id="{FB40CB6F-391F-4766-014D-2B7159BC3D45}"/>
+                </a:ext>
+              </a:extLst>
+            </p:cNvPr>
+            <p:cNvSpPr txBox="1"/>
+            <p:nvPr/>
+          </p:nvSpPr>
+          <p:spPr>
+            <a:xfrm>
+              <a:off x="6246097" y="2888251"/>
+              <a:ext cx="6096000" cy="3693319"/>
+            </a:xfrm>
+            <a:prstGeom prst="rect">
+              <a:avLst/>
+            </a:prstGeom>
+            <a:noFill/>
+          </p:spPr>
+          <p:txBody>
+            <a:bodyPr wrap="square">
+              <a:spAutoFit/>
+            </a:bodyPr>
+            <a:lstStyle/>
+            <a:p>
+              <a:r>
+                <a:rPr lang="nb-NO" b="0" dirty="0" err="1">
+                  <a:solidFill>
+                    <a:srgbClr val="0000FF"/>
+                  </a:solidFill>
+                  <a:effectLst/>
+                  <a:latin typeface="Consolas" panose="020B0609020204030204" pitchFamily="49" charset="0"/>
+                </a:rPr>
+                <a:t>def</a:t>
+              </a:r>
+              <a:r>
+                <a:rPr lang="nb-NO" b="0" dirty="0">
+                  <a:solidFill>
+                    <a:srgbClr val="000000"/>
+                  </a:solidFill>
+                  <a:effectLst/>
+                  <a:latin typeface="Consolas" panose="020B0609020204030204" pitchFamily="49" charset="0"/>
+                </a:rPr>
+                <a:t> </a:t>
+              </a:r>
+              <a:r>
+                <a:rPr lang="nb-NO" b="0" dirty="0" err="1">
+                  <a:solidFill>
+                    <a:srgbClr val="74531F"/>
+                  </a:solidFill>
+                  <a:effectLst/>
+                  <a:latin typeface="Consolas" panose="020B0609020204030204" pitchFamily="49" charset="0"/>
+                </a:rPr>
+                <a:t>make_batter</a:t>
+              </a:r>
+              <a:r>
+                <a:rPr lang="nb-NO" b="0" dirty="0">
+                  <a:solidFill>
+                    <a:srgbClr val="000000"/>
+                  </a:solidFill>
+                  <a:effectLst/>
+                  <a:latin typeface="Consolas" panose="020B0609020204030204" pitchFamily="49" charset="0"/>
+                </a:rPr>
+                <a:t>(</a:t>
+              </a:r>
+              <a:r>
+                <a:rPr lang="nb-NO" b="0" dirty="0" err="1">
+                  <a:solidFill>
+                    <a:srgbClr val="808080"/>
+                  </a:solidFill>
+                  <a:effectLst/>
+                  <a:latin typeface="Consolas" panose="020B0609020204030204" pitchFamily="49" charset="0"/>
+                </a:rPr>
+                <a:t>size</a:t>
+              </a:r>
+              <a:r>
+                <a:rPr lang="nb-NO" b="0" dirty="0">
+                  <a:solidFill>
+                    <a:srgbClr val="000000"/>
+                  </a:solidFill>
+                  <a:effectLst/>
+                  <a:latin typeface="Consolas" panose="020B0609020204030204" pitchFamily="49" charset="0"/>
+                </a:rPr>
+                <a:t>=</a:t>
+              </a:r>
+              <a:r>
+                <a:rPr lang="nb-NO" b="0" dirty="0">
+                  <a:solidFill>
+                    <a:srgbClr val="098658"/>
+                  </a:solidFill>
+                  <a:effectLst/>
+                  <a:latin typeface="Consolas" panose="020B0609020204030204" pitchFamily="49" charset="0"/>
+                </a:rPr>
+                <a:t>1</a:t>
+              </a:r>
+              <a:r>
+                <a:rPr lang="nb-NO" b="0" dirty="0">
+                  <a:solidFill>
+                    <a:srgbClr val="000000"/>
+                  </a:solidFill>
+                  <a:effectLst/>
+                  <a:latin typeface="Consolas" panose="020B0609020204030204" pitchFamily="49" charset="0"/>
+                </a:rPr>
+                <a:t>):</a:t>
+              </a:r>
+            </a:p>
+            <a:p>
+              <a:r>
+                <a:rPr lang="nb-NO" b="0" dirty="0">
+                  <a:solidFill>
+                    <a:srgbClr val="000000"/>
+                  </a:solidFill>
+                  <a:effectLst/>
+                  <a:latin typeface="Consolas" panose="020B0609020204030204" pitchFamily="49" charset="0"/>
+                </a:rPr>
+                <a:t>    </a:t>
+              </a:r>
+              <a:r>
+                <a:rPr lang="nb-NO" b="0" dirty="0">
+                  <a:solidFill>
+                    <a:srgbClr val="1F377F"/>
+                  </a:solidFill>
+                  <a:effectLst/>
+                  <a:latin typeface="Consolas" panose="020B0609020204030204" pitchFamily="49" charset="0"/>
+                </a:rPr>
+                <a:t>butter</a:t>
+              </a:r>
+              <a:r>
+                <a:rPr lang="nb-NO" b="0" dirty="0">
+                  <a:solidFill>
+                    <a:srgbClr val="000000"/>
+                  </a:solidFill>
+                  <a:effectLst/>
+                  <a:latin typeface="Consolas" panose="020B0609020204030204" pitchFamily="49" charset="0"/>
+                </a:rPr>
+                <a:t> = </a:t>
+              </a:r>
+              <a:r>
+                <a:rPr lang="nb-NO" b="0" dirty="0" err="1">
+                  <a:solidFill>
+                    <a:srgbClr val="808080"/>
+                  </a:solidFill>
+                  <a:effectLst/>
+                  <a:latin typeface="Consolas" panose="020B0609020204030204" pitchFamily="49" charset="0"/>
+                </a:rPr>
+                <a:t>size</a:t>
+              </a:r>
+              <a:r>
+                <a:rPr lang="nb-NO" b="0" dirty="0">
+                  <a:solidFill>
+                    <a:srgbClr val="000000"/>
+                  </a:solidFill>
+                  <a:effectLst/>
+                  <a:latin typeface="Consolas" panose="020B0609020204030204" pitchFamily="49" charset="0"/>
+                </a:rPr>
+                <a:t>*</a:t>
+              </a:r>
+              <a:r>
+                <a:rPr lang="nb-NO" b="0" dirty="0">
+                  <a:solidFill>
+                    <a:srgbClr val="098658"/>
+                  </a:solidFill>
+                  <a:effectLst/>
+                  <a:latin typeface="Consolas" panose="020B0609020204030204" pitchFamily="49" charset="0"/>
+                </a:rPr>
+                <a:t>250</a:t>
+              </a:r>
+              <a:endParaRPr lang="nb-NO" b="0" dirty="0">
+                <a:solidFill>
+                  <a:srgbClr val="000000"/>
+                </a:solidFill>
+                <a:effectLst/>
+                <a:latin typeface="Consolas" panose="020B0609020204030204" pitchFamily="49" charset="0"/>
+              </a:endParaRPr>
+            </a:p>
+            <a:p>
+              <a:r>
+                <a:rPr lang="nb-NO" b="0" dirty="0">
+                  <a:solidFill>
+                    <a:srgbClr val="000000"/>
+                  </a:solidFill>
+                  <a:effectLst/>
+                  <a:latin typeface="Consolas" panose="020B0609020204030204" pitchFamily="49" charset="0"/>
+                </a:rPr>
+                <a:t>    </a:t>
+              </a:r>
+              <a:r>
+                <a:rPr lang="nb-NO" b="0" dirty="0" err="1">
+                  <a:solidFill>
+                    <a:srgbClr val="1F377F"/>
+                  </a:solidFill>
+                  <a:effectLst/>
+                  <a:latin typeface="Consolas" panose="020B0609020204030204" pitchFamily="49" charset="0"/>
+                </a:rPr>
+                <a:t>sugar</a:t>
+              </a:r>
+              <a:r>
+                <a:rPr lang="nb-NO" b="0" dirty="0">
+                  <a:solidFill>
+                    <a:srgbClr val="000000"/>
+                  </a:solidFill>
+                  <a:effectLst/>
+                  <a:latin typeface="Consolas" panose="020B0609020204030204" pitchFamily="49" charset="0"/>
+                </a:rPr>
+                <a:t>  = </a:t>
+              </a:r>
+              <a:r>
+                <a:rPr lang="nb-NO" b="0" dirty="0" err="1">
+                  <a:solidFill>
+                    <a:srgbClr val="808080"/>
+                  </a:solidFill>
+                  <a:effectLst/>
+                  <a:latin typeface="Consolas" panose="020B0609020204030204" pitchFamily="49" charset="0"/>
+                </a:rPr>
+                <a:t>size</a:t>
+              </a:r>
+              <a:r>
+                <a:rPr lang="nb-NO" b="0" dirty="0">
+                  <a:solidFill>
+                    <a:srgbClr val="000000"/>
+                  </a:solidFill>
+                  <a:effectLst/>
+                  <a:latin typeface="Consolas" panose="020B0609020204030204" pitchFamily="49" charset="0"/>
+                </a:rPr>
+                <a:t>*</a:t>
+              </a:r>
+              <a:r>
+                <a:rPr lang="nb-NO" b="0" dirty="0">
+                  <a:solidFill>
+                    <a:srgbClr val="098658"/>
+                  </a:solidFill>
+                  <a:effectLst/>
+                  <a:latin typeface="Consolas" panose="020B0609020204030204" pitchFamily="49" charset="0"/>
+                </a:rPr>
+                <a:t>250</a:t>
+              </a:r>
+              <a:endParaRPr lang="nb-NO" b="0" dirty="0">
+                <a:solidFill>
+                  <a:srgbClr val="000000"/>
+                </a:solidFill>
+                <a:effectLst/>
+                <a:latin typeface="Consolas" panose="020B0609020204030204" pitchFamily="49" charset="0"/>
+              </a:endParaRPr>
+            </a:p>
+            <a:p>
+              <a:r>
+                <a:rPr lang="nb-NO" b="0" dirty="0">
+                  <a:solidFill>
+                    <a:srgbClr val="000000"/>
+                  </a:solidFill>
+                  <a:effectLst/>
+                  <a:latin typeface="Consolas" panose="020B0609020204030204" pitchFamily="49" charset="0"/>
+                </a:rPr>
+                <a:t>    </a:t>
+              </a:r>
+              <a:r>
+                <a:rPr lang="nb-NO" b="0" dirty="0" err="1">
+                  <a:solidFill>
+                    <a:srgbClr val="1F377F"/>
+                  </a:solidFill>
+                  <a:effectLst/>
+                  <a:latin typeface="Consolas" panose="020B0609020204030204" pitchFamily="49" charset="0"/>
+                </a:rPr>
+                <a:t>choc</a:t>
+              </a:r>
+              <a:r>
+                <a:rPr lang="nb-NO" b="0" dirty="0">
+                  <a:solidFill>
+                    <a:srgbClr val="000000"/>
+                  </a:solidFill>
+                  <a:effectLst/>
+                  <a:latin typeface="Consolas" panose="020B0609020204030204" pitchFamily="49" charset="0"/>
+                </a:rPr>
+                <a:t>   = </a:t>
+              </a:r>
+              <a:r>
+                <a:rPr lang="nb-NO" b="0" dirty="0" err="1">
+                  <a:solidFill>
+                    <a:srgbClr val="808080"/>
+                  </a:solidFill>
+                  <a:effectLst/>
+                  <a:latin typeface="Consolas" panose="020B0609020204030204" pitchFamily="49" charset="0"/>
+                </a:rPr>
+                <a:t>size</a:t>
+              </a:r>
+              <a:r>
+                <a:rPr lang="nb-NO" b="0" dirty="0">
+                  <a:solidFill>
+                    <a:srgbClr val="000000"/>
+                  </a:solidFill>
+                  <a:effectLst/>
+                  <a:latin typeface="Consolas" panose="020B0609020204030204" pitchFamily="49" charset="0"/>
+                </a:rPr>
+                <a:t>*</a:t>
+              </a:r>
+              <a:r>
+                <a:rPr lang="nb-NO" b="0" dirty="0">
+                  <a:solidFill>
+                    <a:srgbClr val="098658"/>
+                  </a:solidFill>
+                  <a:effectLst/>
+                  <a:latin typeface="Consolas" panose="020B0609020204030204" pitchFamily="49" charset="0"/>
+                </a:rPr>
+                <a:t>300</a:t>
+              </a:r>
+              <a:endParaRPr lang="nb-NO" b="0" dirty="0">
+                <a:solidFill>
+                  <a:srgbClr val="000000"/>
+                </a:solidFill>
+                <a:effectLst/>
+                <a:latin typeface="Consolas" panose="020B0609020204030204" pitchFamily="49" charset="0"/>
+              </a:endParaRPr>
+            </a:p>
+            <a:p>
+              <a:r>
+                <a:rPr lang="nb-NO" b="0" dirty="0">
+                  <a:solidFill>
+                    <a:srgbClr val="000000"/>
+                  </a:solidFill>
+                  <a:effectLst/>
+                  <a:latin typeface="Consolas" panose="020B0609020204030204" pitchFamily="49" charset="0"/>
+                </a:rPr>
+                <a:t>    </a:t>
+              </a:r>
+              <a:r>
+                <a:rPr lang="nb-NO" b="0" dirty="0" err="1">
+                  <a:solidFill>
+                    <a:srgbClr val="1F377F"/>
+                  </a:solidFill>
+                  <a:effectLst/>
+                  <a:latin typeface="Consolas" panose="020B0609020204030204" pitchFamily="49" charset="0"/>
+                </a:rPr>
+                <a:t>flour</a:t>
+              </a:r>
+              <a:r>
+                <a:rPr lang="nb-NO" b="0" dirty="0">
+                  <a:solidFill>
+                    <a:srgbClr val="000000"/>
+                  </a:solidFill>
+                  <a:effectLst/>
+                  <a:latin typeface="Consolas" panose="020B0609020204030204" pitchFamily="49" charset="0"/>
+                </a:rPr>
+                <a:t>  = </a:t>
+              </a:r>
+              <a:r>
+                <a:rPr lang="nb-NO" b="0" dirty="0" err="1">
+                  <a:solidFill>
+                    <a:srgbClr val="808080"/>
+                  </a:solidFill>
+                  <a:effectLst/>
+                  <a:latin typeface="Consolas" panose="020B0609020204030204" pitchFamily="49" charset="0"/>
+                </a:rPr>
+                <a:t>size</a:t>
+              </a:r>
+              <a:r>
+                <a:rPr lang="nb-NO" b="0" dirty="0">
+                  <a:solidFill>
+                    <a:srgbClr val="000000"/>
+                  </a:solidFill>
+                  <a:effectLst/>
+                  <a:latin typeface="Consolas" panose="020B0609020204030204" pitchFamily="49" charset="0"/>
+                </a:rPr>
+                <a:t>*</a:t>
+              </a:r>
+              <a:r>
+                <a:rPr lang="nb-NO" b="0" dirty="0">
+                  <a:solidFill>
+                    <a:srgbClr val="098658"/>
+                  </a:solidFill>
+                  <a:effectLst/>
+                  <a:latin typeface="Consolas" panose="020B0609020204030204" pitchFamily="49" charset="0"/>
+                </a:rPr>
+                <a:t>170</a:t>
+              </a:r>
+              <a:endParaRPr lang="nb-NO" b="0" dirty="0">
+                <a:solidFill>
+                  <a:srgbClr val="000000"/>
+                </a:solidFill>
+                <a:effectLst/>
+                <a:latin typeface="Consolas" panose="020B0609020204030204" pitchFamily="49" charset="0"/>
+              </a:endParaRPr>
+            </a:p>
+            <a:p>
+              <a:r>
+                <a:rPr lang="nb-NO" b="0" dirty="0">
+                  <a:solidFill>
+                    <a:srgbClr val="000000"/>
+                  </a:solidFill>
+                  <a:effectLst/>
+                  <a:latin typeface="Consolas" panose="020B0609020204030204" pitchFamily="49" charset="0"/>
+                </a:rPr>
+                <a:t>    </a:t>
+              </a:r>
+              <a:r>
+                <a:rPr lang="nb-NO" b="0">
+                  <a:solidFill>
+                    <a:srgbClr val="1F377F"/>
+                  </a:solidFill>
+                  <a:effectLst/>
+                  <a:latin typeface="Consolas" panose="020B0609020204030204" pitchFamily="49" charset="0"/>
+                </a:rPr>
+                <a:t>eggs</a:t>
+              </a:r>
+              <a:r>
+                <a:rPr lang="nb-NO" b="0">
+                  <a:solidFill>
+                    <a:srgbClr val="000000"/>
+                  </a:solidFill>
+                  <a:effectLst/>
+                  <a:latin typeface="Consolas" panose="020B0609020204030204" pitchFamily="49" charset="0"/>
+                </a:rPr>
+                <a:t>   = </a:t>
+              </a:r>
+              <a:r>
+                <a:rPr lang="nb-NO" b="0" dirty="0" err="1">
+                  <a:solidFill>
+                    <a:srgbClr val="808080"/>
+                  </a:solidFill>
+                  <a:effectLst/>
+                  <a:latin typeface="Consolas" panose="020B0609020204030204" pitchFamily="49" charset="0"/>
+                </a:rPr>
+                <a:t>size</a:t>
+              </a:r>
+              <a:r>
+                <a:rPr lang="nb-NO" b="0" dirty="0">
+                  <a:solidFill>
+                    <a:srgbClr val="000000"/>
+                  </a:solidFill>
+                  <a:effectLst/>
+                  <a:latin typeface="Consolas" panose="020B0609020204030204" pitchFamily="49" charset="0"/>
+                </a:rPr>
+                <a:t>*</a:t>
+              </a:r>
+              <a:r>
+                <a:rPr lang="nb-NO" b="0" dirty="0">
+                  <a:solidFill>
+                    <a:srgbClr val="098658"/>
+                  </a:solidFill>
+                  <a:effectLst/>
+                  <a:latin typeface="Consolas" panose="020B0609020204030204" pitchFamily="49" charset="0"/>
+                </a:rPr>
+                <a:t>8</a:t>
+              </a:r>
+              <a:endParaRPr lang="nb-NO" b="0" dirty="0">
+                <a:solidFill>
+                  <a:srgbClr val="000000"/>
+                </a:solidFill>
+                <a:effectLst/>
+                <a:latin typeface="Consolas" panose="020B0609020204030204" pitchFamily="49" charset="0"/>
+              </a:endParaRPr>
+            </a:p>
+            <a:p>
+              <a:r>
+                <a:rPr lang="nb-NO" b="0" dirty="0">
+                  <a:solidFill>
+                    <a:srgbClr val="000000"/>
+                  </a:solidFill>
+                  <a:effectLst/>
+                  <a:latin typeface="Consolas" panose="020B0609020204030204" pitchFamily="49" charset="0"/>
+                </a:rPr>
+                <a:t>    </a:t>
+              </a:r>
+              <a:r>
+                <a:rPr lang="nb-NO" b="0" dirty="0">
+                  <a:solidFill>
+                    <a:srgbClr val="1F377F"/>
+                  </a:solidFill>
+                  <a:effectLst/>
+                  <a:latin typeface="Consolas" panose="020B0609020204030204" pitchFamily="49" charset="0"/>
+                </a:rPr>
+                <a:t>batter</a:t>
+              </a:r>
+              <a:r>
+                <a:rPr lang="nb-NO" b="0" dirty="0">
+                  <a:solidFill>
+                    <a:srgbClr val="000000"/>
+                  </a:solidFill>
+                  <a:effectLst/>
+                  <a:latin typeface="Consolas" panose="020B0609020204030204" pitchFamily="49" charset="0"/>
+                </a:rPr>
+                <a:t> = </a:t>
+              </a:r>
+              <a:r>
+                <a:rPr lang="nb-NO" b="0" dirty="0" err="1">
+                  <a:solidFill>
+                    <a:srgbClr val="1F377F"/>
+                  </a:solidFill>
+                  <a:effectLst/>
+                  <a:latin typeface="Consolas" panose="020B0609020204030204" pitchFamily="49" charset="0"/>
+                </a:rPr>
+                <a:t>butter</a:t>
+              </a:r>
+              <a:r>
+                <a:rPr lang="nb-NO" b="0" dirty="0" err="1">
+                  <a:solidFill>
+                    <a:srgbClr val="000000"/>
+                  </a:solidFill>
+                  <a:effectLst/>
+                  <a:latin typeface="Consolas" panose="020B0609020204030204" pitchFamily="49" charset="0"/>
+                </a:rPr>
+                <a:t>+</a:t>
+              </a:r>
+              <a:r>
+                <a:rPr lang="nb-NO" b="0" dirty="0" err="1">
+                  <a:solidFill>
+                    <a:srgbClr val="1F377F"/>
+                  </a:solidFill>
+                  <a:effectLst/>
+                  <a:latin typeface="Consolas" panose="020B0609020204030204" pitchFamily="49" charset="0"/>
+                </a:rPr>
+                <a:t>sugar</a:t>
+              </a:r>
+              <a:endParaRPr lang="nb-NO" b="0" dirty="0">
+                <a:solidFill>
+                  <a:srgbClr val="000000"/>
+                </a:solidFill>
+                <a:effectLst/>
+                <a:latin typeface="Consolas" panose="020B0609020204030204" pitchFamily="49" charset="0"/>
+              </a:endParaRPr>
+            </a:p>
+            <a:p>
+              <a:r>
+                <a:rPr lang="nb-NO" b="0" dirty="0">
+                  <a:solidFill>
+                    <a:srgbClr val="000000"/>
+                  </a:solidFill>
+                  <a:effectLst/>
+                  <a:latin typeface="Consolas" panose="020B0609020204030204" pitchFamily="49" charset="0"/>
+                </a:rPr>
+                <a:t>    </a:t>
+              </a:r>
+              <a:r>
+                <a:rPr lang="nb-NO" b="0" dirty="0" err="1">
+                  <a:solidFill>
+                    <a:srgbClr val="1F377F"/>
+                  </a:solidFill>
+                  <a:effectLst/>
+                  <a:latin typeface="Consolas" panose="020B0609020204030204" pitchFamily="49" charset="0"/>
+                </a:rPr>
+                <a:t>cold</a:t>
+              </a:r>
+              <a:r>
+                <a:rPr lang="nb-NO" b="0" dirty="0">
+                  <a:solidFill>
+                    <a:srgbClr val="000000"/>
+                  </a:solidFill>
+                  <a:effectLst/>
+                  <a:latin typeface="Consolas" panose="020B0609020204030204" pitchFamily="49" charset="0"/>
+                </a:rPr>
+                <a:t> = </a:t>
+              </a:r>
+              <a:r>
+                <a:rPr lang="nb-NO" b="0" dirty="0">
+                  <a:solidFill>
+                    <a:srgbClr val="0000FF"/>
+                  </a:solidFill>
+                  <a:effectLst/>
+                  <a:latin typeface="Consolas" panose="020B0609020204030204" pitchFamily="49" charset="0"/>
+                </a:rPr>
+                <a:t>True</a:t>
+              </a:r>
+              <a:endParaRPr lang="nb-NO" b="0" dirty="0">
+                <a:solidFill>
+                  <a:srgbClr val="000000"/>
+                </a:solidFill>
+                <a:effectLst/>
+                <a:latin typeface="Consolas" panose="020B0609020204030204" pitchFamily="49" charset="0"/>
+              </a:endParaRPr>
+            </a:p>
+            <a:p>
+              <a:r>
+                <a:rPr lang="nb-NO" b="0" dirty="0">
+                  <a:solidFill>
+                    <a:srgbClr val="000000"/>
+                  </a:solidFill>
+                  <a:effectLst/>
+                  <a:latin typeface="Consolas" panose="020B0609020204030204" pitchFamily="49" charset="0"/>
+                </a:rPr>
+                <a:t>    </a:t>
+              </a:r>
+              <a:r>
+                <a:rPr lang="nb-NO" b="0" dirty="0" err="1">
+                  <a:solidFill>
+                    <a:srgbClr val="8F08C4"/>
+                  </a:solidFill>
+                  <a:effectLst/>
+                  <a:latin typeface="Consolas" panose="020B0609020204030204" pitchFamily="49" charset="0"/>
+                </a:rPr>
+                <a:t>while</a:t>
+              </a:r>
+              <a:r>
+                <a:rPr lang="nb-NO" b="0" dirty="0">
+                  <a:solidFill>
+                    <a:srgbClr val="000000"/>
+                  </a:solidFill>
+                  <a:effectLst/>
+                  <a:latin typeface="Consolas" panose="020B0609020204030204" pitchFamily="49" charset="0"/>
+                </a:rPr>
+                <a:t> </a:t>
+              </a:r>
+              <a:r>
+                <a:rPr lang="nb-NO" b="0" dirty="0">
+                  <a:solidFill>
+                    <a:srgbClr val="1F377F"/>
+                  </a:solidFill>
+                  <a:effectLst/>
+                  <a:latin typeface="Consolas" panose="020B0609020204030204" pitchFamily="49" charset="0"/>
+                </a:rPr>
+                <a:t>batter</a:t>
+              </a:r>
+              <a:r>
+                <a:rPr lang="nb-NO" b="0" dirty="0">
+                  <a:solidFill>
+                    <a:srgbClr val="000000"/>
+                  </a:solidFill>
+                  <a:effectLst/>
+                  <a:latin typeface="Consolas" panose="020B0609020204030204" pitchFamily="49" charset="0"/>
+                </a:rPr>
+                <a:t> </a:t>
+              </a:r>
+              <a:r>
+                <a:rPr lang="nb-NO" b="0" dirty="0">
+                  <a:solidFill>
+                    <a:srgbClr val="0000FF"/>
+                  </a:solidFill>
+                  <a:effectLst/>
+                  <a:latin typeface="Consolas" panose="020B0609020204030204" pitchFamily="49" charset="0"/>
+                </a:rPr>
+                <a:t>is</a:t>
+              </a:r>
+              <a:r>
+                <a:rPr lang="nb-NO" b="0" dirty="0">
+                  <a:solidFill>
+                    <a:srgbClr val="000000"/>
+                  </a:solidFill>
+                  <a:effectLst/>
+                  <a:latin typeface="Consolas" panose="020B0609020204030204" pitchFamily="49" charset="0"/>
+                </a:rPr>
+                <a:t> </a:t>
+              </a:r>
+              <a:r>
+                <a:rPr lang="nb-NO" b="0" dirty="0" err="1">
+                  <a:solidFill>
+                    <a:srgbClr val="1F377F"/>
+                  </a:solidFill>
+                  <a:effectLst/>
+                  <a:latin typeface="Consolas" panose="020B0609020204030204" pitchFamily="49" charset="0"/>
+                </a:rPr>
+                <a:t>cold</a:t>
+              </a:r>
+              <a:r>
+                <a:rPr lang="nb-NO" b="0" dirty="0">
+                  <a:solidFill>
+                    <a:srgbClr val="000000"/>
+                  </a:solidFill>
+                  <a:effectLst/>
+                  <a:latin typeface="Consolas" panose="020B0609020204030204" pitchFamily="49" charset="0"/>
+                </a:rPr>
+                <a:t>: </a:t>
+              </a:r>
+              <a:r>
+                <a:rPr lang="nb-NO" b="0" dirty="0">
+                  <a:solidFill>
+                    <a:srgbClr val="008000"/>
+                  </a:solidFill>
+                  <a:effectLst/>
+                  <a:latin typeface="Consolas" panose="020B0609020204030204" pitchFamily="49" charset="0"/>
+                </a:rPr>
+                <a:t># heat up</a:t>
+              </a:r>
+              <a:endParaRPr lang="nb-NO" b="0" dirty="0">
+                <a:solidFill>
+                  <a:srgbClr val="000000"/>
+                </a:solidFill>
+                <a:effectLst/>
+                <a:latin typeface="Consolas" panose="020B0609020204030204" pitchFamily="49" charset="0"/>
+              </a:endParaRPr>
+            </a:p>
+            <a:p>
+              <a:r>
+                <a:rPr lang="nb-NO" b="0" dirty="0">
+                  <a:solidFill>
+                    <a:srgbClr val="000000"/>
+                  </a:solidFill>
+                  <a:effectLst/>
+                  <a:latin typeface="Consolas" panose="020B0609020204030204" pitchFamily="49" charset="0"/>
+                </a:rPr>
+                <a:t>        </a:t>
+              </a:r>
+              <a:r>
+                <a:rPr lang="nb-NO" b="0" dirty="0" err="1">
+                  <a:solidFill>
+                    <a:srgbClr val="1F377F"/>
+                  </a:solidFill>
+                  <a:effectLst/>
+                  <a:latin typeface="Consolas" panose="020B0609020204030204" pitchFamily="49" charset="0"/>
+                </a:rPr>
+                <a:t>cold</a:t>
+              </a:r>
+              <a:r>
+                <a:rPr lang="nb-NO" b="0" dirty="0">
+                  <a:solidFill>
+                    <a:srgbClr val="000000"/>
+                  </a:solidFill>
+                  <a:effectLst/>
+                  <a:latin typeface="Consolas" panose="020B0609020204030204" pitchFamily="49" charset="0"/>
+                </a:rPr>
+                <a:t> = </a:t>
+              </a:r>
+              <a:r>
+                <a:rPr lang="nb-NO" b="0" dirty="0">
+                  <a:solidFill>
+                    <a:srgbClr val="0000FF"/>
+                  </a:solidFill>
+                  <a:effectLst/>
+                  <a:latin typeface="Consolas" panose="020B0609020204030204" pitchFamily="49" charset="0"/>
+                </a:rPr>
+                <a:t>False</a:t>
+              </a:r>
+              <a:endParaRPr lang="nb-NO" b="0" dirty="0">
+                <a:solidFill>
+                  <a:srgbClr val="000000"/>
+                </a:solidFill>
+                <a:effectLst/>
+                <a:latin typeface="Consolas" panose="020B0609020204030204" pitchFamily="49" charset="0"/>
+              </a:endParaRPr>
+            </a:p>
+            <a:p>
+              <a:r>
+                <a:rPr lang="nb-NO" b="0" dirty="0">
+                  <a:solidFill>
+                    <a:srgbClr val="000000"/>
+                  </a:solidFill>
+                  <a:effectLst/>
+                  <a:latin typeface="Consolas" panose="020B0609020204030204" pitchFamily="49" charset="0"/>
+                </a:rPr>
+                <a:t>    </a:t>
+              </a:r>
+              <a:r>
+                <a:rPr lang="nb-NO" b="0" dirty="0">
+                  <a:solidFill>
+                    <a:srgbClr val="8F08C4"/>
+                  </a:solidFill>
+                  <a:effectLst/>
+                  <a:latin typeface="Consolas" panose="020B0609020204030204" pitchFamily="49" charset="0"/>
+                </a:rPr>
+                <a:t>for</a:t>
+              </a:r>
+              <a:r>
+                <a:rPr lang="nb-NO" b="0" dirty="0">
+                  <a:solidFill>
+                    <a:srgbClr val="000000"/>
+                  </a:solidFill>
+                  <a:effectLst/>
+                  <a:latin typeface="Consolas" panose="020B0609020204030204" pitchFamily="49" charset="0"/>
+                </a:rPr>
+                <a:t> </a:t>
+              </a:r>
+              <a:r>
+                <a:rPr lang="nb-NO" b="0" dirty="0">
+                  <a:solidFill>
+                    <a:srgbClr val="1F377F"/>
+                  </a:solidFill>
+                  <a:effectLst/>
+                  <a:latin typeface="Consolas" panose="020B0609020204030204" pitchFamily="49" charset="0"/>
+                </a:rPr>
+                <a:t>egg</a:t>
+              </a:r>
+              <a:r>
+                <a:rPr lang="nb-NO" b="0" dirty="0">
+                  <a:solidFill>
+                    <a:srgbClr val="000000"/>
+                  </a:solidFill>
+                  <a:effectLst/>
+                  <a:latin typeface="Consolas" panose="020B0609020204030204" pitchFamily="49" charset="0"/>
+                </a:rPr>
+                <a:t> </a:t>
+              </a:r>
+              <a:r>
+                <a:rPr lang="nb-NO" b="0" dirty="0">
+                  <a:solidFill>
+                    <a:srgbClr val="8F08C4"/>
+                  </a:solidFill>
+                  <a:effectLst/>
+                  <a:latin typeface="Consolas" panose="020B0609020204030204" pitchFamily="49" charset="0"/>
+                </a:rPr>
+                <a:t>in</a:t>
+              </a:r>
+              <a:r>
+                <a:rPr lang="nb-NO" b="0" dirty="0">
+                  <a:solidFill>
+                    <a:srgbClr val="000000"/>
+                  </a:solidFill>
+                  <a:effectLst/>
+                  <a:latin typeface="Consolas" panose="020B0609020204030204" pitchFamily="49" charset="0"/>
+                </a:rPr>
+                <a:t> </a:t>
+              </a:r>
+              <a:r>
+                <a:rPr lang="nb-NO" b="0" dirty="0">
+                  <a:solidFill>
+                    <a:srgbClr val="2B91AF"/>
+                  </a:solidFill>
+                  <a:effectLst/>
+                  <a:latin typeface="Consolas" panose="020B0609020204030204" pitchFamily="49" charset="0"/>
+                </a:rPr>
+                <a:t>range</a:t>
+              </a:r>
+              <a:r>
+                <a:rPr lang="nb-NO" b="0" dirty="0">
+                  <a:solidFill>
+                    <a:srgbClr val="000000"/>
+                  </a:solidFill>
+                  <a:effectLst/>
+                  <a:latin typeface="Consolas" panose="020B0609020204030204" pitchFamily="49" charset="0"/>
+                </a:rPr>
+                <a:t>(</a:t>
+              </a:r>
+              <a:r>
+                <a:rPr lang="nb-NO" b="0" dirty="0">
+                  <a:solidFill>
+                    <a:srgbClr val="1F377F"/>
+                  </a:solidFill>
+                  <a:effectLst/>
+                  <a:latin typeface="Consolas" panose="020B0609020204030204" pitchFamily="49" charset="0"/>
+                </a:rPr>
+                <a:t>eggs</a:t>
+              </a:r>
+              <a:r>
+                <a:rPr lang="nb-NO" b="0" dirty="0">
+                  <a:solidFill>
+                    <a:srgbClr val="000000"/>
+                  </a:solidFill>
+                  <a:effectLst/>
+                  <a:latin typeface="Consolas" panose="020B0609020204030204" pitchFamily="49" charset="0"/>
+                </a:rPr>
+                <a:t>):</a:t>
+              </a:r>
+            </a:p>
+            <a:p>
+              <a:r>
+                <a:rPr lang="nb-NO" b="0" dirty="0">
+                  <a:solidFill>
+                    <a:srgbClr val="000000"/>
+                  </a:solidFill>
+                  <a:effectLst/>
+                  <a:latin typeface="Consolas" panose="020B0609020204030204" pitchFamily="49" charset="0"/>
+                </a:rPr>
+                <a:t>        </a:t>
+              </a:r>
+              <a:r>
+                <a:rPr lang="nb-NO" b="0" dirty="0">
+                  <a:solidFill>
+                    <a:srgbClr val="1F377F"/>
+                  </a:solidFill>
+                  <a:effectLst/>
+                  <a:latin typeface="Consolas" panose="020B0609020204030204" pitchFamily="49" charset="0"/>
+                </a:rPr>
+                <a:t>batter</a:t>
+              </a:r>
+              <a:r>
+                <a:rPr lang="nb-NO" b="0" dirty="0">
+                  <a:solidFill>
+                    <a:srgbClr val="000000"/>
+                  </a:solidFill>
+                  <a:effectLst/>
+                  <a:latin typeface="Consolas" panose="020B0609020204030204" pitchFamily="49" charset="0"/>
+                </a:rPr>
+                <a:t> = </a:t>
+              </a:r>
+              <a:r>
+                <a:rPr lang="nb-NO" b="0" dirty="0">
+                  <a:solidFill>
+                    <a:srgbClr val="1F377F"/>
+                  </a:solidFill>
+                  <a:effectLst/>
+                  <a:latin typeface="Consolas" panose="020B0609020204030204" pitchFamily="49" charset="0"/>
+                </a:rPr>
+                <a:t>batter</a:t>
+              </a:r>
+              <a:r>
+                <a:rPr lang="nb-NO" b="0" dirty="0">
+                  <a:solidFill>
+                    <a:srgbClr val="000000"/>
+                  </a:solidFill>
+                  <a:effectLst/>
+                  <a:latin typeface="Consolas" panose="020B0609020204030204" pitchFamily="49" charset="0"/>
+                </a:rPr>
+                <a:t> + </a:t>
+              </a:r>
+              <a:r>
+                <a:rPr lang="nb-NO" b="0" dirty="0">
+                  <a:solidFill>
+                    <a:srgbClr val="1F377F"/>
+                  </a:solidFill>
+                  <a:effectLst/>
+                  <a:latin typeface="Consolas" panose="020B0609020204030204" pitchFamily="49" charset="0"/>
+                </a:rPr>
+                <a:t>egg</a:t>
+              </a:r>
+              <a:endParaRPr lang="nb-NO" b="0" dirty="0">
+                <a:solidFill>
+                  <a:srgbClr val="000000"/>
+                </a:solidFill>
+                <a:effectLst/>
+                <a:latin typeface="Consolas" panose="020B0609020204030204" pitchFamily="49" charset="0"/>
+              </a:endParaRPr>
+            </a:p>
+            <a:p>
+              <a:r>
+                <a:rPr lang="nb-NO" b="0" dirty="0">
+                  <a:solidFill>
+                    <a:srgbClr val="000000"/>
+                  </a:solidFill>
+                  <a:effectLst/>
+                  <a:latin typeface="Consolas" panose="020B0609020204030204" pitchFamily="49" charset="0"/>
+                </a:rPr>
+                <a:t>    </a:t>
+              </a:r>
+              <a:r>
+                <a:rPr lang="nb-NO" b="0" dirty="0" err="1">
+                  <a:solidFill>
+                    <a:srgbClr val="8F08C4"/>
+                  </a:solidFill>
+                  <a:effectLst/>
+                  <a:latin typeface="Consolas" panose="020B0609020204030204" pitchFamily="49" charset="0"/>
+                </a:rPr>
+                <a:t>return</a:t>
+              </a:r>
+              <a:r>
+                <a:rPr lang="nb-NO" b="0" dirty="0">
+                  <a:solidFill>
+                    <a:srgbClr val="000000"/>
+                  </a:solidFill>
+                  <a:effectLst/>
+                  <a:latin typeface="Consolas" panose="020B0609020204030204" pitchFamily="49" charset="0"/>
+                </a:rPr>
+                <a:t> </a:t>
+              </a:r>
+              <a:r>
+                <a:rPr lang="nb-NO" b="0" dirty="0">
+                  <a:solidFill>
+                    <a:srgbClr val="1F377F"/>
+                  </a:solidFill>
+                  <a:effectLst/>
+                  <a:latin typeface="Consolas" panose="020B0609020204030204" pitchFamily="49" charset="0"/>
+                </a:rPr>
+                <a:t>batter</a:t>
+              </a:r>
+              <a:endParaRPr lang="nb-NO" b="0" dirty="0">
+                <a:solidFill>
+                  <a:srgbClr val="000000"/>
+                </a:solidFill>
+                <a:effectLst/>
+                <a:latin typeface="Consolas" panose="020B0609020204030204" pitchFamily="49" charset="0"/>
+              </a:endParaRPr>
+            </a:p>
+          </p:txBody>
+        </p:sp>
+      </p:grpSp>
+    </p:spTree>
+    <p:extLst>
+      <p:ext uri="{BB962C8B-B14F-4D97-AF65-F5344CB8AC3E}">
+        <p14:creationId xmlns:p14="http://schemas.microsoft.com/office/powerpoint/2010/main" val="2524344698"/>
+      </p:ext>
+    </p:extLst>
+  </p:cSld>
+  <p:clrMapOvr>
+    <a:masterClrMapping/>
+  </p:clrMapOvr>
+</p:sld>
+</file>
+
 <file path=ppt/theme/theme1.xml><?xml version="1.0" encoding="utf-8"?>
 <a:theme xmlns:a="http://schemas.openxmlformats.org/drawingml/2006/main" name="Office Theme">
   <a:themeElements>

--- a/doc/src/modules/pictures.pptx
+++ b/doc/src/modules/pictures.pptx
@@ -262,7 +262,7 @@
           <a:p>
             <a:fld id="{E019B8FA-7D10-47D5-BFE0-6BB09CDD23F4}" type="datetimeFigureOut">
               <a:rPr lang="en-US" smtClean="0"/>
-              <a:t>12/13/2023</a:t>
+              <a:t>12/19/2023</a:t>
             </a:fld>
             <a:endParaRPr lang="en-US"/>
           </a:p>
@@ -460,7 +460,7 @@
           <a:p>
             <a:fld id="{E019B8FA-7D10-47D5-BFE0-6BB09CDD23F4}" type="datetimeFigureOut">
               <a:rPr lang="en-US" smtClean="0"/>
-              <a:t>12/13/2023</a:t>
+              <a:t>12/19/2023</a:t>
             </a:fld>
             <a:endParaRPr lang="en-US"/>
           </a:p>
@@ -668,7 +668,7 @@
           <a:p>
             <a:fld id="{E019B8FA-7D10-47D5-BFE0-6BB09CDD23F4}" type="datetimeFigureOut">
               <a:rPr lang="en-US" smtClean="0"/>
-              <a:t>12/13/2023</a:t>
+              <a:t>12/19/2023</a:t>
             </a:fld>
             <a:endParaRPr lang="en-US"/>
           </a:p>
@@ -866,7 +866,7 @@
           <a:p>
             <a:fld id="{E019B8FA-7D10-47D5-BFE0-6BB09CDD23F4}" type="datetimeFigureOut">
               <a:rPr lang="en-US" smtClean="0"/>
-              <a:t>12/13/2023</a:t>
+              <a:t>12/19/2023</a:t>
             </a:fld>
             <a:endParaRPr lang="en-US"/>
           </a:p>
@@ -1141,7 +1141,7 @@
           <a:p>
             <a:fld id="{E019B8FA-7D10-47D5-BFE0-6BB09CDD23F4}" type="datetimeFigureOut">
               <a:rPr lang="en-US" smtClean="0"/>
-              <a:t>12/13/2023</a:t>
+              <a:t>12/19/2023</a:t>
             </a:fld>
             <a:endParaRPr lang="en-US"/>
           </a:p>
@@ -1406,7 +1406,7 @@
           <a:p>
             <a:fld id="{E019B8FA-7D10-47D5-BFE0-6BB09CDD23F4}" type="datetimeFigureOut">
               <a:rPr lang="en-US" smtClean="0"/>
-              <a:t>12/13/2023</a:t>
+              <a:t>12/19/2023</a:t>
             </a:fld>
             <a:endParaRPr lang="en-US"/>
           </a:p>
@@ -1818,7 +1818,7 @@
           <a:p>
             <a:fld id="{E019B8FA-7D10-47D5-BFE0-6BB09CDD23F4}" type="datetimeFigureOut">
               <a:rPr lang="en-US" smtClean="0"/>
-              <a:t>12/13/2023</a:t>
+              <a:t>12/19/2023</a:t>
             </a:fld>
             <a:endParaRPr lang="en-US"/>
           </a:p>
@@ -1959,7 +1959,7 @@
           <a:p>
             <a:fld id="{E019B8FA-7D10-47D5-BFE0-6BB09CDD23F4}" type="datetimeFigureOut">
               <a:rPr lang="en-US" smtClean="0"/>
-              <a:t>12/13/2023</a:t>
+              <a:t>12/19/2023</a:t>
             </a:fld>
             <a:endParaRPr lang="en-US"/>
           </a:p>
@@ -2072,7 +2072,7 @@
           <a:p>
             <a:fld id="{E019B8FA-7D10-47D5-BFE0-6BB09CDD23F4}" type="datetimeFigureOut">
               <a:rPr lang="en-US" smtClean="0"/>
-              <a:t>12/13/2023</a:t>
+              <a:t>12/19/2023</a:t>
             </a:fld>
             <a:endParaRPr lang="en-US"/>
           </a:p>
@@ -2383,7 +2383,7 @@
           <a:p>
             <a:fld id="{E019B8FA-7D10-47D5-BFE0-6BB09CDD23F4}" type="datetimeFigureOut">
               <a:rPr lang="en-US" smtClean="0"/>
-              <a:t>12/13/2023</a:t>
+              <a:t>12/19/2023</a:t>
             </a:fld>
             <a:endParaRPr lang="en-US"/>
           </a:p>
@@ -2671,7 +2671,7 @@
           <a:p>
             <a:fld id="{E019B8FA-7D10-47D5-BFE0-6BB09CDD23F4}" type="datetimeFigureOut">
               <a:rPr lang="en-US" smtClean="0"/>
-              <a:t>12/13/2023</a:t>
+              <a:t>12/19/2023</a:t>
             </a:fld>
             <a:endParaRPr lang="en-US"/>
           </a:p>
@@ -2912,7 +2912,7 @@
           <a:p>
             <a:fld id="{E019B8FA-7D10-47D5-BFE0-6BB09CDD23F4}" type="datetimeFigureOut">
               <a:rPr lang="en-US" smtClean="0"/>
-              <a:t>12/13/2023</a:t>
+              <a:t>12/19/2023</a:t>
             </a:fld>
             <a:endParaRPr lang="en-US"/>
           </a:p>
@@ -4021,10 +4021,10 @@
       </p:grpSpPr>
       <p:grpSp>
         <p:nvGrpSpPr>
-          <p:cNvPr id="13" name="Group 12">
-            <a:extLst>
-              <a:ext uri="{FF2B5EF4-FFF2-40B4-BE49-F238E27FC236}">
-                <a16:creationId xmlns:a16="http://schemas.microsoft.com/office/drawing/2014/main" id="{F9F4EDE4-F693-A1C6-F000-360258115F89}"/>
+          <p:cNvPr id="3" name="Group 2">
+            <a:extLst>
+              <a:ext uri="{FF2B5EF4-FFF2-40B4-BE49-F238E27FC236}">
+                <a16:creationId xmlns:a16="http://schemas.microsoft.com/office/drawing/2014/main" id="{F7A35536-58D0-E696-D518-09F3BCD7DBD8}"/>
               </a:ext>
             </a:extLst>
           </p:cNvPr>
@@ -4033,1200 +4033,1270 @@
         </p:nvGrpSpPr>
         <p:grpSpPr>
           <a:xfrm>
-            <a:off x="87760" y="2857474"/>
-            <a:ext cx="12254337" cy="3724096"/>
-            <a:chOff x="87760" y="2857474"/>
-            <a:chExt cx="12254337" cy="3724096"/>
+            <a:off x="87760" y="2711116"/>
+            <a:ext cx="12254337" cy="3870454"/>
+            <a:chOff x="87760" y="2711116"/>
+            <a:chExt cx="12254337" cy="3870454"/>
           </a:xfrm>
         </p:grpSpPr>
         <p:sp>
           <p:nvSpPr>
-            <p:cNvPr id="9" name="TextBox 8">
+            <p:cNvPr id="2" name="Rectangle 1">
               <a:extLst>
                 <a:ext uri="{FF2B5EF4-FFF2-40B4-BE49-F238E27FC236}">
-                  <a16:creationId xmlns:a16="http://schemas.microsoft.com/office/drawing/2014/main" id="{CC0B1A70-855D-2EB9-53D0-539F00721851}"/>
+                  <a16:creationId xmlns:a16="http://schemas.microsoft.com/office/drawing/2014/main" id="{C18EFEAC-2700-DE44-20CA-5F204441EDE8}"/>
                 </a:ext>
               </a:extLst>
             </p:cNvPr>
-            <p:cNvSpPr txBox="1"/>
+            <p:cNvSpPr/>
             <p:nvPr/>
           </p:nvSpPr>
           <p:spPr>
-            <a:xfrm flipH="1">
-              <a:off x="87760" y="2888251"/>
-              <a:ext cx="3422694" cy="1938992"/>
+            <a:xfrm>
+              <a:off x="152400" y="2711116"/>
+              <a:ext cx="10956758" cy="3870454"/>
             </a:xfrm>
             <a:prstGeom prst="rect">
               <a:avLst/>
             </a:prstGeom>
-            <a:noFill/>
+            <a:solidFill>
+              <a:schemeClr val="bg1"/>
+            </a:solidFill>
           </p:spPr>
+          <p:style>
+            <a:lnRef idx="2">
+              <a:schemeClr val="accent1">
+                <a:shade val="15000"/>
+              </a:schemeClr>
+            </a:lnRef>
+            <a:fillRef idx="1">
+              <a:schemeClr val="accent1"/>
+            </a:fillRef>
+            <a:effectRef idx="0">
+              <a:schemeClr val="accent1"/>
+            </a:effectRef>
+            <a:fontRef idx="minor">
+              <a:schemeClr val="lt1"/>
+            </a:fontRef>
+          </p:style>
           <p:txBody>
-            <a:bodyPr wrap="square" rtlCol="0">
-              <a:spAutoFit/>
-            </a:bodyPr>
+            <a:bodyPr rtlCol="0" anchor="ctr"/>
             <a:lstStyle/>
             <a:p>
-              <a:r>
-                <a:rPr lang="en-US" sz="2000" dirty="0">
-                  <a:latin typeface="Dreaming Outloud Script Pro" panose="020F0502020204030204" pitchFamily="66" charset="0"/>
-                  <a:cs typeface="Dreaming Outloud Script Pro" panose="020F0502020204030204" pitchFamily="66" charset="0"/>
-                </a:rPr>
-                <a:t>   Chocolate Fondant</a:t>
-              </a:r>
-            </a:p>
-            <a:p>
-              <a:pPr marL="742950" lvl="1" indent="-285750">
-                <a:buFont typeface="Arial" panose="020B0604020202020204" pitchFamily="34" charset="0"/>
-                <a:buChar char="•"/>
-              </a:pPr>
-              <a:r>
-                <a:rPr lang="en-US" sz="2000" dirty="0">
-                  <a:latin typeface="Dreaming Outloud Script Pro" panose="020F0502020204030204" pitchFamily="66" charset="0"/>
-                  <a:cs typeface="Dreaming Outloud Script Pro" panose="020F0502020204030204" pitchFamily="66" charset="0"/>
-                </a:rPr>
-                <a:t>250g butter</a:t>
-              </a:r>
-            </a:p>
-            <a:p>
-              <a:pPr marL="742950" lvl="1" indent="-285750">
-                <a:buFont typeface="Arial" panose="020B0604020202020204" pitchFamily="34" charset="0"/>
-                <a:buChar char="•"/>
-              </a:pPr>
-              <a:r>
-                <a:rPr lang="en-US" sz="2000" dirty="0">
-                  <a:latin typeface="Dreaming Outloud Script Pro" panose="020F0502020204030204" pitchFamily="66" charset="0"/>
-                  <a:cs typeface="Dreaming Outloud Script Pro" panose="020F0502020204030204" pitchFamily="66" charset="0"/>
-                </a:rPr>
-                <a:t>250g sugar</a:t>
-              </a:r>
-            </a:p>
-            <a:p>
-              <a:pPr marL="742950" lvl="1" indent="-285750">
-                <a:buFont typeface="Arial" panose="020B0604020202020204" pitchFamily="34" charset="0"/>
-                <a:buChar char="•"/>
-              </a:pPr>
-              <a:r>
-                <a:rPr lang="en-US" sz="2000" dirty="0">
-                  <a:latin typeface="Dreaming Outloud Script Pro" panose="020F0502020204030204" pitchFamily="66" charset="0"/>
-                  <a:cs typeface="Dreaming Outloud Script Pro" panose="020F0502020204030204" pitchFamily="66" charset="0"/>
-                </a:rPr>
-                <a:t>300g chocolate</a:t>
-              </a:r>
-            </a:p>
-            <a:p>
-              <a:pPr marL="742950" lvl="1" indent="-285750">
-                <a:buFont typeface="Arial" panose="020B0604020202020204" pitchFamily="34" charset="0"/>
-                <a:buChar char="•"/>
-              </a:pPr>
-              <a:r>
-                <a:rPr lang="en-US" sz="2000" dirty="0">
-                  <a:latin typeface="Dreaming Outloud Script Pro" panose="020F0502020204030204" pitchFamily="66" charset="0"/>
-                  <a:cs typeface="Dreaming Outloud Script Pro" panose="020F0502020204030204" pitchFamily="66" charset="0"/>
-                </a:rPr>
-                <a:t>170g flour</a:t>
-              </a:r>
-            </a:p>
-            <a:p>
-              <a:pPr marL="742950" lvl="1" indent="-285750">
-                <a:buFont typeface="Arial" panose="020B0604020202020204" pitchFamily="34" charset="0"/>
-                <a:buChar char="•"/>
-              </a:pPr>
-              <a:r>
-                <a:rPr lang="en-US" sz="2000" dirty="0">
-                  <a:latin typeface="Dreaming Outloud Script Pro" panose="020F0502020204030204" pitchFamily="66" charset="0"/>
-                  <a:cs typeface="Dreaming Outloud Script Pro" panose="020F0502020204030204" pitchFamily="66" charset="0"/>
-                </a:rPr>
-                <a:t>8 eggs</a:t>
-              </a:r>
+              <a:pPr algn="ctr"/>
+              <a:endParaRPr lang="en-US"/>
             </a:p>
           </p:txBody>
         </p:sp>
-        <p:sp>
-          <p:nvSpPr>
-            <p:cNvPr id="10" name="TextBox 9">
+        <p:grpSp>
+          <p:nvGrpSpPr>
+            <p:cNvPr id="13" name="Group 12">
               <a:extLst>
                 <a:ext uri="{FF2B5EF4-FFF2-40B4-BE49-F238E27FC236}">
-                  <a16:creationId xmlns:a16="http://schemas.microsoft.com/office/drawing/2014/main" id="{B1A3C9EA-4445-BCF5-EDBF-5C713FB6FC3B}"/>
+                  <a16:creationId xmlns:a16="http://schemas.microsoft.com/office/drawing/2014/main" id="{F9F4EDE4-F693-A1C6-F000-360258115F89}"/>
                 </a:ext>
               </a:extLst>
             </p:cNvPr>
-            <p:cNvSpPr txBox="1"/>
+            <p:cNvGrpSpPr/>
             <p:nvPr/>
-          </p:nvSpPr>
-          <p:spPr>
-            <a:xfrm flipH="1">
-              <a:off x="2802382" y="2857474"/>
-              <a:ext cx="3554074" cy="3724096"/>
+          </p:nvGrpSpPr>
+          <p:grpSpPr>
+            <a:xfrm>
+              <a:off x="87760" y="2857474"/>
+              <a:ext cx="12254337" cy="3724096"/>
+              <a:chOff x="87760" y="2857474"/>
+              <a:chExt cx="12254337" cy="3724096"/>
             </a:xfrm>
-            <a:prstGeom prst="rect">
-              <a:avLst/>
-            </a:prstGeom>
-            <a:noFill/>
-          </p:spPr>
-          <p:txBody>
-            <a:bodyPr wrap="square" rtlCol="0">
-              <a:spAutoFit/>
-            </a:bodyPr>
-            <a:lstStyle/>
-            <a:p>
-              <a:r>
-                <a:rPr lang="en-US" sz="2000" dirty="0">
+          </p:grpSpPr>
+          <p:sp>
+            <p:nvSpPr>
+              <p:cNvPr id="9" name="TextBox 8">
+                <a:extLst>
+                  <a:ext uri="{FF2B5EF4-FFF2-40B4-BE49-F238E27FC236}">
+                    <a16:creationId xmlns:a16="http://schemas.microsoft.com/office/drawing/2014/main" id="{CC0B1A70-855D-2EB9-53D0-539F00721851}"/>
+                  </a:ext>
+                </a:extLst>
+              </p:cNvPr>
+              <p:cNvSpPr txBox="1"/>
+              <p:nvPr/>
+            </p:nvSpPr>
+            <p:spPr>
+              <a:xfrm flipH="1">
+                <a:off x="87760" y="2888251"/>
+                <a:ext cx="3422694" cy="1938992"/>
+              </a:xfrm>
+              <a:prstGeom prst="rect">
+                <a:avLst/>
+              </a:prstGeom>
+              <a:noFill/>
+            </p:spPr>
+            <p:txBody>
+              <a:bodyPr wrap="square" rtlCol="0">
+                <a:spAutoFit/>
+              </a:bodyPr>
+              <a:lstStyle/>
+              <a:p>
+                <a:r>
+                  <a:rPr lang="en-US" sz="2000" dirty="0">
+                    <a:latin typeface="Dreaming Outloud Script Pro" panose="020F0502020204030204" pitchFamily="66" charset="0"/>
+                    <a:cs typeface="Dreaming Outloud Script Pro" panose="020F0502020204030204" pitchFamily="66" charset="0"/>
+                  </a:rPr>
+                  <a:t>   Chocolate Fondant</a:t>
+                </a:r>
+              </a:p>
+              <a:p>
+                <a:pPr marL="742950" lvl="1" indent="-285750">
+                  <a:buFont typeface="Arial" panose="020B0604020202020204" pitchFamily="34" charset="0"/>
+                  <a:buChar char="•"/>
+                </a:pPr>
+                <a:r>
+                  <a:rPr lang="en-US" sz="2000" dirty="0">
+                    <a:latin typeface="Dreaming Outloud Script Pro" panose="020F0502020204030204" pitchFamily="66" charset="0"/>
+                    <a:cs typeface="Dreaming Outloud Script Pro" panose="020F0502020204030204" pitchFamily="66" charset="0"/>
+                  </a:rPr>
+                  <a:t>250g butter</a:t>
+                </a:r>
+              </a:p>
+              <a:p>
+                <a:pPr marL="742950" lvl="1" indent="-285750">
+                  <a:buFont typeface="Arial" panose="020B0604020202020204" pitchFamily="34" charset="0"/>
+                  <a:buChar char="•"/>
+                </a:pPr>
+                <a:r>
+                  <a:rPr lang="en-US" sz="2000" dirty="0">
+                    <a:latin typeface="Dreaming Outloud Script Pro" panose="020F0502020204030204" pitchFamily="66" charset="0"/>
+                    <a:cs typeface="Dreaming Outloud Script Pro" panose="020F0502020204030204" pitchFamily="66" charset="0"/>
+                  </a:rPr>
+                  <a:t>250g sugar</a:t>
+                </a:r>
+              </a:p>
+              <a:p>
+                <a:pPr marL="742950" lvl="1" indent="-285750">
+                  <a:buFont typeface="Arial" panose="020B0604020202020204" pitchFamily="34" charset="0"/>
+                  <a:buChar char="•"/>
+                </a:pPr>
+                <a:r>
+                  <a:rPr lang="en-US" sz="2000" dirty="0">
+                    <a:latin typeface="Dreaming Outloud Script Pro" panose="020F0502020204030204" pitchFamily="66" charset="0"/>
+                    <a:cs typeface="Dreaming Outloud Script Pro" panose="020F0502020204030204" pitchFamily="66" charset="0"/>
+                  </a:rPr>
+                  <a:t>300g chocolate</a:t>
+                </a:r>
+              </a:p>
+              <a:p>
+                <a:pPr marL="742950" lvl="1" indent="-285750">
+                  <a:buFont typeface="Arial" panose="020B0604020202020204" pitchFamily="34" charset="0"/>
+                  <a:buChar char="•"/>
+                </a:pPr>
+                <a:r>
+                  <a:rPr lang="en-US" sz="2000" dirty="0">
+                    <a:latin typeface="Dreaming Outloud Script Pro" panose="020F0502020204030204" pitchFamily="66" charset="0"/>
+                    <a:cs typeface="Dreaming Outloud Script Pro" panose="020F0502020204030204" pitchFamily="66" charset="0"/>
+                  </a:rPr>
+                  <a:t>170g flour</a:t>
+                </a:r>
+              </a:p>
+              <a:p>
+                <a:pPr marL="742950" lvl="1" indent="-285750">
+                  <a:buFont typeface="Arial" panose="020B0604020202020204" pitchFamily="34" charset="0"/>
+                  <a:buChar char="•"/>
+                </a:pPr>
+                <a:r>
+                  <a:rPr lang="en-US" sz="2000" dirty="0">
+                    <a:latin typeface="Dreaming Outloud Script Pro" panose="020F0502020204030204" pitchFamily="66" charset="0"/>
+                    <a:cs typeface="Dreaming Outloud Script Pro" panose="020F0502020204030204" pitchFamily="66" charset="0"/>
+                  </a:rPr>
+                  <a:t>8 eggs</a:t>
+                </a:r>
+              </a:p>
+            </p:txBody>
+          </p:sp>
+          <p:sp>
+            <p:nvSpPr>
+              <p:cNvPr id="10" name="TextBox 9">
+                <a:extLst>
+                  <a:ext uri="{FF2B5EF4-FFF2-40B4-BE49-F238E27FC236}">
+                    <a16:creationId xmlns:a16="http://schemas.microsoft.com/office/drawing/2014/main" id="{B1A3C9EA-4445-BCF5-EDBF-5C713FB6FC3B}"/>
+                  </a:ext>
+                </a:extLst>
+              </p:cNvPr>
+              <p:cNvSpPr txBox="1"/>
+              <p:nvPr/>
+            </p:nvSpPr>
+            <p:spPr>
+              <a:xfrm flipH="1">
+                <a:off x="2802382" y="2857474"/>
+                <a:ext cx="3554074" cy="3724096"/>
+              </a:xfrm>
+              <a:prstGeom prst="rect">
+                <a:avLst/>
+              </a:prstGeom>
+              <a:noFill/>
+            </p:spPr>
+            <p:txBody>
+              <a:bodyPr wrap="square" rtlCol="0">
+                <a:spAutoFit/>
+              </a:bodyPr>
+              <a:lstStyle/>
+              <a:p>
+                <a:r>
+                  <a:rPr lang="en-US" sz="2000" dirty="0">
+                    <a:latin typeface="Dreaming Outloud Script Pro" panose="020F0502020204030204" pitchFamily="66" charset="0"/>
+                    <a:cs typeface="Dreaming Outloud Script Pro" panose="020F0502020204030204" pitchFamily="66" charset="0"/>
+                  </a:rPr>
+                  <a:t>   Recipe</a:t>
+                </a:r>
+              </a:p>
+              <a:p>
+                <a:pPr marL="800100" lvl="1" indent="-342900">
+                  <a:buFont typeface="+mj-lt"/>
+                  <a:buAutoNum type="arabicPeriod"/>
+                </a:pPr>
+                <a:r>
+                  <a:rPr lang="en-US" sz="2000" dirty="0">
+                    <a:latin typeface="Dreaming Outloud Script Pro" panose="020F0502020204030204" pitchFamily="66" charset="0"/>
+                    <a:cs typeface="Dreaming Outloud Script Pro" panose="020F0502020204030204" pitchFamily="66" charset="0"/>
+                  </a:rPr>
+                  <a:t>Melt the butter and chocolate</a:t>
+                </a:r>
+              </a:p>
+              <a:p>
+                <a:pPr marL="800100" lvl="1" indent="-342900">
+                  <a:buFont typeface="+mj-lt"/>
+                  <a:buAutoNum type="arabicPeriod"/>
+                </a:pPr>
+                <a:r>
+                  <a:rPr lang="en-US" sz="2000" dirty="0">
+                    <a:latin typeface="Dreaming Outloud Script Pro" panose="020F0502020204030204" pitchFamily="66" charset="0"/>
+                    <a:cs typeface="Dreaming Outloud Script Pro" panose="020F0502020204030204" pitchFamily="66" charset="0"/>
+                  </a:rPr>
+                  <a:t>Add the flour</a:t>
+                </a:r>
+              </a:p>
+              <a:p>
+                <a:pPr marL="800100" lvl="1" indent="-342900">
+                  <a:buFont typeface="+mj-lt"/>
+                  <a:buAutoNum type="arabicPeriod"/>
+                </a:pPr>
+                <a:r>
+                  <a:rPr lang="en-US" sz="2000" dirty="0">
+                    <a:latin typeface="Dreaming Outloud Script Pro" panose="020F0502020204030204" pitchFamily="66" charset="0"/>
+                    <a:cs typeface="Dreaming Outloud Script Pro" panose="020F0502020204030204" pitchFamily="66" charset="0"/>
+                  </a:rPr>
+                  <a:t>Mix in one and one egg</a:t>
+                </a:r>
+              </a:p>
+              <a:p>
+                <a:pPr marL="800100" lvl="1" indent="-342900">
+                  <a:buFont typeface="+mj-lt"/>
+                  <a:buAutoNum type="arabicPeriod"/>
+                </a:pPr>
+                <a:r>
+                  <a:rPr lang="en-US" sz="2000" dirty="0">
+                    <a:latin typeface="Dreaming Outloud Script Pro" panose="020F0502020204030204" pitchFamily="66" charset="0"/>
+                    <a:cs typeface="Dreaming Outloud Script Pro" panose="020F0502020204030204" pitchFamily="66" charset="0"/>
+                  </a:rPr>
+                  <a:t>Pour the batter in equal sized cups</a:t>
+                </a:r>
+              </a:p>
+              <a:p>
+                <a:pPr marL="800100" lvl="1" indent="-342900">
+                  <a:buFont typeface="+mj-lt"/>
+                  <a:buAutoNum type="arabicPeriod"/>
+                </a:pPr>
+                <a:r>
+                  <a:rPr lang="en-US" sz="2000" dirty="0">
+                    <a:latin typeface="Dreaming Outloud Script Pro" panose="020F0502020204030204" pitchFamily="66" charset="0"/>
+                    <a:cs typeface="Dreaming Outloud Script Pro" panose="020F0502020204030204" pitchFamily="66" charset="0"/>
+                  </a:rPr>
+                  <a:t>Bake at 200C until ready </a:t>
+                </a:r>
+              </a:p>
+              <a:p>
+                <a:pPr marL="800100" lvl="1" indent="-342900">
+                  <a:buFont typeface="+mj-lt"/>
+                  <a:buAutoNum type="arabicPeriod"/>
+                </a:pPr>
+                <a:endParaRPr lang="en-US" dirty="0">
                   <a:latin typeface="Dreaming Outloud Script Pro" panose="020F0502020204030204" pitchFamily="66" charset="0"/>
                   <a:cs typeface="Dreaming Outloud Script Pro" panose="020F0502020204030204" pitchFamily="66" charset="0"/>
-                </a:rPr>
-                <a:t>   Recipe</a:t>
-              </a:r>
-            </a:p>
-            <a:p>
-              <a:pPr marL="800100" lvl="1" indent="-342900">
-                <a:buFont typeface="+mj-lt"/>
-                <a:buAutoNum type="arabicPeriod"/>
-              </a:pPr>
-              <a:r>
-                <a:rPr lang="en-US" sz="2000" dirty="0">
+                </a:endParaRPr>
+              </a:p>
+              <a:p>
+                <a:pPr marL="800100" lvl="1" indent="-342900">
+                  <a:buFont typeface="+mj-lt"/>
+                  <a:buAutoNum type="arabicPeriod"/>
+                </a:pPr>
+                <a:endParaRPr lang="en-US" dirty="0">
                   <a:latin typeface="Dreaming Outloud Script Pro" panose="020F0502020204030204" pitchFamily="66" charset="0"/>
                   <a:cs typeface="Dreaming Outloud Script Pro" panose="020F0502020204030204" pitchFamily="66" charset="0"/>
-                </a:rPr>
-                <a:t>Melt the butter and chocolate</a:t>
-              </a:r>
-            </a:p>
-            <a:p>
-              <a:pPr marL="800100" lvl="1" indent="-342900">
-                <a:buFont typeface="+mj-lt"/>
-                <a:buAutoNum type="arabicPeriod"/>
-              </a:pPr>
-              <a:r>
-                <a:rPr lang="en-US" sz="2000" dirty="0">
-                  <a:latin typeface="Dreaming Outloud Script Pro" panose="020F0502020204030204" pitchFamily="66" charset="0"/>
-                  <a:cs typeface="Dreaming Outloud Script Pro" panose="020F0502020204030204" pitchFamily="66" charset="0"/>
-                </a:rPr>
-                <a:t>Add the flour</a:t>
-              </a:r>
-            </a:p>
-            <a:p>
-              <a:pPr marL="800100" lvl="1" indent="-342900">
-                <a:buFont typeface="+mj-lt"/>
-                <a:buAutoNum type="arabicPeriod"/>
-              </a:pPr>
-              <a:r>
-                <a:rPr lang="en-US" sz="2000" dirty="0">
-                  <a:latin typeface="Dreaming Outloud Script Pro" panose="020F0502020204030204" pitchFamily="66" charset="0"/>
-                  <a:cs typeface="Dreaming Outloud Script Pro" panose="020F0502020204030204" pitchFamily="66" charset="0"/>
-                </a:rPr>
-                <a:t>Mix in one and one egg</a:t>
-              </a:r>
-            </a:p>
-            <a:p>
-              <a:pPr marL="800100" lvl="1" indent="-342900">
-                <a:buFont typeface="+mj-lt"/>
-                <a:buAutoNum type="arabicPeriod"/>
-              </a:pPr>
-              <a:r>
-                <a:rPr lang="en-US" sz="2000" dirty="0">
-                  <a:latin typeface="Dreaming Outloud Script Pro" panose="020F0502020204030204" pitchFamily="66" charset="0"/>
-                  <a:cs typeface="Dreaming Outloud Script Pro" panose="020F0502020204030204" pitchFamily="66" charset="0"/>
-                </a:rPr>
-                <a:t>Pour the batter in equal sized cups</a:t>
-              </a:r>
-            </a:p>
-            <a:p>
-              <a:pPr marL="800100" lvl="1" indent="-342900">
-                <a:buFont typeface="+mj-lt"/>
-                <a:buAutoNum type="arabicPeriod"/>
-              </a:pPr>
-              <a:r>
-                <a:rPr lang="en-US" sz="2000" dirty="0">
-                  <a:latin typeface="Dreaming Outloud Script Pro" panose="020F0502020204030204" pitchFamily="66" charset="0"/>
-                  <a:cs typeface="Dreaming Outloud Script Pro" panose="020F0502020204030204" pitchFamily="66" charset="0"/>
-                </a:rPr>
-                <a:t>Bake at 200C until ready </a:t>
-              </a:r>
-            </a:p>
-            <a:p>
-              <a:pPr marL="800100" lvl="1" indent="-342900">
-                <a:buFont typeface="+mj-lt"/>
-                <a:buAutoNum type="arabicPeriod"/>
-              </a:pPr>
-              <a:endParaRPr lang="en-US" dirty="0">
-                <a:latin typeface="Dreaming Outloud Script Pro" panose="020F0502020204030204" pitchFamily="66" charset="0"/>
-                <a:cs typeface="Dreaming Outloud Script Pro" panose="020F0502020204030204" pitchFamily="66" charset="0"/>
-              </a:endParaRPr>
-            </a:p>
-            <a:p>
-              <a:pPr marL="800100" lvl="1" indent="-342900">
-                <a:buFont typeface="+mj-lt"/>
-                <a:buAutoNum type="arabicPeriod"/>
-              </a:pPr>
-              <a:endParaRPr lang="en-US" dirty="0">
-                <a:latin typeface="Dreaming Outloud Script Pro" panose="020F0502020204030204" pitchFamily="66" charset="0"/>
-                <a:cs typeface="Dreaming Outloud Script Pro" panose="020F0502020204030204" pitchFamily="66" charset="0"/>
-              </a:endParaRPr>
-            </a:p>
-          </p:txBody>
-        </p:sp>
-        <p:sp>
-          <p:nvSpPr>
-            <p:cNvPr id="12" name="TextBox 11">
-              <a:extLst>
-                <a:ext uri="{FF2B5EF4-FFF2-40B4-BE49-F238E27FC236}">
-                  <a16:creationId xmlns:a16="http://schemas.microsoft.com/office/drawing/2014/main" id="{FB40CB6F-391F-4766-014D-2B7159BC3D45}"/>
-                </a:ext>
-              </a:extLst>
-            </p:cNvPr>
-            <p:cNvSpPr txBox="1"/>
-            <p:nvPr/>
-          </p:nvSpPr>
-          <p:spPr>
-            <a:xfrm>
-              <a:off x="6246097" y="2888251"/>
-              <a:ext cx="6096000" cy="3693319"/>
-            </a:xfrm>
-            <a:prstGeom prst="rect">
-              <a:avLst/>
-            </a:prstGeom>
-            <a:noFill/>
-          </p:spPr>
-          <p:txBody>
-            <a:bodyPr wrap="square">
-              <a:spAutoFit/>
-            </a:bodyPr>
-            <a:lstStyle/>
-            <a:p>
-              <a:r>
-                <a:rPr lang="nb-NO" b="0" dirty="0" err="1">
-                  <a:solidFill>
-                    <a:srgbClr val="0000FF"/>
-                  </a:solidFill>
-                  <a:effectLst/>
-                  <a:latin typeface="Consolas" panose="020B0609020204030204" pitchFamily="49" charset="0"/>
-                </a:rPr>
-                <a:t>def</a:t>
-              </a:r>
-              <a:r>
-                <a:rPr lang="nb-NO" b="0" dirty="0">
+                </a:endParaRPr>
+              </a:p>
+            </p:txBody>
+          </p:sp>
+          <p:sp>
+            <p:nvSpPr>
+              <p:cNvPr id="12" name="TextBox 11">
+                <a:extLst>
+                  <a:ext uri="{FF2B5EF4-FFF2-40B4-BE49-F238E27FC236}">
+                    <a16:creationId xmlns:a16="http://schemas.microsoft.com/office/drawing/2014/main" id="{FB40CB6F-391F-4766-014D-2B7159BC3D45}"/>
+                  </a:ext>
+                </a:extLst>
+              </p:cNvPr>
+              <p:cNvSpPr txBox="1"/>
+              <p:nvPr/>
+            </p:nvSpPr>
+            <p:spPr>
+              <a:xfrm>
+                <a:off x="6246097" y="2888251"/>
+                <a:ext cx="6096000" cy="3693319"/>
+              </a:xfrm>
+              <a:prstGeom prst="rect">
+                <a:avLst/>
+              </a:prstGeom>
+              <a:noFill/>
+            </p:spPr>
+            <p:txBody>
+              <a:bodyPr wrap="square">
+                <a:spAutoFit/>
+              </a:bodyPr>
+              <a:lstStyle/>
+              <a:p>
+                <a:r>
+                  <a:rPr lang="nb-NO" b="0" dirty="0" err="1">
+                    <a:solidFill>
+                      <a:srgbClr val="0000FF"/>
+                    </a:solidFill>
+                    <a:effectLst/>
+                    <a:latin typeface="Consolas" panose="020B0609020204030204" pitchFamily="49" charset="0"/>
+                  </a:rPr>
+                  <a:t>def</a:t>
+                </a:r>
+                <a:r>
+                  <a:rPr lang="nb-NO" b="0" dirty="0">
+                    <a:solidFill>
+                      <a:srgbClr val="000000"/>
+                    </a:solidFill>
+                    <a:effectLst/>
+                    <a:latin typeface="Consolas" panose="020B0609020204030204" pitchFamily="49" charset="0"/>
+                  </a:rPr>
+                  <a:t> </a:t>
+                </a:r>
+                <a:r>
+                  <a:rPr lang="nb-NO" b="0" dirty="0" err="1">
+                    <a:solidFill>
+                      <a:srgbClr val="74531F"/>
+                    </a:solidFill>
+                    <a:effectLst/>
+                    <a:latin typeface="Consolas" panose="020B0609020204030204" pitchFamily="49" charset="0"/>
+                  </a:rPr>
+                  <a:t>make_batter</a:t>
+                </a:r>
+                <a:r>
+                  <a:rPr lang="nb-NO" b="0" dirty="0">
+                    <a:solidFill>
+                      <a:srgbClr val="000000"/>
+                    </a:solidFill>
+                    <a:effectLst/>
+                    <a:latin typeface="Consolas" panose="020B0609020204030204" pitchFamily="49" charset="0"/>
+                  </a:rPr>
+                  <a:t>(</a:t>
+                </a:r>
+                <a:r>
+                  <a:rPr lang="nb-NO" b="0" dirty="0" err="1">
+                    <a:solidFill>
+                      <a:srgbClr val="808080"/>
+                    </a:solidFill>
+                    <a:effectLst/>
+                    <a:latin typeface="Consolas" panose="020B0609020204030204" pitchFamily="49" charset="0"/>
+                  </a:rPr>
+                  <a:t>size</a:t>
+                </a:r>
+                <a:r>
+                  <a:rPr lang="nb-NO" b="0" dirty="0">
+                    <a:solidFill>
+                      <a:srgbClr val="000000"/>
+                    </a:solidFill>
+                    <a:effectLst/>
+                    <a:latin typeface="Consolas" panose="020B0609020204030204" pitchFamily="49" charset="0"/>
+                  </a:rPr>
+                  <a:t>=</a:t>
+                </a:r>
+                <a:r>
+                  <a:rPr lang="nb-NO" b="0" dirty="0">
+                    <a:solidFill>
+                      <a:srgbClr val="098658"/>
+                    </a:solidFill>
+                    <a:effectLst/>
+                    <a:latin typeface="Consolas" panose="020B0609020204030204" pitchFamily="49" charset="0"/>
+                  </a:rPr>
+                  <a:t>1</a:t>
+                </a:r>
+                <a:r>
+                  <a:rPr lang="nb-NO" b="0" dirty="0">
+                    <a:solidFill>
+                      <a:srgbClr val="000000"/>
+                    </a:solidFill>
+                    <a:effectLst/>
+                    <a:latin typeface="Consolas" panose="020B0609020204030204" pitchFamily="49" charset="0"/>
+                  </a:rPr>
+                  <a:t>):</a:t>
+                </a:r>
+              </a:p>
+              <a:p>
+                <a:r>
+                  <a:rPr lang="nb-NO" b="0" dirty="0">
+                    <a:solidFill>
+                      <a:srgbClr val="000000"/>
+                    </a:solidFill>
+                    <a:effectLst/>
+                    <a:latin typeface="Consolas" panose="020B0609020204030204" pitchFamily="49" charset="0"/>
+                  </a:rPr>
+                  <a:t>    </a:t>
+                </a:r>
+                <a:r>
+                  <a:rPr lang="nb-NO" b="0" dirty="0">
+                    <a:solidFill>
+                      <a:srgbClr val="1F377F"/>
+                    </a:solidFill>
+                    <a:effectLst/>
+                    <a:latin typeface="Consolas" panose="020B0609020204030204" pitchFamily="49" charset="0"/>
+                  </a:rPr>
+                  <a:t>butter</a:t>
+                </a:r>
+                <a:r>
+                  <a:rPr lang="nb-NO" b="0" dirty="0">
+                    <a:solidFill>
+                      <a:srgbClr val="000000"/>
+                    </a:solidFill>
+                    <a:effectLst/>
+                    <a:latin typeface="Consolas" panose="020B0609020204030204" pitchFamily="49" charset="0"/>
+                  </a:rPr>
+                  <a:t> = </a:t>
+                </a:r>
+                <a:r>
+                  <a:rPr lang="nb-NO" b="0" dirty="0" err="1">
+                    <a:solidFill>
+                      <a:srgbClr val="808080"/>
+                    </a:solidFill>
+                    <a:effectLst/>
+                    <a:latin typeface="Consolas" panose="020B0609020204030204" pitchFamily="49" charset="0"/>
+                  </a:rPr>
+                  <a:t>size</a:t>
+                </a:r>
+                <a:r>
+                  <a:rPr lang="nb-NO" b="0" dirty="0">
+                    <a:solidFill>
+                      <a:srgbClr val="000000"/>
+                    </a:solidFill>
+                    <a:effectLst/>
+                    <a:latin typeface="Consolas" panose="020B0609020204030204" pitchFamily="49" charset="0"/>
+                  </a:rPr>
+                  <a:t>*</a:t>
+                </a:r>
+                <a:r>
+                  <a:rPr lang="nb-NO" b="0" dirty="0">
+                    <a:solidFill>
+                      <a:srgbClr val="098658"/>
+                    </a:solidFill>
+                    <a:effectLst/>
+                    <a:latin typeface="Consolas" panose="020B0609020204030204" pitchFamily="49" charset="0"/>
+                  </a:rPr>
+                  <a:t>250</a:t>
+                </a:r>
+                <a:endParaRPr lang="nb-NO" b="0" dirty="0">
                   <a:solidFill>
                     <a:srgbClr val="000000"/>
                   </a:solidFill>
                   <a:effectLst/>
                   <a:latin typeface="Consolas" panose="020B0609020204030204" pitchFamily="49" charset="0"/>
-                </a:rPr>
-                <a:t> </a:t>
-              </a:r>
-              <a:r>
-                <a:rPr lang="nb-NO" b="0" dirty="0" err="1">
-                  <a:solidFill>
-                    <a:srgbClr val="74531F"/>
-                  </a:solidFill>
-                  <a:effectLst/>
-                  <a:latin typeface="Consolas" panose="020B0609020204030204" pitchFamily="49" charset="0"/>
-                </a:rPr>
-                <a:t>make_batter</a:t>
-              </a:r>
-              <a:r>
-                <a:rPr lang="nb-NO" b="0" dirty="0">
+                </a:endParaRPr>
+              </a:p>
+              <a:p>
+                <a:r>
+                  <a:rPr lang="nb-NO" b="0" dirty="0">
+                    <a:solidFill>
+                      <a:srgbClr val="000000"/>
+                    </a:solidFill>
+                    <a:effectLst/>
+                    <a:latin typeface="Consolas" panose="020B0609020204030204" pitchFamily="49" charset="0"/>
+                  </a:rPr>
+                  <a:t>    </a:t>
+                </a:r>
+                <a:r>
+                  <a:rPr lang="nb-NO" b="0" dirty="0" err="1">
+                    <a:solidFill>
+                      <a:srgbClr val="1F377F"/>
+                    </a:solidFill>
+                    <a:effectLst/>
+                    <a:latin typeface="Consolas" panose="020B0609020204030204" pitchFamily="49" charset="0"/>
+                  </a:rPr>
+                  <a:t>sugar</a:t>
+                </a:r>
+                <a:r>
+                  <a:rPr lang="nb-NO" b="0" dirty="0">
+                    <a:solidFill>
+                      <a:srgbClr val="000000"/>
+                    </a:solidFill>
+                    <a:effectLst/>
+                    <a:latin typeface="Consolas" panose="020B0609020204030204" pitchFamily="49" charset="0"/>
+                  </a:rPr>
+                  <a:t>  = </a:t>
+                </a:r>
+                <a:r>
+                  <a:rPr lang="nb-NO" b="0" dirty="0" err="1">
+                    <a:solidFill>
+                      <a:srgbClr val="808080"/>
+                    </a:solidFill>
+                    <a:effectLst/>
+                    <a:latin typeface="Consolas" panose="020B0609020204030204" pitchFamily="49" charset="0"/>
+                  </a:rPr>
+                  <a:t>size</a:t>
+                </a:r>
+                <a:r>
+                  <a:rPr lang="nb-NO" b="0" dirty="0">
+                    <a:solidFill>
+                      <a:srgbClr val="000000"/>
+                    </a:solidFill>
+                    <a:effectLst/>
+                    <a:latin typeface="Consolas" panose="020B0609020204030204" pitchFamily="49" charset="0"/>
+                  </a:rPr>
+                  <a:t>*</a:t>
+                </a:r>
+                <a:r>
+                  <a:rPr lang="nb-NO" b="0" dirty="0">
+                    <a:solidFill>
+                      <a:srgbClr val="098658"/>
+                    </a:solidFill>
+                    <a:effectLst/>
+                    <a:latin typeface="Consolas" panose="020B0609020204030204" pitchFamily="49" charset="0"/>
+                  </a:rPr>
+                  <a:t>250</a:t>
+                </a:r>
+                <a:endParaRPr lang="nb-NO" b="0" dirty="0">
                   <a:solidFill>
                     <a:srgbClr val="000000"/>
                   </a:solidFill>
                   <a:effectLst/>
                   <a:latin typeface="Consolas" panose="020B0609020204030204" pitchFamily="49" charset="0"/>
-                </a:rPr>
-                <a:t>(</a:t>
-              </a:r>
-              <a:r>
-                <a:rPr lang="nb-NO" b="0" dirty="0" err="1">
-                  <a:solidFill>
-                    <a:srgbClr val="808080"/>
-                  </a:solidFill>
-                  <a:effectLst/>
-                  <a:latin typeface="Consolas" panose="020B0609020204030204" pitchFamily="49" charset="0"/>
-                </a:rPr>
-                <a:t>size</a:t>
-              </a:r>
-              <a:r>
-                <a:rPr lang="nb-NO" b="0" dirty="0">
+                </a:endParaRPr>
+              </a:p>
+              <a:p>
+                <a:r>
+                  <a:rPr lang="nb-NO" b="0" dirty="0">
+                    <a:solidFill>
+                      <a:srgbClr val="000000"/>
+                    </a:solidFill>
+                    <a:effectLst/>
+                    <a:latin typeface="Consolas" panose="020B0609020204030204" pitchFamily="49" charset="0"/>
+                  </a:rPr>
+                  <a:t>    </a:t>
+                </a:r>
+                <a:r>
+                  <a:rPr lang="nb-NO" b="0" dirty="0" err="1">
+                    <a:solidFill>
+                      <a:srgbClr val="1F377F"/>
+                    </a:solidFill>
+                    <a:effectLst/>
+                    <a:latin typeface="Consolas" panose="020B0609020204030204" pitchFamily="49" charset="0"/>
+                  </a:rPr>
+                  <a:t>choc</a:t>
+                </a:r>
+                <a:r>
+                  <a:rPr lang="nb-NO" b="0" dirty="0">
+                    <a:solidFill>
+                      <a:srgbClr val="000000"/>
+                    </a:solidFill>
+                    <a:effectLst/>
+                    <a:latin typeface="Consolas" panose="020B0609020204030204" pitchFamily="49" charset="0"/>
+                  </a:rPr>
+                  <a:t>   = </a:t>
+                </a:r>
+                <a:r>
+                  <a:rPr lang="nb-NO" b="0" dirty="0" err="1">
+                    <a:solidFill>
+                      <a:srgbClr val="808080"/>
+                    </a:solidFill>
+                    <a:effectLst/>
+                    <a:latin typeface="Consolas" panose="020B0609020204030204" pitchFamily="49" charset="0"/>
+                  </a:rPr>
+                  <a:t>size</a:t>
+                </a:r>
+                <a:r>
+                  <a:rPr lang="nb-NO" b="0" dirty="0">
+                    <a:solidFill>
+                      <a:srgbClr val="000000"/>
+                    </a:solidFill>
+                    <a:effectLst/>
+                    <a:latin typeface="Consolas" panose="020B0609020204030204" pitchFamily="49" charset="0"/>
+                  </a:rPr>
+                  <a:t>*</a:t>
+                </a:r>
+                <a:r>
+                  <a:rPr lang="nb-NO" b="0" dirty="0">
+                    <a:solidFill>
+                      <a:srgbClr val="098658"/>
+                    </a:solidFill>
+                    <a:effectLst/>
+                    <a:latin typeface="Consolas" panose="020B0609020204030204" pitchFamily="49" charset="0"/>
+                  </a:rPr>
+                  <a:t>300</a:t>
+                </a:r>
+                <a:endParaRPr lang="nb-NO" b="0" dirty="0">
                   <a:solidFill>
                     <a:srgbClr val="000000"/>
                   </a:solidFill>
                   <a:effectLst/>
                   <a:latin typeface="Consolas" panose="020B0609020204030204" pitchFamily="49" charset="0"/>
-                </a:rPr>
-                <a:t>=</a:t>
-              </a:r>
-              <a:r>
-                <a:rPr lang="nb-NO" b="0" dirty="0">
-                  <a:solidFill>
-                    <a:srgbClr val="098658"/>
-                  </a:solidFill>
-                  <a:effectLst/>
-                  <a:latin typeface="Consolas" panose="020B0609020204030204" pitchFamily="49" charset="0"/>
-                </a:rPr>
-                <a:t>1</a:t>
-              </a:r>
-              <a:r>
-                <a:rPr lang="nb-NO" b="0" dirty="0">
+                </a:endParaRPr>
+              </a:p>
+              <a:p>
+                <a:r>
+                  <a:rPr lang="nb-NO" b="0" dirty="0">
+                    <a:solidFill>
+                      <a:srgbClr val="000000"/>
+                    </a:solidFill>
+                    <a:effectLst/>
+                    <a:latin typeface="Consolas" panose="020B0609020204030204" pitchFamily="49" charset="0"/>
+                  </a:rPr>
+                  <a:t>    </a:t>
+                </a:r>
+                <a:r>
+                  <a:rPr lang="nb-NO" b="0" dirty="0" err="1">
+                    <a:solidFill>
+                      <a:srgbClr val="1F377F"/>
+                    </a:solidFill>
+                    <a:effectLst/>
+                    <a:latin typeface="Consolas" panose="020B0609020204030204" pitchFamily="49" charset="0"/>
+                  </a:rPr>
+                  <a:t>flour</a:t>
+                </a:r>
+                <a:r>
+                  <a:rPr lang="nb-NO" b="0" dirty="0">
+                    <a:solidFill>
+                      <a:srgbClr val="000000"/>
+                    </a:solidFill>
+                    <a:effectLst/>
+                    <a:latin typeface="Consolas" panose="020B0609020204030204" pitchFamily="49" charset="0"/>
+                  </a:rPr>
+                  <a:t>  = </a:t>
+                </a:r>
+                <a:r>
+                  <a:rPr lang="nb-NO" b="0" dirty="0" err="1">
+                    <a:solidFill>
+                      <a:srgbClr val="808080"/>
+                    </a:solidFill>
+                    <a:effectLst/>
+                    <a:latin typeface="Consolas" panose="020B0609020204030204" pitchFamily="49" charset="0"/>
+                  </a:rPr>
+                  <a:t>size</a:t>
+                </a:r>
+                <a:r>
+                  <a:rPr lang="nb-NO" b="0" dirty="0">
+                    <a:solidFill>
+                      <a:srgbClr val="000000"/>
+                    </a:solidFill>
+                    <a:effectLst/>
+                    <a:latin typeface="Consolas" panose="020B0609020204030204" pitchFamily="49" charset="0"/>
+                  </a:rPr>
+                  <a:t>*</a:t>
+                </a:r>
+                <a:r>
+                  <a:rPr lang="nb-NO" b="0" dirty="0">
+                    <a:solidFill>
+                      <a:srgbClr val="098658"/>
+                    </a:solidFill>
+                    <a:effectLst/>
+                    <a:latin typeface="Consolas" panose="020B0609020204030204" pitchFamily="49" charset="0"/>
+                  </a:rPr>
+                  <a:t>170</a:t>
+                </a:r>
+                <a:endParaRPr lang="nb-NO" b="0" dirty="0">
                   <a:solidFill>
                     <a:srgbClr val="000000"/>
                   </a:solidFill>
                   <a:effectLst/>
                   <a:latin typeface="Consolas" panose="020B0609020204030204" pitchFamily="49" charset="0"/>
-                </a:rPr>
-                <a:t>):</a:t>
-              </a:r>
-            </a:p>
-            <a:p>
-              <a:r>
-                <a:rPr lang="nb-NO" b="0" dirty="0">
+                </a:endParaRPr>
+              </a:p>
+              <a:p>
+                <a:r>
+                  <a:rPr lang="nb-NO" b="0" dirty="0">
+                    <a:solidFill>
+                      <a:srgbClr val="000000"/>
+                    </a:solidFill>
+                    <a:effectLst/>
+                    <a:latin typeface="Consolas" panose="020B0609020204030204" pitchFamily="49" charset="0"/>
+                  </a:rPr>
+                  <a:t>    </a:t>
+                </a:r>
+                <a:r>
+                  <a:rPr lang="nb-NO" b="0">
+                    <a:solidFill>
+                      <a:srgbClr val="1F377F"/>
+                    </a:solidFill>
+                    <a:effectLst/>
+                    <a:latin typeface="Consolas" panose="020B0609020204030204" pitchFamily="49" charset="0"/>
+                  </a:rPr>
+                  <a:t>eggs</a:t>
+                </a:r>
+                <a:r>
+                  <a:rPr lang="nb-NO" b="0">
+                    <a:solidFill>
+                      <a:srgbClr val="000000"/>
+                    </a:solidFill>
+                    <a:effectLst/>
+                    <a:latin typeface="Consolas" panose="020B0609020204030204" pitchFamily="49" charset="0"/>
+                  </a:rPr>
+                  <a:t>   = </a:t>
+                </a:r>
+                <a:r>
+                  <a:rPr lang="nb-NO" b="0" dirty="0" err="1">
+                    <a:solidFill>
+                      <a:srgbClr val="808080"/>
+                    </a:solidFill>
+                    <a:effectLst/>
+                    <a:latin typeface="Consolas" panose="020B0609020204030204" pitchFamily="49" charset="0"/>
+                  </a:rPr>
+                  <a:t>size</a:t>
+                </a:r>
+                <a:r>
+                  <a:rPr lang="nb-NO" b="0" dirty="0">
+                    <a:solidFill>
+                      <a:srgbClr val="000000"/>
+                    </a:solidFill>
+                    <a:effectLst/>
+                    <a:latin typeface="Consolas" panose="020B0609020204030204" pitchFamily="49" charset="0"/>
+                  </a:rPr>
+                  <a:t>*</a:t>
+                </a:r>
+                <a:r>
+                  <a:rPr lang="nb-NO" b="0" dirty="0">
+                    <a:solidFill>
+                      <a:srgbClr val="098658"/>
+                    </a:solidFill>
+                    <a:effectLst/>
+                    <a:latin typeface="Consolas" panose="020B0609020204030204" pitchFamily="49" charset="0"/>
+                  </a:rPr>
+                  <a:t>8</a:t>
+                </a:r>
+                <a:endParaRPr lang="nb-NO" b="0" dirty="0">
                   <a:solidFill>
                     <a:srgbClr val="000000"/>
                   </a:solidFill>
                   <a:effectLst/>
                   <a:latin typeface="Consolas" panose="020B0609020204030204" pitchFamily="49" charset="0"/>
-                </a:rPr>
-                <a:t>    </a:t>
-              </a:r>
-              <a:r>
-                <a:rPr lang="nb-NO" b="0" dirty="0">
-                  <a:solidFill>
-                    <a:srgbClr val="1F377F"/>
-                  </a:solidFill>
-                  <a:effectLst/>
-                  <a:latin typeface="Consolas" panose="020B0609020204030204" pitchFamily="49" charset="0"/>
-                </a:rPr>
-                <a:t>butter</a:t>
-              </a:r>
-              <a:r>
-                <a:rPr lang="nb-NO" b="0" dirty="0">
+                </a:endParaRPr>
+              </a:p>
+              <a:p>
+                <a:r>
+                  <a:rPr lang="nb-NO" b="0" dirty="0">
+                    <a:solidFill>
+                      <a:srgbClr val="000000"/>
+                    </a:solidFill>
+                    <a:effectLst/>
+                    <a:latin typeface="Consolas" panose="020B0609020204030204" pitchFamily="49" charset="0"/>
+                  </a:rPr>
+                  <a:t>    </a:t>
+                </a:r>
+                <a:r>
+                  <a:rPr lang="nb-NO" b="0" dirty="0">
+                    <a:solidFill>
+                      <a:srgbClr val="1F377F"/>
+                    </a:solidFill>
+                    <a:effectLst/>
+                    <a:latin typeface="Consolas" panose="020B0609020204030204" pitchFamily="49" charset="0"/>
+                  </a:rPr>
+                  <a:t>batter</a:t>
+                </a:r>
+                <a:r>
+                  <a:rPr lang="nb-NO" b="0" dirty="0">
+                    <a:solidFill>
+                      <a:srgbClr val="000000"/>
+                    </a:solidFill>
+                    <a:effectLst/>
+                    <a:latin typeface="Consolas" panose="020B0609020204030204" pitchFamily="49" charset="0"/>
+                  </a:rPr>
+                  <a:t> = </a:t>
+                </a:r>
+                <a:r>
+                  <a:rPr lang="nb-NO" b="0" dirty="0" err="1">
+                    <a:solidFill>
+                      <a:srgbClr val="1F377F"/>
+                    </a:solidFill>
+                    <a:effectLst/>
+                    <a:latin typeface="Consolas" panose="020B0609020204030204" pitchFamily="49" charset="0"/>
+                  </a:rPr>
+                  <a:t>butter</a:t>
+                </a:r>
+                <a:r>
+                  <a:rPr lang="nb-NO" b="0" dirty="0" err="1">
+                    <a:solidFill>
+                      <a:srgbClr val="000000"/>
+                    </a:solidFill>
+                    <a:effectLst/>
+                    <a:latin typeface="Consolas" panose="020B0609020204030204" pitchFamily="49" charset="0"/>
+                  </a:rPr>
+                  <a:t>+</a:t>
+                </a:r>
+                <a:r>
+                  <a:rPr lang="nb-NO" b="0" dirty="0" err="1">
+                    <a:solidFill>
+                      <a:srgbClr val="1F377F"/>
+                    </a:solidFill>
+                    <a:effectLst/>
+                    <a:latin typeface="Consolas" panose="020B0609020204030204" pitchFamily="49" charset="0"/>
+                  </a:rPr>
+                  <a:t>sugar</a:t>
+                </a:r>
+                <a:endParaRPr lang="nb-NO" b="0" dirty="0">
                   <a:solidFill>
                     <a:srgbClr val="000000"/>
                   </a:solidFill>
                   <a:effectLst/>
                   <a:latin typeface="Consolas" panose="020B0609020204030204" pitchFamily="49" charset="0"/>
-                </a:rPr>
-                <a:t> = </a:t>
-              </a:r>
-              <a:r>
-                <a:rPr lang="nb-NO" b="0" dirty="0" err="1">
-                  <a:solidFill>
-                    <a:srgbClr val="808080"/>
-                  </a:solidFill>
-                  <a:effectLst/>
-                  <a:latin typeface="Consolas" panose="020B0609020204030204" pitchFamily="49" charset="0"/>
-                </a:rPr>
-                <a:t>size</a:t>
-              </a:r>
-              <a:r>
-                <a:rPr lang="nb-NO" b="0" dirty="0">
+                </a:endParaRPr>
+              </a:p>
+              <a:p>
+                <a:r>
+                  <a:rPr lang="nb-NO" b="0" dirty="0">
+                    <a:solidFill>
+                      <a:srgbClr val="000000"/>
+                    </a:solidFill>
+                    <a:effectLst/>
+                    <a:latin typeface="Consolas" panose="020B0609020204030204" pitchFamily="49" charset="0"/>
+                  </a:rPr>
+                  <a:t>    </a:t>
+                </a:r>
+                <a:r>
+                  <a:rPr lang="nb-NO" b="0" dirty="0" err="1">
+                    <a:solidFill>
+                      <a:srgbClr val="1F377F"/>
+                    </a:solidFill>
+                    <a:effectLst/>
+                    <a:latin typeface="Consolas" panose="020B0609020204030204" pitchFamily="49" charset="0"/>
+                  </a:rPr>
+                  <a:t>cold</a:t>
+                </a:r>
+                <a:r>
+                  <a:rPr lang="nb-NO" b="0" dirty="0">
+                    <a:solidFill>
+                      <a:srgbClr val="000000"/>
+                    </a:solidFill>
+                    <a:effectLst/>
+                    <a:latin typeface="Consolas" panose="020B0609020204030204" pitchFamily="49" charset="0"/>
+                  </a:rPr>
+                  <a:t> = </a:t>
+                </a:r>
+                <a:r>
+                  <a:rPr lang="nb-NO" b="0" dirty="0">
+                    <a:solidFill>
+                      <a:srgbClr val="0000FF"/>
+                    </a:solidFill>
+                    <a:effectLst/>
+                    <a:latin typeface="Consolas" panose="020B0609020204030204" pitchFamily="49" charset="0"/>
+                  </a:rPr>
+                  <a:t>True</a:t>
+                </a:r>
+                <a:endParaRPr lang="nb-NO" b="0" dirty="0">
                   <a:solidFill>
                     <a:srgbClr val="000000"/>
                   </a:solidFill>
                   <a:effectLst/>
                   <a:latin typeface="Consolas" panose="020B0609020204030204" pitchFamily="49" charset="0"/>
-                </a:rPr>
-                <a:t>*</a:t>
-              </a:r>
-              <a:r>
-                <a:rPr lang="nb-NO" b="0" dirty="0">
-                  <a:solidFill>
-                    <a:srgbClr val="098658"/>
-                  </a:solidFill>
-                  <a:effectLst/>
-                  <a:latin typeface="Consolas" panose="020B0609020204030204" pitchFamily="49" charset="0"/>
-                </a:rPr>
-                <a:t>250</a:t>
-              </a:r>
-              <a:endParaRPr lang="nb-NO" b="0" dirty="0">
-                <a:solidFill>
-                  <a:srgbClr val="000000"/>
-                </a:solidFill>
-                <a:effectLst/>
-                <a:latin typeface="Consolas" panose="020B0609020204030204" pitchFamily="49" charset="0"/>
-              </a:endParaRPr>
-            </a:p>
-            <a:p>
-              <a:r>
-                <a:rPr lang="nb-NO" b="0" dirty="0">
+                </a:endParaRPr>
+              </a:p>
+              <a:p>
+                <a:r>
+                  <a:rPr lang="nb-NO" b="0" dirty="0">
+                    <a:solidFill>
+                      <a:srgbClr val="000000"/>
+                    </a:solidFill>
+                    <a:effectLst/>
+                    <a:latin typeface="Consolas" panose="020B0609020204030204" pitchFamily="49" charset="0"/>
+                  </a:rPr>
+                  <a:t>    </a:t>
+                </a:r>
+                <a:r>
+                  <a:rPr lang="nb-NO" b="0" dirty="0" err="1">
+                    <a:solidFill>
+                      <a:srgbClr val="8F08C4"/>
+                    </a:solidFill>
+                    <a:effectLst/>
+                    <a:latin typeface="Consolas" panose="020B0609020204030204" pitchFamily="49" charset="0"/>
+                  </a:rPr>
+                  <a:t>while</a:t>
+                </a:r>
+                <a:r>
+                  <a:rPr lang="nb-NO" b="0" dirty="0">
+                    <a:solidFill>
+                      <a:srgbClr val="000000"/>
+                    </a:solidFill>
+                    <a:effectLst/>
+                    <a:latin typeface="Consolas" panose="020B0609020204030204" pitchFamily="49" charset="0"/>
+                  </a:rPr>
+                  <a:t> </a:t>
+                </a:r>
+                <a:r>
+                  <a:rPr lang="nb-NO" b="0" dirty="0">
+                    <a:solidFill>
+                      <a:srgbClr val="1F377F"/>
+                    </a:solidFill>
+                    <a:effectLst/>
+                    <a:latin typeface="Consolas" panose="020B0609020204030204" pitchFamily="49" charset="0"/>
+                  </a:rPr>
+                  <a:t>batter</a:t>
+                </a:r>
+                <a:r>
+                  <a:rPr lang="nb-NO" b="0" dirty="0">
+                    <a:solidFill>
+                      <a:srgbClr val="000000"/>
+                    </a:solidFill>
+                    <a:effectLst/>
+                    <a:latin typeface="Consolas" panose="020B0609020204030204" pitchFamily="49" charset="0"/>
+                  </a:rPr>
+                  <a:t> </a:t>
+                </a:r>
+                <a:r>
+                  <a:rPr lang="nb-NO" b="0" dirty="0">
+                    <a:solidFill>
+                      <a:srgbClr val="0000FF"/>
+                    </a:solidFill>
+                    <a:effectLst/>
+                    <a:latin typeface="Consolas" panose="020B0609020204030204" pitchFamily="49" charset="0"/>
+                  </a:rPr>
+                  <a:t>is</a:t>
+                </a:r>
+                <a:r>
+                  <a:rPr lang="nb-NO" b="0" dirty="0">
+                    <a:solidFill>
+                      <a:srgbClr val="000000"/>
+                    </a:solidFill>
+                    <a:effectLst/>
+                    <a:latin typeface="Consolas" panose="020B0609020204030204" pitchFamily="49" charset="0"/>
+                  </a:rPr>
+                  <a:t> </a:t>
+                </a:r>
+                <a:r>
+                  <a:rPr lang="nb-NO" b="0" dirty="0" err="1">
+                    <a:solidFill>
+                      <a:srgbClr val="1F377F"/>
+                    </a:solidFill>
+                    <a:effectLst/>
+                    <a:latin typeface="Consolas" panose="020B0609020204030204" pitchFamily="49" charset="0"/>
+                  </a:rPr>
+                  <a:t>cold</a:t>
+                </a:r>
+                <a:r>
+                  <a:rPr lang="nb-NO" b="0" dirty="0">
+                    <a:solidFill>
+                      <a:srgbClr val="000000"/>
+                    </a:solidFill>
+                    <a:effectLst/>
+                    <a:latin typeface="Consolas" panose="020B0609020204030204" pitchFamily="49" charset="0"/>
+                  </a:rPr>
+                  <a:t>: </a:t>
+                </a:r>
+                <a:r>
+                  <a:rPr lang="nb-NO" b="0" dirty="0">
+                    <a:solidFill>
+                      <a:srgbClr val="008000"/>
+                    </a:solidFill>
+                    <a:effectLst/>
+                    <a:latin typeface="Consolas" panose="020B0609020204030204" pitchFamily="49" charset="0"/>
+                  </a:rPr>
+                  <a:t># heat up</a:t>
+                </a:r>
+                <a:endParaRPr lang="nb-NO" b="0" dirty="0">
                   <a:solidFill>
                     <a:srgbClr val="000000"/>
                   </a:solidFill>
                   <a:effectLst/>
                   <a:latin typeface="Consolas" panose="020B0609020204030204" pitchFamily="49" charset="0"/>
-                </a:rPr>
-                <a:t>    </a:t>
-              </a:r>
-              <a:r>
-                <a:rPr lang="nb-NO" b="0" dirty="0" err="1">
-                  <a:solidFill>
-                    <a:srgbClr val="1F377F"/>
-                  </a:solidFill>
-                  <a:effectLst/>
-                  <a:latin typeface="Consolas" panose="020B0609020204030204" pitchFamily="49" charset="0"/>
-                </a:rPr>
-                <a:t>sugar</a:t>
-              </a:r>
-              <a:r>
-                <a:rPr lang="nb-NO" b="0" dirty="0">
+                </a:endParaRPr>
+              </a:p>
+              <a:p>
+                <a:r>
+                  <a:rPr lang="nb-NO" b="0" dirty="0">
+                    <a:solidFill>
+                      <a:srgbClr val="000000"/>
+                    </a:solidFill>
+                    <a:effectLst/>
+                    <a:latin typeface="Consolas" panose="020B0609020204030204" pitchFamily="49" charset="0"/>
+                  </a:rPr>
+                  <a:t>        </a:t>
+                </a:r>
+                <a:r>
+                  <a:rPr lang="nb-NO" b="0" dirty="0" err="1">
+                    <a:solidFill>
+                      <a:srgbClr val="1F377F"/>
+                    </a:solidFill>
+                    <a:effectLst/>
+                    <a:latin typeface="Consolas" panose="020B0609020204030204" pitchFamily="49" charset="0"/>
+                  </a:rPr>
+                  <a:t>cold</a:t>
+                </a:r>
+                <a:r>
+                  <a:rPr lang="nb-NO" b="0" dirty="0">
+                    <a:solidFill>
+                      <a:srgbClr val="000000"/>
+                    </a:solidFill>
+                    <a:effectLst/>
+                    <a:latin typeface="Consolas" panose="020B0609020204030204" pitchFamily="49" charset="0"/>
+                  </a:rPr>
+                  <a:t> = </a:t>
+                </a:r>
+                <a:r>
+                  <a:rPr lang="nb-NO" b="0" dirty="0">
+                    <a:solidFill>
+                      <a:srgbClr val="0000FF"/>
+                    </a:solidFill>
+                    <a:effectLst/>
+                    <a:latin typeface="Consolas" panose="020B0609020204030204" pitchFamily="49" charset="0"/>
+                  </a:rPr>
+                  <a:t>False</a:t>
+                </a:r>
+                <a:endParaRPr lang="nb-NO" b="0" dirty="0">
                   <a:solidFill>
                     <a:srgbClr val="000000"/>
                   </a:solidFill>
                   <a:effectLst/>
                   <a:latin typeface="Consolas" panose="020B0609020204030204" pitchFamily="49" charset="0"/>
-                </a:rPr>
-                <a:t>  = </a:t>
-              </a:r>
-              <a:r>
-                <a:rPr lang="nb-NO" b="0" dirty="0" err="1">
-                  <a:solidFill>
-                    <a:srgbClr val="808080"/>
-                  </a:solidFill>
-                  <a:effectLst/>
-                  <a:latin typeface="Consolas" panose="020B0609020204030204" pitchFamily="49" charset="0"/>
-                </a:rPr>
-                <a:t>size</a:t>
-              </a:r>
-              <a:r>
-                <a:rPr lang="nb-NO" b="0" dirty="0">
+                </a:endParaRPr>
+              </a:p>
+              <a:p>
+                <a:r>
+                  <a:rPr lang="nb-NO" b="0" dirty="0">
+                    <a:solidFill>
+                      <a:srgbClr val="000000"/>
+                    </a:solidFill>
+                    <a:effectLst/>
+                    <a:latin typeface="Consolas" panose="020B0609020204030204" pitchFamily="49" charset="0"/>
+                  </a:rPr>
+                  <a:t>    </a:t>
+                </a:r>
+                <a:r>
+                  <a:rPr lang="nb-NO" b="0" dirty="0">
+                    <a:solidFill>
+                      <a:srgbClr val="8F08C4"/>
+                    </a:solidFill>
+                    <a:effectLst/>
+                    <a:latin typeface="Consolas" panose="020B0609020204030204" pitchFamily="49" charset="0"/>
+                  </a:rPr>
+                  <a:t>for</a:t>
+                </a:r>
+                <a:r>
+                  <a:rPr lang="nb-NO" b="0" dirty="0">
+                    <a:solidFill>
+                      <a:srgbClr val="000000"/>
+                    </a:solidFill>
+                    <a:effectLst/>
+                    <a:latin typeface="Consolas" panose="020B0609020204030204" pitchFamily="49" charset="0"/>
+                  </a:rPr>
+                  <a:t> </a:t>
+                </a:r>
+                <a:r>
+                  <a:rPr lang="nb-NO" b="0" dirty="0">
+                    <a:solidFill>
+                      <a:srgbClr val="1F377F"/>
+                    </a:solidFill>
+                    <a:effectLst/>
+                    <a:latin typeface="Consolas" panose="020B0609020204030204" pitchFamily="49" charset="0"/>
+                  </a:rPr>
+                  <a:t>egg</a:t>
+                </a:r>
+                <a:r>
+                  <a:rPr lang="nb-NO" b="0" dirty="0">
+                    <a:solidFill>
+                      <a:srgbClr val="000000"/>
+                    </a:solidFill>
+                    <a:effectLst/>
+                    <a:latin typeface="Consolas" panose="020B0609020204030204" pitchFamily="49" charset="0"/>
+                  </a:rPr>
+                  <a:t> </a:t>
+                </a:r>
+                <a:r>
+                  <a:rPr lang="nb-NO" b="0" dirty="0">
+                    <a:solidFill>
+                      <a:srgbClr val="8F08C4"/>
+                    </a:solidFill>
+                    <a:effectLst/>
+                    <a:latin typeface="Consolas" panose="020B0609020204030204" pitchFamily="49" charset="0"/>
+                  </a:rPr>
+                  <a:t>in</a:t>
+                </a:r>
+                <a:r>
+                  <a:rPr lang="nb-NO" b="0" dirty="0">
+                    <a:solidFill>
+                      <a:srgbClr val="000000"/>
+                    </a:solidFill>
+                    <a:effectLst/>
+                    <a:latin typeface="Consolas" panose="020B0609020204030204" pitchFamily="49" charset="0"/>
+                  </a:rPr>
+                  <a:t> </a:t>
+                </a:r>
+                <a:r>
+                  <a:rPr lang="nb-NO" b="0" dirty="0">
+                    <a:solidFill>
+                      <a:srgbClr val="2B91AF"/>
+                    </a:solidFill>
+                    <a:effectLst/>
+                    <a:latin typeface="Consolas" panose="020B0609020204030204" pitchFamily="49" charset="0"/>
+                  </a:rPr>
+                  <a:t>range</a:t>
+                </a:r>
+                <a:r>
+                  <a:rPr lang="nb-NO" b="0" dirty="0">
+                    <a:solidFill>
+                      <a:srgbClr val="000000"/>
+                    </a:solidFill>
+                    <a:effectLst/>
+                    <a:latin typeface="Consolas" panose="020B0609020204030204" pitchFamily="49" charset="0"/>
+                  </a:rPr>
+                  <a:t>(</a:t>
+                </a:r>
+                <a:r>
+                  <a:rPr lang="nb-NO" b="0" dirty="0">
+                    <a:solidFill>
+                      <a:srgbClr val="1F377F"/>
+                    </a:solidFill>
+                    <a:effectLst/>
+                    <a:latin typeface="Consolas" panose="020B0609020204030204" pitchFamily="49" charset="0"/>
+                  </a:rPr>
+                  <a:t>eggs</a:t>
+                </a:r>
+                <a:r>
+                  <a:rPr lang="nb-NO" b="0" dirty="0">
+                    <a:solidFill>
+                      <a:srgbClr val="000000"/>
+                    </a:solidFill>
+                    <a:effectLst/>
+                    <a:latin typeface="Consolas" panose="020B0609020204030204" pitchFamily="49" charset="0"/>
+                  </a:rPr>
+                  <a:t>):</a:t>
+                </a:r>
+              </a:p>
+              <a:p>
+                <a:r>
+                  <a:rPr lang="nb-NO" b="0" dirty="0">
+                    <a:solidFill>
+                      <a:srgbClr val="000000"/>
+                    </a:solidFill>
+                    <a:effectLst/>
+                    <a:latin typeface="Consolas" panose="020B0609020204030204" pitchFamily="49" charset="0"/>
+                  </a:rPr>
+                  <a:t>        </a:t>
+                </a:r>
+                <a:r>
+                  <a:rPr lang="nb-NO" b="0" dirty="0">
+                    <a:solidFill>
+                      <a:srgbClr val="1F377F"/>
+                    </a:solidFill>
+                    <a:effectLst/>
+                    <a:latin typeface="Consolas" panose="020B0609020204030204" pitchFamily="49" charset="0"/>
+                  </a:rPr>
+                  <a:t>batter</a:t>
+                </a:r>
+                <a:r>
+                  <a:rPr lang="nb-NO" b="0" dirty="0">
+                    <a:solidFill>
+                      <a:srgbClr val="000000"/>
+                    </a:solidFill>
+                    <a:effectLst/>
+                    <a:latin typeface="Consolas" panose="020B0609020204030204" pitchFamily="49" charset="0"/>
+                  </a:rPr>
+                  <a:t> = </a:t>
+                </a:r>
+                <a:r>
+                  <a:rPr lang="nb-NO" b="0" dirty="0">
+                    <a:solidFill>
+                      <a:srgbClr val="1F377F"/>
+                    </a:solidFill>
+                    <a:effectLst/>
+                    <a:latin typeface="Consolas" panose="020B0609020204030204" pitchFamily="49" charset="0"/>
+                  </a:rPr>
+                  <a:t>batter</a:t>
+                </a:r>
+                <a:r>
+                  <a:rPr lang="nb-NO" b="0" dirty="0">
+                    <a:solidFill>
+                      <a:srgbClr val="000000"/>
+                    </a:solidFill>
+                    <a:effectLst/>
+                    <a:latin typeface="Consolas" panose="020B0609020204030204" pitchFamily="49" charset="0"/>
+                  </a:rPr>
+                  <a:t> + </a:t>
+                </a:r>
+                <a:r>
+                  <a:rPr lang="nb-NO" b="0" dirty="0">
+                    <a:solidFill>
+                      <a:srgbClr val="1F377F"/>
+                    </a:solidFill>
+                    <a:effectLst/>
+                    <a:latin typeface="Consolas" panose="020B0609020204030204" pitchFamily="49" charset="0"/>
+                  </a:rPr>
+                  <a:t>egg</a:t>
+                </a:r>
+                <a:endParaRPr lang="nb-NO" b="0" dirty="0">
                   <a:solidFill>
                     <a:srgbClr val="000000"/>
                   </a:solidFill>
                   <a:effectLst/>
                   <a:latin typeface="Consolas" panose="020B0609020204030204" pitchFamily="49" charset="0"/>
-                </a:rPr>
-                <a:t>*</a:t>
-              </a:r>
-              <a:r>
-                <a:rPr lang="nb-NO" b="0" dirty="0">
-                  <a:solidFill>
-                    <a:srgbClr val="098658"/>
-                  </a:solidFill>
-                  <a:effectLst/>
-                  <a:latin typeface="Consolas" panose="020B0609020204030204" pitchFamily="49" charset="0"/>
-                </a:rPr>
-                <a:t>250</a:t>
-              </a:r>
-              <a:endParaRPr lang="nb-NO" b="0" dirty="0">
-                <a:solidFill>
-                  <a:srgbClr val="000000"/>
-                </a:solidFill>
-                <a:effectLst/>
-                <a:latin typeface="Consolas" panose="020B0609020204030204" pitchFamily="49" charset="0"/>
-              </a:endParaRPr>
-            </a:p>
-            <a:p>
-              <a:r>
-                <a:rPr lang="nb-NO" b="0" dirty="0">
+                </a:endParaRPr>
+              </a:p>
+              <a:p>
+                <a:r>
+                  <a:rPr lang="nb-NO" b="0" dirty="0">
+                    <a:solidFill>
+                      <a:srgbClr val="000000"/>
+                    </a:solidFill>
+                    <a:effectLst/>
+                    <a:latin typeface="Consolas" panose="020B0609020204030204" pitchFamily="49" charset="0"/>
+                  </a:rPr>
+                  <a:t>    </a:t>
+                </a:r>
+                <a:r>
+                  <a:rPr lang="nb-NO" b="0" dirty="0" err="1">
+                    <a:solidFill>
+                      <a:srgbClr val="8F08C4"/>
+                    </a:solidFill>
+                    <a:effectLst/>
+                    <a:latin typeface="Consolas" panose="020B0609020204030204" pitchFamily="49" charset="0"/>
+                  </a:rPr>
+                  <a:t>return</a:t>
+                </a:r>
+                <a:r>
+                  <a:rPr lang="nb-NO" b="0" dirty="0">
+                    <a:solidFill>
+                      <a:srgbClr val="000000"/>
+                    </a:solidFill>
+                    <a:effectLst/>
+                    <a:latin typeface="Consolas" panose="020B0609020204030204" pitchFamily="49" charset="0"/>
+                  </a:rPr>
+                  <a:t> </a:t>
+                </a:r>
+                <a:r>
+                  <a:rPr lang="nb-NO" b="0" dirty="0">
+                    <a:solidFill>
+                      <a:srgbClr val="1F377F"/>
+                    </a:solidFill>
+                    <a:effectLst/>
+                    <a:latin typeface="Consolas" panose="020B0609020204030204" pitchFamily="49" charset="0"/>
+                  </a:rPr>
+                  <a:t>batter</a:t>
+                </a:r>
+                <a:endParaRPr lang="nb-NO" b="0" dirty="0">
                   <a:solidFill>
                     <a:srgbClr val="000000"/>
                   </a:solidFill>
                   <a:effectLst/>
                   <a:latin typeface="Consolas" panose="020B0609020204030204" pitchFamily="49" charset="0"/>
-                </a:rPr>
-                <a:t>    </a:t>
-              </a:r>
-              <a:r>
-                <a:rPr lang="nb-NO" b="0" dirty="0" err="1">
-                  <a:solidFill>
-                    <a:srgbClr val="1F377F"/>
-                  </a:solidFill>
-                  <a:effectLst/>
-                  <a:latin typeface="Consolas" panose="020B0609020204030204" pitchFamily="49" charset="0"/>
-                </a:rPr>
-                <a:t>choc</a:t>
-              </a:r>
-              <a:r>
-                <a:rPr lang="nb-NO" b="0" dirty="0">
-                  <a:solidFill>
-                    <a:srgbClr val="000000"/>
-                  </a:solidFill>
-                  <a:effectLst/>
-                  <a:latin typeface="Consolas" panose="020B0609020204030204" pitchFamily="49" charset="0"/>
-                </a:rPr>
-                <a:t>   = </a:t>
-              </a:r>
-              <a:r>
-                <a:rPr lang="nb-NO" b="0" dirty="0" err="1">
-                  <a:solidFill>
-                    <a:srgbClr val="808080"/>
-                  </a:solidFill>
-                  <a:effectLst/>
-                  <a:latin typeface="Consolas" panose="020B0609020204030204" pitchFamily="49" charset="0"/>
-                </a:rPr>
-                <a:t>size</a:t>
-              </a:r>
-              <a:r>
-                <a:rPr lang="nb-NO" b="0" dirty="0">
-                  <a:solidFill>
-                    <a:srgbClr val="000000"/>
-                  </a:solidFill>
-                  <a:effectLst/>
-                  <a:latin typeface="Consolas" panose="020B0609020204030204" pitchFamily="49" charset="0"/>
-                </a:rPr>
-                <a:t>*</a:t>
-              </a:r>
-              <a:r>
-                <a:rPr lang="nb-NO" b="0" dirty="0">
-                  <a:solidFill>
-                    <a:srgbClr val="098658"/>
-                  </a:solidFill>
-                  <a:effectLst/>
-                  <a:latin typeface="Consolas" panose="020B0609020204030204" pitchFamily="49" charset="0"/>
-                </a:rPr>
-                <a:t>300</a:t>
-              </a:r>
-              <a:endParaRPr lang="nb-NO" b="0" dirty="0">
-                <a:solidFill>
-                  <a:srgbClr val="000000"/>
-                </a:solidFill>
-                <a:effectLst/>
-                <a:latin typeface="Consolas" panose="020B0609020204030204" pitchFamily="49" charset="0"/>
-              </a:endParaRPr>
-            </a:p>
-            <a:p>
-              <a:r>
-                <a:rPr lang="nb-NO" b="0" dirty="0">
-                  <a:solidFill>
-                    <a:srgbClr val="000000"/>
-                  </a:solidFill>
-                  <a:effectLst/>
-                  <a:latin typeface="Consolas" panose="020B0609020204030204" pitchFamily="49" charset="0"/>
-                </a:rPr>
-                <a:t>    </a:t>
-              </a:r>
-              <a:r>
-                <a:rPr lang="nb-NO" b="0" dirty="0" err="1">
-                  <a:solidFill>
-                    <a:srgbClr val="1F377F"/>
-                  </a:solidFill>
-                  <a:effectLst/>
-                  <a:latin typeface="Consolas" panose="020B0609020204030204" pitchFamily="49" charset="0"/>
-                </a:rPr>
-                <a:t>flour</a:t>
-              </a:r>
-              <a:r>
-                <a:rPr lang="nb-NO" b="0" dirty="0">
-                  <a:solidFill>
-                    <a:srgbClr val="000000"/>
-                  </a:solidFill>
-                  <a:effectLst/>
-                  <a:latin typeface="Consolas" panose="020B0609020204030204" pitchFamily="49" charset="0"/>
-                </a:rPr>
-                <a:t>  = </a:t>
-              </a:r>
-              <a:r>
-                <a:rPr lang="nb-NO" b="0" dirty="0" err="1">
-                  <a:solidFill>
-                    <a:srgbClr val="808080"/>
-                  </a:solidFill>
-                  <a:effectLst/>
-                  <a:latin typeface="Consolas" panose="020B0609020204030204" pitchFamily="49" charset="0"/>
-                </a:rPr>
-                <a:t>size</a:t>
-              </a:r>
-              <a:r>
-                <a:rPr lang="nb-NO" b="0" dirty="0">
-                  <a:solidFill>
-                    <a:srgbClr val="000000"/>
-                  </a:solidFill>
-                  <a:effectLst/>
-                  <a:latin typeface="Consolas" panose="020B0609020204030204" pitchFamily="49" charset="0"/>
-                </a:rPr>
-                <a:t>*</a:t>
-              </a:r>
-              <a:r>
-                <a:rPr lang="nb-NO" b="0" dirty="0">
-                  <a:solidFill>
-                    <a:srgbClr val="098658"/>
-                  </a:solidFill>
-                  <a:effectLst/>
-                  <a:latin typeface="Consolas" panose="020B0609020204030204" pitchFamily="49" charset="0"/>
-                </a:rPr>
-                <a:t>170</a:t>
-              </a:r>
-              <a:endParaRPr lang="nb-NO" b="0" dirty="0">
-                <a:solidFill>
-                  <a:srgbClr val="000000"/>
-                </a:solidFill>
-                <a:effectLst/>
-                <a:latin typeface="Consolas" panose="020B0609020204030204" pitchFamily="49" charset="0"/>
-              </a:endParaRPr>
-            </a:p>
-            <a:p>
-              <a:r>
-                <a:rPr lang="nb-NO" b="0" dirty="0">
-                  <a:solidFill>
-                    <a:srgbClr val="000000"/>
-                  </a:solidFill>
-                  <a:effectLst/>
-                  <a:latin typeface="Consolas" panose="020B0609020204030204" pitchFamily="49" charset="0"/>
-                </a:rPr>
-                <a:t>    </a:t>
-              </a:r>
-              <a:r>
-                <a:rPr lang="nb-NO" b="0">
-                  <a:solidFill>
-                    <a:srgbClr val="1F377F"/>
-                  </a:solidFill>
-                  <a:effectLst/>
-                  <a:latin typeface="Consolas" panose="020B0609020204030204" pitchFamily="49" charset="0"/>
-                </a:rPr>
-                <a:t>eggs</a:t>
-              </a:r>
-              <a:r>
-                <a:rPr lang="nb-NO" b="0">
-                  <a:solidFill>
-                    <a:srgbClr val="000000"/>
-                  </a:solidFill>
-                  <a:effectLst/>
-                  <a:latin typeface="Consolas" panose="020B0609020204030204" pitchFamily="49" charset="0"/>
-                </a:rPr>
-                <a:t>   = </a:t>
-              </a:r>
-              <a:r>
-                <a:rPr lang="nb-NO" b="0" dirty="0" err="1">
-                  <a:solidFill>
-                    <a:srgbClr val="808080"/>
-                  </a:solidFill>
-                  <a:effectLst/>
-                  <a:latin typeface="Consolas" panose="020B0609020204030204" pitchFamily="49" charset="0"/>
-                </a:rPr>
-                <a:t>size</a:t>
-              </a:r>
-              <a:r>
-                <a:rPr lang="nb-NO" b="0" dirty="0">
-                  <a:solidFill>
-                    <a:srgbClr val="000000"/>
-                  </a:solidFill>
-                  <a:effectLst/>
-                  <a:latin typeface="Consolas" panose="020B0609020204030204" pitchFamily="49" charset="0"/>
-                </a:rPr>
-                <a:t>*</a:t>
-              </a:r>
-              <a:r>
-                <a:rPr lang="nb-NO" b="0" dirty="0">
-                  <a:solidFill>
-                    <a:srgbClr val="098658"/>
-                  </a:solidFill>
-                  <a:effectLst/>
-                  <a:latin typeface="Consolas" panose="020B0609020204030204" pitchFamily="49" charset="0"/>
-                </a:rPr>
-                <a:t>8</a:t>
-              </a:r>
-              <a:endParaRPr lang="nb-NO" b="0" dirty="0">
-                <a:solidFill>
-                  <a:srgbClr val="000000"/>
-                </a:solidFill>
-                <a:effectLst/>
-                <a:latin typeface="Consolas" panose="020B0609020204030204" pitchFamily="49" charset="0"/>
-              </a:endParaRPr>
-            </a:p>
-            <a:p>
-              <a:r>
-                <a:rPr lang="nb-NO" b="0" dirty="0">
-                  <a:solidFill>
-                    <a:srgbClr val="000000"/>
-                  </a:solidFill>
-                  <a:effectLst/>
-                  <a:latin typeface="Consolas" panose="020B0609020204030204" pitchFamily="49" charset="0"/>
-                </a:rPr>
-                <a:t>    </a:t>
-              </a:r>
-              <a:r>
-                <a:rPr lang="nb-NO" b="0" dirty="0">
-                  <a:solidFill>
-                    <a:srgbClr val="1F377F"/>
-                  </a:solidFill>
-                  <a:effectLst/>
-                  <a:latin typeface="Consolas" panose="020B0609020204030204" pitchFamily="49" charset="0"/>
-                </a:rPr>
-                <a:t>batter</a:t>
-              </a:r>
-              <a:r>
-                <a:rPr lang="nb-NO" b="0" dirty="0">
-                  <a:solidFill>
-                    <a:srgbClr val="000000"/>
-                  </a:solidFill>
-                  <a:effectLst/>
-                  <a:latin typeface="Consolas" panose="020B0609020204030204" pitchFamily="49" charset="0"/>
-                </a:rPr>
-                <a:t> = </a:t>
-              </a:r>
-              <a:r>
-                <a:rPr lang="nb-NO" b="0" dirty="0" err="1">
-                  <a:solidFill>
-                    <a:srgbClr val="1F377F"/>
-                  </a:solidFill>
-                  <a:effectLst/>
-                  <a:latin typeface="Consolas" panose="020B0609020204030204" pitchFamily="49" charset="0"/>
-                </a:rPr>
-                <a:t>butter</a:t>
-              </a:r>
-              <a:r>
-                <a:rPr lang="nb-NO" b="0" dirty="0" err="1">
-                  <a:solidFill>
-                    <a:srgbClr val="000000"/>
-                  </a:solidFill>
-                  <a:effectLst/>
-                  <a:latin typeface="Consolas" panose="020B0609020204030204" pitchFamily="49" charset="0"/>
-                </a:rPr>
-                <a:t>+</a:t>
-              </a:r>
-              <a:r>
-                <a:rPr lang="nb-NO" b="0" dirty="0" err="1">
-                  <a:solidFill>
-                    <a:srgbClr val="1F377F"/>
-                  </a:solidFill>
-                  <a:effectLst/>
-                  <a:latin typeface="Consolas" panose="020B0609020204030204" pitchFamily="49" charset="0"/>
-                </a:rPr>
-                <a:t>sugar</a:t>
-              </a:r>
-              <a:endParaRPr lang="nb-NO" b="0" dirty="0">
-                <a:solidFill>
-                  <a:srgbClr val="000000"/>
-                </a:solidFill>
-                <a:effectLst/>
-                <a:latin typeface="Consolas" panose="020B0609020204030204" pitchFamily="49" charset="0"/>
-              </a:endParaRPr>
-            </a:p>
-            <a:p>
-              <a:r>
-                <a:rPr lang="nb-NO" b="0" dirty="0">
-                  <a:solidFill>
-                    <a:srgbClr val="000000"/>
-                  </a:solidFill>
-                  <a:effectLst/>
-                  <a:latin typeface="Consolas" panose="020B0609020204030204" pitchFamily="49" charset="0"/>
-                </a:rPr>
-                <a:t>    </a:t>
-              </a:r>
-              <a:r>
-                <a:rPr lang="nb-NO" b="0" dirty="0" err="1">
-                  <a:solidFill>
-                    <a:srgbClr val="1F377F"/>
-                  </a:solidFill>
-                  <a:effectLst/>
-                  <a:latin typeface="Consolas" panose="020B0609020204030204" pitchFamily="49" charset="0"/>
-                </a:rPr>
-                <a:t>cold</a:t>
-              </a:r>
-              <a:r>
-                <a:rPr lang="nb-NO" b="0" dirty="0">
-                  <a:solidFill>
-                    <a:srgbClr val="000000"/>
-                  </a:solidFill>
-                  <a:effectLst/>
-                  <a:latin typeface="Consolas" panose="020B0609020204030204" pitchFamily="49" charset="0"/>
-                </a:rPr>
-                <a:t> = </a:t>
-              </a:r>
-              <a:r>
-                <a:rPr lang="nb-NO" b="0" dirty="0">
-                  <a:solidFill>
-                    <a:srgbClr val="0000FF"/>
-                  </a:solidFill>
-                  <a:effectLst/>
-                  <a:latin typeface="Consolas" panose="020B0609020204030204" pitchFamily="49" charset="0"/>
-                </a:rPr>
-                <a:t>True</a:t>
-              </a:r>
-              <a:endParaRPr lang="nb-NO" b="0" dirty="0">
-                <a:solidFill>
-                  <a:srgbClr val="000000"/>
-                </a:solidFill>
-                <a:effectLst/>
-                <a:latin typeface="Consolas" panose="020B0609020204030204" pitchFamily="49" charset="0"/>
-              </a:endParaRPr>
-            </a:p>
-            <a:p>
-              <a:r>
-                <a:rPr lang="nb-NO" b="0" dirty="0">
-                  <a:solidFill>
-                    <a:srgbClr val="000000"/>
-                  </a:solidFill>
-                  <a:effectLst/>
-                  <a:latin typeface="Consolas" panose="020B0609020204030204" pitchFamily="49" charset="0"/>
-                </a:rPr>
-                <a:t>    </a:t>
-              </a:r>
-              <a:r>
-                <a:rPr lang="nb-NO" b="0" dirty="0" err="1">
-                  <a:solidFill>
-                    <a:srgbClr val="8F08C4"/>
-                  </a:solidFill>
-                  <a:effectLst/>
-                  <a:latin typeface="Consolas" panose="020B0609020204030204" pitchFamily="49" charset="0"/>
-                </a:rPr>
-                <a:t>while</a:t>
-              </a:r>
-              <a:r>
-                <a:rPr lang="nb-NO" b="0" dirty="0">
-                  <a:solidFill>
-                    <a:srgbClr val="000000"/>
-                  </a:solidFill>
-                  <a:effectLst/>
-                  <a:latin typeface="Consolas" panose="020B0609020204030204" pitchFamily="49" charset="0"/>
-                </a:rPr>
-                <a:t> </a:t>
-              </a:r>
-              <a:r>
-                <a:rPr lang="nb-NO" b="0" dirty="0">
-                  <a:solidFill>
-                    <a:srgbClr val="1F377F"/>
-                  </a:solidFill>
-                  <a:effectLst/>
-                  <a:latin typeface="Consolas" panose="020B0609020204030204" pitchFamily="49" charset="0"/>
-                </a:rPr>
-                <a:t>batter</a:t>
-              </a:r>
-              <a:r>
-                <a:rPr lang="nb-NO" b="0" dirty="0">
-                  <a:solidFill>
-                    <a:srgbClr val="000000"/>
-                  </a:solidFill>
-                  <a:effectLst/>
-                  <a:latin typeface="Consolas" panose="020B0609020204030204" pitchFamily="49" charset="0"/>
-                </a:rPr>
-                <a:t> </a:t>
-              </a:r>
-              <a:r>
-                <a:rPr lang="nb-NO" b="0" dirty="0">
-                  <a:solidFill>
-                    <a:srgbClr val="0000FF"/>
-                  </a:solidFill>
-                  <a:effectLst/>
-                  <a:latin typeface="Consolas" panose="020B0609020204030204" pitchFamily="49" charset="0"/>
-                </a:rPr>
-                <a:t>is</a:t>
-              </a:r>
-              <a:r>
-                <a:rPr lang="nb-NO" b="0" dirty="0">
-                  <a:solidFill>
-                    <a:srgbClr val="000000"/>
-                  </a:solidFill>
-                  <a:effectLst/>
-                  <a:latin typeface="Consolas" panose="020B0609020204030204" pitchFamily="49" charset="0"/>
-                </a:rPr>
-                <a:t> </a:t>
-              </a:r>
-              <a:r>
-                <a:rPr lang="nb-NO" b="0" dirty="0" err="1">
-                  <a:solidFill>
-                    <a:srgbClr val="1F377F"/>
-                  </a:solidFill>
-                  <a:effectLst/>
-                  <a:latin typeface="Consolas" panose="020B0609020204030204" pitchFamily="49" charset="0"/>
-                </a:rPr>
-                <a:t>cold</a:t>
-              </a:r>
-              <a:r>
-                <a:rPr lang="nb-NO" b="0" dirty="0">
-                  <a:solidFill>
-                    <a:srgbClr val="000000"/>
-                  </a:solidFill>
-                  <a:effectLst/>
-                  <a:latin typeface="Consolas" panose="020B0609020204030204" pitchFamily="49" charset="0"/>
-                </a:rPr>
-                <a:t>: </a:t>
-              </a:r>
-              <a:r>
-                <a:rPr lang="nb-NO" b="0" dirty="0">
-                  <a:solidFill>
-                    <a:srgbClr val="008000"/>
-                  </a:solidFill>
-                  <a:effectLst/>
-                  <a:latin typeface="Consolas" panose="020B0609020204030204" pitchFamily="49" charset="0"/>
-                </a:rPr>
-                <a:t># heat up</a:t>
-              </a:r>
-              <a:endParaRPr lang="nb-NO" b="0" dirty="0">
-                <a:solidFill>
-                  <a:srgbClr val="000000"/>
-                </a:solidFill>
-                <a:effectLst/>
-                <a:latin typeface="Consolas" panose="020B0609020204030204" pitchFamily="49" charset="0"/>
-              </a:endParaRPr>
-            </a:p>
-            <a:p>
-              <a:r>
-                <a:rPr lang="nb-NO" b="0" dirty="0">
-                  <a:solidFill>
-                    <a:srgbClr val="000000"/>
-                  </a:solidFill>
-                  <a:effectLst/>
-                  <a:latin typeface="Consolas" panose="020B0609020204030204" pitchFamily="49" charset="0"/>
-                </a:rPr>
-                <a:t>        </a:t>
-              </a:r>
-              <a:r>
-                <a:rPr lang="nb-NO" b="0" dirty="0" err="1">
-                  <a:solidFill>
-                    <a:srgbClr val="1F377F"/>
-                  </a:solidFill>
-                  <a:effectLst/>
-                  <a:latin typeface="Consolas" panose="020B0609020204030204" pitchFamily="49" charset="0"/>
-                </a:rPr>
-                <a:t>cold</a:t>
-              </a:r>
-              <a:r>
-                <a:rPr lang="nb-NO" b="0" dirty="0">
-                  <a:solidFill>
-                    <a:srgbClr val="000000"/>
-                  </a:solidFill>
-                  <a:effectLst/>
-                  <a:latin typeface="Consolas" panose="020B0609020204030204" pitchFamily="49" charset="0"/>
-                </a:rPr>
-                <a:t> = </a:t>
-              </a:r>
-              <a:r>
-                <a:rPr lang="nb-NO" b="0" dirty="0">
-                  <a:solidFill>
-                    <a:srgbClr val="0000FF"/>
-                  </a:solidFill>
-                  <a:effectLst/>
-                  <a:latin typeface="Consolas" panose="020B0609020204030204" pitchFamily="49" charset="0"/>
-                </a:rPr>
-                <a:t>False</a:t>
-              </a:r>
-              <a:endParaRPr lang="nb-NO" b="0" dirty="0">
-                <a:solidFill>
-                  <a:srgbClr val="000000"/>
-                </a:solidFill>
-                <a:effectLst/>
-                <a:latin typeface="Consolas" panose="020B0609020204030204" pitchFamily="49" charset="0"/>
-              </a:endParaRPr>
-            </a:p>
-            <a:p>
-              <a:r>
-                <a:rPr lang="nb-NO" b="0" dirty="0">
-                  <a:solidFill>
-                    <a:srgbClr val="000000"/>
-                  </a:solidFill>
-                  <a:effectLst/>
-                  <a:latin typeface="Consolas" panose="020B0609020204030204" pitchFamily="49" charset="0"/>
-                </a:rPr>
-                <a:t>    </a:t>
-              </a:r>
-              <a:r>
-                <a:rPr lang="nb-NO" b="0" dirty="0">
-                  <a:solidFill>
-                    <a:srgbClr val="8F08C4"/>
-                  </a:solidFill>
-                  <a:effectLst/>
-                  <a:latin typeface="Consolas" panose="020B0609020204030204" pitchFamily="49" charset="0"/>
-                </a:rPr>
-                <a:t>for</a:t>
-              </a:r>
-              <a:r>
-                <a:rPr lang="nb-NO" b="0" dirty="0">
-                  <a:solidFill>
-                    <a:srgbClr val="000000"/>
-                  </a:solidFill>
-                  <a:effectLst/>
-                  <a:latin typeface="Consolas" panose="020B0609020204030204" pitchFamily="49" charset="0"/>
-                </a:rPr>
-                <a:t> </a:t>
-              </a:r>
-              <a:r>
-                <a:rPr lang="nb-NO" b="0" dirty="0">
-                  <a:solidFill>
-                    <a:srgbClr val="1F377F"/>
-                  </a:solidFill>
-                  <a:effectLst/>
-                  <a:latin typeface="Consolas" panose="020B0609020204030204" pitchFamily="49" charset="0"/>
-                </a:rPr>
-                <a:t>egg</a:t>
-              </a:r>
-              <a:r>
-                <a:rPr lang="nb-NO" b="0" dirty="0">
-                  <a:solidFill>
-                    <a:srgbClr val="000000"/>
-                  </a:solidFill>
-                  <a:effectLst/>
-                  <a:latin typeface="Consolas" panose="020B0609020204030204" pitchFamily="49" charset="0"/>
-                </a:rPr>
-                <a:t> </a:t>
-              </a:r>
-              <a:r>
-                <a:rPr lang="nb-NO" b="0" dirty="0">
-                  <a:solidFill>
-                    <a:srgbClr val="8F08C4"/>
-                  </a:solidFill>
-                  <a:effectLst/>
-                  <a:latin typeface="Consolas" panose="020B0609020204030204" pitchFamily="49" charset="0"/>
-                </a:rPr>
-                <a:t>in</a:t>
-              </a:r>
-              <a:r>
-                <a:rPr lang="nb-NO" b="0" dirty="0">
-                  <a:solidFill>
-                    <a:srgbClr val="000000"/>
-                  </a:solidFill>
-                  <a:effectLst/>
-                  <a:latin typeface="Consolas" panose="020B0609020204030204" pitchFamily="49" charset="0"/>
-                </a:rPr>
-                <a:t> </a:t>
-              </a:r>
-              <a:r>
-                <a:rPr lang="nb-NO" b="0" dirty="0">
-                  <a:solidFill>
-                    <a:srgbClr val="2B91AF"/>
-                  </a:solidFill>
-                  <a:effectLst/>
-                  <a:latin typeface="Consolas" panose="020B0609020204030204" pitchFamily="49" charset="0"/>
-                </a:rPr>
-                <a:t>range</a:t>
-              </a:r>
-              <a:r>
-                <a:rPr lang="nb-NO" b="0" dirty="0">
-                  <a:solidFill>
-                    <a:srgbClr val="000000"/>
-                  </a:solidFill>
-                  <a:effectLst/>
-                  <a:latin typeface="Consolas" panose="020B0609020204030204" pitchFamily="49" charset="0"/>
-                </a:rPr>
-                <a:t>(</a:t>
-              </a:r>
-              <a:r>
-                <a:rPr lang="nb-NO" b="0" dirty="0">
-                  <a:solidFill>
-                    <a:srgbClr val="1F377F"/>
-                  </a:solidFill>
-                  <a:effectLst/>
-                  <a:latin typeface="Consolas" panose="020B0609020204030204" pitchFamily="49" charset="0"/>
-                </a:rPr>
-                <a:t>eggs</a:t>
-              </a:r>
-              <a:r>
-                <a:rPr lang="nb-NO" b="0" dirty="0">
-                  <a:solidFill>
-                    <a:srgbClr val="000000"/>
-                  </a:solidFill>
-                  <a:effectLst/>
-                  <a:latin typeface="Consolas" panose="020B0609020204030204" pitchFamily="49" charset="0"/>
-                </a:rPr>
-                <a:t>):</a:t>
-              </a:r>
-            </a:p>
-            <a:p>
-              <a:r>
-                <a:rPr lang="nb-NO" b="0" dirty="0">
-                  <a:solidFill>
-                    <a:srgbClr val="000000"/>
-                  </a:solidFill>
-                  <a:effectLst/>
-                  <a:latin typeface="Consolas" panose="020B0609020204030204" pitchFamily="49" charset="0"/>
-                </a:rPr>
-                <a:t>        </a:t>
-              </a:r>
-              <a:r>
-                <a:rPr lang="nb-NO" b="0" dirty="0">
-                  <a:solidFill>
-                    <a:srgbClr val="1F377F"/>
-                  </a:solidFill>
-                  <a:effectLst/>
-                  <a:latin typeface="Consolas" panose="020B0609020204030204" pitchFamily="49" charset="0"/>
-                </a:rPr>
-                <a:t>batter</a:t>
-              </a:r>
-              <a:r>
-                <a:rPr lang="nb-NO" b="0" dirty="0">
-                  <a:solidFill>
-                    <a:srgbClr val="000000"/>
-                  </a:solidFill>
-                  <a:effectLst/>
-                  <a:latin typeface="Consolas" panose="020B0609020204030204" pitchFamily="49" charset="0"/>
-                </a:rPr>
-                <a:t> = </a:t>
-              </a:r>
-              <a:r>
-                <a:rPr lang="nb-NO" b="0" dirty="0">
-                  <a:solidFill>
-                    <a:srgbClr val="1F377F"/>
-                  </a:solidFill>
-                  <a:effectLst/>
-                  <a:latin typeface="Consolas" panose="020B0609020204030204" pitchFamily="49" charset="0"/>
-                </a:rPr>
-                <a:t>batter</a:t>
-              </a:r>
-              <a:r>
-                <a:rPr lang="nb-NO" b="0" dirty="0">
-                  <a:solidFill>
-                    <a:srgbClr val="000000"/>
-                  </a:solidFill>
-                  <a:effectLst/>
-                  <a:latin typeface="Consolas" panose="020B0609020204030204" pitchFamily="49" charset="0"/>
-                </a:rPr>
-                <a:t> + </a:t>
-              </a:r>
-              <a:r>
-                <a:rPr lang="nb-NO" b="0" dirty="0">
-                  <a:solidFill>
-                    <a:srgbClr val="1F377F"/>
-                  </a:solidFill>
-                  <a:effectLst/>
-                  <a:latin typeface="Consolas" panose="020B0609020204030204" pitchFamily="49" charset="0"/>
-                </a:rPr>
-                <a:t>egg</a:t>
-              </a:r>
-              <a:endParaRPr lang="nb-NO" b="0" dirty="0">
-                <a:solidFill>
-                  <a:srgbClr val="000000"/>
-                </a:solidFill>
-                <a:effectLst/>
-                <a:latin typeface="Consolas" panose="020B0609020204030204" pitchFamily="49" charset="0"/>
-              </a:endParaRPr>
-            </a:p>
-            <a:p>
-              <a:r>
-                <a:rPr lang="nb-NO" b="0" dirty="0">
-                  <a:solidFill>
-                    <a:srgbClr val="000000"/>
-                  </a:solidFill>
-                  <a:effectLst/>
-                  <a:latin typeface="Consolas" panose="020B0609020204030204" pitchFamily="49" charset="0"/>
-                </a:rPr>
-                <a:t>    </a:t>
-              </a:r>
-              <a:r>
-                <a:rPr lang="nb-NO" b="0" dirty="0" err="1">
-                  <a:solidFill>
-                    <a:srgbClr val="8F08C4"/>
-                  </a:solidFill>
-                  <a:effectLst/>
-                  <a:latin typeface="Consolas" panose="020B0609020204030204" pitchFamily="49" charset="0"/>
-                </a:rPr>
-                <a:t>return</a:t>
-              </a:r>
-              <a:r>
-                <a:rPr lang="nb-NO" b="0" dirty="0">
-                  <a:solidFill>
-                    <a:srgbClr val="000000"/>
-                  </a:solidFill>
-                  <a:effectLst/>
-                  <a:latin typeface="Consolas" panose="020B0609020204030204" pitchFamily="49" charset="0"/>
-                </a:rPr>
-                <a:t> </a:t>
-              </a:r>
-              <a:r>
-                <a:rPr lang="nb-NO" b="0" dirty="0">
-                  <a:solidFill>
-                    <a:srgbClr val="1F377F"/>
-                  </a:solidFill>
-                  <a:effectLst/>
-                  <a:latin typeface="Consolas" panose="020B0609020204030204" pitchFamily="49" charset="0"/>
-                </a:rPr>
-                <a:t>batter</a:t>
-              </a:r>
-              <a:endParaRPr lang="nb-NO" b="0" dirty="0">
-                <a:solidFill>
-                  <a:srgbClr val="000000"/>
-                </a:solidFill>
-                <a:effectLst/>
-                <a:latin typeface="Consolas" panose="020B0609020204030204" pitchFamily="49" charset="0"/>
-              </a:endParaRPr>
-            </a:p>
-          </p:txBody>
-        </p:sp>
+                </a:endParaRPr>
+              </a:p>
+            </p:txBody>
+          </p:sp>
+        </p:grpSp>
       </p:grpSp>
     </p:spTree>
     <p:extLst>

--- a/doc/src/modules/pictures.pptx
+++ b/doc/src/modules/pictures.pptx
@@ -9,6 +9,7 @@
     <p:sldId id="257" r:id="rId3"/>
     <p:sldId id="258" r:id="rId4"/>
     <p:sldId id="259" r:id="rId5"/>
+    <p:sldId id="260" r:id="rId6"/>
   </p:sldIdLst>
   <p:sldSz cx="12192000" cy="6858000"/>
   <p:notesSz cx="6858000" cy="9144000"/>
@@ -115,6 +116,4265 @@
 </p:presentation>
 </file>
 
+<file path=ppt/diagrams/colors1.xml><?xml version="1.0" encoding="utf-8"?>
+<dgm:colorsDef xmlns:dgm="http://schemas.openxmlformats.org/drawingml/2006/diagram" xmlns:a="http://schemas.openxmlformats.org/drawingml/2006/main" uniqueId="urn:microsoft.com/office/officeart/2005/8/colors/accent1_2">
+  <dgm:title val=""/>
+  <dgm:desc val=""/>
+  <dgm:catLst>
+    <dgm:cat type="accent1" pri="11200"/>
+  </dgm:catLst>
+  <dgm:styleLbl name="node0">
+    <dgm:fillClrLst meth="repeat">
+      <a:schemeClr val="accent1"/>
+    </dgm:fillClrLst>
+    <dgm:linClrLst meth="repeat">
+      <a:schemeClr val="lt1"/>
+    </dgm:linClrLst>
+    <dgm:effectClrLst/>
+    <dgm:txLinClrLst/>
+    <dgm:txFillClrLst/>
+    <dgm:txEffectClrLst/>
+  </dgm:styleLbl>
+  <dgm:styleLbl name="alignNode1">
+    <dgm:fillClrLst meth="repeat">
+      <a:schemeClr val="accent1"/>
+    </dgm:fillClrLst>
+    <dgm:linClrLst meth="repeat">
+      <a:schemeClr val="accent1"/>
+    </dgm:linClrLst>
+    <dgm:effectClrLst/>
+    <dgm:txLinClrLst/>
+    <dgm:txFillClrLst/>
+    <dgm:txEffectClrLst/>
+  </dgm:styleLbl>
+  <dgm:styleLbl name="node1">
+    <dgm:fillClrLst meth="repeat">
+      <a:schemeClr val="accent1"/>
+    </dgm:fillClrLst>
+    <dgm:linClrLst meth="repeat">
+      <a:schemeClr val="lt1"/>
+    </dgm:linClrLst>
+    <dgm:effectClrLst/>
+    <dgm:txLinClrLst/>
+    <dgm:txFillClrLst/>
+    <dgm:txEffectClrLst/>
+  </dgm:styleLbl>
+  <dgm:styleLbl name="lnNode1">
+    <dgm:fillClrLst meth="repeat">
+      <a:schemeClr val="accent1"/>
+    </dgm:fillClrLst>
+    <dgm:linClrLst meth="repeat">
+      <a:schemeClr val="lt1"/>
+    </dgm:linClrLst>
+    <dgm:effectClrLst/>
+    <dgm:txLinClrLst/>
+    <dgm:txFillClrLst/>
+    <dgm:txEffectClrLst/>
+  </dgm:styleLbl>
+  <dgm:styleLbl name="vennNode1">
+    <dgm:fillClrLst meth="repeat">
+      <a:schemeClr val="accent1">
+        <a:alpha val="50000"/>
+      </a:schemeClr>
+    </dgm:fillClrLst>
+    <dgm:linClrLst meth="repeat">
+      <a:schemeClr val="lt1"/>
+    </dgm:linClrLst>
+    <dgm:effectClrLst/>
+    <dgm:txLinClrLst/>
+    <dgm:txFillClrLst/>
+    <dgm:txEffectClrLst/>
+  </dgm:styleLbl>
+  <dgm:styleLbl name="node2">
+    <dgm:fillClrLst meth="repeat">
+      <a:schemeClr val="accent1"/>
+    </dgm:fillClrLst>
+    <dgm:linClrLst meth="repeat">
+      <a:schemeClr val="lt1"/>
+    </dgm:linClrLst>
+    <dgm:effectClrLst/>
+    <dgm:txLinClrLst/>
+    <dgm:txFillClrLst/>
+    <dgm:txEffectClrLst/>
+  </dgm:styleLbl>
+  <dgm:styleLbl name="node3">
+    <dgm:fillClrLst meth="repeat">
+      <a:schemeClr val="accent1"/>
+    </dgm:fillClrLst>
+    <dgm:linClrLst meth="repeat">
+      <a:schemeClr val="lt1"/>
+    </dgm:linClrLst>
+    <dgm:effectClrLst/>
+    <dgm:txLinClrLst/>
+    <dgm:txFillClrLst/>
+    <dgm:txEffectClrLst/>
+  </dgm:styleLbl>
+  <dgm:styleLbl name="node4">
+    <dgm:fillClrLst meth="repeat">
+      <a:schemeClr val="accent1"/>
+    </dgm:fillClrLst>
+    <dgm:linClrLst meth="repeat">
+      <a:schemeClr val="lt1"/>
+    </dgm:linClrLst>
+    <dgm:effectClrLst/>
+    <dgm:txLinClrLst/>
+    <dgm:txFillClrLst/>
+    <dgm:txEffectClrLst/>
+  </dgm:styleLbl>
+  <dgm:styleLbl name="fgImgPlace1">
+    <dgm:fillClrLst meth="repeat">
+      <a:schemeClr val="accent1">
+        <a:tint val="50000"/>
+      </a:schemeClr>
+    </dgm:fillClrLst>
+    <dgm:linClrLst meth="repeat">
+      <a:schemeClr val="lt1"/>
+    </dgm:linClrLst>
+    <dgm:effectClrLst/>
+    <dgm:txLinClrLst/>
+    <dgm:txFillClrLst meth="repeat">
+      <a:schemeClr val="lt1"/>
+    </dgm:txFillClrLst>
+    <dgm:txEffectClrLst/>
+  </dgm:styleLbl>
+  <dgm:styleLbl name="alignImgPlace1">
+    <dgm:fillClrLst meth="repeat">
+      <a:schemeClr val="accent1">
+        <a:tint val="50000"/>
+      </a:schemeClr>
+    </dgm:fillClrLst>
+    <dgm:linClrLst meth="repeat">
+      <a:schemeClr val="lt1"/>
+    </dgm:linClrLst>
+    <dgm:effectClrLst/>
+    <dgm:txLinClrLst/>
+    <dgm:txFillClrLst meth="repeat">
+      <a:schemeClr val="lt1"/>
+    </dgm:txFillClrLst>
+    <dgm:txEffectClrLst/>
+  </dgm:styleLbl>
+  <dgm:styleLbl name="bgImgPlace1">
+    <dgm:fillClrLst meth="repeat">
+      <a:schemeClr val="accent1">
+        <a:tint val="50000"/>
+      </a:schemeClr>
+    </dgm:fillClrLst>
+    <dgm:linClrLst meth="repeat">
+      <a:schemeClr val="lt1"/>
+    </dgm:linClrLst>
+    <dgm:effectClrLst/>
+    <dgm:txLinClrLst/>
+    <dgm:txFillClrLst meth="repeat">
+      <a:schemeClr val="lt1"/>
+    </dgm:txFillClrLst>
+    <dgm:txEffectClrLst/>
+  </dgm:styleLbl>
+  <dgm:styleLbl name="sibTrans2D1">
+    <dgm:fillClrLst meth="repeat">
+      <a:schemeClr val="accent1">
+        <a:tint val="60000"/>
+      </a:schemeClr>
+    </dgm:fillClrLst>
+    <dgm:linClrLst meth="repeat">
+      <a:schemeClr val="accent1">
+        <a:tint val="60000"/>
+      </a:schemeClr>
+    </dgm:linClrLst>
+    <dgm:effectClrLst/>
+    <dgm:txLinClrLst/>
+    <dgm:txFillClrLst/>
+    <dgm:txEffectClrLst/>
+  </dgm:styleLbl>
+  <dgm:styleLbl name="fgSibTrans2D1">
+    <dgm:fillClrLst meth="repeat">
+      <a:schemeClr val="accent1">
+        <a:tint val="60000"/>
+      </a:schemeClr>
+    </dgm:fillClrLst>
+    <dgm:linClrLst meth="repeat">
+      <a:schemeClr val="accent1">
+        <a:tint val="60000"/>
+      </a:schemeClr>
+    </dgm:linClrLst>
+    <dgm:effectClrLst/>
+    <dgm:txLinClrLst/>
+    <dgm:txFillClrLst/>
+    <dgm:txEffectClrLst/>
+  </dgm:styleLbl>
+  <dgm:styleLbl name="bgSibTrans2D1">
+    <dgm:fillClrLst meth="repeat">
+      <a:schemeClr val="accent1">
+        <a:tint val="60000"/>
+      </a:schemeClr>
+    </dgm:fillClrLst>
+    <dgm:linClrLst meth="repeat">
+      <a:schemeClr val="accent1">
+        <a:tint val="60000"/>
+      </a:schemeClr>
+    </dgm:linClrLst>
+    <dgm:effectClrLst/>
+    <dgm:txLinClrLst/>
+    <dgm:txFillClrLst/>
+    <dgm:txEffectClrLst/>
+  </dgm:styleLbl>
+  <dgm:styleLbl name="sibTrans1D1">
+    <dgm:fillClrLst meth="repeat">
+      <a:schemeClr val="accent1"/>
+    </dgm:fillClrLst>
+    <dgm:linClrLst meth="repeat">
+      <a:schemeClr val="accent1"/>
+    </dgm:linClrLst>
+    <dgm:effectClrLst/>
+    <dgm:txLinClrLst/>
+    <dgm:txFillClrLst meth="repeat">
+      <a:schemeClr val="tx1"/>
+    </dgm:txFillClrLst>
+    <dgm:txEffectClrLst/>
+  </dgm:styleLbl>
+  <dgm:styleLbl name="callout">
+    <dgm:fillClrLst meth="repeat">
+      <a:schemeClr val="accent1"/>
+    </dgm:fillClrLst>
+    <dgm:linClrLst meth="repeat">
+      <a:schemeClr val="accent1">
+        <a:tint val="50000"/>
+      </a:schemeClr>
+    </dgm:linClrLst>
+    <dgm:effectClrLst/>
+    <dgm:txLinClrLst/>
+    <dgm:txFillClrLst meth="repeat">
+      <a:schemeClr val="tx1"/>
+    </dgm:txFillClrLst>
+    <dgm:txEffectClrLst/>
+  </dgm:styleLbl>
+  <dgm:styleLbl name="asst0">
+    <dgm:fillClrLst meth="repeat">
+      <a:schemeClr val="accent1"/>
+    </dgm:fillClrLst>
+    <dgm:linClrLst meth="repeat">
+      <a:schemeClr val="lt1"/>
+    </dgm:linClrLst>
+    <dgm:effectClrLst/>
+    <dgm:txLinClrLst/>
+    <dgm:txFillClrLst/>
+    <dgm:txEffectClrLst/>
+  </dgm:styleLbl>
+  <dgm:styleLbl name="asst1">
+    <dgm:fillClrLst meth="repeat">
+      <a:schemeClr val="accent1"/>
+    </dgm:fillClrLst>
+    <dgm:linClrLst meth="repeat">
+      <a:schemeClr val="lt1"/>
+    </dgm:linClrLst>
+    <dgm:effectClrLst/>
+    <dgm:txLinClrLst/>
+    <dgm:txFillClrLst/>
+    <dgm:txEffectClrLst/>
+  </dgm:styleLbl>
+  <dgm:styleLbl name="asst2">
+    <dgm:fillClrLst meth="repeat">
+      <a:schemeClr val="accent1"/>
+    </dgm:fillClrLst>
+    <dgm:linClrLst meth="repeat">
+      <a:schemeClr val="lt1"/>
+    </dgm:linClrLst>
+    <dgm:effectClrLst/>
+    <dgm:txLinClrLst/>
+    <dgm:txFillClrLst/>
+    <dgm:txEffectClrLst/>
+  </dgm:styleLbl>
+  <dgm:styleLbl name="asst3">
+    <dgm:fillClrLst meth="repeat">
+      <a:schemeClr val="accent1"/>
+    </dgm:fillClrLst>
+    <dgm:linClrLst meth="repeat">
+      <a:schemeClr val="lt1"/>
+    </dgm:linClrLst>
+    <dgm:effectClrLst/>
+    <dgm:txLinClrLst/>
+    <dgm:txFillClrLst/>
+    <dgm:txEffectClrLst/>
+  </dgm:styleLbl>
+  <dgm:styleLbl name="asst4">
+    <dgm:fillClrLst meth="repeat">
+      <a:schemeClr val="accent1"/>
+    </dgm:fillClrLst>
+    <dgm:linClrLst meth="repeat">
+      <a:schemeClr val="lt1"/>
+    </dgm:linClrLst>
+    <dgm:effectClrLst/>
+    <dgm:txLinClrLst/>
+    <dgm:txFillClrLst/>
+    <dgm:txEffectClrLst/>
+  </dgm:styleLbl>
+  <dgm:styleLbl name="parChTrans2D1">
+    <dgm:fillClrLst meth="repeat">
+      <a:schemeClr val="accent1">
+        <a:tint val="60000"/>
+      </a:schemeClr>
+    </dgm:fillClrLst>
+    <dgm:linClrLst meth="repeat">
+      <a:schemeClr val="accent1">
+        <a:tint val="60000"/>
+      </a:schemeClr>
+    </dgm:linClrLst>
+    <dgm:effectClrLst/>
+    <dgm:txLinClrLst/>
+    <dgm:txFillClrLst meth="repeat">
+      <a:schemeClr val="lt1"/>
+    </dgm:txFillClrLst>
+    <dgm:txEffectClrLst/>
+  </dgm:styleLbl>
+  <dgm:styleLbl name="parChTrans2D2">
+    <dgm:fillClrLst meth="repeat">
+      <a:schemeClr val="accent1"/>
+    </dgm:fillClrLst>
+    <dgm:linClrLst meth="repeat">
+      <a:schemeClr val="accent1"/>
+    </dgm:linClrLst>
+    <dgm:effectClrLst/>
+    <dgm:txLinClrLst/>
+    <dgm:txFillClrLst meth="repeat">
+      <a:schemeClr val="lt1"/>
+    </dgm:txFillClrLst>
+    <dgm:txEffectClrLst/>
+  </dgm:styleLbl>
+  <dgm:styleLbl name="parChTrans2D3">
+    <dgm:fillClrLst meth="repeat">
+      <a:schemeClr val="accent1"/>
+    </dgm:fillClrLst>
+    <dgm:linClrLst meth="repeat">
+      <a:schemeClr val="accent1"/>
+    </dgm:linClrLst>
+    <dgm:effectClrLst/>
+    <dgm:txLinClrLst/>
+    <dgm:txFillClrLst meth="repeat">
+      <a:schemeClr val="lt1"/>
+    </dgm:txFillClrLst>
+    <dgm:txEffectClrLst/>
+  </dgm:styleLbl>
+  <dgm:styleLbl name="parChTrans2D4">
+    <dgm:fillClrLst meth="repeat">
+      <a:schemeClr val="accent1"/>
+    </dgm:fillClrLst>
+    <dgm:linClrLst meth="repeat">
+      <a:schemeClr val="accent1"/>
+    </dgm:linClrLst>
+    <dgm:effectClrLst/>
+    <dgm:txLinClrLst/>
+    <dgm:txFillClrLst meth="repeat">
+      <a:schemeClr val="lt1"/>
+    </dgm:txFillClrLst>
+    <dgm:txEffectClrLst/>
+  </dgm:styleLbl>
+  <dgm:styleLbl name="parChTrans1D1">
+    <dgm:fillClrLst meth="repeat">
+      <a:schemeClr val="accent1"/>
+    </dgm:fillClrLst>
+    <dgm:linClrLst meth="repeat">
+      <a:schemeClr val="accent1">
+        <a:shade val="60000"/>
+      </a:schemeClr>
+    </dgm:linClrLst>
+    <dgm:effectClrLst/>
+    <dgm:txLinClrLst/>
+    <dgm:txFillClrLst meth="repeat">
+      <a:schemeClr val="tx1"/>
+    </dgm:txFillClrLst>
+    <dgm:txEffectClrLst/>
+  </dgm:styleLbl>
+  <dgm:styleLbl name="parChTrans1D2">
+    <dgm:fillClrLst meth="repeat">
+      <a:schemeClr val="accent1"/>
+    </dgm:fillClrLst>
+    <dgm:linClrLst meth="repeat">
+      <a:schemeClr val="accent1">
+        <a:shade val="60000"/>
+      </a:schemeClr>
+    </dgm:linClrLst>
+    <dgm:effectClrLst/>
+    <dgm:txLinClrLst/>
+    <dgm:txFillClrLst meth="repeat">
+      <a:schemeClr val="tx1"/>
+    </dgm:txFillClrLst>
+    <dgm:txEffectClrLst/>
+  </dgm:styleLbl>
+  <dgm:styleLbl name="parChTrans1D3">
+    <dgm:fillClrLst meth="repeat">
+      <a:schemeClr val="accent1"/>
+    </dgm:fillClrLst>
+    <dgm:linClrLst meth="repeat">
+      <a:schemeClr val="accent1">
+        <a:shade val="80000"/>
+      </a:schemeClr>
+    </dgm:linClrLst>
+    <dgm:effectClrLst/>
+    <dgm:txLinClrLst/>
+    <dgm:txFillClrLst meth="repeat">
+      <a:schemeClr val="tx1"/>
+    </dgm:txFillClrLst>
+    <dgm:txEffectClrLst/>
+  </dgm:styleLbl>
+  <dgm:styleLbl name="parChTrans1D4">
+    <dgm:fillClrLst meth="repeat">
+      <a:schemeClr val="accent1"/>
+    </dgm:fillClrLst>
+    <dgm:linClrLst meth="repeat">
+      <a:schemeClr val="accent1">
+        <a:shade val="80000"/>
+      </a:schemeClr>
+    </dgm:linClrLst>
+    <dgm:effectClrLst/>
+    <dgm:txLinClrLst/>
+    <dgm:txFillClrLst meth="repeat">
+      <a:schemeClr val="tx1"/>
+    </dgm:txFillClrLst>
+    <dgm:txEffectClrLst/>
+  </dgm:styleLbl>
+  <dgm:styleLbl name="fgAcc1">
+    <dgm:fillClrLst meth="repeat">
+      <a:schemeClr val="lt1">
+        <a:alpha val="90000"/>
+      </a:schemeClr>
+    </dgm:fillClrLst>
+    <dgm:linClrLst meth="repeat">
+      <a:schemeClr val="accent1"/>
+    </dgm:linClrLst>
+    <dgm:effectClrLst/>
+    <dgm:txLinClrLst/>
+    <dgm:txFillClrLst meth="repeat">
+      <a:schemeClr val="dk1"/>
+    </dgm:txFillClrLst>
+    <dgm:txEffectClrLst/>
+  </dgm:styleLbl>
+  <dgm:styleLbl name="conFgAcc1">
+    <dgm:fillClrLst meth="repeat">
+      <a:schemeClr val="lt1">
+        <a:alpha val="90000"/>
+      </a:schemeClr>
+    </dgm:fillClrLst>
+    <dgm:linClrLst meth="repeat">
+      <a:schemeClr val="accent1"/>
+    </dgm:linClrLst>
+    <dgm:effectClrLst/>
+    <dgm:txLinClrLst/>
+    <dgm:txFillClrLst meth="repeat">
+      <a:schemeClr val="dk1"/>
+    </dgm:txFillClrLst>
+    <dgm:txEffectClrLst/>
+  </dgm:styleLbl>
+  <dgm:styleLbl name="alignAcc1">
+    <dgm:fillClrLst meth="repeat">
+      <a:schemeClr val="lt1">
+        <a:alpha val="90000"/>
+      </a:schemeClr>
+    </dgm:fillClrLst>
+    <dgm:linClrLst meth="repeat">
+      <a:schemeClr val="accent1"/>
+    </dgm:linClrLst>
+    <dgm:effectClrLst/>
+    <dgm:txLinClrLst/>
+    <dgm:txFillClrLst meth="repeat">
+      <a:schemeClr val="dk1"/>
+    </dgm:txFillClrLst>
+    <dgm:txEffectClrLst/>
+  </dgm:styleLbl>
+  <dgm:styleLbl name="trAlignAcc1">
+    <dgm:fillClrLst meth="repeat">
+      <a:schemeClr val="lt1">
+        <a:alpha val="40000"/>
+      </a:schemeClr>
+    </dgm:fillClrLst>
+    <dgm:linClrLst meth="repeat">
+      <a:schemeClr val="accent1"/>
+    </dgm:linClrLst>
+    <dgm:effectClrLst/>
+    <dgm:txLinClrLst/>
+    <dgm:txFillClrLst meth="repeat">
+      <a:schemeClr val="dk1"/>
+    </dgm:txFillClrLst>
+    <dgm:txEffectClrLst/>
+  </dgm:styleLbl>
+  <dgm:styleLbl name="bgAcc1">
+    <dgm:fillClrLst meth="repeat">
+      <a:schemeClr val="lt1">
+        <a:alpha val="90000"/>
+      </a:schemeClr>
+    </dgm:fillClrLst>
+    <dgm:linClrLst meth="repeat">
+      <a:schemeClr val="accent1"/>
+    </dgm:linClrLst>
+    <dgm:effectClrLst/>
+    <dgm:txLinClrLst/>
+    <dgm:txFillClrLst meth="repeat">
+      <a:schemeClr val="dk1"/>
+    </dgm:txFillClrLst>
+    <dgm:txEffectClrLst/>
+  </dgm:styleLbl>
+  <dgm:styleLbl name="solidFgAcc1">
+    <dgm:fillClrLst meth="repeat">
+      <a:schemeClr val="lt1"/>
+    </dgm:fillClrLst>
+    <dgm:linClrLst meth="repeat">
+      <a:schemeClr val="accent1"/>
+    </dgm:linClrLst>
+    <dgm:effectClrLst/>
+    <dgm:txLinClrLst/>
+    <dgm:txFillClrLst meth="repeat">
+      <a:schemeClr val="dk1"/>
+    </dgm:txFillClrLst>
+    <dgm:txEffectClrLst/>
+  </dgm:styleLbl>
+  <dgm:styleLbl name="solidAlignAcc1">
+    <dgm:fillClrLst meth="repeat">
+      <a:schemeClr val="lt1"/>
+    </dgm:fillClrLst>
+    <dgm:linClrLst meth="repeat">
+      <a:schemeClr val="accent1"/>
+    </dgm:linClrLst>
+    <dgm:effectClrLst/>
+    <dgm:txLinClrLst/>
+    <dgm:txFillClrLst meth="repeat">
+      <a:schemeClr val="dk1"/>
+    </dgm:txFillClrLst>
+    <dgm:txEffectClrLst/>
+  </dgm:styleLbl>
+  <dgm:styleLbl name="solidBgAcc1">
+    <dgm:fillClrLst meth="repeat">
+      <a:schemeClr val="lt1"/>
+    </dgm:fillClrLst>
+    <dgm:linClrLst meth="repeat">
+      <a:schemeClr val="accent1"/>
+    </dgm:linClrLst>
+    <dgm:effectClrLst/>
+    <dgm:txLinClrLst/>
+    <dgm:txFillClrLst meth="repeat">
+      <a:schemeClr val="dk1"/>
+    </dgm:txFillClrLst>
+    <dgm:txEffectClrLst/>
+  </dgm:styleLbl>
+  <dgm:styleLbl name="fgAccFollowNode1">
+    <dgm:fillClrLst meth="repeat">
+      <a:schemeClr val="accent1">
+        <a:alpha val="90000"/>
+        <a:tint val="40000"/>
+      </a:schemeClr>
+    </dgm:fillClrLst>
+    <dgm:linClrLst meth="repeat">
+      <a:schemeClr val="accent1">
+        <a:alpha val="90000"/>
+        <a:tint val="40000"/>
+      </a:schemeClr>
+    </dgm:linClrLst>
+    <dgm:effectClrLst/>
+    <dgm:txLinClrLst/>
+    <dgm:txFillClrLst meth="repeat">
+      <a:schemeClr val="dk1"/>
+    </dgm:txFillClrLst>
+    <dgm:txEffectClrLst/>
+  </dgm:styleLbl>
+  <dgm:styleLbl name="alignAccFollowNode1">
+    <dgm:fillClrLst meth="repeat">
+      <a:schemeClr val="accent1">
+        <a:alpha val="90000"/>
+        <a:tint val="40000"/>
+      </a:schemeClr>
+    </dgm:fillClrLst>
+    <dgm:linClrLst meth="repeat">
+      <a:schemeClr val="accent1">
+        <a:alpha val="90000"/>
+        <a:tint val="40000"/>
+      </a:schemeClr>
+    </dgm:linClrLst>
+    <dgm:effectClrLst/>
+    <dgm:txLinClrLst/>
+    <dgm:txFillClrLst meth="repeat">
+      <a:schemeClr val="dk1"/>
+    </dgm:txFillClrLst>
+    <dgm:txEffectClrLst/>
+  </dgm:styleLbl>
+  <dgm:styleLbl name="bgAccFollowNode1">
+    <dgm:fillClrLst meth="repeat">
+      <a:schemeClr val="accent1">
+        <a:alpha val="90000"/>
+        <a:tint val="40000"/>
+      </a:schemeClr>
+    </dgm:fillClrLst>
+    <dgm:linClrLst meth="repeat">
+      <a:schemeClr val="accent1">
+        <a:alpha val="90000"/>
+        <a:tint val="40000"/>
+      </a:schemeClr>
+    </dgm:linClrLst>
+    <dgm:effectClrLst/>
+    <dgm:txLinClrLst/>
+    <dgm:txFillClrLst meth="repeat">
+      <a:schemeClr val="dk1"/>
+    </dgm:txFillClrLst>
+    <dgm:txEffectClrLst/>
+  </dgm:styleLbl>
+  <dgm:styleLbl name="fgAcc0">
+    <dgm:fillClrLst meth="repeat">
+      <a:schemeClr val="lt1">
+        <a:alpha val="90000"/>
+      </a:schemeClr>
+    </dgm:fillClrLst>
+    <dgm:linClrLst meth="repeat">
+      <a:schemeClr val="accent1"/>
+    </dgm:linClrLst>
+    <dgm:effectClrLst/>
+    <dgm:txLinClrLst/>
+    <dgm:txFillClrLst meth="repeat">
+      <a:schemeClr val="dk1"/>
+    </dgm:txFillClrLst>
+    <dgm:txEffectClrLst/>
+  </dgm:styleLbl>
+  <dgm:styleLbl name="fgAcc2">
+    <dgm:fillClrLst meth="repeat">
+      <a:schemeClr val="lt1">
+        <a:alpha val="90000"/>
+      </a:schemeClr>
+    </dgm:fillClrLst>
+    <dgm:linClrLst meth="repeat">
+      <a:schemeClr val="accent1"/>
+    </dgm:linClrLst>
+    <dgm:effectClrLst/>
+    <dgm:txLinClrLst/>
+    <dgm:txFillClrLst meth="repeat">
+      <a:schemeClr val="dk1"/>
+    </dgm:txFillClrLst>
+    <dgm:txEffectClrLst/>
+  </dgm:styleLbl>
+  <dgm:styleLbl name="fgAcc3">
+    <dgm:fillClrLst meth="repeat">
+      <a:schemeClr val="lt1">
+        <a:alpha val="90000"/>
+      </a:schemeClr>
+    </dgm:fillClrLst>
+    <dgm:linClrLst meth="repeat">
+      <a:schemeClr val="accent1"/>
+    </dgm:linClrLst>
+    <dgm:effectClrLst/>
+    <dgm:txLinClrLst/>
+    <dgm:txFillClrLst meth="repeat">
+      <a:schemeClr val="dk1"/>
+    </dgm:txFillClrLst>
+    <dgm:txEffectClrLst/>
+  </dgm:styleLbl>
+  <dgm:styleLbl name="fgAcc4">
+    <dgm:fillClrLst meth="repeat">
+      <a:schemeClr val="lt1">
+        <a:alpha val="90000"/>
+      </a:schemeClr>
+    </dgm:fillClrLst>
+    <dgm:linClrLst meth="repeat">
+      <a:schemeClr val="accent1"/>
+    </dgm:linClrLst>
+    <dgm:effectClrLst/>
+    <dgm:txLinClrLst/>
+    <dgm:txFillClrLst meth="repeat">
+      <a:schemeClr val="dk1"/>
+    </dgm:txFillClrLst>
+    <dgm:txEffectClrLst/>
+  </dgm:styleLbl>
+  <dgm:styleLbl name="bgShp">
+    <dgm:fillClrLst meth="repeat">
+      <a:schemeClr val="accent1">
+        <a:tint val="40000"/>
+      </a:schemeClr>
+    </dgm:fillClrLst>
+    <dgm:linClrLst meth="repeat">
+      <a:schemeClr val="accent1"/>
+    </dgm:linClrLst>
+    <dgm:effectClrLst/>
+    <dgm:txLinClrLst/>
+    <dgm:txFillClrLst meth="repeat">
+      <a:schemeClr val="dk1"/>
+    </dgm:txFillClrLst>
+    <dgm:txEffectClrLst/>
+  </dgm:styleLbl>
+  <dgm:styleLbl name="dkBgShp">
+    <dgm:fillClrLst meth="repeat">
+      <a:schemeClr val="accent1">
+        <a:shade val="80000"/>
+      </a:schemeClr>
+    </dgm:fillClrLst>
+    <dgm:linClrLst meth="repeat">
+      <a:schemeClr val="accent1"/>
+    </dgm:linClrLst>
+    <dgm:effectClrLst/>
+    <dgm:txLinClrLst/>
+    <dgm:txFillClrLst meth="repeat">
+      <a:schemeClr val="lt1"/>
+    </dgm:txFillClrLst>
+    <dgm:txEffectClrLst/>
+  </dgm:styleLbl>
+  <dgm:styleLbl name="trBgShp">
+    <dgm:fillClrLst meth="repeat">
+      <a:schemeClr val="accent1">
+        <a:tint val="50000"/>
+        <a:alpha val="40000"/>
+      </a:schemeClr>
+    </dgm:fillClrLst>
+    <dgm:linClrLst meth="repeat">
+      <a:schemeClr val="accent1"/>
+    </dgm:linClrLst>
+    <dgm:effectClrLst/>
+    <dgm:txLinClrLst/>
+    <dgm:txFillClrLst meth="repeat">
+      <a:schemeClr val="lt1"/>
+    </dgm:txFillClrLst>
+    <dgm:txEffectClrLst/>
+  </dgm:styleLbl>
+  <dgm:styleLbl name="fgShp">
+    <dgm:fillClrLst meth="repeat">
+      <a:schemeClr val="accent1">
+        <a:tint val="60000"/>
+      </a:schemeClr>
+    </dgm:fillClrLst>
+    <dgm:linClrLst meth="repeat">
+      <a:schemeClr val="lt1"/>
+    </dgm:linClrLst>
+    <dgm:effectClrLst/>
+    <dgm:txLinClrLst/>
+    <dgm:txFillClrLst meth="repeat">
+      <a:schemeClr val="dk1"/>
+    </dgm:txFillClrLst>
+    <dgm:txEffectClrLst/>
+  </dgm:styleLbl>
+  <dgm:styleLbl name="revTx">
+    <dgm:fillClrLst meth="repeat">
+      <a:schemeClr val="lt1">
+        <a:alpha val="0"/>
+      </a:schemeClr>
+    </dgm:fillClrLst>
+    <dgm:linClrLst meth="repeat">
+      <a:schemeClr val="dk1">
+        <a:alpha val="0"/>
+      </a:schemeClr>
+    </dgm:linClrLst>
+    <dgm:effectClrLst/>
+    <dgm:txLinClrLst/>
+    <dgm:txFillClrLst meth="repeat">
+      <a:schemeClr val="tx1"/>
+    </dgm:txFillClrLst>
+    <dgm:txEffectClrLst/>
+  </dgm:styleLbl>
+</dgm:colorsDef>
+</file>
+
+<file path=ppt/diagrams/data1.xml><?xml version="1.0" encoding="utf-8"?>
+<dgm:dataModel xmlns:dgm="http://schemas.openxmlformats.org/drawingml/2006/diagram" xmlns:a="http://schemas.openxmlformats.org/drawingml/2006/main">
+  <dgm:ptLst>
+    <dgm:pt modelId="{E0EBD024-33FC-485F-98ED-41C9328F6C4A}" type="doc">
+      <dgm:prSet loTypeId="urn:microsoft.com/office/officeart/2005/8/layout/orgChart1" loCatId="hierarchy" qsTypeId="urn:microsoft.com/office/officeart/2005/8/quickstyle/simple1" qsCatId="simple" csTypeId="urn:microsoft.com/office/officeart/2005/8/colors/accent1_2" csCatId="accent1" phldr="1"/>
+      <dgm:spPr/>
+      <dgm:t>
+        <a:bodyPr/>
+        <a:lstStyle/>
+        <a:p>
+          <a:endParaRPr lang="en-US"/>
+        </a:p>
+      </dgm:t>
+    </dgm:pt>
+    <dgm:pt modelId="{9F3F322B-9F28-479A-B437-0BE028231CF1}">
+      <dgm:prSet phldrT="[Text]"/>
+      <dgm:spPr>
+        <a:solidFill>
+          <a:srgbClr val="FFC000"/>
+        </a:solidFill>
+      </dgm:spPr>
+      <dgm:t>
+        <a:bodyPr/>
+        <a:lstStyle/>
+        <a:p>
+          <a:r>
+            <a:rPr lang="en-US" dirty="0"/>
+            <a:t>exercises</a:t>
+          </a:r>
+        </a:p>
+      </dgm:t>
+    </dgm:pt>
+    <dgm:pt modelId="{B65E87F2-0E84-46A9-A871-C5B3DAC521B6}" type="parTrans" cxnId="{591E31BF-3AEC-4042-9BE4-1C7BAF246F05}">
+      <dgm:prSet/>
+      <dgm:spPr/>
+      <dgm:t>
+        <a:bodyPr/>
+        <a:lstStyle/>
+        <a:p>
+          <a:endParaRPr lang="en-US"/>
+        </a:p>
+      </dgm:t>
+    </dgm:pt>
+    <dgm:pt modelId="{7F0BA435-DECE-40EC-8904-B18725FB96C9}" type="sibTrans" cxnId="{591E31BF-3AEC-4042-9BE4-1C7BAF246F05}">
+      <dgm:prSet/>
+      <dgm:spPr/>
+      <dgm:t>
+        <a:bodyPr/>
+        <a:lstStyle/>
+        <a:p>
+          <a:endParaRPr lang="en-US"/>
+        </a:p>
+      </dgm:t>
+    </dgm:pt>
+    <dgm:pt modelId="{FF0793BC-ED7A-4A6E-9815-A804ED75802B}">
+      <dgm:prSet phldrT="[Text]"/>
+      <dgm:spPr>
+        <a:solidFill>
+          <a:srgbClr val="FFC000"/>
+        </a:solidFill>
+      </dgm:spPr>
+      <dgm:t>
+        <a:bodyPr/>
+        <a:lstStyle/>
+        <a:p>
+          <a:r>
+            <a:rPr lang="en-US" dirty="0"/>
+            <a:t>data</a:t>
+          </a:r>
+        </a:p>
+      </dgm:t>
+    </dgm:pt>
+    <dgm:pt modelId="{E45D19BA-0FA6-4DE1-8D9F-3BBAB547EE63}" type="parTrans" cxnId="{8A7650CB-3036-4CC0-909F-320A334F5503}">
+      <dgm:prSet/>
+      <dgm:spPr>
+        <a:solidFill>
+          <a:srgbClr val="FFC000"/>
+        </a:solidFill>
+      </dgm:spPr>
+      <dgm:t>
+        <a:bodyPr/>
+        <a:lstStyle/>
+        <a:p>
+          <a:endParaRPr lang="en-US"/>
+        </a:p>
+      </dgm:t>
+    </dgm:pt>
+    <dgm:pt modelId="{CAA8C175-6A20-4EDC-AB9D-8AFB0AAC285E}" type="sibTrans" cxnId="{8A7650CB-3036-4CC0-909F-320A334F5503}">
+      <dgm:prSet/>
+      <dgm:spPr/>
+      <dgm:t>
+        <a:bodyPr/>
+        <a:lstStyle/>
+        <a:p>
+          <a:endParaRPr lang="en-US"/>
+        </a:p>
+      </dgm:t>
+    </dgm:pt>
+    <dgm:pt modelId="{0AD559DB-DEA3-45F1-8FB8-A954D9CC5315}">
+      <dgm:prSet phldrT="[Text]"/>
+      <dgm:spPr>
+        <a:solidFill>
+          <a:srgbClr val="FFC000"/>
+        </a:solidFill>
+      </dgm:spPr>
+      <dgm:t>
+        <a:bodyPr/>
+        <a:lstStyle/>
+        <a:p>
+          <a:r>
+            <a:rPr lang="en-US" dirty="0"/>
+            <a:t>html</a:t>
+          </a:r>
+        </a:p>
+      </dgm:t>
+    </dgm:pt>
+    <dgm:pt modelId="{ED26D861-B0E0-49F6-8FD4-1F075859A85B}" type="parTrans" cxnId="{74A25AF4-CB6E-4934-B21A-A5B76DDC7884}">
+      <dgm:prSet/>
+      <dgm:spPr>
+        <a:solidFill>
+          <a:srgbClr val="FFC000"/>
+        </a:solidFill>
+      </dgm:spPr>
+      <dgm:t>
+        <a:bodyPr/>
+        <a:lstStyle/>
+        <a:p>
+          <a:endParaRPr lang="en-US"/>
+        </a:p>
+      </dgm:t>
+    </dgm:pt>
+    <dgm:pt modelId="{94E3FF43-7180-42D2-99FA-9CFA25E380CA}" type="sibTrans" cxnId="{74A25AF4-CB6E-4934-B21A-A5B76DDC7884}">
+      <dgm:prSet/>
+      <dgm:spPr/>
+      <dgm:t>
+        <a:bodyPr/>
+        <a:lstStyle/>
+        <a:p>
+          <a:endParaRPr lang="en-US"/>
+        </a:p>
+      </dgm:t>
+    </dgm:pt>
+    <dgm:pt modelId="{826225D2-8649-408C-815C-22ED8B2802D7}">
+      <dgm:prSet phldrT="[Text]"/>
+      <dgm:spPr>
+        <a:solidFill>
+          <a:srgbClr val="FFC000"/>
+        </a:solidFill>
+      </dgm:spPr>
+      <dgm:t>
+        <a:bodyPr/>
+        <a:lstStyle/>
+        <a:p>
+          <a:r>
+            <a:rPr lang="en-US" dirty="0"/>
+            <a:t>pdf</a:t>
+          </a:r>
+        </a:p>
+      </dgm:t>
+    </dgm:pt>
+    <dgm:pt modelId="{440DE164-54C6-4768-8ED6-4E3D81ABCE7E}" type="parTrans" cxnId="{75A17178-5CFD-42B5-95C6-E316B16B80DC}">
+      <dgm:prSet/>
+      <dgm:spPr>
+        <a:solidFill>
+          <a:srgbClr val="FFC000"/>
+        </a:solidFill>
+      </dgm:spPr>
+      <dgm:t>
+        <a:bodyPr/>
+        <a:lstStyle/>
+        <a:p>
+          <a:endParaRPr lang="en-US"/>
+        </a:p>
+      </dgm:t>
+    </dgm:pt>
+    <dgm:pt modelId="{BF83229B-87C7-4CF2-AA41-CE0898399997}" type="sibTrans" cxnId="{75A17178-5CFD-42B5-95C6-E316B16B80DC}">
+      <dgm:prSet/>
+      <dgm:spPr/>
+      <dgm:t>
+        <a:bodyPr/>
+        <a:lstStyle/>
+        <a:p>
+          <a:endParaRPr lang="en-US"/>
+        </a:p>
+      </dgm:t>
+    </dgm:pt>
+    <dgm:pt modelId="{AAE9566A-0584-4ABE-895C-EAA02FD71598}">
+      <dgm:prSet phldrT="[Text]"/>
+      <dgm:spPr>
+        <a:solidFill>
+          <a:srgbClr val="FFC000"/>
+        </a:solidFill>
+      </dgm:spPr>
+      <dgm:t>
+        <a:bodyPr/>
+        <a:lstStyle/>
+        <a:p>
+          <a:r>
+            <a:rPr lang="en-US" dirty="0"/>
+            <a:t>fig-exercises</a:t>
+          </a:r>
+        </a:p>
+      </dgm:t>
+    </dgm:pt>
+    <dgm:pt modelId="{661D613E-A901-4403-94F8-58B08FE39A4A}" type="parTrans" cxnId="{4F1ED7BD-0B28-4231-ABC6-FA0067E412C2}">
+      <dgm:prSet/>
+      <dgm:spPr>
+        <a:solidFill>
+          <a:srgbClr val="FFC000"/>
+        </a:solidFill>
+      </dgm:spPr>
+      <dgm:t>
+        <a:bodyPr/>
+        <a:lstStyle/>
+        <a:p>
+          <a:endParaRPr lang="en-US"/>
+        </a:p>
+      </dgm:t>
+    </dgm:pt>
+    <dgm:pt modelId="{149EF396-A844-4DFA-817B-77B94A0B0CCF}" type="sibTrans" cxnId="{4F1ED7BD-0B28-4231-ABC6-FA0067E412C2}">
+      <dgm:prSet/>
+      <dgm:spPr/>
+      <dgm:t>
+        <a:bodyPr/>
+        <a:lstStyle/>
+        <a:p>
+          <a:endParaRPr lang="en-US"/>
+        </a:p>
+      </dgm:t>
+    </dgm:pt>
+    <dgm:pt modelId="{2934D93B-7447-4D07-B0BE-944997B4F45E}">
+      <dgm:prSet phldrT="[Text]"/>
+      <dgm:spPr>
+        <a:solidFill>
+          <a:schemeClr val="accent6"/>
+        </a:solidFill>
+      </dgm:spPr>
+      <dgm:t>
+        <a:bodyPr/>
+        <a:lstStyle/>
+        <a:p>
+          <a:r>
+            <a:rPr lang="en-US" dirty="0" err="1"/>
+            <a:t>src</a:t>
+          </a:r>
+          <a:endParaRPr lang="en-US" dirty="0"/>
+        </a:p>
+      </dgm:t>
+    </dgm:pt>
+    <dgm:pt modelId="{D89DEBB9-BE30-44FD-9580-025429B98EEB}" type="parTrans" cxnId="{BFC4EB66-1E9A-4F29-B2BE-A9C03A42D120}">
+      <dgm:prSet/>
+      <dgm:spPr/>
+      <dgm:t>
+        <a:bodyPr/>
+        <a:lstStyle/>
+        <a:p>
+          <a:endParaRPr lang="en-US"/>
+        </a:p>
+      </dgm:t>
+    </dgm:pt>
+    <dgm:pt modelId="{503B588A-6B4F-4811-AB00-A19D2D88600C}" type="sibTrans" cxnId="{BFC4EB66-1E9A-4F29-B2BE-A9C03A42D120}">
+      <dgm:prSet/>
+      <dgm:spPr/>
+      <dgm:t>
+        <a:bodyPr/>
+        <a:lstStyle/>
+        <a:p>
+          <a:endParaRPr lang="en-US"/>
+        </a:p>
+      </dgm:t>
+    </dgm:pt>
+    <dgm:pt modelId="{59E688C1-0F72-4E51-A28D-A147B4FDCAB8}" type="pres">
+      <dgm:prSet presAssocID="{E0EBD024-33FC-485F-98ED-41C9328F6C4A}" presName="hierChild1" presStyleCnt="0">
+        <dgm:presLayoutVars>
+          <dgm:orgChart val="1"/>
+          <dgm:chPref val="1"/>
+          <dgm:dir/>
+          <dgm:animOne val="branch"/>
+          <dgm:animLvl val="lvl"/>
+          <dgm:resizeHandles/>
+        </dgm:presLayoutVars>
+      </dgm:prSet>
+      <dgm:spPr/>
+    </dgm:pt>
+    <dgm:pt modelId="{823E71D3-8CE3-4702-997B-D63C6155D84F}" type="pres">
+      <dgm:prSet presAssocID="{9F3F322B-9F28-479A-B437-0BE028231CF1}" presName="hierRoot1" presStyleCnt="0">
+        <dgm:presLayoutVars>
+          <dgm:hierBranch val="init"/>
+        </dgm:presLayoutVars>
+      </dgm:prSet>
+      <dgm:spPr/>
+    </dgm:pt>
+    <dgm:pt modelId="{09E5BAB8-68FC-4BE2-89A5-3418D1EA0EE9}" type="pres">
+      <dgm:prSet presAssocID="{9F3F322B-9F28-479A-B437-0BE028231CF1}" presName="rootComposite1" presStyleCnt="0"/>
+      <dgm:spPr/>
+    </dgm:pt>
+    <dgm:pt modelId="{7021266B-04D4-420B-BE45-3B013E67FAE5}" type="pres">
+      <dgm:prSet presAssocID="{9F3F322B-9F28-479A-B437-0BE028231CF1}" presName="rootText1" presStyleLbl="node0" presStyleIdx="0" presStyleCnt="1">
+        <dgm:presLayoutVars>
+          <dgm:chPref val="3"/>
+        </dgm:presLayoutVars>
+      </dgm:prSet>
+      <dgm:spPr/>
+    </dgm:pt>
+    <dgm:pt modelId="{0BEA7165-D9AC-4C4B-A477-D0AFF4B24DDE}" type="pres">
+      <dgm:prSet presAssocID="{9F3F322B-9F28-479A-B437-0BE028231CF1}" presName="rootConnector1" presStyleLbl="node1" presStyleIdx="0" presStyleCnt="0"/>
+      <dgm:spPr/>
+    </dgm:pt>
+    <dgm:pt modelId="{0769FC43-E9BF-46B1-A282-AF0532D6A3BB}" type="pres">
+      <dgm:prSet presAssocID="{9F3F322B-9F28-479A-B437-0BE028231CF1}" presName="hierChild2" presStyleCnt="0"/>
+      <dgm:spPr/>
+    </dgm:pt>
+    <dgm:pt modelId="{77134CDB-848D-48D0-BF17-535007572E4E}" type="pres">
+      <dgm:prSet presAssocID="{E45D19BA-0FA6-4DE1-8D9F-3BBAB547EE63}" presName="Name37" presStyleLbl="parChTrans1D2" presStyleIdx="0" presStyleCnt="4"/>
+      <dgm:spPr/>
+    </dgm:pt>
+    <dgm:pt modelId="{392533E2-A387-47F9-9F6F-1321D6E2066D}" type="pres">
+      <dgm:prSet presAssocID="{FF0793BC-ED7A-4A6E-9815-A804ED75802B}" presName="hierRoot2" presStyleCnt="0">
+        <dgm:presLayoutVars>
+          <dgm:hierBranch val="init"/>
+        </dgm:presLayoutVars>
+      </dgm:prSet>
+      <dgm:spPr/>
+    </dgm:pt>
+    <dgm:pt modelId="{4C3BD492-A7AF-43D5-ACD2-F5541979408F}" type="pres">
+      <dgm:prSet presAssocID="{FF0793BC-ED7A-4A6E-9815-A804ED75802B}" presName="rootComposite" presStyleCnt="0"/>
+      <dgm:spPr/>
+    </dgm:pt>
+    <dgm:pt modelId="{29E04258-DBD0-468F-B6A5-3572635C4F57}" type="pres">
+      <dgm:prSet presAssocID="{FF0793BC-ED7A-4A6E-9815-A804ED75802B}" presName="rootText" presStyleLbl="node2" presStyleIdx="0" presStyleCnt="4">
+        <dgm:presLayoutVars>
+          <dgm:chPref val="3"/>
+        </dgm:presLayoutVars>
+      </dgm:prSet>
+      <dgm:spPr/>
+    </dgm:pt>
+    <dgm:pt modelId="{A6E45137-36EC-4053-B485-1D5E78F440EE}" type="pres">
+      <dgm:prSet presAssocID="{FF0793BC-ED7A-4A6E-9815-A804ED75802B}" presName="rootConnector" presStyleLbl="node2" presStyleIdx="0" presStyleCnt="4"/>
+      <dgm:spPr/>
+    </dgm:pt>
+    <dgm:pt modelId="{1DEB2EFC-4DE0-424A-A64A-6DCFBEB89ABF}" type="pres">
+      <dgm:prSet presAssocID="{FF0793BC-ED7A-4A6E-9815-A804ED75802B}" presName="hierChild4" presStyleCnt="0"/>
+      <dgm:spPr/>
+    </dgm:pt>
+    <dgm:pt modelId="{F5F5947D-D954-42B9-B3BC-49382B48878F}" type="pres">
+      <dgm:prSet presAssocID="{FF0793BC-ED7A-4A6E-9815-A804ED75802B}" presName="hierChild5" presStyleCnt="0"/>
+      <dgm:spPr/>
+    </dgm:pt>
+    <dgm:pt modelId="{D9893F4A-7EF6-49D3-81AD-8EF9DF22A784}" type="pres">
+      <dgm:prSet presAssocID="{ED26D861-B0E0-49F6-8FD4-1F075859A85B}" presName="Name37" presStyleLbl="parChTrans1D2" presStyleIdx="1" presStyleCnt="4"/>
+      <dgm:spPr/>
+    </dgm:pt>
+    <dgm:pt modelId="{53485809-AA02-4A72-9C99-905FF95098B4}" type="pres">
+      <dgm:prSet presAssocID="{0AD559DB-DEA3-45F1-8FB8-A954D9CC5315}" presName="hierRoot2" presStyleCnt="0">
+        <dgm:presLayoutVars>
+          <dgm:hierBranch val="init"/>
+        </dgm:presLayoutVars>
+      </dgm:prSet>
+      <dgm:spPr/>
+    </dgm:pt>
+    <dgm:pt modelId="{658E4299-7A97-4D10-8B2B-72907FBA8E05}" type="pres">
+      <dgm:prSet presAssocID="{0AD559DB-DEA3-45F1-8FB8-A954D9CC5315}" presName="rootComposite" presStyleCnt="0"/>
+      <dgm:spPr/>
+    </dgm:pt>
+    <dgm:pt modelId="{D16F404A-B6E6-488A-824E-D2F5FB4410A0}" type="pres">
+      <dgm:prSet presAssocID="{0AD559DB-DEA3-45F1-8FB8-A954D9CC5315}" presName="rootText" presStyleLbl="node2" presStyleIdx="1" presStyleCnt="4">
+        <dgm:presLayoutVars>
+          <dgm:chPref val="3"/>
+        </dgm:presLayoutVars>
+      </dgm:prSet>
+      <dgm:spPr/>
+    </dgm:pt>
+    <dgm:pt modelId="{1F7B6359-0F6B-45A2-A671-DF53111D2504}" type="pres">
+      <dgm:prSet presAssocID="{0AD559DB-DEA3-45F1-8FB8-A954D9CC5315}" presName="rootConnector" presStyleLbl="node2" presStyleIdx="1" presStyleCnt="4"/>
+      <dgm:spPr/>
+    </dgm:pt>
+    <dgm:pt modelId="{0E6CCA13-3A56-40A8-A2FF-11BD51207134}" type="pres">
+      <dgm:prSet presAssocID="{0AD559DB-DEA3-45F1-8FB8-A954D9CC5315}" presName="hierChild4" presStyleCnt="0"/>
+      <dgm:spPr/>
+    </dgm:pt>
+    <dgm:pt modelId="{8722B3F4-5F18-41CB-AD8C-9D573DBA8D6A}" type="pres">
+      <dgm:prSet presAssocID="{661D613E-A901-4403-94F8-58B08FE39A4A}" presName="Name37" presStyleLbl="parChTrans1D3" presStyleIdx="0" presStyleCnt="1"/>
+      <dgm:spPr/>
+    </dgm:pt>
+    <dgm:pt modelId="{4EE873D3-33BF-4815-AE51-FC18DC704832}" type="pres">
+      <dgm:prSet presAssocID="{AAE9566A-0584-4ABE-895C-EAA02FD71598}" presName="hierRoot2" presStyleCnt="0">
+        <dgm:presLayoutVars>
+          <dgm:hierBranch val="init"/>
+        </dgm:presLayoutVars>
+      </dgm:prSet>
+      <dgm:spPr/>
+    </dgm:pt>
+    <dgm:pt modelId="{7E2451AB-F6CC-432C-A351-2ED1D16BBBFF}" type="pres">
+      <dgm:prSet presAssocID="{AAE9566A-0584-4ABE-895C-EAA02FD71598}" presName="rootComposite" presStyleCnt="0"/>
+      <dgm:spPr/>
+    </dgm:pt>
+    <dgm:pt modelId="{B7B79BBC-1BCF-46F8-9D67-7CDAF6AEE7BA}" type="pres">
+      <dgm:prSet presAssocID="{AAE9566A-0584-4ABE-895C-EAA02FD71598}" presName="rootText" presStyleLbl="node3" presStyleIdx="0" presStyleCnt="1">
+        <dgm:presLayoutVars>
+          <dgm:chPref val="3"/>
+        </dgm:presLayoutVars>
+      </dgm:prSet>
+      <dgm:spPr/>
+    </dgm:pt>
+    <dgm:pt modelId="{192B7072-06F1-4F60-8008-09B8A8206469}" type="pres">
+      <dgm:prSet presAssocID="{AAE9566A-0584-4ABE-895C-EAA02FD71598}" presName="rootConnector" presStyleLbl="node3" presStyleIdx="0" presStyleCnt="1"/>
+      <dgm:spPr/>
+    </dgm:pt>
+    <dgm:pt modelId="{474DC54E-E1E5-4142-8552-D0AC753989DF}" type="pres">
+      <dgm:prSet presAssocID="{AAE9566A-0584-4ABE-895C-EAA02FD71598}" presName="hierChild4" presStyleCnt="0"/>
+      <dgm:spPr/>
+    </dgm:pt>
+    <dgm:pt modelId="{7C9C3199-A27A-4882-B21E-FE73471325B5}" type="pres">
+      <dgm:prSet presAssocID="{AAE9566A-0584-4ABE-895C-EAA02FD71598}" presName="hierChild5" presStyleCnt="0"/>
+      <dgm:spPr/>
+    </dgm:pt>
+    <dgm:pt modelId="{B93BB5BC-A306-4E2C-A50D-7C8B94EC5552}" type="pres">
+      <dgm:prSet presAssocID="{0AD559DB-DEA3-45F1-8FB8-A954D9CC5315}" presName="hierChild5" presStyleCnt="0"/>
+      <dgm:spPr/>
+    </dgm:pt>
+    <dgm:pt modelId="{D00806F1-D108-4290-A7A6-CB7108524421}" type="pres">
+      <dgm:prSet presAssocID="{440DE164-54C6-4768-8ED6-4E3D81ABCE7E}" presName="Name37" presStyleLbl="parChTrans1D2" presStyleIdx="2" presStyleCnt="4"/>
+      <dgm:spPr/>
+    </dgm:pt>
+    <dgm:pt modelId="{BB6B66F7-1C79-4940-8334-3177D6233C64}" type="pres">
+      <dgm:prSet presAssocID="{826225D2-8649-408C-815C-22ED8B2802D7}" presName="hierRoot2" presStyleCnt="0">
+        <dgm:presLayoutVars>
+          <dgm:hierBranch val="init"/>
+        </dgm:presLayoutVars>
+      </dgm:prSet>
+      <dgm:spPr/>
+    </dgm:pt>
+    <dgm:pt modelId="{6E789F3E-0891-4511-99F8-51D6D42F21B9}" type="pres">
+      <dgm:prSet presAssocID="{826225D2-8649-408C-815C-22ED8B2802D7}" presName="rootComposite" presStyleCnt="0"/>
+      <dgm:spPr/>
+    </dgm:pt>
+    <dgm:pt modelId="{6A0AEEBF-7524-4455-AB4F-1A38E7420141}" type="pres">
+      <dgm:prSet presAssocID="{826225D2-8649-408C-815C-22ED8B2802D7}" presName="rootText" presStyleLbl="node2" presStyleIdx="2" presStyleCnt="4">
+        <dgm:presLayoutVars>
+          <dgm:chPref val="3"/>
+        </dgm:presLayoutVars>
+      </dgm:prSet>
+      <dgm:spPr/>
+    </dgm:pt>
+    <dgm:pt modelId="{5B6B463C-EBE5-44FE-B083-140440A53C36}" type="pres">
+      <dgm:prSet presAssocID="{826225D2-8649-408C-815C-22ED8B2802D7}" presName="rootConnector" presStyleLbl="node2" presStyleIdx="2" presStyleCnt="4"/>
+      <dgm:spPr/>
+    </dgm:pt>
+    <dgm:pt modelId="{1F5452D5-F0D9-4B32-9A61-B06B5EFF1422}" type="pres">
+      <dgm:prSet presAssocID="{826225D2-8649-408C-815C-22ED8B2802D7}" presName="hierChild4" presStyleCnt="0"/>
+      <dgm:spPr/>
+    </dgm:pt>
+    <dgm:pt modelId="{F562B158-5652-49CE-B20D-80AA82746FA8}" type="pres">
+      <dgm:prSet presAssocID="{826225D2-8649-408C-815C-22ED8B2802D7}" presName="hierChild5" presStyleCnt="0"/>
+      <dgm:spPr/>
+    </dgm:pt>
+    <dgm:pt modelId="{6D511B40-6436-43DD-9FA1-D2748F633F84}" type="pres">
+      <dgm:prSet presAssocID="{D89DEBB9-BE30-44FD-9580-025429B98EEB}" presName="Name37" presStyleLbl="parChTrans1D2" presStyleIdx="3" presStyleCnt="4"/>
+      <dgm:spPr/>
+    </dgm:pt>
+    <dgm:pt modelId="{12919901-D5FA-48F2-B0FA-8B6C87705827}" type="pres">
+      <dgm:prSet presAssocID="{2934D93B-7447-4D07-B0BE-944997B4F45E}" presName="hierRoot2" presStyleCnt="0">
+        <dgm:presLayoutVars>
+          <dgm:hierBranch val="init"/>
+        </dgm:presLayoutVars>
+      </dgm:prSet>
+      <dgm:spPr/>
+    </dgm:pt>
+    <dgm:pt modelId="{C886507A-0E03-42B8-ACE7-6E44F1DBA805}" type="pres">
+      <dgm:prSet presAssocID="{2934D93B-7447-4D07-B0BE-944997B4F45E}" presName="rootComposite" presStyleCnt="0"/>
+      <dgm:spPr/>
+    </dgm:pt>
+    <dgm:pt modelId="{36F8001E-2F02-4712-AFC7-688A90104418}" type="pres">
+      <dgm:prSet presAssocID="{2934D93B-7447-4D07-B0BE-944997B4F45E}" presName="rootText" presStyleLbl="node2" presStyleIdx="3" presStyleCnt="4">
+        <dgm:presLayoutVars>
+          <dgm:chPref val="3"/>
+        </dgm:presLayoutVars>
+      </dgm:prSet>
+      <dgm:spPr/>
+    </dgm:pt>
+    <dgm:pt modelId="{969CA7C8-B6EB-428C-AA8D-B2A04E0275AB}" type="pres">
+      <dgm:prSet presAssocID="{2934D93B-7447-4D07-B0BE-944997B4F45E}" presName="rootConnector" presStyleLbl="node2" presStyleIdx="3" presStyleCnt="4"/>
+      <dgm:spPr/>
+    </dgm:pt>
+    <dgm:pt modelId="{CA6AEA14-B00C-45D5-9ACC-2CA14268F7BF}" type="pres">
+      <dgm:prSet presAssocID="{2934D93B-7447-4D07-B0BE-944997B4F45E}" presName="hierChild4" presStyleCnt="0"/>
+      <dgm:spPr/>
+    </dgm:pt>
+    <dgm:pt modelId="{448D8CA2-C84B-4999-AF81-A529CE9D2B1F}" type="pres">
+      <dgm:prSet presAssocID="{2934D93B-7447-4D07-B0BE-944997B4F45E}" presName="hierChild5" presStyleCnt="0"/>
+      <dgm:spPr/>
+    </dgm:pt>
+    <dgm:pt modelId="{7EC5A3A9-018A-4430-A922-2EAEC5384261}" type="pres">
+      <dgm:prSet presAssocID="{9F3F322B-9F28-479A-B437-0BE028231CF1}" presName="hierChild3" presStyleCnt="0"/>
+      <dgm:spPr/>
+    </dgm:pt>
+  </dgm:ptLst>
+  <dgm:cxnLst>
+    <dgm:cxn modelId="{689B7705-2898-4938-9FE0-69DB536C3A6E}" type="presOf" srcId="{AAE9566A-0584-4ABE-895C-EAA02FD71598}" destId="{192B7072-06F1-4F60-8008-09B8A8206469}" srcOrd="1" destOrd="0" presId="urn:microsoft.com/office/officeart/2005/8/layout/orgChart1"/>
+    <dgm:cxn modelId="{C39AE010-10D0-4F9A-B0A2-CF95589E7687}" type="presOf" srcId="{AAE9566A-0584-4ABE-895C-EAA02FD71598}" destId="{B7B79BBC-1BCF-46F8-9D67-7CDAF6AEE7BA}" srcOrd="0" destOrd="0" presId="urn:microsoft.com/office/officeart/2005/8/layout/orgChart1"/>
+    <dgm:cxn modelId="{DCC84F14-CDFA-41A9-B609-8514C5CFB6BB}" type="presOf" srcId="{FF0793BC-ED7A-4A6E-9815-A804ED75802B}" destId="{A6E45137-36EC-4053-B485-1D5E78F440EE}" srcOrd="1" destOrd="0" presId="urn:microsoft.com/office/officeart/2005/8/layout/orgChart1"/>
+    <dgm:cxn modelId="{10F2E425-8DC5-4566-9198-CEA76AF795DB}" type="presOf" srcId="{826225D2-8649-408C-815C-22ED8B2802D7}" destId="{5B6B463C-EBE5-44FE-B083-140440A53C36}" srcOrd="1" destOrd="0" presId="urn:microsoft.com/office/officeart/2005/8/layout/orgChart1"/>
+    <dgm:cxn modelId="{07D33A35-FC3A-45CD-B3DA-97D3C4378BB9}" type="presOf" srcId="{2934D93B-7447-4D07-B0BE-944997B4F45E}" destId="{36F8001E-2F02-4712-AFC7-688A90104418}" srcOrd="0" destOrd="0" presId="urn:microsoft.com/office/officeart/2005/8/layout/orgChart1"/>
+    <dgm:cxn modelId="{F8632D37-5D76-4ACF-8AAA-74F6CC3A7742}" type="presOf" srcId="{ED26D861-B0E0-49F6-8FD4-1F075859A85B}" destId="{D9893F4A-7EF6-49D3-81AD-8EF9DF22A784}" srcOrd="0" destOrd="0" presId="urn:microsoft.com/office/officeart/2005/8/layout/orgChart1"/>
+    <dgm:cxn modelId="{CA367644-D08E-4EF9-A425-FC57D9ABAB57}" type="presOf" srcId="{E45D19BA-0FA6-4DE1-8D9F-3BBAB547EE63}" destId="{77134CDB-848D-48D0-BF17-535007572E4E}" srcOrd="0" destOrd="0" presId="urn:microsoft.com/office/officeart/2005/8/layout/orgChart1"/>
+    <dgm:cxn modelId="{BFC4EB66-1E9A-4F29-B2BE-A9C03A42D120}" srcId="{9F3F322B-9F28-479A-B437-0BE028231CF1}" destId="{2934D93B-7447-4D07-B0BE-944997B4F45E}" srcOrd="3" destOrd="0" parTransId="{D89DEBB9-BE30-44FD-9580-025429B98EEB}" sibTransId="{503B588A-6B4F-4811-AB00-A19D2D88600C}"/>
+    <dgm:cxn modelId="{8B5CEA57-178C-4320-B95F-107F21603258}" type="presOf" srcId="{0AD559DB-DEA3-45F1-8FB8-A954D9CC5315}" destId="{1F7B6359-0F6B-45A2-A671-DF53111D2504}" srcOrd="1" destOrd="0" presId="urn:microsoft.com/office/officeart/2005/8/layout/orgChart1"/>
+    <dgm:cxn modelId="{75A17178-5CFD-42B5-95C6-E316B16B80DC}" srcId="{9F3F322B-9F28-479A-B437-0BE028231CF1}" destId="{826225D2-8649-408C-815C-22ED8B2802D7}" srcOrd="2" destOrd="0" parTransId="{440DE164-54C6-4768-8ED6-4E3D81ABCE7E}" sibTransId="{BF83229B-87C7-4CF2-AA41-CE0898399997}"/>
+    <dgm:cxn modelId="{A0D8F487-A05D-454A-BE7A-CD0309D69C43}" type="presOf" srcId="{661D613E-A901-4403-94F8-58B08FE39A4A}" destId="{8722B3F4-5F18-41CB-AD8C-9D573DBA8D6A}" srcOrd="0" destOrd="0" presId="urn:microsoft.com/office/officeart/2005/8/layout/orgChart1"/>
+    <dgm:cxn modelId="{C9A5B7B2-C07F-4EED-9FD9-6A52BF1186DB}" type="presOf" srcId="{D89DEBB9-BE30-44FD-9580-025429B98EEB}" destId="{6D511B40-6436-43DD-9FA1-D2748F633F84}" srcOrd="0" destOrd="0" presId="urn:microsoft.com/office/officeart/2005/8/layout/orgChart1"/>
+    <dgm:cxn modelId="{16DC82B7-DA09-4156-812B-5B62B2D2C024}" type="presOf" srcId="{0AD559DB-DEA3-45F1-8FB8-A954D9CC5315}" destId="{D16F404A-B6E6-488A-824E-D2F5FB4410A0}" srcOrd="0" destOrd="0" presId="urn:microsoft.com/office/officeart/2005/8/layout/orgChart1"/>
+    <dgm:cxn modelId="{4F1ED7BD-0B28-4231-ABC6-FA0067E412C2}" srcId="{0AD559DB-DEA3-45F1-8FB8-A954D9CC5315}" destId="{AAE9566A-0584-4ABE-895C-EAA02FD71598}" srcOrd="0" destOrd="0" parTransId="{661D613E-A901-4403-94F8-58B08FE39A4A}" sibTransId="{149EF396-A844-4DFA-817B-77B94A0B0CCF}"/>
+    <dgm:cxn modelId="{591E31BF-3AEC-4042-9BE4-1C7BAF246F05}" srcId="{E0EBD024-33FC-485F-98ED-41C9328F6C4A}" destId="{9F3F322B-9F28-479A-B437-0BE028231CF1}" srcOrd="0" destOrd="0" parTransId="{B65E87F2-0E84-46A9-A871-C5B3DAC521B6}" sibTransId="{7F0BA435-DECE-40EC-8904-B18725FB96C9}"/>
+    <dgm:cxn modelId="{A4F460C2-BA25-4E8D-9138-C2982CF6002D}" type="presOf" srcId="{FF0793BC-ED7A-4A6E-9815-A804ED75802B}" destId="{29E04258-DBD0-468F-B6A5-3572635C4F57}" srcOrd="0" destOrd="0" presId="urn:microsoft.com/office/officeart/2005/8/layout/orgChart1"/>
+    <dgm:cxn modelId="{8A7650CB-3036-4CC0-909F-320A334F5503}" srcId="{9F3F322B-9F28-479A-B437-0BE028231CF1}" destId="{FF0793BC-ED7A-4A6E-9815-A804ED75802B}" srcOrd="0" destOrd="0" parTransId="{E45D19BA-0FA6-4DE1-8D9F-3BBAB547EE63}" sibTransId="{CAA8C175-6A20-4EDC-AB9D-8AFB0AAC285E}"/>
+    <dgm:cxn modelId="{358760DB-3ED6-49C4-822D-F1D9C07FDA53}" type="presOf" srcId="{2934D93B-7447-4D07-B0BE-944997B4F45E}" destId="{969CA7C8-B6EB-428C-AA8D-B2A04E0275AB}" srcOrd="1" destOrd="0" presId="urn:microsoft.com/office/officeart/2005/8/layout/orgChart1"/>
+    <dgm:cxn modelId="{89E2E1E5-31A0-4ABD-96A6-172239158976}" type="presOf" srcId="{9F3F322B-9F28-479A-B437-0BE028231CF1}" destId="{0BEA7165-D9AC-4C4B-A477-D0AFF4B24DDE}" srcOrd="1" destOrd="0" presId="urn:microsoft.com/office/officeart/2005/8/layout/orgChart1"/>
+    <dgm:cxn modelId="{DF0434EA-A5C7-4332-956D-20C22A75A9FC}" type="presOf" srcId="{440DE164-54C6-4768-8ED6-4E3D81ABCE7E}" destId="{D00806F1-D108-4290-A7A6-CB7108524421}" srcOrd="0" destOrd="0" presId="urn:microsoft.com/office/officeart/2005/8/layout/orgChart1"/>
+    <dgm:cxn modelId="{311676ED-6572-45E5-AD3F-C10A31C89314}" type="presOf" srcId="{826225D2-8649-408C-815C-22ED8B2802D7}" destId="{6A0AEEBF-7524-4455-AB4F-1A38E7420141}" srcOrd="0" destOrd="0" presId="urn:microsoft.com/office/officeart/2005/8/layout/orgChart1"/>
+    <dgm:cxn modelId="{74A25AF4-CB6E-4934-B21A-A5B76DDC7884}" srcId="{9F3F322B-9F28-479A-B437-0BE028231CF1}" destId="{0AD559DB-DEA3-45F1-8FB8-A954D9CC5315}" srcOrd="1" destOrd="0" parTransId="{ED26D861-B0E0-49F6-8FD4-1F075859A85B}" sibTransId="{94E3FF43-7180-42D2-99FA-9CFA25E380CA}"/>
+    <dgm:cxn modelId="{FE7750F6-2D63-4C34-80FB-4A74B153D39B}" type="presOf" srcId="{E0EBD024-33FC-485F-98ED-41C9328F6C4A}" destId="{59E688C1-0F72-4E51-A28D-A147B4FDCAB8}" srcOrd="0" destOrd="0" presId="urn:microsoft.com/office/officeart/2005/8/layout/orgChart1"/>
+    <dgm:cxn modelId="{BB7C62FC-D203-4A5E-AD16-086B12B59D18}" type="presOf" srcId="{9F3F322B-9F28-479A-B437-0BE028231CF1}" destId="{7021266B-04D4-420B-BE45-3B013E67FAE5}" srcOrd="0" destOrd="0" presId="urn:microsoft.com/office/officeart/2005/8/layout/orgChart1"/>
+    <dgm:cxn modelId="{83CAC643-77FE-4B36-9335-980EBAC349D7}" type="presParOf" srcId="{59E688C1-0F72-4E51-A28D-A147B4FDCAB8}" destId="{823E71D3-8CE3-4702-997B-D63C6155D84F}" srcOrd="0" destOrd="0" presId="urn:microsoft.com/office/officeart/2005/8/layout/orgChart1"/>
+    <dgm:cxn modelId="{55EBDB3B-4924-45ED-B220-299394C85660}" type="presParOf" srcId="{823E71D3-8CE3-4702-997B-D63C6155D84F}" destId="{09E5BAB8-68FC-4BE2-89A5-3418D1EA0EE9}" srcOrd="0" destOrd="0" presId="urn:microsoft.com/office/officeart/2005/8/layout/orgChart1"/>
+    <dgm:cxn modelId="{5FDCB8AF-3EF5-4153-9929-AA9E30A1CCBA}" type="presParOf" srcId="{09E5BAB8-68FC-4BE2-89A5-3418D1EA0EE9}" destId="{7021266B-04D4-420B-BE45-3B013E67FAE5}" srcOrd="0" destOrd="0" presId="urn:microsoft.com/office/officeart/2005/8/layout/orgChart1"/>
+    <dgm:cxn modelId="{E389148A-0C89-4305-B45B-748621291EA8}" type="presParOf" srcId="{09E5BAB8-68FC-4BE2-89A5-3418D1EA0EE9}" destId="{0BEA7165-D9AC-4C4B-A477-D0AFF4B24DDE}" srcOrd="1" destOrd="0" presId="urn:microsoft.com/office/officeart/2005/8/layout/orgChart1"/>
+    <dgm:cxn modelId="{EFA5208B-D787-4FEE-AE79-1998F8F04979}" type="presParOf" srcId="{823E71D3-8CE3-4702-997B-D63C6155D84F}" destId="{0769FC43-E9BF-46B1-A282-AF0532D6A3BB}" srcOrd="1" destOrd="0" presId="urn:microsoft.com/office/officeart/2005/8/layout/orgChart1"/>
+    <dgm:cxn modelId="{420C0578-2334-4C9F-8A75-5224A5A4D250}" type="presParOf" srcId="{0769FC43-E9BF-46B1-A282-AF0532D6A3BB}" destId="{77134CDB-848D-48D0-BF17-535007572E4E}" srcOrd="0" destOrd="0" presId="urn:microsoft.com/office/officeart/2005/8/layout/orgChart1"/>
+    <dgm:cxn modelId="{AF1E392E-7505-4DAC-840A-09400E4B9230}" type="presParOf" srcId="{0769FC43-E9BF-46B1-A282-AF0532D6A3BB}" destId="{392533E2-A387-47F9-9F6F-1321D6E2066D}" srcOrd="1" destOrd="0" presId="urn:microsoft.com/office/officeart/2005/8/layout/orgChart1"/>
+    <dgm:cxn modelId="{8AA3BA99-504C-4032-BF50-6A19345C3C73}" type="presParOf" srcId="{392533E2-A387-47F9-9F6F-1321D6E2066D}" destId="{4C3BD492-A7AF-43D5-ACD2-F5541979408F}" srcOrd="0" destOrd="0" presId="urn:microsoft.com/office/officeart/2005/8/layout/orgChart1"/>
+    <dgm:cxn modelId="{283D00AF-47E7-4EF2-9588-2CE083CED103}" type="presParOf" srcId="{4C3BD492-A7AF-43D5-ACD2-F5541979408F}" destId="{29E04258-DBD0-468F-B6A5-3572635C4F57}" srcOrd="0" destOrd="0" presId="urn:microsoft.com/office/officeart/2005/8/layout/orgChart1"/>
+    <dgm:cxn modelId="{0C04BBF4-C6CC-4F5B-8AC9-B3DAC6A1C98C}" type="presParOf" srcId="{4C3BD492-A7AF-43D5-ACD2-F5541979408F}" destId="{A6E45137-36EC-4053-B485-1D5E78F440EE}" srcOrd="1" destOrd="0" presId="urn:microsoft.com/office/officeart/2005/8/layout/orgChart1"/>
+    <dgm:cxn modelId="{1E23BDC0-9A2E-4205-B076-6D36DA5D7832}" type="presParOf" srcId="{392533E2-A387-47F9-9F6F-1321D6E2066D}" destId="{1DEB2EFC-4DE0-424A-A64A-6DCFBEB89ABF}" srcOrd="1" destOrd="0" presId="urn:microsoft.com/office/officeart/2005/8/layout/orgChart1"/>
+    <dgm:cxn modelId="{9A11CE31-1894-48A9-9B75-50333800A51D}" type="presParOf" srcId="{392533E2-A387-47F9-9F6F-1321D6E2066D}" destId="{F5F5947D-D954-42B9-B3BC-49382B48878F}" srcOrd="2" destOrd="0" presId="urn:microsoft.com/office/officeart/2005/8/layout/orgChart1"/>
+    <dgm:cxn modelId="{4C4164B2-2D9C-444B-A555-8EABE582882D}" type="presParOf" srcId="{0769FC43-E9BF-46B1-A282-AF0532D6A3BB}" destId="{D9893F4A-7EF6-49D3-81AD-8EF9DF22A784}" srcOrd="2" destOrd="0" presId="urn:microsoft.com/office/officeart/2005/8/layout/orgChart1"/>
+    <dgm:cxn modelId="{D9C24452-EBF2-4D8A-958B-AF1D05E1BDBE}" type="presParOf" srcId="{0769FC43-E9BF-46B1-A282-AF0532D6A3BB}" destId="{53485809-AA02-4A72-9C99-905FF95098B4}" srcOrd="3" destOrd="0" presId="urn:microsoft.com/office/officeart/2005/8/layout/orgChart1"/>
+    <dgm:cxn modelId="{85D229BB-B0AF-47F1-B964-F2EEFCEAA9CC}" type="presParOf" srcId="{53485809-AA02-4A72-9C99-905FF95098B4}" destId="{658E4299-7A97-4D10-8B2B-72907FBA8E05}" srcOrd="0" destOrd="0" presId="urn:microsoft.com/office/officeart/2005/8/layout/orgChart1"/>
+    <dgm:cxn modelId="{675DF7DF-90B0-4113-8712-9528827C1DD2}" type="presParOf" srcId="{658E4299-7A97-4D10-8B2B-72907FBA8E05}" destId="{D16F404A-B6E6-488A-824E-D2F5FB4410A0}" srcOrd="0" destOrd="0" presId="urn:microsoft.com/office/officeart/2005/8/layout/orgChart1"/>
+    <dgm:cxn modelId="{08609FD7-0EF9-4C1B-A3C4-2862CDF56DA5}" type="presParOf" srcId="{658E4299-7A97-4D10-8B2B-72907FBA8E05}" destId="{1F7B6359-0F6B-45A2-A671-DF53111D2504}" srcOrd="1" destOrd="0" presId="urn:microsoft.com/office/officeart/2005/8/layout/orgChart1"/>
+    <dgm:cxn modelId="{DD0A6BE4-EBA9-4129-80F2-A0369317DE68}" type="presParOf" srcId="{53485809-AA02-4A72-9C99-905FF95098B4}" destId="{0E6CCA13-3A56-40A8-A2FF-11BD51207134}" srcOrd="1" destOrd="0" presId="urn:microsoft.com/office/officeart/2005/8/layout/orgChart1"/>
+    <dgm:cxn modelId="{AAA416EA-C428-45AA-8568-D8539527FB9E}" type="presParOf" srcId="{0E6CCA13-3A56-40A8-A2FF-11BD51207134}" destId="{8722B3F4-5F18-41CB-AD8C-9D573DBA8D6A}" srcOrd="0" destOrd="0" presId="urn:microsoft.com/office/officeart/2005/8/layout/orgChart1"/>
+    <dgm:cxn modelId="{691FDECD-F60E-4057-BFC8-B57FF4CDF5AD}" type="presParOf" srcId="{0E6CCA13-3A56-40A8-A2FF-11BD51207134}" destId="{4EE873D3-33BF-4815-AE51-FC18DC704832}" srcOrd="1" destOrd="0" presId="urn:microsoft.com/office/officeart/2005/8/layout/orgChart1"/>
+    <dgm:cxn modelId="{3B752247-F0E9-4BBA-B6FF-53E53E5CA770}" type="presParOf" srcId="{4EE873D3-33BF-4815-AE51-FC18DC704832}" destId="{7E2451AB-F6CC-432C-A351-2ED1D16BBBFF}" srcOrd="0" destOrd="0" presId="urn:microsoft.com/office/officeart/2005/8/layout/orgChart1"/>
+    <dgm:cxn modelId="{A6BAB42D-FA9F-4DEB-9A3F-4F04568D0E70}" type="presParOf" srcId="{7E2451AB-F6CC-432C-A351-2ED1D16BBBFF}" destId="{B7B79BBC-1BCF-46F8-9D67-7CDAF6AEE7BA}" srcOrd="0" destOrd="0" presId="urn:microsoft.com/office/officeart/2005/8/layout/orgChart1"/>
+    <dgm:cxn modelId="{38F513A3-990A-492C-BDD5-6EDB6BBB2642}" type="presParOf" srcId="{7E2451AB-F6CC-432C-A351-2ED1D16BBBFF}" destId="{192B7072-06F1-4F60-8008-09B8A8206469}" srcOrd="1" destOrd="0" presId="urn:microsoft.com/office/officeart/2005/8/layout/orgChart1"/>
+    <dgm:cxn modelId="{5C6DB38D-FE82-4B44-8313-4082EBD25BCB}" type="presParOf" srcId="{4EE873D3-33BF-4815-AE51-FC18DC704832}" destId="{474DC54E-E1E5-4142-8552-D0AC753989DF}" srcOrd="1" destOrd="0" presId="urn:microsoft.com/office/officeart/2005/8/layout/orgChart1"/>
+    <dgm:cxn modelId="{66BCFC77-0F95-4948-9BAE-FFBCF81A27A7}" type="presParOf" srcId="{4EE873D3-33BF-4815-AE51-FC18DC704832}" destId="{7C9C3199-A27A-4882-B21E-FE73471325B5}" srcOrd="2" destOrd="0" presId="urn:microsoft.com/office/officeart/2005/8/layout/orgChart1"/>
+    <dgm:cxn modelId="{055FEA65-1010-411A-B1D7-EBF4FE6136E4}" type="presParOf" srcId="{53485809-AA02-4A72-9C99-905FF95098B4}" destId="{B93BB5BC-A306-4E2C-A50D-7C8B94EC5552}" srcOrd="2" destOrd="0" presId="urn:microsoft.com/office/officeart/2005/8/layout/orgChart1"/>
+    <dgm:cxn modelId="{D0F3C4A6-863A-42F2-9510-B37933184B40}" type="presParOf" srcId="{0769FC43-E9BF-46B1-A282-AF0532D6A3BB}" destId="{D00806F1-D108-4290-A7A6-CB7108524421}" srcOrd="4" destOrd="0" presId="urn:microsoft.com/office/officeart/2005/8/layout/orgChart1"/>
+    <dgm:cxn modelId="{4D693A28-723F-4A45-B049-E80A94BFA65A}" type="presParOf" srcId="{0769FC43-E9BF-46B1-A282-AF0532D6A3BB}" destId="{BB6B66F7-1C79-4940-8334-3177D6233C64}" srcOrd="5" destOrd="0" presId="urn:microsoft.com/office/officeart/2005/8/layout/orgChart1"/>
+    <dgm:cxn modelId="{CCEAC778-E159-46A0-ACDE-D222C3AF30A5}" type="presParOf" srcId="{BB6B66F7-1C79-4940-8334-3177D6233C64}" destId="{6E789F3E-0891-4511-99F8-51D6D42F21B9}" srcOrd="0" destOrd="0" presId="urn:microsoft.com/office/officeart/2005/8/layout/orgChart1"/>
+    <dgm:cxn modelId="{229BA12A-8E85-46EB-B9A2-0D3824EAA980}" type="presParOf" srcId="{6E789F3E-0891-4511-99F8-51D6D42F21B9}" destId="{6A0AEEBF-7524-4455-AB4F-1A38E7420141}" srcOrd="0" destOrd="0" presId="urn:microsoft.com/office/officeart/2005/8/layout/orgChart1"/>
+    <dgm:cxn modelId="{37A5AB8E-8600-472E-A6A7-8AD0D1230B04}" type="presParOf" srcId="{6E789F3E-0891-4511-99F8-51D6D42F21B9}" destId="{5B6B463C-EBE5-44FE-B083-140440A53C36}" srcOrd="1" destOrd="0" presId="urn:microsoft.com/office/officeart/2005/8/layout/orgChart1"/>
+    <dgm:cxn modelId="{A72EC4EC-4236-4EA5-AB70-785594DC4A1C}" type="presParOf" srcId="{BB6B66F7-1C79-4940-8334-3177D6233C64}" destId="{1F5452D5-F0D9-4B32-9A61-B06B5EFF1422}" srcOrd="1" destOrd="0" presId="urn:microsoft.com/office/officeart/2005/8/layout/orgChart1"/>
+    <dgm:cxn modelId="{32753000-B750-42B9-885E-EF8AA5F3E90E}" type="presParOf" srcId="{BB6B66F7-1C79-4940-8334-3177D6233C64}" destId="{F562B158-5652-49CE-B20D-80AA82746FA8}" srcOrd="2" destOrd="0" presId="urn:microsoft.com/office/officeart/2005/8/layout/orgChart1"/>
+    <dgm:cxn modelId="{D02C2180-5731-458F-95F9-AFF96BD53BE5}" type="presParOf" srcId="{0769FC43-E9BF-46B1-A282-AF0532D6A3BB}" destId="{6D511B40-6436-43DD-9FA1-D2748F633F84}" srcOrd="6" destOrd="0" presId="urn:microsoft.com/office/officeart/2005/8/layout/orgChart1"/>
+    <dgm:cxn modelId="{E2367A28-CA8D-4F7E-B3DB-F674AD15D0BD}" type="presParOf" srcId="{0769FC43-E9BF-46B1-A282-AF0532D6A3BB}" destId="{12919901-D5FA-48F2-B0FA-8B6C87705827}" srcOrd="7" destOrd="0" presId="urn:microsoft.com/office/officeart/2005/8/layout/orgChart1"/>
+    <dgm:cxn modelId="{931664E9-1B18-4B01-8BBA-FFCE210210D4}" type="presParOf" srcId="{12919901-D5FA-48F2-B0FA-8B6C87705827}" destId="{C886507A-0E03-42B8-ACE7-6E44F1DBA805}" srcOrd="0" destOrd="0" presId="urn:microsoft.com/office/officeart/2005/8/layout/orgChart1"/>
+    <dgm:cxn modelId="{B5E15431-FC5D-4F8A-B910-9653332E1D0B}" type="presParOf" srcId="{C886507A-0E03-42B8-ACE7-6E44F1DBA805}" destId="{36F8001E-2F02-4712-AFC7-688A90104418}" srcOrd="0" destOrd="0" presId="urn:microsoft.com/office/officeart/2005/8/layout/orgChart1"/>
+    <dgm:cxn modelId="{5714E0DC-56DA-4EE5-807A-2ADE3F7EDB86}" type="presParOf" srcId="{C886507A-0E03-42B8-ACE7-6E44F1DBA805}" destId="{969CA7C8-B6EB-428C-AA8D-B2A04E0275AB}" srcOrd="1" destOrd="0" presId="urn:microsoft.com/office/officeart/2005/8/layout/orgChart1"/>
+    <dgm:cxn modelId="{7D17A5C4-ACB1-4EFB-978E-FEDBA6126841}" type="presParOf" srcId="{12919901-D5FA-48F2-B0FA-8B6C87705827}" destId="{CA6AEA14-B00C-45D5-9ACC-2CA14268F7BF}" srcOrd="1" destOrd="0" presId="urn:microsoft.com/office/officeart/2005/8/layout/orgChart1"/>
+    <dgm:cxn modelId="{98E61ED1-7E98-4945-9CAC-1EF305983FE2}" type="presParOf" srcId="{12919901-D5FA-48F2-B0FA-8B6C87705827}" destId="{448D8CA2-C84B-4999-AF81-A529CE9D2B1F}" srcOrd="2" destOrd="0" presId="urn:microsoft.com/office/officeart/2005/8/layout/orgChart1"/>
+    <dgm:cxn modelId="{65DE01E1-0ECC-49D8-8029-05643CB19B1D}" type="presParOf" srcId="{823E71D3-8CE3-4702-997B-D63C6155D84F}" destId="{7EC5A3A9-018A-4430-A922-2EAEC5384261}" srcOrd="2" destOrd="0" presId="urn:microsoft.com/office/officeart/2005/8/layout/orgChart1"/>
+  </dgm:cxnLst>
+  <dgm:bg/>
+  <dgm:whole/>
+  <dgm:extLst>
+    <a:ext uri="http://schemas.microsoft.com/office/drawing/2008/diagram">
+      <dsp:dataModelExt xmlns:dsp="http://schemas.microsoft.com/office/drawing/2008/diagram" relId="rId7" minVer="http://schemas.openxmlformats.org/drawingml/2006/diagram"/>
+    </a:ext>
+  </dgm:extLst>
+</dgm:dataModel>
+</file>
+
+<file path=ppt/diagrams/drawing1.xml><?xml version="1.0" encoding="utf-8"?>
+<dsp:drawing xmlns:dgm="http://schemas.openxmlformats.org/drawingml/2006/diagram" xmlns:dsp="http://schemas.microsoft.com/office/drawing/2008/diagram" xmlns:a="http://schemas.openxmlformats.org/drawingml/2006/main">
+  <dsp:spTree>
+    <dsp:nvGrpSpPr>
+      <dsp:cNvPr id="0" name=""/>
+      <dsp:cNvGrpSpPr/>
+    </dsp:nvGrpSpPr>
+    <dsp:grpSpPr/>
+    <dsp:sp modelId="{6D511B40-6436-43DD-9FA1-D2748F633F84}">
+      <dsp:nvSpPr>
+        <dsp:cNvPr id="0" name=""/>
+        <dsp:cNvSpPr/>
+      </dsp:nvSpPr>
+      <dsp:spPr>
+        <a:xfrm>
+          <a:off x="2781808" y="1681829"/>
+          <a:ext cx="2178729" cy="252084"/>
+        </a:xfrm>
+        <a:custGeom>
+          <a:avLst/>
+          <a:gdLst/>
+          <a:ahLst/>
+          <a:cxnLst/>
+          <a:rect l="0" t="0" r="0" b="0"/>
+          <a:pathLst>
+            <a:path>
+              <a:moveTo>
+                <a:pt x="0" y="0"/>
+              </a:moveTo>
+              <a:lnTo>
+                <a:pt x="0" y="126042"/>
+              </a:lnTo>
+              <a:lnTo>
+                <a:pt x="2178729" y="126042"/>
+              </a:lnTo>
+              <a:lnTo>
+                <a:pt x="2178729" y="252084"/>
+              </a:lnTo>
+            </a:path>
+          </a:pathLst>
+        </a:custGeom>
+        <a:noFill/>
+        <a:ln w="12700" cap="flat" cmpd="sng" algn="ctr">
+          <a:solidFill>
+            <a:schemeClr val="accent1">
+              <a:shade val="60000"/>
+              <a:hueOff val="0"/>
+              <a:satOff val="0"/>
+              <a:lumOff val="0"/>
+              <a:alphaOff val="0"/>
+            </a:schemeClr>
+          </a:solidFill>
+          <a:prstDash val="solid"/>
+          <a:miter lim="800000"/>
+        </a:ln>
+        <a:effectLst/>
+      </dsp:spPr>
+      <dsp:style>
+        <a:lnRef idx="2">
+          <a:scrgbClr r="0" g="0" b="0"/>
+        </a:lnRef>
+        <a:fillRef idx="0">
+          <a:scrgbClr r="0" g="0" b="0"/>
+        </a:fillRef>
+        <a:effectRef idx="0">
+          <a:scrgbClr r="0" g="0" b="0"/>
+        </a:effectRef>
+        <a:fontRef idx="minor"/>
+      </dsp:style>
+    </dsp:sp>
+    <dsp:sp modelId="{D00806F1-D108-4290-A7A6-CB7108524421}">
+      <dsp:nvSpPr>
+        <dsp:cNvPr id="0" name=""/>
+        <dsp:cNvSpPr/>
+      </dsp:nvSpPr>
+      <dsp:spPr>
+        <a:xfrm>
+          <a:off x="2781808" y="1681829"/>
+          <a:ext cx="726243" cy="252084"/>
+        </a:xfrm>
+        <a:custGeom>
+          <a:avLst/>
+          <a:gdLst/>
+          <a:ahLst/>
+          <a:cxnLst/>
+          <a:rect l="0" t="0" r="0" b="0"/>
+          <a:pathLst>
+            <a:path>
+              <a:moveTo>
+                <a:pt x="0" y="0"/>
+              </a:moveTo>
+              <a:lnTo>
+                <a:pt x="0" y="126042"/>
+              </a:lnTo>
+              <a:lnTo>
+                <a:pt x="726243" y="126042"/>
+              </a:lnTo>
+              <a:lnTo>
+                <a:pt x="726243" y="252084"/>
+              </a:lnTo>
+            </a:path>
+          </a:pathLst>
+        </a:custGeom>
+        <a:noFill/>
+        <a:ln w="12700" cap="flat" cmpd="sng" algn="ctr">
+          <a:solidFill>
+            <a:schemeClr val="accent1">
+              <a:shade val="60000"/>
+              <a:hueOff val="0"/>
+              <a:satOff val="0"/>
+              <a:lumOff val="0"/>
+              <a:alphaOff val="0"/>
+            </a:schemeClr>
+          </a:solidFill>
+          <a:prstDash val="solid"/>
+          <a:miter lim="800000"/>
+        </a:ln>
+        <a:effectLst/>
+      </dsp:spPr>
+      <dsp:style>
+        <a:lnRef idx="2">
+          <a:scrgbClr r="0" g="0" b="0"/>
+        </a:lnRef>
+        <a:fillRef idx="0">
+          <a:scrgbClr r="0" g="0" b="0"/>
+        </a:fillRef>
+        <a:effectRef idx="0">
+          <a:scrgbClr r="0" g="0" b="0"/>
+        </a:effectRef>
+        <a:fontRef idx="minor"/>
+      </dsp:style>
+    </dsp:sp>
+    <dsp:sp modelId="{8722B3F4-5F18-41CB-AD8C-9D573DBA8D6A}">
+      <dsp:nvSpPr>
+        <dsp:cNvPr id="0" name=""/>
+        <dsp:cNvSpPr/>
+      </dsp:nvSpPr>
+      <dsp:spPr>
+        <a:xfrm>
+          <a:off x="1575404" y="2534114"/>
+          <a:ext cx="180060" cy="552184"/>
+        </a:xfrm>
+        <a:custGeom>
+          <a:avLst/>
+          <a:gdLst/>
+          <a:ahLst/>
+          <a:cxnLst/>
+          <a:rect l="0" t="0" r="0" b="0"/>
+          <a:pathLst>
+            <a:path>
+              <a:moveTo>
+                <a:pt x="0" y="0"/>
+              </a:moveTo>
+              <a:lnTo>
+                <a:pt x="0" y="552184"/>
+              </a:lnTo>
+              <a:lnTo>
+                <a:pt x="180060" y="552184"/>
+              </a:lnTo>
+            </a:path>
+          </a:pathLst>
+        </a:custGeom>
+        <a:noFill/>
+        <a:ln w="12700" cap="flat" cmpd="sng" algn="ctr">
+          <a:solidFill>
+            <a:schemeClr val="accent1">
+              <a:shade val="80000"/>
+              <a:hueOff val="0"/>
+              <a:satOff val="0"/>
+              <a:lumOff val="0"/>
+              <a:alphaOff val="0"/>
+            </a:schemeClr>
+          </a:solidFill>
+          <a:prstDash val="solid"/>
+          <a:miter lim="800000"/>
+        </a:ln>
+        <a:effectLst/>
+      </dsp:spPr>
+      <dsp:style>
+        <a:lnRef idx="2">
+          <a:scrgbClr r="0" g="0" b="0"/>
+        </a:lnRef>
+        <a:fillRef idx="0">
+          <a:scrgbClr r="0" g="0" b="0"/>
+        </a:fillRef>
+        <a:effectRef idx="0">
+          <a:scrgbClr r="0" g="0" b="0"/>
+        </a:effectRef>
+        <a:fontRef idx="minor"/>
+      </dsp:style>
+    </dsp:sp>
+    <dsp:sp modelId="{D9893F4A-7EF6-49D3-81AD-8EF9DF22A784}">
+      <dsp:nvSpPr>
+        <dsp:cNvPr id="0" name=""/>
+        <dsp:cNvSpPr/>
+      </dsp:nvSpPr>
+      <dsp:spPr>
+        <a:xfrm>
+          <a:off x="2055564" y="1681829"/>
+          <a:ext cx="726243" cy="252084"/>
+        </a:xfrm>
+        <a:custGeom>
+          <a:avLst/>
+          <a:gdLst/>
+          <a:ahLst/>
+          <a:cxnLst/>
+          <a:rect l="0" t="0" r="0" b="0"/>
+          <a:pathLst>
+            <a:path>
+              <a:moveTo>
+                <a:pt x="726243" y="0"/>
+              </a:moveTo>
+              <a:lnTo>
+                <a:pt x="726243" y="126042"/>
+              </a:lnTo>
+              <a:lnTo>
+                <a:pt x="0" y="126042"/>
+              </a:lnTo>
+              <a:lnTo>
+                <a:pt x="0" y="252084"/>
+              </a:lnTo>
+            </a:path>
+          </a:pathLst>
+        </a:custGeom>
+        <a:noFill/>
+        <a:ln w="12700" cap="flat" cmpd="sng" algn="ctr">
+          <a:solidFill>
+            <a:schemeClr val="accent1">
+              <a:shade val="60000"/>
+              <a:hueOff val="0"/>
+              <a:satOff val="0"/>
+              <a:lumOff val="0"/>
+              <a:alphaOff val="0"/>
+            </a:schemeClr>
+          </a:solidFill>
+          <a:prstDash val="solid"/>
+          <a:miter lim="800000"/>
+        </a:ln>
+        <a:effectLst/>
+      </dsp:spPr>
+      <dsp:style>
+        <a:lnRef idx="2">
+          <a:scrgbClr r="0" g="0" b="0"/>
+        </a:lnRef>
+        <a:fillRef idx="0">
+          <a:scrgbClr r="0" g="0" b="0"/>
+        </a:fillRef>
+        <a:effectRef idx="0">
+          <a:scrgbClr r="0" g="0" b="0"/>
+        </a:effectRef>
+        <a:fontRef idx="minor"/>
+      </dsp:style>
+    </dsp:sp>
+    <dsp:sp modelId="{77134CDB-848D-48D0-BF17-535007572E4E}">
+      <dsp:nvSpPr>
+        <dsp:cNvPr id="0" name=""/>
+        <dsp:cNvSpPr/>
+      </dsp:nvSpPr>
+      <dsp:spPr>
+        <a:xfrm>
+          <a:off x="603078" y="1681829"/>
+          <a:ext cx="2178729" cy="252084"/>
+        </a:xfrm>
+        <a:custGeom>
+          <a:avLst/>
+          <a:gdLst/>
+          <a:ahLst/>
+          <a:cxnLst/>
+          <a:rect l="0" t="0" r="0" b="0"/>
+          <a:pathLst>
+            <a:path>
+              <a:moveTo>
+                <a:pt x="2178729" y="0"/>
+              </a:moveTo>
+              <a:lnTo>
+                <a:pt x="2178729" y="126042"/>
+              </a:lnTo>
+              <a:lnTo>
+                <a:pt x="0" y="126042"/>
+              </a:lnTo>
+              <a:lnTo>
+                <a:pt x="0" y="252084"/>
+              </a:lnTo>
+            </a:path>
+          </a:pathLst>
+        </a:custGeom>
+        <a:noFill/>
+        <a:ln w="12700" cap="flat" cmpd="sng" algn="ctr">
+          <a:solidFill>
+            <a:schemeClr val="accent1">
+              <a:shade val="60000"/>
+              <a:hueOff val="0"/>
+              <a:satOff val="0"/>
+              <a:lumOff val="0"/>
+              <a:alphaOff val="0"/>
+            </a:schemeClr>
+          </a:solidFill>
+          <a:prstDash val="solid"/>
+          <a:miter lim="800000"/>
+        </a:ln>
+        <a:effectLst/>
+      </dsp:spPr>
+      <dsp:style>
+        <a:lnRef idx="2">
+          <a:scrgbClr r="0" g="0" b="0"/>
+        </a:lnRef>
+        <a:fillRef idx="0">
+          <a:scrgbClr r="0" g="0" b="0"/>
+        </a:fillRef>
+        <a:effectRef idx="0">
+          <a:scrgbClr r="0" g="0" b="0"/>
+        </a:effectRef>
+        <a:fontRef idx="minor"/>
+      </dsp:style>
+    </dsp:sp>
+    <dsp:sp modelId="{7021266B-04D4-420B-BE45-3B013E67FAE5}">
+      <dsp:nvSpPr>
+        <dsp:cNvPr id="0" name=""/>
+        <dsp:cNvSpPr/>
+      </dsp:nvSpPr>
+      <dsp:spPr>
+        <a:xfrm>
+          <a:off x="2181607" y="1081628"/>
+          <a:ext cx="1200401" cy="600200"/>
+        </a:xfrm>
+        <a:prstGeom prst="rect">
+          <a:avLst/>
+        </a:prstGeom>
+        <a:solidFill>
+          <a:srgbClr val="FFC000"/>
+        </a:solidFill>
+        <a:ln w="12700" cap="flat" cmpd="sng" algn="ctr">
+          <a:solidFill>
+            <a:schemeClr val="lt1">
+              <a:hueOff val="0"/>
+              <a:satOff val="0"/>
+              <a:lumOff val="0"/>
+              <a:alphaOff val="0"/>
+            </a:schemeClr>
+          </a:solidFill>
+          <a:prstDash val="solid"/>
+          <a:miter lim="800000"/>
+        </a:ln>
+        <a:effectLst/>
+      </dsp:spPr>
+      <dsp:style>
+        <a:lnRef idx="2">
+          <a:scrgbClr r="0" g="0" b="0"/>
+        </a:lnRef>
+        <a:fillRef idx="1">
+          <a:scrgbClr r="0" g="0" b="0"/>
+        </a:fillRef>
+        <a:effectRef idx="0">
+          <a:scrgbClr r="0" g="0" b="0"/>
+        </a:effectRef>
+        <a:fontRef idx="minor">
+          <a:schemeClr val="lt1"/>
+        </a:fontRef>
+      </dsp:style>
+      <dsp:txBody>
+        <a:bodyPr spcFirstLastPara="0" vert="horz" wrap="square" lIns="12700" tIns="12700" rIns="12700" bIns="12700" numCol="1" spcCol="1270" anchor="ctr" anchorCtr="0">
+          <a:noAutofit/>
+        </a:bodyPr>
+        <a:lstStyle/>
+        <a:p>
+          <a:pPr marL="0" lvl="0" indent="0" algn="ctr" defTabSz="889000">
+            <a:lnSpc>
+              <a:spcPct val="90000"/>
+            </a:lnSpc>
+            <a:spcBef>
+              <a:spcPct val="0"/>
+            </a:spcBef>
+            <a:spcAft>
+              <a:spcPct val="35000"/>
+            </a:spcAft>
+            <a:buNone/>
+          </a:pPr>
+          <a:r>
+            <a:rPr lang="en-US" sz="2000" kern="1200" dirty="0"/>
+            <a:t>exercises</a:t>
+          </a:r>
+        </a:p>
+      </dsp:txBody>
+      <dsp:txXfrm>
+        <a:off x="2181607" y="1081628"/>
+        <a:ext cx="1200401" cy="600200"/>
+      </dsp:txXfrm>
+    </dsp:sp>
+    <dsp:sp modelId="{29E04258-DBD0-468F-B6A5-3572635C4F57}">
+      <dsp:nvSpPr>
+        <dsp:cNvPr id="0" name=""/>
+        <dsp:cNvSpPr/>
+      </dsp:nvSpPr>
+      <dsp:spPr>
+        <a:xfrm>
+          <a:off x="2877" y="1933914"/>
+          <a:ext cx="1200401" cy="600200"/>
+        </a:xfrm>
+        <a:prstGeom prst="rect">
+          <a:avLst/>
+        </a:prstGeom>
+        <a:solidFill>
+          <a:srgbClr val="FFC000"/>
+        </a:solidFill>
+        <a:ln w="12700" cap="flat" cmpd="sng" algn="ctr">
+          <a:solidFill>
+            <a:schemeClr val="lt1">
+              <a:hueOff val="0"/>
+              <a:satOff val="0"/>
+              <a:lumOff val="0"/>
+              <a:alphaOff val="0"/>
+            </a:schemeClr>
+          </a:solidFill>
+          <a:prstDash val="solid"/>
+          <a:miter lim="800000"/>
+        </a:ln>
+        <a:effectLst/>
+      </dsp:spPr>
+      <dsp:style>
+        <a:lnRef idx="2">
+          <a:scrgbClr r="0" g="0" b="0"/>
+        </a:lnRef>
+        <a:fillRef idx="1">
+          <a:scrgbClr r="0" g="0" b="0"/>
+        </a:fillRef>
+        <a:effectRef idx="0">
+          <a:scrgbClr r="0" g="0" b="0"/>
+        </a:effectRef>
+        <a:fontRef idx="minor">
+          <a:schemeClr val="lt1"/>
+        </a:fontRef>
+      </dsp:style>
+      <dsp:txBody>
+        <a:bodyPr spcFirstLastPara="0" vert="horz" wrap="square" lIns="12700" tIns="12700" rIns="12700" bIns="12700" numCol="1" spcCol="1270" anchor="ctr" anchorCtr="0">
+          <a:noAutofit/>
+        </a:bodyPr>
+        <a:lstStyle/>
+        <a:p>
+          <a:pPr marL="0" lvl="0" indent="0" algn="ctr" defTabSz="889000">
+            <a:lnSpc>
+              <a:spcPct val="90000"/>
+            </a:lnSpc>
+            <a:spcBef>
+              <a:spcPct val="0"/>
+            </a:spcBef>
+            <a:spcAft>
+              <a:spcPct val="35000"/>
+            </a:spcAft>
+            <a:buNone/>
+          </a:pPr>
+          <a:r>
+            <a:rPr lang="en-US" sz="2000" kern="1200" dirty="0"/>
+            <a:t>data</a:t>
+          </a:r>
+        </a:p>
+      </dsp:txBody>
+      <dsp:txXfrm>
+        <a:off x="2877" y="1933914"/>
+        <a:ext cx="1200401" cy="600200"/>
+      </dsp:txXfrm>
+    </dsp:sp>
+    <dsp:sp modelId="{D16F404A-B6E6-488A-824E-D2F5FB4410A0}">
+      <dsp:nvSpPr>
+        <dsp:cNvPr id="0" name=""/>
+        <dsp:cNvSpPr/>
+      </dsp:nvSpPr>
+      <dsp:spPr>
+        <a:xfrm>
+          <a:off x="1455364" y="1933914"/>
+          <a:ext cx="1200401" cy="600200"/>
+        </a:xfrm>
+        <a:prstGeom prst="rect">
+          <a:avLst/>
+        </a:prstGeom>
+        <a:solidFill>
+          <a:srgbClr val="FFC000"/>
+        </a:solidFill>
+        <a:ln w="12700" cap="flat" cmpd="sng" algn="ctr">
+          <a:solidFill>
+            <a:schemeClr val="lt1">
+              <a:hueOff val="0"/>
+              <a:satOff val="0"/>
+              <a:lumOff val="0"/>
+              <a:alphaOff val="0"/>
+            </a:schemeClr>
+          </a:solidFill>
+          <a:prstDash val="solid"/>
+          <a:miter lim="800000"/>
+        </a:ln>
+        <a:effectLst/>
+      </dsp:spPr>
+      <dsp:style>
+        <a:lnRef idx="2">
+          <a:scrgbClr r="0" g="0" b="0"/>
+        </a:lnRef>
+        <a:fillRef idx="1">
+          <a:scrgbClr r="0" g="0" b="0"/>
+        </a:fillRef>
+        <a:effectRef idx="0">
+          <a:scrgbClr r="0" g="0" b="0"/>
+        </a:effectRef>
+        <a:fontRef idx="minor">
+          <a:schemeClr val="lt1"/>
+        </a:fontRef>
+      </dsp:style>
+      <dsp:txBody>
+        <a:bodyPr spcFirstLastPara="0" vert="horz" wrap="square" lIns="12700" tIns="12700" rIns="12700" bIns="12700" numCol="1" spcCol="1270" anchor="ctr" anchorCtr="0">
+          <a:noAutofit/>
+        </a:bodyPr>
+        <a:lstStyle/>
+        <a:p>
+          <a:pPr marL="0" lvl="0" indent="0" algn="ctr" defTabSz="889000">
+            <a:lnSpc>
+              <a:spcPct val="90000"/>
+            </a:lnSpc>
+            <a:spcBef>
+              <a:spcPct val="0"/>
+            </a:spcBef>
+            <a:spcAft>
+              <a:spcPct val="35000"/>
+            </a:spcAft>
+            <a:buNone/>
+          </a:pPr>
+          <a:r>
+            <a:rPr lang="en-US" sz="2000" kern="1200" dirty="0"/>
+            <a:t>html</a:t>
+          </a:r>
+        </a:p>
+      </dsp:txBody>
+      <dsp:txXfrm>
+        <a:off x="1455364" y="1933914"/>
+        <a:ext cx="1200401" cy="600200"/>
+      </dsp:txXfrm>
+    </dsp:sp>
+    <dsp:sp modelId="{B7B79BBC-1BCF-46F8-9D67-7CDAF6AEE7BA}">
+      <dsp:nvSpPr>
+        <dsp:cNvPr id="0" name=""/>
+        <dsp:cNvSpPr/>
+      </dsp:nvSpPr>
+      <dsp:spPr>
+        <a:xfrm>
+          <a:off x="1755464" y="2786199"/>
+          <a:ext cx="1200401" cy="600200"/>
+        </a:xfrm>
+        <a:prstGeom prst="rect">
+          <a:avLst/>
+        </a:prstGeom>
+        <a:solidFill>
+          <a:srgbClr val="FFC000"/>
+        </a:solidFill>
+        <a:ln w="12700" cap="flat" cmpd="sng" algn="ctr">
+          <a:solidFill>
+            <a:schemeClr val="lt1">
+              <a:hueOff val="0"/>
+              <a:satOff val="0"/>
+              <a:lumOff val="0"/>
+              <a:alphaOff val="0"/>
+            </a:schemeClr>
+          </a:solidFill>
+          <a:prstDash val="solid"/>
+          <a:miter lim="800000"/>
+        </a:ln>
+        <a:effectLst/>
+      </dsp:spPr>
+      <dsp:style>
+        <a:lnRef idx="2">
+          <a:scrgbClr r="0" g="0" b="0"/>
+        </a:lnRef>
+        <a:fillRef idx="1">
+          <a:scrgbClr r="0" g="0" b="0"/>
+        </a:fillRef>
+        <a:effectRef idx="0">
+          <a:scrgbClr r="0" g="0" b="0"/>
+        </a:effectRef>
+        <a:fontRef idx="minor">
+          <a:schemeClr val="lt1"/>
+        </a:fontRef>
+      </dsp:style>
+      <dsp:txBody>
+        <a:bodyPr spcFirstLastPara="0" vert="horz" wrap="square" lIns="12700" tIns="12700" rIns="12700" bIns="12700" numCol="1" spcCol="1270" anchor="ctr" anchorCtr="0">
+          <a:noAutofit/>
+        </a:bodyPr>
+        <a:lstStyle/>
+        <a:p>
+          <a:pPr marL="0" lvl="0" indent="0" algn="ctr" defTabSz="889000">
+            <a:lnSpc>
+              <a:spcPct val="90000"/>
+            </a:lnSpc>
+            <a:spcBef>
+              <a:spcPct val="0"/>
+            </a:spcBef>
+            <a:spcAft>
+              <a:spcPct val="35000"/>
+            </a:spcAft>
+            <a:buNone/>
+          </a:pPr>
+          <a:r>
+            <a:rPr lang="en-US" sz="2000" kern="1200" dirty="0"/>
+            <a:t>fig-exercises</a:t>
+          </a:r>
+        </a:p>
+      </dsp:txBody>
+      <dsp:txXfrm>
+        <a:off x="1755464" y="2786199"/>
+        <a:ext cx="1200401" cy="600200"/>
+      </dsp:txXfrm>
+    </dsp:sp>
+    <dsp:sp modelId="{6A0AEEBF-7524-4455-AB4F-1A38E7420141}">
+      <dsp:nvSpPr>
+        <dsp:cNvPr id="0" name=""/>
+        <dsp:cNvSpPr/>
+      </dsp:nvSpPr>
+      <dsp:spPr>
+        <a:xfrm>
+          <a:off x="2907850" y="1933914"/>
+          <a:ext cx="1200401" cy="600200"/>
+        </a:xfrm>
+        <a:prstGeom prst="rect">
+          <a:avLst/>
+        </a:prstGeom>
+        <a:solidFill>
+          <a:srgbClr val="FFC000"/>
+        </a:solidFill>
+        <a:ln w="12700" cap="flat" cmpd="sng" algn="ctr">
+          <a:solidFill>
+            <a:schemeClr val="lt1">
+              <a:hueOff val="0"/>
+              <a:satOff val="0"/>
+              <a:lumOff val="0"/>
+              <a:alphaOff val="0"/>
+            </a:schemeClr>
+          </a:solidFill>
+          <a:prstDash val="solid"/>
+          <a:miter lim="800000"/>
+        </a:ln>
+        <a:effectLst/>
+      </dsp:spPr>
+      <dsp:style>
+        <a:lnRef idx="2">
+          <a:scrgbClr r="0" g="0" b="0"/>
+        </a:lnRef>
+        <a:fillRef idx="1">
+          <a:scrgbClr r="0" g="0" b="0"/>
+        </a:fillRef>
+        <a:effectRef idx="0">
+          <a:scrgbClr r="0" g="0" b="0"/>
+        </a:effectRef>
+        <a:fontRef idx="minor">
+          <a:schemeClr val="lt1"/>
+        </a:fontRef>
+      </dsp:style>
+      <dsp:txBody>
+        <a:bodyPr spcFirstLastPara="0" vert="horz" wrap="square" lIns="12700" tIns="12700" rIns="12700" bIns="12700" numCol="1" spcCol="1270" anchor="ctr" anchorCtr="0">
+          <a:noAutofit/>
+        </a:bodyPr>
+        <a:lstStyle/>
+        <a:p>
+          <a:pPr marL="0" lvl="0" indent="0" algn="ctr" defTabSz="889000">
+            <a:lnSpc>
+              <a:spcPct val="90000"/>
+            </a:lnSpc>
+            <a:spcBef>
+              <a:spcPct val="0"/>
+            </a:spcBef>
+            <a:spcAft>
+              <a:spcPct val="35000"/>
+            </a:spcAft>
+            <a:buNone/>
+          </a:pPr>
+          <a:r>
+            <a:rPr lang="en-US" sz="2000" kern="1200" dirty="0"/>
+            <a:t>pdf</a:t>
+          </a:r>
+        </a:p>
+      </dsp:txBody>
+      <dsp:txXfrm>
+        <a:off x="2907850" y="1933914"/>
+        <a:ext cx="1200401" cy="600200"/>
+      </dsp:txXfrm>
+    </dsp:sp>
+    <dsp:sp modelId="{36F8001E-2F02-4712-AFC7-688A90104418}">
+      <dsp:nvSpPr>
+        <dsp:cNvPr id="0" name=""/>
+        <dsp:cNvSpPr/>
+      </dsp:nvSpPr>
+      <dsp:spPr>
+        <a:xfrm>
+          <a:off x="4360336" y="1933914"/>
+          <a:ext cx="1200401" cy="600200"/>
+        </a:xfrm>
+        <a:prstGeom prst="rect">
+          <a:avLst/>
+        </a:prstGeom>
+        <a:solidFill>
+          <a:schemeClr val="accent6"/>
+        </a:solidFill>
+        <a:ln w="12700" cap="flat" cmpd="sng" algn="ctr">
+          <a:solidFill>
+            <a:schemeClr val="lt1">
+              <a:hueOff val="0"/>
+              <a:satOff val="0"/>
+              <a:lumOff val="0"/>
+              <a:alphaOff val="0"/>
+            </a:schemeClr>
+          </a:solidFill>
+          <a:prstDash val="solid"/>
+          <a:miter lim="800000"/>
+        </a:ln>
+        <a:effectLst/>
+      </dsp:spPr>
+      <dsp:style>
+        <a:lnRef idx="2">
+          <a:scrgbClr r="0" g="0" b="0"/>
+        </a:lnRef>
+        <a:fillRef idx="1">
+          <a:scrgbClr r="0" g="0" b="0"/>
+        </a:fillRef>
+        <a:effectRef idx="0">
+          <a:scrgbClr r="0" g="0" b="0"/>
+        </a:effectRef>
+        <a:fontRef idx="minor">
+          <a:schemeClr val="lt1"/>
+        </a:fontRef>
+      </dsp:style>
+      <dsp:txBody>
+        <a:bodyPr spcFirstLastPara="0" vert="horz" wrap="square" lIns="12700" tIns="12700" rIns="12700" bIns="12700" numCol="1" spcCol="1270" anchor="ctr" anchorCtr="0">
+          <a:noAutofit/>
+        </a:bodyPr>
+        <a:lstStyle/>
+        <a:p>
+          <a:pPr marL="0" lvl="0" indent="0" algn="ctr" defTabSz="889000">
+            <a:lnSpc>
+              <a:spcPct val="90000"/>
+            </a:lnSpc>
+            <a:spcBef>
+              <a:spcPct val="0"/>
+            </a:spcBef>
+            <a:spcAft>
+              <a:spcPct val="35000"/>
+            </a:spcAft>
+            <a:buNone/>
+          </a:pPr>
+          <a:r>
+            <a:rPr lang="en-US" sz="2000" kern="1200" dirty="0" err="1"/>
+            <a:t>src</a:t>
+          </a:r>
+          <a:endParaRPr lang="en-US" sz="2000" kern="1200" dirty="0"/>
+        </a:p>
+      </dsp:txBody>
+      <dsp:txXfrm>
+        <a:off x="4360336" y="1933914"/>
+        <a:ext cx="1200401" cy="600200"/>
+      </dsp:txXfrm>
+    </dsp:sp>
+  </dsp:spTree>
+</dsp:drawing>
+</file>
+
+<file path=ppt/diagrams/layout1.xml><?xml version="1.0" encoding="utf-8"?>
+<dgm:layoutDef xmlns:dgm="http://schemas.openxmlformats.org/drawingml/2006/diagram" xmlns:a="http://schemas.openxmlformats.org/drawingml/2006/main" uniqueId="urn:microsoft.com/office/officeart/2005/8/layout/orgChart1">
+  <dgm:title val=""/>
+  <dgm:desc val=""/>
+  <dgm:catLst>
+    <dgm:cat type="hierarchy" pri="1000"/>
+    <dgm:cat type="convert" pri="6000"/>
+  </dgm:catLst>
+  <dgm:sampData>
+    <dgm:dataModel>
+      <dgm:ptLst>
+        <dgm:pt modelId="0" type="doc"/>
+        <dgm:pt modelId="1">
+          <dgm:prSet phldr="1"/>
+        </dgm:pt>
+        <dgm:pt modelId="2" type="asst">
+          <dgm:prSet phldr="1"/>
+        </dgm:pt>
+        <dgm:pt modelId="3">
+          <dgm:prSet phldr="1"/>
+        </dgm:pt>
+        <dgm:pt modelId="4">
+          <dgm:prSet phldr="1"/>
+        </dgm:pt>
+        <dgm:pt modelId="5">
+          <dgm:prSet phldr="1"/>
+        </dgm:pt>
+      </dgm:ptLst>
+      <dgm:cxnLst>
+        <dgm:cxn modelId="5" srcId="0" destId="1" srcOrd="0" destOrd="0"/>
+        <dgm:cxn modelId="6" srcId="1" destId="2" srcOrd="0" destOrd="0"/>
+        <dgm:cxn modelId="7" srcId="1" destId="3" srcOrd="1" destOrd="0"/>
+        <dgm:cxn modelId="8" srcId="1" destId="4" srcOrd="2" destOrd="0"/>
+        <dgm:cxn modelId="9" srcId="1" destId="5" srcOrd="3" destOrd="0"/>
+      </dgm:cxnLst>
+      <dgm:bg/>
+      <dgm:whole/>
+    </dgm:dataModel>
+  </dgm:sampData>
+  <dgm:styleData>
+    <dgm:dataModel>
+      <dgm:ptLst>
+        <dgm:pt modelId="0" type="doc"/>
+        <dgm:pt modelId="1"/>
+        <dgm:pt modelId="12"/>
+        <dgm:pt modelId="13"/>
+      </dgm:ptLst>
+      <dgm:cxnLst>
+        <dgm:cxn modelId="2" srcId="0" destId="1" srcOrd="0" destOrd="0"/>
+        <dgm:cxn modelId="16" srcId="1" destId="12" srcOrd="1" destOrd="0"/>
+        <dgm:cxn modelId="17" srcId="1" destId="13" srcOrd="2" destOrd="0"/>
+      </dgm:cxnLst>
+      <dgm:bg/>
+      <dgm:whole/>
+    </dgm:dataModel>
+  </dgm:styleData>
+  <dgm:clrData>
+    <dgm:dataModel>
+      <dgm:ptLst>
+        <dgm:pt modelId="0" type="doc"/>
+        <dgm:pt modelId="1"/>
+        <dgm:pt modelId="11" type="asst"/>
+        <dgm:pt modelId="12"/>
+        <dgm:pt modelId="13"/>
+        <dgm:pt modelId="14"/>
+      </dgm:ptLst>
+      <dgm:cxnLst>
+        <dgm:cxn modelId="2" srcId="0" destId="1" srcOrd="0" destOrd="0"/>
+        <dgm:cxn modelId="15" srcId="1" destId="11" srcOrd="0" destOrd="0"/>
+        <dgm:cxn modelId="16" srcId="1" destId="12" srcOrd="1" destOrd="0"/>
+        <dgm:cxn modelId="17" srcId="1" destId="13" srcOrd="2" destOrd="0"/>
+        <dgm:cxn modelId="18" srcId="1" destId="14" srcOrd="2" destOrd="0"/>
+      </dgm:cxnLst>
+      <dgm:bg/>
+      <dgm:whole/>
+    </dgm:dataModel>
+  </dgm:clrData>
+  <dgm:layoutNode name="hierChild1">
+    <dgm:varLst>
+      <dgm:orgChart val="1"/>
+      <dgm:chPref val="1"/>
+      <dgm:dir/>
+      <dgm:animOne val="branch"/>
+      <dgm:animLvl val="lvl"/>
+      <dgm:resizeHandles/>
+    </dgm:varLst>
+    <dgm:choose name="Name0">
+      <dgm:if name="Name1" func="var" arg="dir" op="equ" val="norm">
+        <dgm:alg type="hierChild">
+          <dgm:param type="linDir" val="fromL"/>
+        </dgm:alg>
+      </dgm:if>
+      <dgm:else name="Name2">
+        <dgm:alg type="hierChild">
+          <dgm:param type="linDir" val="fromR"/>
+        </dgm:alg>
+      </dgm:else>
+    </dgm:choose>
+    <dgm:shape xmlns:r="http://schemas.openxmlformats.org/officeDocument/2006/relationships" r:blip="">
+      <dgm:adjLst/>
+    </dgm:shape>
+    <dgm:presOf/>
+    <dgm:constrLst>
+      <dgm:constr type="w" for="des" forName="rootComposite1" refType="w" fact="10"/>
+      <dgm:constr type="h" for="des" forName="rootComposite1" refType="w" refFor="des" refForName="rootComposite1" fact="0.5"/>
+      <dgm:constr type="w" for="des" forName="rootComposite" refType="w" fact="10"/>
+      <dgm:constr type="h" for="des" forName="rootComposite" refType="w" refFor="des" refForName="rootComposite1" fact="0.5"/>
+      <dgm:constr type="w" for="des" forName="rootComposite3" refType="w" fact="10"/>
+      <dgm:constr type="h" for="des" forName="rootComposite3" refType="w" refFor="des" refForName="rootComposite1" fact="0.5"/>
+      <dgm:constr type="primFontSz" for="des" ptType="node" op="equ"/>
+      <dgm:constr type="sp" for="des" op="equ"/>
+      <dgm:constr type="sp" for="des" forName="hierRoot1" refType="w" refFor="des" refForName="rootComposite1" fact="0.21"/>
+      <dgm:constr type="sp" for="des" forName="hierRoot2" refType="sp" refFor="des" refForName="hierRoot1"/>
+      <dgm:constr type="sp" for="des" forName="hierRoot3" refType="sp" refFor="des" refForName="hierRoot1"/>
+      <dgm:constr type="sibSp" refType="w" refFor="des" refForName="rootComposite1" fact="0.21"/>
+      <dgm:constr type="sibSp" for="des" forName="hierChild2" refType="sibSp"/>
+      <dgm:constr type="sibSp" for="des" forName="hierChild3" refType="sibSp"/>
+      <dgm:constr type="sibSp" for="des" forName="hierChild4" refType="sibSp"/>
+      <dgm:constr type="sibSp" for="des" forName="hierChild5" refType="sibSp"/>
+      <dgm:constr type="sibSp" for="des" forName="hierChild6" refType="sibSp"/>
+      <dgm:constr type="sibSp" for="des" forName="hierChild7" refType="sibSp"/>
+      <dgm:constr type="secSibSp" refType="w" refFor="des" refForName="rootComposite1" fact="0.21"/>
+      <dgm:constr type="secSibSp" for="des" forName="hierChild2" refType="secSibSp"/>
+      <dgm:constr type="secSibSp" for="des" forName="hierChild3" refType="secSibSp"/>
+      <dgm:constr type="secSibSp" for="des" forName="hierChild4" refType="secSibSp"/>
+      <dgm:constr type="secSibSp" for="des" forName="hierChild5" refType="secSibSp"/>
+      <dgm:constr type="secSibSp" for="des" forName="hierChild6" refType="secSibSp"/>
+      <dgm:constr type="secSibSp" for="des" forName="hierChild7" refType="secSibSp"/>
+    </dgm:constrLst>
+    <dgm:ruleLst/>
+    <dgm:forEach name="Name3" axis="ch">
+      <dgm:forEach name="Name4" axis="self" ptType="node">
+        <dgm:layoutNode name="hierRoot1">
+          <dgm:varLst>
+            <dgm:hierBranch val="init"/>
+          </dgm:varLst>
+          <dgm:choose name="Name5">
+            <dgm:if name="Name6" func="var" arg="hierBranch" op="equ" val="l">
+              <dgm:choose name="Name7">
+                <dgm:if name="Name8" axis="ch" ptType="asst" func="cnt" op="gte" val="1">
+                  <dgm:alg type="hierRoot">
+                    <dgm:param type="hierAlign" val="tR"/>
+                  </dgm:alg>
+                  <dgm:constrLst>
+                    <dgm:constr type="alignOff" val="0.65"/>
+                  </dgm:constrLst>
+                </dgm:if>
+                <dgm:else name="Name9">
+                  <dgm:alg type="hierRoot">
+                    <dgm:param type="hierAlign" val="tR"/>
+                  </dgm:alg>
+                  <dgm:constrLst>
+                    <dgm:constr type="alignOff" val="0.25"/>
+                  </dgm:constrLst>
+                </dgm:else>
+              </dgm:choose>
+            </dgm:if>
+            <dgm:if name="Name10" func="var" arg="hierBranch" op="equ" val="r">
+              <dgm:choose name="Name11">
+                <dgm:if name="Name12" axis="ch" ptType="asst" func="cnt" op="gte" val="1">
+                  <dgm:alg type="hierRoot">
+                    <dgm:param type="hierAlign" val="tL"/>
+                  </dgm:alg>
+                  <dgm:constrLst>
+                    <dgm:constr type="alignOff" val="0.65"/>
+                  </dgm:constrLst>
+                </dgm:if>
+                <dgm:else name="Name13">
+                  <dgm:alg type="hierRoot">
+                    <dgm:param type="hierAlign" val="tL"/>
+                  </dgm:alg>
+                  <dgm:constrLst>
+                    <dgm:constr type="alignOff" val="0.25"/>
+                  </dgm:constrLst>
+                </dgm:else>
+              </dgm:choose>
+            </dgm:if>
+            <dgm:if name="Name14" func="var" arg="hierBranch" op="equ" val="hang">
+              <dgm:alg type="hierRoot"/>
+              <dgm:constrLst>
+                <dgm:constr type="alignOff" val="0.65"/>
+              </dgm:constrLst>
+            </dgm:if>
+            <dgm:else name="Name15">
+              <dgm:alg type="hierRoot"/>
+              <dgm:constrLst>
+                <dgm:constr type="alignOff"/>
+                <dgm:constr type="bendDist" for="des" ptType="parTrans" refType="sp" fact="0.5"/>
+              </dgm:constrLst>
+            </dgm:else>
+          </dgm:choose>
+          <dgm:shape xmlns:r="http://schemas.openxmlformats.org/officeDocument/2006/relationships" r:blip="">
+            <dgm:adjLst/>
+          </dgm:shape>
+          <dgm:presOf/>
+          <dgm:ruleLst/>
+          <dgm:layoutNode name="rootComposite1">
+            <dgm:alg type="composite"/>
+            <dgm:shape xmlns:r="http://schemas.openxmlformats.org/officeDocument/2006/relationships" r:blip="">
+              <dgm:adjLst/>
+            </dgm:shape>
+            <dgm:presOf axis="self" ptType="node" cnt="1"/>
+            <dgm:choose name="Name16">
+              <dgm:if name="Name17" func="var" arg="hierBranch" op="equ" val="init">
+                <dgm:constrLst>
+                  <dgm:constr type="l" for="ch" forName="rootText1"/>
+                  <dgm:constr type="t" for="ch" forName="rootText1"/>
+                  <dgm:constr type="w" for="ch" forName="rootText1" refType="w"/>
+                  <dgm:constr type="h" for="ch" forName="rootText1" refType="h"/>
+                  <dgm:constr type="l" for="ch" forName="rootConnector1"/>
+                  <dgm:constr type="t" for="ch" forName="rootConnector1"/>
+                  <dgm:constr type="w" for="ch" forName="rootConnector1" refType="w" refFor="ch" refForName="rootText1" fact="0.2"/>
+                  <dgm:constr type="h" for="ch" forName="rootConnector1" refType="h" refFor="ch" refForName="rootText1"/>
+                </dgm:constrLst>
+              </dgm:if>
+              <dgm:if name="Name18" func="var" arg="hierBranch" op="equ" val="l">
+                <dgm:constrLst>
+                  <dgm:constr type="l" for="ch" forName="rootText1"/>
+                  <dgm:constr type="t" for="ch" forName="rootText1"/>
+                  <dgm:constr type="w" for="ch" forName="rootText1" refType="w"/>
+                  <dgm:constr type="h" for="ch" forName="rootText1" refType="h"/>
+                  <dgm:constr type="r" for="ch" forName="rootConnector1" refType="w"/>
+                  <dgm:constr type="t" for="ch" forName="rootConnector1"/>
+                  <dgm:constr type="w" for="ch" forName="rootConnector1" refType="w" refFor="ch" refForName="rootText1" fact="0.2"/>
+                  <dgm:constr type="h" for="ch" forName="rootConnector1" refType="h" refFor="ch" refForName="rootText1"/>
+                </dgm:constrLst>
+              </dgm:if>
+              <dgm:if name="Name19" func="var" arg="hierBranch" op="equ" val="r">
+                <dgm:constrLst>
+                  <dgm:constr type="l" for="ch" forName="rootText1"/>
+                  <dgm:constr type="t" for="ch" forName="rootText1"/>
+                  <dgm:constr type="w" for="ch" forName="rootText1" refType="w"/>
+                  <dgm:constr type="h" for="ch" forName="rootText1" refType="h"/>
+                  <dgm:constr type="l" for="ch" forName="rootConnector1"/>
+                  <dgm:constr type="t" for="ch" forName="rootConnector1"/>
+                  <dgm:constr type="w" for="ch" forName="rootConnector1" refType="w" refFor="ch" refForName="rootText1" fact="0.2"/>
+                  <dgm:constr type="h" for="ch" forName="rootConnector1" refType="h" refFor="ch" refForName="rootText1"/>
+                </dgm:constrLst>
+              </dgm:if>
+              <dgm:else name="Name20">
+                <dgm:constrLst>
+                  <dgm:constr type="l" for="ch" forName="rootText1"/>
+                  <dgm:constr type="t" for="ch" forName="rootText1"/>
+                  <dgm:constr type="w" for="ch" forName="rootText1" refType="w"/>
+                  <dgm:constr type="h" for="ch" forName="rootText1" refType="h"/>
+                  <dgm:constr type="r" for="ch" forName="rootConnector1" refType="w"/>
+                  <dgm:constr type="t" for="ch" forName="rootConnector1"/>
+                  <dgm:constr type="w" for="ch" forName="rootConnector1" refType="w" refFor="ch" refForName="rootText1" fact="0.2"/>
+                  <dgm:constr type="h" for="ch" forName="rootConnector1" refType="h" refFor="ch" refForName="rootText1"/>
+                </dgm:constrLst>
+              </dgm:else>
+            </dgm:choose>
+            <dgm:ruleLst/>
+            <dgm:layoutNode name="rootText1" styleLbl="node0">
+              <dgm:varLst>
+                <dgm:chPref val="3"/>
+              </dgm:varLst>
+              <dgm:alg type="tx"/>
+              <dgm:shape xmlns:r="http://schemas.openxmlformats.org/officeDocument/2006/relationships" type="rect" r:blip="">
+                <dgm:adjLst/>
+              </dgm:shape>
+              <dgm:presOf axis="self" ptType="node" cnt="1"/>
+              <dgm:constrLst>
+                <dgm:constr type="primFontSz" val="65"/>
+                <dgm:constr type="lMarg" refType="primFontSz" fact="0.05"/>
+                <dgm:constr type="rMarg" refType="primFontSz" fact="0.05"/>
+                <dgm:constr type="tMarg" refType="primFontSz" fact="0.05"/>
+                <dgm:constr type="bMarg" refType="primFontSz" fact="0.05"/>
+              </dgm:constrLst>
+              <dgm:ruleLst>
+                <dgm:rule type="primFontSz" val="5" fact="NaN" max="NaN"/>
+              </dgm:ruleLst>
+            </dgm:layoutNode>
+            <dgm:layoutNode name="rootConnector1" moveWith="rootText1">
+              <dgm:alg type="sp"/>
+              <dgm:shape xmlns:r="http://schemas.openxmlformats.org/officeDocument/2006/relationships" type="rect" r:blip="" hideGeom="1">
+                <dgm:adjLst/>
+              </dgm:shape>
+              <dgm:presOf axis="self" ptType="node" cnt="1"/>
+              <dgm:constrLst/>
+              <dgm:ruleLst/>
+            </dgm:layoutNode>
+          </dgm:layoutNode>
+          <dgm:layoutNode name="hierChild2">
+            <dgm:choose name="Name21">
+              <dgm:if name="Name22" func="var" arg="hierBranch" op="equ" val="l">
+                <dgm:alg type="hierChild">
+                  <dgm:param type="chAlign" val="r"/>
+                  <dgm:param type="linDir" val="fromT"/>
+                </dgm:alg>
+              </dgm:if>
+              <dgm:if name="Name23" func="var" arg="hierBranch" op="equ" val="r">
+                <dgm:alg type="hierChild">
+                  <dgm:param type="chAlign" val="l"/>
+                  <dgm:param type="linDir" val="fromT"/>
+                </dgm:alg>
+              </dgm:if>
+              <dgm:if name="Name24" func="var" arg="hierBranch" op="equ" val="hang">
+                <dgm:choose name="Name25">
+                  <dgm:if name="Name26" func="var" arg="dir" op="equ" val="norm">
+                    <dgm:alg type="hierChild">
+                      <dgm:param type="chAlign" val="l"/>
+                      <dgm:param type="linDir" val="fromL"/>
+                      <dgm:param type="secChAlign" val="t"/>
+                      <dgm:param type="secLinDir" val="fromT"/>
+                    </dgm:alg>
+                  </dgm:if>
+                  <dgm:else name="Name27">
+                    <dgm:alg type="hierChild">
+                      <dgm:param type="chAlign" val="l"/>
+                      <dgm:param type="linDir" val="fromR"/>
+                      <dgm:param type="secChAlign" val="t"/>
+                      <dgm:param type="secLinDir" val="fromT"/>
+                    </dgm:alg>
+                  </dgm:else>
+                </dgm:choose>
+              </dgm:if>
+              <dgm:else name="Name28">
+                <dgm:choose name="Name29">
+                  <dgm:if name="Name30" func="var" arg="dir" op="equ" val="norm">
+                    <dgm:alg type="hierChild"/>
+                  </dgm:if>
+                  <dgm:else name="Name31">
+                    <dgm:alg type="hierChild">
+                      <dgm:param type="linDir" val="fromR"/>
+                    </dgm:alg>
+                  </dgm:else>
+                </dgm:choose>
+              </dgm:else>
+            </dgm:choose>
+            <dgm:shape xmlns:r="http://schemas.openxmlformats.org/officeDocument/2006/relationships" r:blip="">
+              <dgm:adjLst/>
+            </dgm:shape>
+            <dgm:presOf/>
+            <dgm:constrLst/>
+            <dgm:ruleLst/>
+            <dgm:forEach name="rep2a" axis="ch" ptType="nonAsst">
+              <dgm:forEach name="Name32" axis="precedSib" ptType="parTrans" st="-1" cnt="1">
+                <dgm:choose name="Name33">
+                  <dgm:if name="Name34" func="var" arg="hierBranch" op="equ" val="std">
+                    <dgm:layoutNode name="Name35">
+                      <dgm:alg type="conn">
+                        <dgm:param type="connRout" val="bend"/>
+                        <dgm:param type="dim" val="1D"/>
+                        <dgm:param type="endSty" val="noArr"/>
+                        <dgm:param type="begPts" val="bCtr"/>
+                        <dgm:param type="endPts" val="tCtr"/>
+                        <dgm:param type="bendPt" val="end"/>
+                      </dgm:alg>
+                      <dgm:shape xmlns:r="http://schemas.openxmlformats.org/officeDocument/2006/relationships" type="conn" r:blip="" zOrderOff="-99999">
+                        <dgm:adjLst/>
+                      </dgm:shape>
+                      <dgm:presOf axis="self"/>
+                      <dgm:constrLst>
+                        <dgm:constr type="begPad"/>
+                        <dgm:constr type="endPad"/>
+                      </dgm:constrLst>
+                      <dgm:ruleLst/>
+                    </dgm:layoutNode>
+                  </dgm:if>
+                  <dgm:if name="Name36" func="var" arg="hierBranch" op="equ" val="init">
+                    <dgm:layoutNode name="Name37">
+                      <dgm:choose name="Name38">
+                        <dgm:if name="Name39" axis="self" func="depth" op="lte" val="2">
+                          <dgm:alg type="conn">
+                            <dgm:param type="connRout" val="bend"/>
+                            <dgm:param type="dim" val="1D"/>
+                            <dgm:param type="endSty" val="noArr"/>
+                            <dgm:param type="begPts" val="bCtr"/>
+                            <dgm:param type="endPts" val="tCtr"/>
+                            <dgm:param type="bendPt" val="end"/>
+                          </dgm:alg>
+                        </dgm:if>
+                        <dgm:else name="Name40">
+                          <dgm:choose name="Name41">
+                            <dgm:if name="Name42" axis="par des" func="maxDepth" op="lte" val="1">
+                              <dgm:choose name="Name43">
+                                <dgm:if name="Name44" axis="par ch" ptType="node asst" func="cnt" op="gte" val="1">
+                                  <dgm:alg type="conn">
+                                    <dgm:param type="connRout" val="bend"/>
+                                    <dgm:param type="dim" val="1D"/>
+                                    <dgm:param type="endSty" val="noArr"/>
+                                    <dgm:param type="begPts" val="bCtr"/>
+                                    <dgm:param type="endPts" val="midL midR"/>
+                                  </dgm:alg>
+                                </dgm:if>
+                                <dgm:else name="Name45">
+                                  <dgm:alg type="conn">
+                                    <dgm:param type="connRout" val="bend"/>
+                                    <dgm:param type="dim" val="1D"/>
+                                    <dgm:param type="endSty" val="noArr"/>
+                                    <dgm:param type="begPts" val="bCtr"/>
+                                    <dgm:param type="endPts" val="midL midR"/>
+                                    <dgm:param type="srcNode" val="rootConnector"/>
+                                  </dgm:alg>
+                                </dgm:else>
+                              </dgm:choose>
+                            </dgm:if>
+                            <dgm:else name="Name46">
+                              <dgm:alg type="conn">
+                                <dgm:param type="connRout" val="bend"/>
+                                <dgm:param type="dim" val="1D"/>
+                                <dgm:param type="endSty" val="noArr"/>
+                                <dgm:param type="begPts" val="bCtr"/>
+                                <dgm:param type="endPts" val="tCtr"/>
+                                <dgm:param type="bendPt" val="end"/>
+                              </dgm:alg>
+                            </dgm:else>
+                          </dgm:choose>
+                        </dgm:else>
+                      </dgm:choose>
+                      <dgm:shape xmlns:r="http://schemas.openxmlformats.org/officeDocument/2006/relationships" type="conn" r:blip="" zOrderOff="-99999">
+                        <dgm:adjLst/>
+                      </dgm:shape>
+                      <dgm:presOf axis="self"/>
+                      <dgm:constrLst>
+                        <dgm:constr type="begPad"/>
+                        <dgm:constr type="endPad"/>
+                      </dgm:constrLst>
+                      <dgm:ruleLst/>
+                    </dgm:layoutNode>
+                  </dgm:if>
+                  <dgm:if name="Name47" func="var" arg="hierBranch" op="equ" val="hang">
+                    <dgm:layoutNode name="Name48">
+                      <dgm:alg type="conn">
+                        <dgm:param type="connRout" val="bend"/>
+                        <dgm:param type="dim" val="1D"/>
+                        <dgm:param type="endSty" val="noArr"/>
+                        <dgm:param type="begPts" val="bCtr"/>
+                        <dgm:param type="endPts" val="midL midR"/>
+                      </dgm:alg>
+                      <dgm:shape xmlns:r="http://schemas.openxmlformats.org/officeDocument/2006/relationships" type="conn" r:blip="" zOrderOff="-99999">
+                        <dgm:adjLst/>
+                      </dgm:shape>
+                      <dgm:presOf axis="self"/>
+                      <dgm:constrLst>
+                        <dgm:constr type="begPad"/>
+                        <dgm:constr type="endPad"/>
+                      </dgm:constrLst>
+                      <dgm:ruleLst/>
+                    </dgm:layoutNode>
+                  </dgm:if>
+                  <dgm:else name="Name49">
+                    <dgm:layoutNode name="Name50">
+                      <dgm:choose name="Name51">
+                        <dgm:if name="Name52" axis="self" func="depth" op="lte" val="2">
+                          <dgm:choose name="Name53">
+                            <dgm:if name="Name54" axis="par ch" ptType="node asst" func="cnt" op="gte" val="1">
+                              <dgm:alg type="conn">
+                                <dgm:param type="connRout" val="bend"/>
+                                <dgm:param type="dim" val="1D"/>
+                                <dgm:param type="endSty" val="noArr"/>
+                                <dgm:param type="begPts" val="bCtr"/>
+                                <dgm:param type="endPts" val="midL midR"/>
+                              </dgm:alg>
+                            </dgm:if>
+                            <dgm:else name="Name55">
+                              <dgm:alg type="conn">
+                                <dgm:param type="connRout" val="bend"/>
+                                <dgm:param type="dim" val="1D"/>
+                                <dgm:param type="endSty" val="noArr"/>
+                                <dgm:param type="begPts" val="bCtr"/>
+                                <dgm:param type="endPts" val="midL midR"/>
+                                <dgm:param type="srcNode" val="rootConnector1"/>
+                              </dgm:alg>
+                            </dgm:else>
+                          </dgm:choose>
+                        </dgm:if>
+                        <dgm:else name="Name56">
+                          <dgm:choose name="Name57">
+                            <dgm:if name="Name58" axis="par ch" ptType="node asst" func="cnt" op="gte" val="1">
+                              <dgm:alg type="conn">
+                                <dgm:param type="connRout" val="bend"/>
+                                <dgm:param type="dim" val="1D"/>
+                                <dgm:param type="endSty" val="noArr"/>
+                                <dgm:param type="begPts" val="bCtr"/>
+                                <dgm:param type="endPts" val="midL midR"/>
+                              </dgm:alg>
+                            </dgm:if>
+                            <dgm:else name="Name59">
+                              <dgm:alg type="conn">
+                                <dgm:param type="connRout" val="bend"/>
+                                <dgm:param type="dim" val="1D"/>
+                                <dgm:param type="endSty" val="noArr"/>
+                                <dgm:param type="begPts" val="bCtr"/>
+                                <dgm:param type="endPts" val="midL midR"/>
+                                <dgm:param type="srcNode" val="rootConnector"/>
+                              </dgm:alg>
+                            </dgm:else>
+                          </dgm:choose>
+                        </dgm:else>
+                      </dgm:choose>
+                      <dgm:shape xmlns:r="http://schemas.openxmlformats.org/officeDocument/2006/relationships" type="conn" r:blip="" zOrderOff="-99999">
+                        <dgm:adjLst/>
+                      </dgm:shape>
+                      <dgm:presOf axis="self"/>
+                      <dgm:constrLst>
+                        <dgm:constr type="begPad"/>
+                        <dgm:constr type="endPad"/>
+                      </dgm:constrLst>
+                      <dgm:ruleLst/>
+                    </dgm:layoutNode>
+                  </dgm:else>
+                </dgm:choose>
+              </dgm:forEach>
+              <dgm:layoutNode name="hierRoot2">
+                <dgm:varLst>
+                  <dgm:hierBranch val="init"/>
+                </dgm:varLst>
+                <dgm:choose name="Name60">
+                  <dgm:if name="Name61" func="var" arg="hierBranch" op="equ" val="l">
+                    <dgm:choose name="Name62">
+                      <dgm:if name="Name63" axis="ch" ptType="asst" func="cnt" op="gte" val="1">
+                        <dgm:alg type="hierRoot">
+                          <dgm:param type="hierAlign" val="tR"/>
+                        </dgm:alg>
+                        <dgm:shape xmlns:r="http://schemas.openxmlformats.org/officeDocument/2006/relationships" r:blip="">
+                          <dgm:adjLst/>
+                        </dgm:shape>
+                        <dgm:presOf/>
+                        <dgm:constrLst>
+                          <dgm:constr type="alignOff" val="0.65"/>
+                        </dgm:constrLst>
+                      </dgm:if>
+                      <dgm:else name="Name64">
+                        <dgm:alg type="hierRoot">
+                          <dgm:param type="hierAlign" val="tR"/>
+                        </dgm:alg>
+                        <dgm:shape xmlns:r="http://schemas.openxmlformats.org/officeDocument/2006/relationships" r:blip="">
+                          <dgm:adjLst/>
+                        </dgm:shape>
+                        <dgm:presOf/>
+                        <dgm:constrLst>
+                          <dgm:constr type="alignOff" val="0.25"/>
+                        </dgm:constrLst>
+                      </dgm:else>
+                    </dgm:choose>
+                  </dgm:if>
+                  <dgm:if name="Name65" func="var" arg="hierBranch" op="equ" val="r">
+                    <dgm:choose name="Name66">
+                      <dgm:if name="Name67" axis="ch" ptType="asst" func="cnt" op="gte" val="1">
+                        <dgm:alg type="hierRoot">
+                          <dgm:param type="hierAlign" val="tL"/>
+                        </dgm:alg>
+                        <dgm:shape xmlns:r="http://schemas.openxmlformats.org/officeDocument/2006/relationships" r:blip="">
+                          <dgm:adjLst/>
+                        </dgm:shape>
+                        <dgm:presOf/>
+                        <dgm:constrLst>
+                          <dgm:constr type="alignOff" val="0.65"/>
+                        </dgm:constrLst>
+                      </dgm:if>
+                      <dgm:else name="Name68">
+                        <dgm:alg type="hierRoot">
+                          <dgm:param type="hierAlign" val="tL"/>
+                        </dgm:alg>
+                        <dgm:shape xmlns:r="http://schemas.openxmlformats.org/officeDocument/2006/relationships" r:blip="">
+                          <dgm:adjLst/>
+                        </dgm:shape>
+                        <dgm:presOf/>
+                        <dgm:constrLst>
+                          <dgm:constr type="alignOff" val="0.25"/>
+                        </dgm:constrLst>
+                      </dgm:else>
+                    </dgm:choose>
+                  </dgm:if>
+                  <dgm:if name="Name69" func="var" arg="hierBranch" op="equ" val="std">
+                    <dgm:alg type="hierRoot"/>
+                    <dgm:shape xmlns:r="http://schemas.openxmlformats.org/officeDocument/2006/relationships" r:blip="">
+                      <dgm:adjLst/>
+                    </dgm:shape>
+                    <dgm:presOf/>
+                    <dgm:constrLst>
+                      <dgm:constr type="alignOff"/>
+                      <dgm:constr type="bendDist" for="des" ptType="parTrans" refType="sp" fact="0.5"/>
+                    </dgm:constrLst>
+                  </dgm:if>
+                  <dgm:if name="Name70" func="var" arg="hierBranch" op="equ" val="init">
+                    <dgm:choose name="Name71">
+                      <dgm:if name="Name72" axis="des" func="maxDepth" op="lte" val="1">
+                        <dgm:choose name="Name73">
+                          <dgm:if name="Name74" axis="ch" ptType="asst" func="cnt" op="gte" val="1">
+                            <dgm:alg type="hierRoot">
+                              <dgm:param type="hierAlign" val="tL"/>
+                            </dgm:alg>
+                            <dgm:shape xmlns:r="http://schemas.openxmlformats.org/officeDocument/2006/relationships" r:blip="">
+                              <dgm:adjLst/>
+                            </dgm:shape>
+                            <dgm:presOf/>
+                            <dgm:constrLst>
+                              <dgm:constr type="alignOff" val="0.65"/>
+                            </dgm:constrLst>
+                          </dgm:if>
+                          <dgm:else name="Name75">
+                            <dgm:alg type="hierRoot">
+                              <dgm:param type="hierAlign" val="tL"/>
+                            </dgm:alg>
+                            <dgm:shape xmlns:r="http://schemas.openxmlformats.org/officeDocument/2006/relationships" r:blip="">
+                              <dgm:adjLst/>
+                            </dgm:shape>
+                            <dgm:presOf/>
+                            <dgm:constrLst>
+                              <dgm:constr type="alignOff" val="0.25"/>
+                            </dgm:constrLst>
+                          </dgm:else>
+                        </dgm:choose>
+                      </dgm:if>
+                      <dgm:else name="Name76">
+                        <dgm:alg type="hierRoot"/>
+                        <dgm:shape xmlns:r="http://schemas.openxmlformats.org/officeDocument/2006/relationships" r:blip="">
+                          <dgm:adjLst/>
+                        </dgm:shape>
+                        <dgm:presOf/>
+                        <dgm:constrLst>
+                          <dgm:constr type="alignOff"/>
+                          <dgm:constr type="bendDist" for="des" ptType="parTrans" refType="sp" fact="0.5"/>
+                        </dgm:constrLst>
+                      </dgm:else>
+                    </dgm:choose>
+                  </dgm:if>
+                  <dgm:else name="Name77">
+                    <dgm:alg type="hierRoot"/>
+                    <dgm:shape xmlns:r="http://schemas.openxmlformats.org/officeDocument/2006/relationships" r:blip="">
+                      <dgm:adjLst/>
+                    </dgm:shape>
+                    <dgm:presOf/>
+                    <dgm:constrLst>
+                      <dgm:constr type="alignOff" val="0.65"/>
+                    </dgm:constrLst>
+                  </dgm:else>
+                </dgm:choose>
+                <dgm:ruleLst/>
+                <dgm:layoutNode name="rootComposite">
+                  <dgm:alg type="composite"/>
+                  <dgm:shape xmlns:r="http://schemas.openxmlformats.org/officeDocument/2006/relationships" r:blip="">
+                    <dgm:adjLst/>
+                  </dgm:shape>
+                  <dgm:presOf axis="self" ptType="node" cnt="1"/>
+                  <dgm:choose name="Name78">
+                    <dgm:if name="Name79" func="var" arg="hierBranch" op="equ" val="init">
+                      <dgm:constrLst>
+                        <dgm:constr type="l" for="ch" forName="rootText"/>
+                        <dgm:constr type="t" for="ch" forName="rootText"/>
+                        <dgm:constr type="w" for="ch" forName="rootText" refType="w"/>
+                        <dgm:constr type="h" for="ch" forName="rootText" refType="h"/>
+                        <dgm:constr type="l" for="ch" forName="rootConnector"/>
+                        <dgm:constr type="t" for="ch" forName="rootConnector"/>
+                        <dgm:constr type="w" for="ch" forName="rootConnector" refType="w" refFor="ch" refForName="rootText" fact="0.2"/>
+                        <dgm:constr type="h" for="ch" forName="rootConnector" refType="h" refFor="ch" refForName="rootText"/>
+                      </dgm:constrLst>
+                    </dgm:if>
+                    <dgm:if name="Name80" func="var" arg="hierBranch" op="equ" val="l">
+                      <dgm:constrLst>
+                        <dgm:constr type="l" for="ch" forName="rootText"/>
+                        <dgm:constr type="t" for="ch" forName="rootText"/>
+                        <dgm:constr type="w" for="ch" forName="rootText" refType="w"/>
+                        <dgm:constr type="h" for="ch" forName="rootText" refType="h"/>
+                        <dgm:constr type="r" for="ch" forName="rootConnector" refType="w"/>
+                        <dgm:constr type="t" for="ch" forName="rootConnector"/>
+                        <dgm:constr type="w" for="ch" forName="rootConnector" refType="w" refFor="ch" refForName="rootText" fact="0.2"/>
+                        <dgm:constr type="h" for="ch" forName="rootConnector" refType="h" refFor="ch" refForName="rootText"/>
+                      </dgm:constrLst>
+                    </dgm:if>
+                    <dgm:if name="Name81" func="var" arg="hierBranch" op="equ" val="r">
+                      <dgm:constrLst>
+                        <dgm:constr type="l" for="ch" forName="rootText"/>
+                        <dgm:constr type="t" for="ch" forName="rootText"/>
+                        <dgm:constr type="w" for="ch" forName="rootText" refType="w"/>
+                        <dgm:constr type="h" for="ch" forName="rootText" refType="h"/>
+                        <dgm:constr type="l" for="ch" forName="rootConnector"/>
+                        <dgm:constr type="t" for="ch" forName="rootConnector"/>
+                        <dgm:constr type="w" for="ch" forName="rootConnector" refType="w" refFor="ch" refForName="rootText" fact="0.2"/>
+                        <dgm:constr type="h" for="ch" forName="rootConnector" refType="h" refFor="ch" refForName="rootText"/>
+                      </dgm:constrLst>
+                    </dgm:if>
+                    <dgm:else name="Name82">
+                      <dgm:constrLst>
+                        <dgm:constr type="l" for="ch" forName="rootText"/>
+                        <dgm:constr type="t" for="ch" forName="rootText"/>
+                        <dgm:constr type="w" for="ch" forName="rootText" refType="w"/>
+                        <dgm:constr type="h" for="ch" forName="rootText" refType="h"/>
+                        <dgm:constr type="r" for="ch" forName="rootConnector" refType="w"/>
+                        <dgm:constr type="t" for="ch" forName="rootConnector"/>
+                        <dgm:constr type="w" for="ch" forName="rootConnector" refType="w" refFor="ch" refForName="rootText" fact="0.2"/>
+                        <dgm:constr type="h" for="ch" forName="rootConnector" refType="h" refFor="ch" refForName="rootText"/>
+                      </dgm:constrLst>
+                    </dgm:else>
+                  </dgm:choose>
+                  <dgm:ruleLst/>
+                  <dgm:layoutNode name="rootText">
+                    <dgm:varLst>
+                      <dgm:chPref val="3"/>
+                    </dgm:varLst>
+                    <dgm:alg type="tx"/>
+                    <dgm:shape xmlns:r="http://schemas.openxmlformats.org/officeDocument/2006/relationships" type="rect" r:blip="">
+                      <dgm:adjLst/>
+                    </dgm:shape>
+                    <dgm:presOf axis="self" ptType="node" cnt="1"/>
+                    <dgm:constrLst>
+                      <dgm:constr type="primFontSz" val="65"/>
+                      <dgm:constr type="lMarg" refType="primFontSz" fact="0.05"/>
+                      <dgm:constr type="rMarg" refType="primFontSz" fact="0.05"/>
+                      <dgm:constr type="tMarg" refType="primFontSz" fact="0.05"/>
+                      <dgm:constr type="bMarg" refType="primFontSz" fact="0.05"/>
+                    </dgm:constrLst>
+                    <dgm:ruleLst>
+                      <dgm:rule type="primFontSz" val="5" fact="NaN" max="NaN"/>
+                    </dgm:ruleLst>
+                  </dgm:layoutNode>
+                  <dgm:layoutNode name="rootConnector" moveWith="rootText">
+                    <dgm:alg type="sp"/>
+                    <dgm:shape xmlns:r="http://schemas.openxmlformats.org/officeDocument/2006/relationships" type="rect" r:blip="" hideGeom="1">
+                      <dgm:adjLst/>
+                    </dgm:shape>
+                    <dgm:presOf axis="self" ptType="node" cnt="1"/>
+                    <dgm:constrLst/>
+                    <dgm:ruleLst/>
+                  </dgm:layoutNode>
+                </dgm:layoutNode>
+                <dgm:layoutNode name="hierChild4">
+                  <dgm:choose name="Name83">
+                    <dgm:if name="Name84" func="var" arg="hierBranch" op="equ" val="l">
+                      <dgm:alg type="hierChild">
+                        <dgm:param type="chAlign" val="r"/>
+                        <dgm:param type="linDir" val="fromT"/>
+                      </dgm:alg>
+                    </dgm:if>
+                    <dgm:if name="Name85" func="var" arg="hierBranch" op="equ" val="r">
+                      <dgm:alg type="hierChild">
+                        <dgm:param type="chAlign" val="l"/>
+                        <dgm:param type="linDir" val="fromT"/>
+                      </dgm:alg>
+                    </dgm:if>
+                    <dgm:if name="Name86" func="var" arg="hierBranch" op="equ" val="hang">
+                      <dgm:choose name="Name87">
+                        <dgm:if name="Name88" func="var" arg="dir" op="equ" val="norm">
+                          <dgm:alg type="hierChild">
+                            <dgm:param type="chAlign" val="l"/>
+                            <dgm:param type="linDir" val="fromL"/>
+                            <dgm:param type="secChAlign" val="t"/>
+                            <dgm:param type="secLinDir" val="fromT"/>
+                          </dgm:alg>
+                        </dgm:if>
+                        <dgm:else name="Name89">
+                          <dgm:alg type="hierChild">
+                            <dgm:param type="chAlign" val="l"/>
+                            <dgm:param type="linDir" val="fromR"/>
+                            <dgm:param type="secChAlign" val="t"/>
+                            <dgm:param type="secLinDir" val="fromT"/>
+                          </dgm:alg>
+                        </dgm:else>
+                      </dgm:choose>
+                    </dgm:if>
+                    <dgm:if name="Name90" func="var" arg="hierBranch" op="equ" val="std">
+                      <dgm:choose name="Name91">
+                        <dgm:if name="Name92" func="var" arg="dir" op="equ" val="norm">
+                          <dgm:alg type="hierChild"/>
+                        </dgm:if>
+                        <dgm:else name="Name93">
+                          <dgm:alg type="hierChild">
+                            <dgm:param type="linDir" val="fromR"/>
+                          </dgm:alg>
+                        </dgm:else>
+                      </dgm:choose>
+                    </dgm:if>
+                    <dgm:if name="Name94" func="var" arg="hierBranch" op="equ" val="init">
+                      <dgm:choose name="Name95">
+                        <dgm:if name="Name96" axis="des" func="maxDepth" op="lte" val="1">
+                          <dgm:alg type="hierChild">
+                            <dgm:param type="chAlign" val="l"/>
+                            <dgm:param type="linDir" val="fromT"/>
+                          </dgm:alg>
+                        </dgm:if>
+                        <dgm:else name="Name97">
+                          <dgm:choose name="Name98">
+                            <dgm:if name="Name99" func="var" arg="dir" op="equ" val="norm">
+                              <dgm:alg type="hierChild"/>
+                            </dgm:if>
+                            <dgm:else name="Name100">
+                              <dgm:alg type="hierChild">
+                                <dgm:param type="linDir" val="fromR"/>
+                              </dgm:alg>
+                            </dgm:else>
+                          </dgm:choose>
+                        </dgm:else>
+                      </dgm:choose>
+                    </dgm:if>
+                    <dgm:else name="Name101"/>
+                  </dgm:choose>
+                  <dgm:shape xmlns:r="http://schemas.openxmlformats.org/officeDocument/2006/relationships" r:blip="">
+                    <dgm:adjLst/>
+                  </dgm:shape>
+                  <dgm:presOf/>
+                  <dgm:constrLst/>
+                  <dgm:ruleLst/>
+                  <dgm:forEach name="Name102" ref="rep2a"/>
+                </dgm:layoutNode>
+                <dgm:layoutNode name="hierChild5">
+                  <dgm:choose name="Name103">
+                    <dgm:if name="Name104" func="var" arg="dir" op="equ" val="norm">
+                      <dgm:alg type="hierChild">
+                        <dgm:param type="chAlign" val="l"/>
+                        <dgm:param type="linDir" val="fromL"/>
+                        <dgm:param type="secChAlign" val="t"/>
+                        <dgm:param type="secLinDir" val="fromT"/>
+                      </dgm:alg>
+                    </dgm:if>
+                    <dgm:else name="Name105">
+                      <dgm:alg type="hierChild">
+                        <dgm:param type="chAlign" val="l"/>
+                        <dgm:param type="linDir" val="fromR"/>
+                        <dgm:param type="secChAlign" val="t"/>
+                        <dgm:param type="secLinDir" val="fromT"/>
+                      </dgm:alg>
+                    </dgm:else>
+                  </dgm:choose>
+                  <dgm:shape xmlns:r="http://schemas.openxmlformats.org/officeDocument/2006/relationships" r:blip="">
+                    <dgm:adjLst/>
+                  </dgm:shape>
+                  <dgm:presOf/>
+                  <dgm:constrLst/>
+                  <dgm:ruleLst/>
+                  <dgm:forEach name="Name106" ref="rep2b"/>
+                </dgm:layoutNode>
+              </dgm:layoutNode>
+            </dgm:forEach>
+          </dgm:layoutNode>
+          <dgm:layoutNode name="hierChild3">
+            <dgm:choose name="Name107">
+              <dgm:if name="Name108" func="var" arg="dir" op="equ" val="norm">
+                <dgm:alg type="hierChild">
+                  <dgm:param type="chAlign" val="l"/>
+                  <dgm:param type="linDir" val="fromL"/>
+                  <dgm:param type="secChAlign" val="t"/>
+                  <dgm:param type="secLinDir" val="fromT"/>
+                </dgm:alg>
+              </dgm:if>
+              <dgm:else name="Name109">
+                <dgm:alg type="hierChild">
+                  <dgm:param type="chAlign" val="l"/>
+                  <dgm:param type="linDir" val="fromR"/>
+                  <dgm:param type="secChAlign" val="t"/>
+                  <dgm:param type="secLinDir" val="fromT"/>
+                </dgm:alg>
+              </dgm:else>
+            </dgm:choose>
+            <dgm:shape xmlns:r="http://schemas.openxmlformats.org/officeDocument/2006/relationships" r:blip="">
+              <dgm:adjLst/>
+            </dgm:shape>
+            <dgm:presOf/>
+            <dgm:constrLst/>
+            <dgm:ruleLst/>
+            <dgm:forEach name="rep2b" axis="ch" ptType="asst">
+              <dgm:forEach name="Name110" axis="precedSib" ptType="parTrans" st="-1" cnt="1">
+                <dgm:layoutNode name="Name111">
+                  <dgm:alg type="conn">
+                    <dgm:param type="connRout" val="bend"/>
+                    <dgm:param type="dim" val="1D"/>
+                    <dgm:param type="endSty" val="noArr"/>
+                    <dgm:param type="begPts" val="bCtr"/>
+                    <dgm:param type="endPts" val="midL midR"/>
+                  </dgm:alg>
+                  <dgm:shape xmlns:r="http://schemas.openxmlformats.org/officeDocument/2006/relationships" type="conn" r:blip="" zOrderOff="-99999">
+                    <dgm:adjLst/>
+                  </dgm:shape>
+                  <dgm:presOf axis="self"/>
+                  <dgm:constrLst>
+                    <dgm:constr type="begPad"/>
+                    <dgm:constr type="endPad"/>
+                  </dgm:constrLst>
+                  <dgm:ruleLst/>
+                </dgm:layoutNode>
+              </dgm:forEach>
+              <dgm:layoutNode name="hierRoot3">
+                <dgm:varLst>
+                  <dgm:hierBranch val="init"/>
+                </dgm:varLst>
+                <dgm:choose name="Name112">
+                  <dgm:if name="Name113" func="var" arg="hierBranch" op="equ" val="l">
+                    <dgm:alg type="hierRoot">
+                      <dgm:param type="hierAlign" val="tR"/>
+                    </dgm:alg>
+                    <dgm:shape xmlns:r="http://schemas.openxmlformats.org/officeDocument/2006/relationships" r:blip="">
+                      <dgm:adjLst/>
+                    </dgm:shape>
+                    <dgm:presOf/>
+                    <dgm:constrLst>
+                      <dgm:constr type="alignOff" val="0.65"/>
+                    </dgm:constrLst>
+                  </dgm:if>
+                  <dgm:if name="Name114" func="var" arg="hierBranch" op="equ" val="r">
+                    <dgm:alg type="hierRoot">
+                      <dgm:param type="hierAlign" val="tL"/>
+                    </dgm:alg>
+                    <dgm:shape xmlns:r="http://schemas.openxmlformats.org/officeDocument/2006/relationships" r:blip="">
+                      <dgm:adjLst/>
+                    </dgm:shape>
+                    <dgm:presOf/>
+                    <dgm:constrLst>
+                      <dgm:constr type="alignOff" val="0.65"/>
+                    </dgm:constrLst>
+                  </dgm:if>
+                  <dgm:if name="Name115" func="var" arg="hierBranch" op="equ" val="hang">
+                    <dgm:alg type="hierRoot"/>
+                    <dgm:shape xmlns:r="http://schemas.openxmlformats.org/officeDocument/2006/relationships" r:blip="">
+                      <dgm:adjLst/>
+                    </dgm:shape>
+                    <dgm:presOf/>
+                    <dgm:constrLst>
+                      <dgm:constr type="alignOff" val="0.65"/>
+                    </dgm:constrLst>
+                  </dgm:if>
+                  <dgm:if name="Name116" func="var" arg="hierBranch" op="equ" val="std">
+                    <dgm:alg type="hierRoot"/>
+                    <dgm:shape xmlns:r="http://schemas.openxmlformats.org/officeDocument/2006/relationships" r:blip="">
+                      <dgm:adjLst/>
+                    </dgm:shape>
+                    <dgm:presOf/>
+                    <dgm:constrLst>
+                      <dgm:constr type="alignOff"/>
+                      <dgm:constr type="bendDist" for="des" ptType="parTrans" refType="sp" fact="0.5"/>
+                    </dgm:constrLst>
+                  </dgm:if>
+                  <dgm:if name="Name117" func="var" arg="hierBranch" op="equ" val="init">
+                    <dgm:choose name="Name118">
+                      <dgm:if name="Name119" axis="des" func="maxDepth" op="lte" val="1">
+                        <dgm:alg type="hierRoot">
+                          <dgm:param type="hierAlign" val="tL"/>
+                        </dgm:alg>
+                        <dgm:shape xmlns:r="http://schemas.openxmlformats.org/officeDocument/2006/relationships" r:blip="">
+                          <dgm:adjLst/>
+                        </dgm:shape>
+                        <dgm:presOf/>
+                        <dgm:constrLst>
+                          <dgm:constr type="alignOff" val="0.65"/>
+                        </dgm:constrLst>
+                      </dgm:if>
+                      <dgm:else name="Name120">
+                        <dgm:alg type="hierRoot"/>
+                        <dgm:shape xmlns:r="http://schemas.openxmlformats.org/officeDocument/2006/relationships" r:blip="">
+                          <dgm:adjLst/>
+                        </dgm:shape>
+                        <dgm:presOf/>
+                        <dgm:constrLst>
+                          <dgm:constr type="alignOff"/>
+                          <dgm:constr type="bendDist" for="des" ptType="parTrans" refType="sp" fact="0.5"/>
+                        </dgm:constrLst>
+                      </dgm:else>
+                    </dgm:choose>
+                  </dgm:if>
+                  <dgm:else name="Name121"/>
+                </dgm:choose>
+                <dgm:ruleLst/>
+                <dgm:layoutNode name="rootComposite3">
+                  <dgm:alg type="composite"/>
+                  <dgm:shape xmlns:r="http://schemas.openxmlformats.org/officeDocument/2006/relationships" r:blip="">
+                    <dgm:adjLst/>
+                  </dgm:shape>
+                  <dgm:presOf axis="self" ptType="node" cnt="1"/>
+                  <dgm:choose name="Name122">
+                    <dgm:if name="Name123" func="var" arg="hierBranch" op="equ" val="init">
+                      <dgm:constrLst>
+                        <dgm:constr type="l" for="ch" forName="rootText3"/>
+                        <dgm:constr type="t" for="ch" forName="rootText3"/>
+                        <dgm:constr type="w" for="ch" forName="rootText3" refType="w"/>
+                        <dgm:constr type="h" for="ch" forName="rootText3" refType="h"/>
+                        <dgm:constr type="l" for="ch" forName="rootConnector3"/>
+                        <dgm:constr type="t" for="ch" forName="rootConnector3"/>
+                        <dgm:constr type="w" for="ch" forName="rootConnector3" refType="w" refFor="ch" refForName="rootText3" fact="0.2"/>
+                        <dgm:constr type="h" for="ch" forName="rootConnector3" refType="h" refFor="ch" refForName="rootText3"/>
+                      </dgm:constrLst>
+                    </dgm:if>
+                    <dgm:if name="Name124" func="var" arg="hierBranch" op="equ" val="l">
+                      <dgm:constrLst>
+                        <dgm:constr type="l" for="ch" forName="rootText3"/>
+                        <dgm:constr type="t" for="ch" forName="rootText3"/>
+                        <dgm:constr type="w" for="ch" forName="rootText3" refType="w"/>
+                        <dgm:constr type="h" for="ch" forName="rootText3" refType="h"/>
+                        <dgm:constr type="r" for="ch" forName="rootConnector3" refType="w"/>
+                        <dgm:constr type="t" for="ch" forName="rootConnector3"/>
+                        <dgm:constr type="w" for="ch" forName="rootConnector3" refType="w" refFor="ch" refForName="rootText3" fact="0.2"/>
+                        <dgm:constr type="h" for="ch" forName="rootConnector3" refType="h" refFor="ch" refForName="rootText3"/>
+                      </dgm:constrLst>
+                    </dgm:if>
+                    <dgm:if name="Name125" func="var" arg="hierBranch" op="equ" val="r">
+                      <dgm:constrLst>
+                        <dgm:constr type="l" for="ch" forName="rootText3"/>
+                        <dgm:constr type="t" for="ch" forName="rootText3"/>
+                        <dgm:constr type="w" for="ch" forName="rootText3" refType="w"/>
+                        <dgm:constr type="h" for="ch" forName="rootText3" refType="h"/>
+                        <dgm:constr type="l" for="ch" forName="rootConnector3"/>
+                        <dgm:constr type="t" for="ch" forName="rootConnector3"/>
+                        <dgm:constr type="w" for="ch" forName="rootConnector3" refType="w" refFor="ch" refForName="rootText3" fact="0.2"/>
+                        <dgm:constr type="h" for="ch" forName="rootConnector3" refType="h" refFor="ch" refForName="rootText3"/>
+                      </dgm:constrLst>
+                    </dgm:if>
+                    <dgm:else name="Name126">
+                      <dgm:constrLst>
+                        <dgm:constr type="l" for="ch" forName="rootText3"/>
+                        <dgm:constr type="t" for="ch" forName="rootText3"/>
+                        <dgm:constr type="w" for="ch" forName="rootText3" refType="w"/>
+                        <dgm:constr type="h" for="ch" forName="rootText3" refType="h"/>
+                        <dgm:constr type="r" for="ch" forName="rootConnector3" refType="w"/>
+                        <dgm:constr type="t" for="ch" forName="rootConnector3"/>
+                        <dgm:constr type="w" for="ch" forName="rootConnector3" refType="w" refFor="ch" refForName="rootText3" fact="0.2"/>
+                        <dgm:constr type="h" for="ch" forName="rootConnector3" refType="h" refFor="ch" refForName="rootText3"/>
+                      </dgm:constrLst>
+                    </dgm:else>
+                  </dgm:choose>
+                  <dgm:ruleLst/>
+                  <dgm:layoutNode name="rootText3">
+                    <dgm:varLst>
+                      <dgm:chPref val="3"/>
+                    </dgm:varLst>
+                    <dgm:alg type="tx"/>
+                    <dgm:shape xmlns:r="http://schemas.openxmlformats.org/officeDocument/2006/relationships" type="rect" r:blip="">
+                      <dgm:adjLst/>
+                    </dgm:shape>
+                    <dgm:presOf axis="self" ptType="node" cnt="1"/>
+                    <dgm:constrLst>
+                      <dgm:constr type="primFontSz" val="65"/>
+                      <dgm:constr type="lMarg" refType="primFontSz" fact="0.05"/>
+                      <dgm:constr type="rMarg" refType="primFontSz" fact="0.05"/>
+                      <dgm:constr type="tMarg" refType="primFontSz" fact="0.05"/>
+                      <dgm:constr type="bMarg" refType="primFontSz" fact="0.05"/>
+                    </dgm:constrLst>
+                    <dgm:ruleLst>
+                      <dgm:rule type="primFontSz" val="5" fact="NaN" max="NaN"/>
+                    </dgm:ruleLst>
+                  </dgm:layoutNode>
+                  <dgm:layoutNode name="rootConnector3" moveWith="rootText1">
+                    <dgm:alg type="sp"/>
+                    <dgm:shape xmlns:r="http://schemas.openxmlformats.org/officeDocument/2006/relationships" type="rect" r:blip="" hideGeom="1">
+                      <dgm:adjLst/>
+                    </dgm:shape>
+                    <dgm:presOf axis="self" ptType="node" cnt="1"/>
+                    <dgm:constrLst/>
+                    <dgm:ruleLst/>
+                  </dgm:layoutNode>
+                </dgm:layoutNode>
+                <dgm:layoutNode name="hierChild6">
+                  <dgm:choose name="Name127">
+                    <dgm:if name="Name128" func="var" arg="hierBranch" op="equ" val="l">
+                      <dgm:alg type="hierChild">
+                        <dgm:param type="chAlign" val="r"/>
+                        <dgm:param type="linDir" val="fromT"/>
+                      </dgm:alg>
+                    </dgm:if>
+                    <dgm:if name="Name129" func="var" arg="hierBranch" op="equ" val="r">
+                      <dgm:alg type="hierChild">
+                        <dgm:param type="chAlign" val="l"/>
+                        <dgm:param type="linDir" val="fromT"/>
+                      </dgm:alg>
+                    </dgm:if>
+                    <dgm:if name="Name130" func="var" arg="hierBranch" op="equ" val="hang">
+                      <dgm:choose name="Name131">
+                        <dgm:if name="Name132" func="var" arg="dir" op="equ" val="norm">
+                          <dgm:alg type="hierChild">
+                            <dgm:param type="chAlign" val="l"/>
+                            <dgm:param type="linDir" val="fromL"/>
+                            <dgm:param type="secChAlign" val="t"/>
+                            <dgm:param type="secLinDir" val="fromT"/>
+                          </dgm:alg>
+                        </dgm:if>
+                        <dgm:else name="Name133">
+                          <dgm:alg type="hierChild">
+                            <dgm:param type="chAlign" val="l"/>
+                            <dgm:param type="linDir" val="fromR"/>
+                            <dgm:param type="secChAlign" val="t"/>
+                            <dgm:param type="secLinDir" val="fromT"/>
+                          </dgm:alg>
+                        </dgm:else>
+                      </dgm:choose>
+                    </dgm:if>
+                    <dgm:if name="Name134" func="var" arg="hierBranch" op="equ" val="std">
+                      <dgm:choose name="Name135">
+                        <dgm:if name="Name136" func="var" arg="dir" op="equ" val="norm">
+                          <dgm:alg type="hierChild"/>
+                        </dgm:if>
+                        <dgm:else name="Name137">
+                          <dgm:alg type="hierChild">
+                            <dgm:param type="linDir" val="fromR"/>
+                          </dgm:alg>
+                        </dgm:else>
+                      </dgm:choose>
+                    </dgm:if>
+                    <dgm:if name="Name138" func="var" arg="hierBranch" op="equ" val="init">
+                      <dgm:choose name="Name139">
+                        <dgm:if name="Name140" axis="des" func="maxDepth" op="lte" val="1">
+                          <dgm:alg type="hierChild">
+                            <dgm:param type="chAlign" val="l"/>
+                            <dgm:param type="linDir" val="fromT"/>
+                          </dgm:alg>
+                        </dgm:if>
+                        <dgm:else name="Name141">
+                          <dgm:alg type="hierChild"/>
+                        </dgm:else>
+                      </dgm:choose>
+                    </dgm:if>
+                    <dgm:else name="Name142"/>
+                  </dgm:choose>
+                  <dgm:shape xmlns:r="http://schemas.openxmlformats.org/officeDocument/2006/relationships" r:blip="">
+                    <dgm:adjLst/>
+                  </dgm:shape>
+                  <dgm:presOf/>
+                  <dgm:constrLst/>
+                  <dgm:ruleLst/>
+                  <dgm:forEach name="Name143" ref="rep2a"/>
+                </dgm:layoutNode>
+                <dgm:layoutNode name="hierChild7">
+                  <dgm:choose name="Name144">
+                    <dgm:if name="Name145" func="var" arg="dir" op="equ" val="norm">
+                      <dgm:alg type="hierChild">
+                        <dgm:param type="chAlign" val="l"/>
+                        <dgm:param type="linDir" val="fromL"/>
+                        <dgm:param type="secChAlign" val="t"/>
+                        <dgm:param type="secLinDir" val="fromT"/>
+                      </dgm:alg>
+                    </dgm:if>
+                    <dgm:else name="Name146">
+                      <dgm:alg type="hierChild">
+                        <dgm:param type="chAlign" val="l"/>
+                        <dgm:param type="linDir" val="fromR"/>
+                        <dgm:param type="secChAlign" val="t"/>
+                        <dgm:param type="secLinDir" val="fromT"/>
+                      </dgm:alg>
+                    </dgm:else>
+                  </dgm:choose>
+                  <dgm:shape xmlns:r="http://schemas.openxmlformats.org/officeDocument/2006/relationships" r:blip="">
+                    <dgm:adjLst/>
+                  </dgm:shape>
+                  <dgm:presOf/>
+                  <dgm:constrLst/>
+                  <dgm:ruleLst/>
+                  <dgm:forEach name="Name147" ref="rep2b"/>
+                </dgm:layoutNode>
+              </dgm:layoutNode>
+            </dgm:forEach>
+          </dgm:layoutNode>
+        </dgm:layoutNode>
+      </dgm:forEach>
+    </dgm:forEach>
+  </dgm:layoutNode>
+</dgm:layoutDef>
+</file>
+
+<file path=ppt/diagrams/quickStyle1.xml><?xml version="1.0" encoding="utf-8"?>
+<dgm:styleDef xmlns:dgm="http://schemas.openxmlformats.org/drawingml/2006/diagram" xmlns:a="http://schemas.openxmlformats.org/drawingml/2006/main" uniqueId="urn:microsoft.com/office/officeart/2005/8/quickstyle/simple1">
+  <dgm:title val=""/>
+  <dgm:desc val=""/>
+  <dgm:catLst>
+    <dgm:cat type="simple" pri="10100"/>
+  </dgm:catLst>
+  <dgm:scene3d>
+    <a:camera prst="orthographicFront"/>
+    <a:lightRig rig="threePt" dir="t"/>
+  </dgm:scene3d>
+  <dgm:styleLbl name="node0">
+    <dgm:scene3d>
+      <a:camera prst="orthographicFront"/>
+      <a:lightRig rig="threePt" dir="t"/>
+    </dgm:scene3d>
+    <dgm:sp3d/>
+    <dgm:txPr/>
+    <dgm:style>
+      <a:lnRef idx="2">
+        <a:scrgbClr r="0" g="0" b="0"/>
+      </a:lnRef>
+      <a:fillRef idx="1">
+        <a:scrgbClr r="0" g="0" b="0"/>
+      </a:fillRef>
+      <a:effectRef idx="0">
+        <a:scrgbClr r="0" g="0" b="0"/>
+      </a:effectRef>
+      <a:fontRef idx="minor">
+        <a:schemeClr val="lt1"/>
+      </a:fontRef>
+    </dgm:style>
+  </dgm:styleLbl>
+  <dgm:styleLbl name="lnNode1">
+    <dgm:scene3d>
+      <a:camera prst="orthographicFront"/>
+      <a:lightRig rig="threePt" dir="t"/>
+    </dgm:scene3d>
+    <dgm:sp3d/>
+    <dgm:txPr/>
+    <dgm:style>
+      <a:lnRef idx="2">
+        <a:scrgbClr r="0" g="0" b="0"/>
+      </a:lnRef>
+      <a:fillRef idx="1">
+        <a:scrgbClr r="0" g="0" b="0"/>
+      </a:fillRef>
+      <a:effectRef idx="0">
+        <a:scrgbClr r="0" g="0" b="0"/>
+      </a:effectRef>
+      <a:fontRef idx="minor">
+        <a:schemeClr val="lt1"/>
+      </a:fontRef>
+    </dgm:style>
+  </dgm:styleLbl>
+  <dgm:styleLbl name="vennNode1">
+    <dgm:scene3d>
+      <a:camera prst="orthographicFront"/>
+      <a:lightRig rig="threePt" dir="t"/>
+    </dgm:scene3d>
+    <dgm:sp3d/>
+    <dgm:txPr/>
+    <dgm:style>
+      <a:lnRef idx="2">
+        <a:scrgbClr r="0" g="0" b="0"/>
+      </a:lnRef>
+      <a:fillRef idx="1">
+        <a:scrgbClr r="0" g="0" b="0"/>
+      </a:fillRef>
+      <a:effectRef idx="0">
+        <a:scrgbClr r="0" g="0" b="0"/>
+      </a:effectRef>
+      <a:fontRef idx="minor">
+        <a:schemeClr val="tx1"/>
+      </a:fontRef>
+    </dgm:style>
+  </dgm:styleLbl>
+  <dgm:styleLbl name="alignNode1">
+    <dgm:scene3d>
+      <a:camera prst="orthographicFront"/>
+      <a:lightRig rig="threePt" dir="t"/>
+    </dgm:scene3d>
+    <dgm:sp3d/>
+    <dgm:txPr/>
+    <dgm:style>
+      <a:lnRef idx="2">
+        <a:scrgbClr r="0" g="0" b="0"/>
+      </a:lnRef>
+      <a:fillRef idx="1">
+        <a:scrgbClr r="0" g="0" b="0"/>
+      </a:fillRef>
+      <a:effectRef idx="0">
+        <a:scrgbClr r="0" g="0" b="0"/>
+      </a:effectRef>
+      <a:fontRef idx="minor">
+        <a:schemeClr val="lt1"/>
+      </a:fontRef>
+    </dgm:style>
+  </dgm:styleLbl>
+  <dgm:styleLbl name="node1">
+    <dgm:scene3d>
+      <a:camera prst="orthographicFront"/>
+      <a:lightRig rig="threePt" dir="t"/>
+    </dgm:scene3d>
+    <dgm:sp3d/>
+    <dgm:txPr/>
+    <dgm:style>
+      <a:lnRef idx="2">
+        <a:scrgbClr r="0" g="0" b="0"/>
+      </a:lnRef>
+      <a:fillRef idx="1">
+        <a:scrgbClr r="0" g="0" b="0"/>
+      </a:fillRef>
+      <a:effectRef idx="0">
+        <a:scrgbClr r="0" g="0" b="0"/>
+      </a:effectRef>
+      <a:fontRef idx="minor">
+        <a:schemeClr val="lt1"/>
+      </a:fontRef>
+    </dgm:style>
+  </dgm:styleLbl>
+  <dgm:styleLbl name="node2">
+    <dgm:scene3d>
+      <a:camera prst="orthographicFront"/>
+      <a:lightRig rig="threePt" dir="t"/>
+    </dgm:scene3d>
+    <dgm:sp3d/>
+    <dgm:txPr/>
+    <dgm:style>
+      <a:lnRef idx="2">
+        <a:scrgbClr r="0" g="0" b="0"/>
+      </a:lnRef>
+      <a:fillRef idx="1">
+        <a:scrgbClr r="0" g="0" b="0"/>
+      </a:fillRef>
+      <a:effectRef idx="0">
+        <a:scrgbClr r="0" g="0" b="0"/>
+      </a:effectRef>
+      <a:fontRef idx="minor">
+        <a:schemeClr val="lt1"/>
+      </a:fontRef>
+    </dgm:style>
+  </dgm:styleLbl>
+  <dgm:styleLbl name="node3">
+    <dgm:scene3d>
+      <a:camera prst="orthographicFront"/>
+      <a:lightRig rig="threePt" dir="t"/>
+    </dgm:scene3d>
+    <dgm:sp3d/>
+    <dgm:txPr/>
+    <dgm:style>
+      <a:lnRef idx="2">
+        <a:scrgbClr r="0" g="0" b="0"/>
+      </a:lnRef>
+      <a:fillRef idx="1">
+        <a:scrgbClr r="0" g="0" b="0"/>
+      </a:fillRef>
+      <a:effectRef idx="0">
+        <a:scrgbClr r="0" g="0" b="0"/>
+      </a:effectRef>
+      <a:fontRef idx="minor">
+        <a:schemeClr val="lt1"/>
+      </a:fontRef>
+    </dgm:style>
+  </dgm:styleLbl>
+  <dgm:styleLbl name="node4">
+    <dgm:scene3d>
+      <a:camera prst="orthographicFront"/>
+      <a:lightRig rig="threePt" dir="t"/>
+    </dgm:scene3d>
+    <dgm:sp3d/>
+    <dgm:txPr/>
+    <dgm:style>
+      <a:lnRef idx="2">
+        <a:scrgbClr r="0" g="0" b="0"/>
+      </a:lnRef>
+      <a:fillRef idx="1">
+        <a:scrgbClr r="0" g="0" b="0"/>
+      </a:fillRef>
+      <a:effectRef idx="0">
+        <a:scrgbClr r="0" g="0" b="0"/>
+      </a:effectRef>
+      <a:fontRef idx="minor">
+        <a:schemeClr val="lt1"/>
+      </a:fontRef>
+    </dgm:style>
+  </dgm:styleLbl>
+  <dgm:styleLbl name="fgImgPlace1">
+    <dgm:scene3d>
+      <a:camera prst="orthographicFront"/>
+      <a:lightRig rig="threePt" dir="t"/>
+    </dgm:scene3d>
+    <dgm:sp3d/>
+    <dgm:txPr/>
+    <dgm:style>
+      <a:lnRef idx="2">
+        <a:scrgbClr r="0" g="0" b="0"/>
+      </a:lnRef>
+      <a:fillRef idx="1">
+        <a:scrgbClr r="0" g="0" b="0"/>
+      </a:fillRef>
+      <a:effectRef idx="0">
+        <a:scrgbClr r="0" g="0" b="0"/>
+      </a:effectRef>
+      <a:fontRef idx="minor"/>
+    </dgm:style>
+  </dgm:styleLbl>
+  <dgm:styleLbl name="alignImgPlace1">
+    <dgm:scene3d>
+      <a:camera prst="orthographicFront"/>
+      <a:lightRig rig="threePt" dir="t"/>
+    </dgm:scene3d>
+    <dgm:sp3d/>
+    <dgm:txPr/>
+    <dgm:style>
+      <a:lnRef idx="2">
+        <a:scrgbClr r="0" g="0" b="0"/>
+      </a:lnRef>
+      <a:fillRef idx="1">
+        <a:scrgbClr r="0" g="0" b="0"/>
+      </a:fillRef>
+      <a:effectRef idx="0">
+        <a:scrgbClr r="0" g="0" b="0"/>
+      </a:effectRef>
+      <a:fontRef idx="minor"/>
+    </dgm:style>
+  </dgm:styleLbl>
+  <dgm:styleLbl name="bgImgPlace1">
+    <dgm:scene3d>
+      <a:camera prst="orthographicFront"/>
+      <a:lightRig rig="threePt" dir="t"/>
+    </dgm:scene3d>
+    <dgm:sp3d/>
+    <dgm:txPr/>
+    <dgm:style>
+      <a:lnRef idx="2">
+        <a:scrgbClr r="0" g="0" b="0"/>
+      </a:lnRef>
+      <a:fillRef idx="1">
+        <a:scrgbClr r="0" g="0" b="0"/>
+      </a:fillRef>
+      <a:effectRef idx="0">
+        <a:scrgbClr r="0" g="0" b="0"/>
+      </a:effectRef>
+      <a:fontRef idx="minor"/>
+    </dgm:style>
+  </dgm:styleLbl>
+  <dgm:styleLbl name="sibTrans2D1">
+    <dgm:scene3d>
+      <a:camera prst="orthographicFront"/>
+      <a:lightRig rig="threePt" dir="t"/>
+    </dgm:scene3d>
+    <dgm:sp3d/>
+    <dgm:txPr/>
+    <dgm:style>
+      <a:lnRef idx="0">
+        <a:scrgbClr r="0" g="0" b="0"/>
+      </a:lnRef>
+      <a:fillRef idx="1">
+        <a:scrgbClr r="0" g="0" b="0"/>
+      </a:fillRef>
+      <a:effectRef idx="0">
+        <a:scrgbClr r="0" g="0" b="0"/>
+      </a:effectRef>
+      <a:fontRef idx="minor">
+        <a:schemeClr val="lt1"/>
+      </a:fontRef>
+    </dgm:style>
+  </dgm:styleLbl>
+  <dgm:styleLbl name="fgSibTrans2D1">
+    <dgm:scene3d>
+      <a:camera prst="orthographicFront"/>
+      <a:lightRig rig="threePt" dir="t"/>
+    </dgm:scene3d>
+    <dgm:sp3d/>
+    <dgm:txPr/>
+    <dgm:style>
+      <a:lnRef idx="0">
+        <a:scrgbClr r="0" g="0" b="0"/>
+      </a:lnRef>
+      <a:fillRef idx="1">
+        <a:scrgbClr r="0" g="0" b="0"/>
+      </a:fillRef>
+      <a:effectRef idx="0">
+        <a:scrgbClr r="0" g="0" b="0"/>
+      </a:effectRef>
+      <a:fontRef idx="minor">
+        <a:schemeClr val="lt1"/>
+      </a:fontRef>
+    </dgm:style>
+  </dgm:styleLbl>
+  <dgm:styleLbl name="bgSibTrans2D1">
+    <dgm:scene3d>
+      <a:camera prst="orthographicFront"/>
+      <a:lightRig rig="threePt" dir="t"/>
+    </dgm:scene3d>
+    <dgm:sp3d/>
+    <dgm:txPr/>
+    <dgm:style>
+      <a:lnRef idx="0">
+        <a:scrgbClr r="0" g="0" b="0"/>
+      </a:lnRef>
+      <a:fillRef idx="1">
+        <a:scrgbClr r="0" g="0" b="0"/>
+      </a:fillRef>
+      <a:effectRef idx="0">
+        <a:scrgbClr r="0" g="0" b="0"/>
+      </a:effectRef>
+      <a:fontRef idx="minor">
+        <a:schemeClr val="lt1"/>
+      </a:fontRef>
+    </dgm:style>
+  </dgm:styleLbl>
+  <dgm:styleLbl name="sibTrans1D1">
+    <dgm:scene3d>
+      <a:camera prst="orthographicFront"/>
+      <a:lightRig rig="threePt" dir="t"/>
+    </dgm:scene3d>
+    <dgm:sp3d/>
+    <dgm:txPr/>
+    <dgm:style>
+      <a:lnRef idx="1">
+        <a:scrgbClr r="0" g="0" b="0"/>
+      </a:lnRef>
+      <a:fillRef idx="0">
+        <a:scrgbClr r="0" g="0" b="0"/>
+      </a:fillRef>
+      <a:effectRef idx="0">
+        <a:scrgbClr r="0" g="0" b="0"/>
+      </a:effectRef>
+      <a:fontRef idx="minor"/>
+    </dgm:style>
+  </dgm:styleLbl>
+  <dgm:styleLbl name="callout">
+    <dgm:scene3d>
+      <a:camera prst="orthographicFront"/>
+      <a:lightRig rig="threePt" dir="t"/>
+    </dgm:scene3d>
+    <dgm:sp3d/>
+    <dgm:txPr/>
+    <dgm:style>
+      <a:lnRef idx="2">
+        <a:scrgbClr r="0" g="0" b="0"/>
+      </a:lnRef>
+      <a:fillRef idx="1">
+        <a:scrgbClr r="0" g="0" b="0"/>
+      </a:fillRef>
+      <a:effectRef idx="0">
+        <a:scrgbClr r="0" g="0" b="0"/>
+      </a:effectRef>
+      <a:fontRef idx="minor"/>
+    </dgm:style>
+  </dgm:styleLbl>
+  <dgm:styleLbl name="asst0">
+    <dgm:scene3d>
+      <a:camera prst="orthographicFront"/>
+      <a:lightRig rig="threePt" dir="t"/>
+    </dgm:scene3d>
+    <dgm:sp3d/>
+    <dgm:txPr/>
+    <dgm:style>
+      <a:lnRef idx="2">
+        <a:scrgbClr r="0" g="0" b="0"/>
+      </a:lnRef>
+      <a:fillRef idx="1">
+        <a:scrgbClr r="0" g="0" b="0"/>
+      </a:fillRef>
+      <a:effectRef idx="0">
+        <a:scrgbClr r="0" g="0" b="0"/>
+      </a:effectRef>
+      <a:fontRef idx="minor">
+        <a:schemeClr val="lt1"/>
+      </a:fontRef>
+    </dgm:style>
+  </dgm:styleLbl>
+  <dgm:styleLbl name="asst1">
+    <dgm:scene3d>
+      <a:camera prst="orthographicFront"/>
+      <a:lightRig rig="threePt" dir="t"/>
+    </dgm:scene3d>
+    <dgm:sp3d/>
+    <dgm:txPr/>
+    <dgm:style>
+      <a:lnRef idx="2">
+        <a:scrgbClr r="0" g="0" b="0"/>
+      </a:lnRef>
+      <a:fillRef idx="1">
+        <a:scrgbClr r="0" g="0" b="0"/>
+      </a:fillRef>
+      <a:effectRef idx="0">
+        <a:scrgbClr r="0" g="0" b="0"/>
+      </a:effectRef>
+      <a:fontRef idx="minor">
+        <a:schemeClr val="lt1"/>
+      </a:fontRef>
+    </dgm:style>
+  </dgm:styleLbl>
+  <dgm:styleLbl name="asst2">
+    <dgm:scene3d>
+      <a:camera prst="orthographicFront"/>
+      <a:lightRig rig="threePt" dir="t"/>
+    </dgm:scene3d>
+    <dgm:sp3d/>
+    <dgm:txPr/>
+    <dgm:style>
+      <a:lnRef idx="2">
+        <a:scrgbClr r="0" g="0" b="0"/>
+      </a:lnRef>
+      <a:fillRef idx="1">
+        <a:scrgbClr r="0" g="0" b="0"/>
+      </a:fillRef>
+      <a:effectRef idx="0">
+        <a:scrgbClr r="0" g="0" b="0"/>
+      </a:effectRef>
+      <a:fontRef idx="minor">
+        <a:schemeClr val="lt1"/>
+      </a:fontRef>
+    </dgm:style>
+  </dgm:styleLbl>
+  <dgm:styleLbl name="asst3">
+    <dgm:scene3d>
+      <a:camera prst="orthographicFront"/>
+      <a:lightRig rig="threePt" dir="t"/>
+    </dgm:scene3d>
+    <dgm:sp3d/>
+    <dgm:txPr/>
+    <dgm:style>
+      <a:lnRef idx="2">
+        <a:scrgbClr r="0" g="0" b="0"/>
+      </a:lnRef>
+      <a:fillRef idx="1">
+        <a:scrgbClr r="0" g="0" b="0"/>
+      </a:fillRef>
+      <a:effectRef idx="0">
+        <a:scrgbClr r="0" g="0" b="0"/>
+      </a:effectRef>
+      <a:fontRef idx="minor">
+        <a:schemeClr val="lt1"/>
+      </a:fontRef>
+    </dgm:style>
+  </dgm:styleLbl>
+  <dgm:styleLbl name="asst4">
+    <dgm:scene3d>
+      <a:camera prst="orthographicFront"/>
+      <a:lightRig rig="threePt" dir="t"/>
+    </dgm:scene3d>
+    <dgm:sp3d/>
+    <dgm:txPr/>
+    <dgm:style>
+      <a:lnRef idx="2">
+        <a:scrgbClr r="0" g="0" b="0"/>
+      </a:lnRef>
+      <a:fillRef idx="1">
+        <a:scrgbClr r="0" g="0" b="0"/>
+      </a:fillRef>
+      <a:effectRef idx="0">
+        <a:scrgbClr r="0" g="0" b="0"/>
+      </a:effectRef>
+      <a:fontRef idx="minor">
+        <a:schemeClr val="lt1"/>
+      </a:fontRef>
+    </dgm:style>
+  </dgm:styleLbl>
+  <dgm:styleLbl name="parChTrans2D1">
+    <dgm:scene3d>
+      <a:camera prst="orthographicFront"/>
+      <a:lightRig rig="threePt" dir="t"/>
+    </dgm:scene3d>
+    <dgm:sp3d/>
+    <dgm:txPr/>
+    <dgm:style>
+      <a:lnRef idx="2">
+        <a:scrgbClr r="0" g="0" b="0"/>
+      </a:lnRef>
+      <a:fillRef idx="1">
+        <a:scrgbClr r="0" g="0" b="0"/>
+      </a:fillRef>
+      <a:effectRef idx="0">
+        <a:scrgbClr r="0" g="0" b="0"/>
+      </a:effectRef>
+      <a:fontRef idx="minor">
+        <a:schemeClr val="lt1"/>
+      </a:fontRef>
+    </dgm:style>
+  </dgm:styleLbl>
+  <dgm:styleLbl name="parChTrans2D2">
+    <dgm:scene3d>
+      <a:camera prst="orthographicFront"/>
+      <a:lightRig rig="threePt" dir="t"/>
+    </dgm:scene3d>
+    <dgm:sp3d/>
+    <dgm:txPr/>
+    <dgm:style>
+      <a:lnRef idx="2">
+        <a:scrgbClr r="0" g="0" b="0"/>
+      </a:lnRef>
+      <a:fillRef idx="1">
+        <a:scrgbClr r="0" g="0" b="0"/>
+      </a:fillRef>
+      <a:effectRef idx="0">
+        <a:scrgbClr r="0" g="0" b="0"/>
+      </a:effectRef>
+      <a:fontRef idx="minor">
+        <a:schemeClr val="lt1"/>
+      </a:fontRef>
+    </dgm:style>
+  </dgm:styleLbl>
+  <dgm:styleLbl name="parChTrans2D3">
+    <dgm:scene3d>
+      <a:camera prst="orthographicFront"/>
+      <a:lightRig rig="threePt" dir="t"/>
+    </dgm:scene3d>
+    <dgm:sp3d/>
+    <dgm:txPr/>
+    <dgm:style>
+      <a:lnRef idx="2">
+        <a:scrgbClr r="0" g="0" b="0"/>
+      </a:lnRef>
+      <a:fillRef idx="1">
+        <a:scrgbClr r="0" g="0" b="0"/>
+      </a:fillRef>
+      <a:effectRef idx="0">
+        <a:scrgbClr r="0" g="0" b="0"/>
+      </a:effectRef>
+      <a:fontRef idx="minor">
+        <a:schemeClr val="lt1"/>
+      </a:fontRef>
+    </dgm:style>
+  </dgm:styleLbl>
+  <dgm:styleLbl name="parChTrans2D4">
+    <dgm:scene3d>
+      <a:camera prst="orthographicFront"/>
+      <a:lightRig rig="threePt" dir="t"/>
+    </dgm:scene3d>
+    <dgm:sp3d/>
+    <dgm:txPr/>
+    <dgm:style>
+      <a:lnRef idx="2">
+        <a:scrgbClr r="0" g="0" b="0"/>
+      </a:lnRef>
+      <a:fillRef idx="1">
+        <a:scrgbClr r="0" g="0" b="0"/>
+      </a:fillRef>
+      <a:effectRef idx="0">
+        <a:scrgbClr r="0" g="0" b="0"/>
+      </a:effectRef>
+      <a:fontRef idx="minor">
+        <a:schemeClr val="lt1"/>
+      </a:fontRef>
+    </dgm:style>
+  </dgm:styleLbl>
+  <dgm:styleLbl name="parChTrans1D1">
+    <dgm:scene3d>
+      <a:camera prst="orthographicFront"/>
+      <a:lightRig rig="threePt" dir="t"/>
+    </dgm:scene3d>
+    <dgm:sp3d/>
+    <dgm:txPr/>
+    <dgm:style>
+      <a:lnRef idx="2">
+        <a:scrgbClr r="0" g="0" b="0"/>
+      </a:lnRef>
+      <a:fillRef idx="0">
+        <a:scrgbClr r="0" g="0" b="0"/>
+      </a:fillRef>
+      <a:effectRef idx="0">
+        <a:scrgbClr r="0" g="0" b="0"/>
+      </a:effectRef>
+      <a:fontRef idx="minor"/>
+    </dgm:style>
+  </dgm:styleLbl>
+  <dgm:styleLbl name="parChTrans1D2">
+    <dgm:scene3d>
+      <a:camera prst="orthographicFront"/>
+      <a:lightRig rig="threePt" dir="t"/>
+    </dgm:scene3d>
+    <dgm:sp3d/>
+    <dgm:txPr/>
+    <dgm:style>
+      <a:lnRef idx="2">
+        <a:scrgbClr r="0" g="0" b="0"/>
+      </a:lnRef>
+      <a:fillRef idx="0">
+        <a:scrgbClr r="0" g="0" b="0"/>
+      </a:fillRef>
+      <a:effectRef idx="0">
+        <a:scrgbClr r="0" g="0" b="0"/>
+      </a:effectRef>
+      <a:fontRef idx="minor"/>
+    </dgm:style>
+  </dgm:styleLbl>
+  <dgm:styleLbl name="parChTrans1D3">
+    <dgm:scene3d>
+      <a:camera prst="orthographicFront"/>
+      <a:lightRig rig="threePt" dir="t"/>
+    </dgm:scene3d>
+    <dgm:sp3d/>
+    <dgm:txPr/>
+    <dgm:style>
+      <a:lnRef idx="2">
+        <a:scrgbClr r="0" g="0" b="0"/>
+      </a:lnRef>
+      <a:fillRef idx="0">
+        <a:scrgbClr r="0" g="0" b="0"/>
+      </a:fillRef>
+      <a:effectRef idx="0">
+        <a:scrgbClr r="0" g="0" b="0"/>
+      </a:effectRef>
+      <a:fontRef idx="minor"/>
+    </dgm:style>
+  </dgm:styleLbl>
+  <dgm:styleLbl name="parChTrans1D4">
+    <dgm:scene3d>
+      <a:camera prst="orthographicFront"/>
+      <a:lightRig rig="threePt" dir="t"/>
+    </dgm:scene3d>
+    <dgm:sp3d/>
+    <dgm:txPr/>
+    <dgm:style>
+      <a:lnRef idx="2">
+        <a:scrgbClr r="0" g="0" b="0"/>
+      </a:lnRef>
+      <a:fillRef idx="0">
+        <a:scrgbClr r="0" g="0" b="0"/>
+      </a:fillRef>
+      <a:effectRef idx="0">
+        <a:scrgbClr r="0" g="0" b="0"/>
+      </a:effectRef>
+      <a:fontRef idx="minor"/>
+    </dgm:style>
+  </dgm:styleLbl>
+  <dgm:styleLbl name="fgAcc1">
+    <dgm:scene3d>
+      <a:camera prst="orthographicFront"/>
+      <a:lightRig rig="threePt" dir="t"/>
+    </dgm:scene3d>
+    <dgm:sp3d/>
+    <dgm:txPr/>
+    <dgm:style>
+      <a:lnRef idx="2">
+        <a:scrgbClr r="0" g="0" b="0"/>
+      </a:lnRef>
+      <a:fillRef idx="1">
+        <a:scrgbClr r="0" g="0" b="0"/>
+      </a:fillRef>
+      <a:effectRef idx="0">
+        <a:scrgbClr r="0" g="0" b="0"/>
+      </a:effectRef>
+      <a:fontRef idx="minor"/>
+    </dgm:style>
+  </dgm:styleLbl>
+  <dgm:styleLbl name="conFgAcc1">
+    <dgm:scene3d>
+      <a:camera prst="orthographicFront"/>
+      <a:lightRig rig="threePt" dir="t"/>
+    </dgm:scene3d>
+    <dgm:sp3d/>
+    <dgm:txPr/>
+    <dgm:style>
+      <a:lnRef idx="2">
+        <a:scrgbClr r="0" g="0" b="0"/>
+      </a:lnRef>
+      <a:fillRef idx="1">
+        <a:scrgbClr r="0" g="0" b="0"/>
+      </a:fillRef>
+      <a:effectRef idx="0">
+        <a:scrgbClr r="0" g="0" b="0"/>
+      </a:effectRef>
+      <a:fontRef idx="minor"/>
+    </dgm:style>
+  </dgm:styleLbl>
+  <dgm:styleLbl name="alignAcc1">
+    <dgm:scene3d>
+      <a:camera prst="orthographicFront"/>
+      <a:lightRig rig="threePt" dir="t"/>
+    </dgm:scene3d>
+    <dgm:sp3d/>
+    <dgm:txPr/>
+    <dgm:style>
+      <a:lnRef idx="2">
+        <a:scrgbClr r="0" g="0" b="0"/>
+      </a:lnRef>
+      <a:fillRef idx="1">
+        <a:scrgbClr r="0" g="0" b="0"/>
+      </a:fillRef>
+      <a:effectRef idx="0">
+        <a:scrgbClr r="0" g="0" b="0"/>
+      </a:effectRef>
+      <a:fontRef idx="minor"/>
+    </dgm:style>
+  </dgm:styleLbl>
+  <dgm:styleLbl name="trAlignAcc1">
+    <dgm:scene3d>
+      <a:camera prst="orthographicFront"/>
+      <a:lightRig rig="threePt" dir="t"/>
+    </dgm:scene3d>
+    <dgm:sp3d/>
+    <dgm:txPr/>
+    <dgm:style>
+      <a:lnRef idx="1">
+        <a:scrgbClr r="0" g="0" b="0"/>
+      </a:lnRef>
+      <a:fillRef idx="1">
+        <a:scrgbClr r="0" g="0" b="0"/>
+      </a:fillRef>
+      <a:effectRef idx="0">
+        <a:scrgbClr r="0" g="0" b="0"/>
+      </a:effectRef>
+      <a:fontRef idx="minor"/>
+    </dgm:style>
+  </dgm:styleLbl>
+  <dgm:styleLbl name="bgAcc1">
+    <dgm:scene3d>
+      <a:camera prst="orthographicFront"/>
+      <a:lightRig rig="threePt" dir="t"/>
+    </dgm:scene3d>
+    <dgm:sp3d/>
+    <dgm:txPr/>
+    <dgm:style>
+      <a:lnRef idx="2">
+        <a:scrgbClr r="0" g="0" b="0"/>
+      </a:lnRef>
+      <a:fillRef idx="1">
+        <a:scrgbClr r="0" g="0" b="0"/>
+      </a:fillRef>
+      <a:effectRef idx="0">
+        <a:scrgbClr r="0" g="0" b="0"/>
+      </a:effectRef>
+      <a:fontRef idx="minor"/>
+    </dgm:style>
+  </dgm:styleLbl>
+  <dgm:styleLbl name="solidFgAcc1">
+    <dgm:scene3d>
+      <a:camera prst="orthographicFront"/>
+      <a:lightRig rig="threePt" dir="t"/>
+    </dgm:scene3d>
+    <dgm:sp3d/>
+    <dgm:txPr/>
+    <dgm:style>
+      <a:lnRef idx="2">
+        <a:scrgbClr r="0" g="0" b="0"/>
+      </a:lnRef>
+      <a:fillRef idx="1">
+        <a:scrgbClr r="0" g="0" b="0"/>
+      </a:fillRef>
+      <a:effectRef idx="0">
+        <a:scrgbClr r="0" g="0" b="0"/>
+      </a:effectRef>
+      <a:fontRef idx="minor"/>
+    </dgm:style>
+  </dgm:styleLbl>
+  <dgm:styleLbl name="solidAlignAcc1">
+    <dgm:scene3d>
+      <a:camera prst="orthographicFront"/>
+      <a:lightRig rig="threePt" dir="t"/>
+    </dgm:scene3d>
+    <dgm:sp3d/>
+    <dgm:txPr/>
+    <dgm:style>
+      <a:lnRef idx="2">
+        <a:scrgbClr r="0" g="0" b="0"/>
+      </a:lnRef>
+      <a:fillRef idx="1">
+        <a:scrgbClr r="0" g="0" b="0"/>
+      </a:fillRef>
+      <a:effectRef idx="0">
+        <a:scrgbClr r="0" g="0" b="0"/>
+      </a:effectRef>
+      <a:fontRef idx="minor"/>
+    </dgm:style>
+  </dgm:styleLbl>
+  <dgm:styleLbl name="solidBgAcc1">
+    <dgm:scene3d>
+      <a:camera prst="orthographicFront"/>
+      <a:lightRig rig="threePt" dir="t"/>
+    </dgm:scene3d>
+    <dgm:sp3d/>
+    <dgm:txPr/>
+    <dgm:style>
+      <a:lnRef idx="2">
+        <a:scrgbClr r="0" g="0" b="0"/>
+      </a:lnRef>
+      <a:fillRef idx="1">
+        <a:scrgbClr r="0" g="0" b="0"/>
+      </a:fillRef>
+      <a:effectRef idx="0">
+        <a:scrgbClr r="0" g="0" b="0"/>
+      </a:effectRef>
+      <a:fontRef idx="minor"/>
+    </dgm:style>
+  </dgm:styleLbl>
+  <dgm:styleLbl name="fgAccFollowNode1">
+    <dgm:scene3d>
+      <a:camera prst="orthographicFront"/>
+      <a:lightRig rig="threePt" dir="t"/>
+    </dgm:scene3d>
+    <dgm:sp3d/>
+    <dgm:txPr/>
+    <dgm:style>
+      <a:lnRef idx="2">
+        <a:scrgbClr r="0" g="0" b="0"/>
+      </a:lnRef>
+      <a:fillRef idx="1">
+        <a:scrgbClr r="0" g="0" b="0"/>
+      </a:fillRef>
+      <a:effectRef idx="0">
+        <a:scrgbClr r="0" g="0" b="0"/>
+      </a:effectRef>
+      <a:fontRef idx="minor"/>
+    </dgm:style>
+  </dgm:styleLbl>
+  <dgm:styleLbl name="alignAccFollowNode1">
+    <dgm:scene3d>
+      <a:camera prst="orthographicFront"/>
+      <a:lightRig rig="threePt" dir="t"/>
+    </dgm:scene3d>
+    <dgm:sp3d/>
+    <dgm:txPr/>
+    <dgm:style>
+      <a:lnRef idx="2">
+        <a:scrgbClr r="0" g="0" b="0"/>
+      </a:lnRef>
+      <a:fillRef idx="1">
+        <a:scrgbClr r="0" g="0" b="0"/>
+      </a:fillRef>
+      <a:effectRef idx="0">
+        <a:scrgbClr r="0" g="0" b="0"/>
+      </a:effectRef>
+      <a:fontRef idx="minor"/>
+    </dgm:style>
+  </dgm:styleLbl>
+  <dgm:styleLbl name="bgAccFollowNode1">
+    <dgm:scene3d>
+      <a:camera prst="orthographicFront"/>
+      <a:lightRig rig="threePt" dir="t"/>
+    </dgm:scene3d>
+    <dgm:sp3d/>
+    <dgm:txPr/>
+    <dgm:style>
+      <a:lnRef idx="2">
+        <a:scrgbClr r="0" g="0" b="0"/>
+      </a:lnRef>
+      <a:fillRef idx="1">
+        <a:scrgbClr r="0" g="0" b="0"/>
+      </a:fillRef>
+      <a:effectRef idx="0">
+        <a:scrgbClr r="0" g="0" b="0"/>
+      </a:effectRef>
+      <a:fontRef idx="minor"/>
+    </dgm:style>
+  </dgm:styleLbl>
+  <dgm:styleLbl name="fgAcc0">
+    <dgm:scene3d>
+      <a:camera prst="orthographicFront"/>
+      <a:lightRig rig="threePt" dir="t"/>
+    </dgm:scene3d>
+    <dgm:sp3d/>
+    <dgm:txPr/>
+    <dgm:style>
+      <a:lnRef idx="2">
+        <a:scrgbClr r="0" g="0" b="0"/>
+      </a:lnRef>
+      <a:fillRef idx="1">
+        <a:scrgbClr r="0" g="0" b="0"/>
+      </a:fillRef>
+      <a:effectRef idx="0">
+        <a:scrgbClr r="0" g="0" b="0"/>
+      </a:effectRef>
+      <a:fontRef idx="minor"/>
+    </dgm:style>
+  </dgm:styleLbl>
+  <dgm:styleLbl name="fgAcc2">
+    <dgm:scene3d>
+      <a:camera prst="orthographicFront"/>
+      <a:lightRig rig="threePt" dir="t"/>
+    </dgm:scene3d>
+    <dgm:sp3d/>
+    <dgm:txPr/>
+    <dgm:style>
+      <a:lnRef idx="2">
+        <a:scrgbClr r="0" g="0" b="0"/>
+      </a:lnRef>
+      <a:fillRef idx="1">
+        <a:scrgbClr r="0" g="0" b="0"/>
+      </a:fillRef>
+      <a:effectRef idx="0">
+        <a:scrgbClr r="0" g="0" b="0"/>
+      </a:effectRef>
+      <a:fontRef idx="minor"/>
+    </dgm:style>
+  </dgm:styleLbl>
+  <dgm:styleLbl name="fgAcc3">
+    <dgm:scene3d>
+      <a:camera prst="orthographicFront"/>
+      <a:lightRig rig="threePt" dir="t"/>
+    </dgm:scene3d>
+    <dgm:sp3d/>
+    <dgm:txPr/>
+    <dgm:style>
+      <a:lnRef idx="2">
+        <a:scrgbClr r="0" g="0" b="0"/>
+      </a:lnRef>
+      <a:fillRef idx="1">
+        <a:scrgbClr r="0" g="0" b="0"/>
+      </a:fillRef>
+      <a:effectRef idx="0">
+        <a:scrgbClr r="0" g="0" b="0"/>
+      </a:effectRef>
+      <a:fontRef idx="minor"/>
+    </dgm:style>
+  </dgm:styleLbl>
+  <dgm:styleLbl name="fgAcc4">
+    <dgm:scene3d>
+      <a:camera prst="orthographicFront"/>
+      <a:lightRig rig="threePt" dir="t"/>
+    </dgm:scene3d>
+    <dgm:sp3d/>
+    <dgm:txPr/>
+    <dgm:style>
+      <a:lnRef idx="2">
+        <a:scrgbClr r="0" g="0" b="0"/>
+      </a:lnRef>
+      <a:fillRef idx="1">
+        <a:scrgbClr r="0" g="0" b="0"/>
+      </a:fillRef>
+      <a:effectRef idx="0">
+        <a:scrgbClr r="0" g="0" b="0"/>
+      </a:effectRef>
+      <a:fontRef idx="minor"/>
+    </dgm:style>
+  </dgm:styleLbl>
+  <dgm:styleLbl name="bgShp">
+    <dgm:scene3d>
+      <a:camera prst="orthographicFront"/>
+      <a:lightRig rig="threePt" dir="t"/>
+    </dgm:scene3d>
+    <dgm:sp3d/>
+    <dgm:txPr/>
+    <dgm:style>
+      <a:lnRef idx="0">
+        <a:scrgbClr r="0" g="0" b="0"/>
+      </a:lnRef>
+      <a:fillRef idx="1">
+        <a:scrgbClr r="0" g="0" b="0"/>
+      </a:fillRef>
+      <a:effectRef idx="0">
+        <a:scrgbClr r="0" g="0" b="0"/>
+      </a:effectRef>
+      <a:fontRef idx="minor"/>
+    </dgm:style>
+  </dgm:styleLbl>
+  <dgm:styleLbl name="dkBgShp">
+    <dgm:scene3d>
+      <a:camera prst="orthographicFront"/>
+      <a:lightRig rig="threePt" dir="t"/>
+    </dgm:scene3d>
+    <dgm:sp3d/>
+    <dgm:txPr/>
+    <dgm:style>
+      <a:lnRef idx="0">
+        <a:scrgbClr r="0" g="0" b="0"/>
+      </a:lnRef>
+      <a:fillRef idx="1">
+        <a:scrgbClr r="0" g="0" b="0"/>
+      </a:fillRef>
+      <a:effectRef idx="0">
+        <a:scrgbClr r="0" g="0" b="0"/>
+      </a:effectRef>
+      <a:fontRef idx="minor"/>
+    </dgm:style>
+  </dgm:styleLbl>
+  <dgm:styleLbl name="trBgShp">
+    <dgm:scene3d>
+      <a:camera prst="orthographicFront"/>
+      <a:lightRig rig="threePt" dir="t"/>
+    </dgm:scene3d>
+    <dgm:sp3d/>
+    <dgm:txPr/>
+    <dgm:style>
+      <a:lnRef idx="0">
+        <a:scrgbClr r="0" g="0" b="0"/>
+      </a:lnRef>
+      <a:fillRef idx="1">
+        <a:scrgbClr r="0" g="0" b="0"/>
+      </a:fillRef>
+      <a:effectRef idx="0">
+        <a:scrgbClr r="0" g="0" b="0"/>
+      </a:effectRef>
+      <a:fontRef idx="minor"/>
+    </dgm:style>
+  </dgm:styleLbl>
+  <dgm:styleLbl name="fgShp">
+    <dgm:scene3d>
+      <a:camera prst="orthographicFront"/>
+      <a:lightRig rig="threePt" dir="t"/>
+    </dgm:scene3d>
+    <dgm:sp3d/>
+    <dgm:txPr/>
+    <dgm:style>
+      <a:lnRef idx="2">
+        <a:scrgbClr r="0" g="0" b="0"/>
+      </a:lnRef>
+      <a:fillRef idx="1">
+        <a:scrgbClr r="0" g="0" b="0"/>
+      </a:fillRef>
+      <a:effectRef idx="0">
+        <a:scrgbClr r="0" g="0" b="0"/>
+      </a:effectRef>
+      <a:fontRef idx="minor"/>
+    </dgm:style>
+  </dgm:styleLbl>
+  <dgm:styleLbl name="revTx">
+    <dgm:scene3d>
+      <a:camera prst="orthographicFront"/>
+      <a:lightRig rig="threePt" dir="t"/>
+    </dgm:scene3d>
+    <dgm:sp3d/>
+    <dgm:txPr/>
+    <dgm:style>
+      <a:lnRef idx="0">
+        <a:scrgbClr r="0" g="0" b="0"/>
+      </a:lnRef>
+      <a:fillRef idx="0">
+        <a:scrgbClr r="0" g="0" b="0"/>
+      </a:fillRef>
+      <a:effectRef idx="0">
+        <a:scrgbClr r="0" g="0" b="0"/>
+      </a:effectRef>
+      <a:fontRef idx="minor"/>
+    </dgm:style>
+  </dgm:styleLbl>
+</dgm:styleDef>
+</file>
+
 <file path=ppt/slideLayouts/slideLayout1.xml><?xml version="1.0" encoding="utf-8"?>
 <p:sldLayout xmlns:a="http://schemas.openxmlformats.org/drawingml/2006/main" xmlns:r="http://schemas.openxmlformats.org/officeDocument/2006/relationships" xmlns:p="http://schemas.openxmlformats.org/presentationml/2006/main" type="title" preserve="1">
   <p:cSld name="Title Slide">
@@ -262,7 +4522,7 @@
           <a:p>
             <a:fld id="{E019B8FA-7D10-47D5-BFE0-6BB09CDD23F4}" type="datetimeFigureOut">
               <a:rPr lang="en-US" smtClean="0"/>
-              <a:t>12/19/2023</a:t>
+              <a:t>1/8/2024</a:t>
             </a:fld>
             <a:endParaRPr lang="en-US"/>
           </a:p>
@@ -460,7 +4720,7 @@
           <a:p>
             <a:fld id="{E019B8FA-7D10-47D5-BFE0-6BB09CDD23F4}" type="datetimeFigureOut">
               <a:rPr lang="en-US" smtClean="0"/>
-              <a:t>12/19/2023</a:t>
+              <a:t>1/8/2024</a:t>
             </a:fld>
             <a:endParaRPr lang="en-US"/>
           </a:p>
@@ -668,7 +4928,7 @@
           <a:p>
             <a:fld id="{E019B8FA-7D10-47D5-BFE0-6BB09CDD23F4}" type="datetimeFigureOut">
               <a:rPr lang="en-US" smtClean="0"/>
-              <a:t>12/19/2023</a:t>
+              <a:t>1/8/2024</a:t>
             </a:fld>
             <a:endParaRPr lang="en-US"/>
           </a:p>
@@ -866,7 +5126,7 @@
           <a:p>
             <a:fld id="{E019B8FA-7D10-47D5-BFE0-6BB09CDD23F4}" type="datetimeFigureOut">
               <a:rPr lang="en-US" smtClean="0"/>
-              <a:t>12/19/2023</a:t>
+              <a:t>1/8/2024</a:t>
             </a:fld>
             <a:endParaRPr lang="en-US"/>
           </a:p>
@@ -1141,7 +5401,7 @@
           <a:p>
             <a:fld id="{E019B8FA-7D10-47D5-BFE0-6BB09CDD23F4}" type="datetimeFigureOut">
               <a:rPr lang="en-US" smtClean="0"/>
-              <a:t>12/19/2023</a:t>
+              <a:t>1/8/2024</a:t>
             </a:fld>
             <a:endParaRPr lang="en-US"/>
           </a:p>
@@ -1406,7 +5666,7 @@
           <a:p>
             <a:fld id="{E019B8FA-7D10-47D5-BFE0-6BB09CDD23F4}" type="datetimeFigureOut">
               <a:rPr lang="en-US" smtClean="0"/>
-              <a:t>12/19/2023</a:t>
+              <a:t>1/8/2024</a:t>
             </a:fld>
             <a:endParaRPr lang="en-US"/>
           </a:p>
@@ -1818,7 +6078,7 @@
           <a:p>
             <a:fld id="{E019B8FA-7D10-47D5-BFE0-6BB09CDD23F4}" type="datetimeFigureOut">
               <a:rPr lang="en-US" smtClean="0"/>
-              <a:t>12/19/2023</a:t>
+              <a:t>1/8/2024</a:t>
             </a:fld>
             <a:endParaRPr lang="en-US"/>
           </a:p>
@@ -1959,7 +6219,7 @@
           <a:p>
             <a:fld id="{E019B8FA-7D10-47D5-BFE0-6BB09CDD23F4}" type="datetimeFigureOut">
               <a:rPr lang="en-US" smtClean="0"/>
-              <a:t>12/19/2023</a:t>
+              <a:t>1/8/2024</a:t>
             </a:fld>
             <a:endParaRPr lang="en-US"/>
           </a:p>
@@ -2072,7 +6332,7 @@
           <a:p>
             <a:fld id="{E019B8FA-7D10-47D5-BFE0-6BB09CDD23F4}" type="datetimeFigureOut">
               <a:rPr lang="en-US" smtClean="0"/>
-              <a:t>12/19/2023</a:t>
+              <a:t>1/8/2024</a:t>
             </a:fld>
             <a:endParaRPr lang="en-US"/>
           </a:p>
@@ -2383,7 +6643,7 @@
           <a:p>
             <a:fld id="{E019B8FA-7D10-47D5-BFE0-6BB09CDD23F4}" type="datetimeFigureOut">
               <a:rPr lang="en-US" smtClean="0"/>
-              <a:t>12/19/2023</a:t>
+              <a:t>1/8/2024</a:t>
             </a:fld>
             <a:endParaRPr lang="en-US"/>
           </a:p>
@@ -2671,7 +6931,7 @@
           <a:p>
             <a:fld id="{E019B8FA-7D10-47D5-BFE0-6BB09CDD23F4}" type="datetimeFigureOut">
               <a:rPr lang="en-US" smtClean="0"/>
-              <a:t>12/19/2023</a:t>
+              <a:t>1/8/2024</a:t>
             </a:fld>
             <a:endParaRPr lang="en-US"/>
           </a:p>
@@ -2912,7 +7172,7 @@
           <a:p>
             <a:fld id="{E019B8FA-7D10-47D5-BFE0-6BB09CDD23F4}" type="datetimeFigureOut">
               <a:rPr lang="en-US" smtClean="0"/>
-              <a:t>12/19/2023</a:t>
+              <a:t>1/8/2024</a:t>
             </a:fld>
             <a:endParaRPr lang="en-US"/>
           </a:p>
@@ -5311,6 +9571,182 @@
 </p:sld>
 </file>
 
+<file path=ppt/slides/slide5.xml><?xml version="1.0" encoding="utf-8"?>
+<p:sld xmlns:a="http://schemas.openxmlformats.org/drawingml/2006/main" xmlns:r="http://schemas.openxmlformats.org/officeDocument/2006/relationships" xmlns:p="http://schemas.openxmlformats.org/presentationml/2006/main">
+  <p:cSld>
+    <p:spTree>
+      <p:nvGrpSpPr>
+        <p:cNvPr id="1" name=""/>
+        <p:cNvGrpSpPr/>
+        <p:nvPr/>
+      </p:nvGrpSpPr>
+      <p:grpSpPr>
+        <a:xfrm>
+          <a:off x="0" y="0"/>
+          <a:ext cx="0" cy="0"/>
+          <a:chOff x="0" y="0"/>
+          <a:chExt cx="0" cy="0"/>
+        </a:xfrm>
+      </p:grpSpPr>
+      <p:pic>
+        <p:nvPicPr>
+          <p:cNvPr id="28" name="Picture 27">
+            <a:extLst>
+              <a:ext uri="{FF2B5EF4-FFF2-40B4-BE49-F238E27FC236}">
+                <a16:creationId xmlns:a16="http://schemas.microsoft.com/office/drawing/2014/main" id="{BC91CE30-E898-E63E-D8DD-DA7E14447C96}"/>
+              </a:ext>
+            </a:extLst>
+          </p:cNvPr>
+          <p:cNvPicPr>
+            <a:picLocks noChangeAspect="1"/>
+          </p:cNvPicPr>
+          <p:nvPr/>
+        </p:nvPicPr>
+        <p:blipFill>
+          <a:blip r:embed="rId2"/>
+          <a:stretch>
+            <a:fillRect/>
+          </a:stretch>
+        </p:blipFill>
+        <p:spPr>
+          <a:xfrm>
+            <a:off x="184726" y="397774"/>
+            <a:ext cx="5951353" cy="5866486"/>
+          </a:xfrm>
+          <a:prstGeom prst="rect">
+            <a:avLst/>
+          </a:prstGeom>
+        </p:spPr>
+      </p:pic>
+      <p:graphicFrame>
+        <p:nvGraphicFramePr>
+          <p:cNvPr id="29" name="Diagram 28">
+            <a:extLst>
+              <a:ext uri="{FF2B5EF4-FFF2-40B4-BE49-F238E27FC236}">
+                <a16:creationId xmlns:a16="http://schemas.microsoft.com/office/drawing/2014/main" id="{C35C9334-9DDB-E524-55FE-DDB9EA098E53}"/>
+              </a:ext>
+            </a:extLst>
+          </p:cNvPr>
+          <p:cNvGraphicFramePr/>
+          <p:nvPr>
+            <p:extLst>
+              <p:ext uri="{D42A27DB-BD31-4B8C-83A1-F6EECF244321}">
+                <p14:modId xmlns:p14="http://schemas.microsoft.com/office/powerpoint/2010/main" val="1545451184"/>
+              </p:ext>
+            </p:extLst>
+          </p:nvPr>
+        </p:nvGraphicFramePr>
+        <p:xfrm>
+          <a:off x="6443658" y="158496"/>
+          <a:ext cx="5563616" cy="4468029"/>
+        </p:xfrm>
+        <a:graphic>
+          <a:graphicData uri="http://schemas.openxmlformats.org/drawingml/2006/diagram">
+            <dgm:relIds xmlns:dgm="http://schemas.openxmlformats.org/drawingml/2006/diagram" xmlns:r="http://schemas.openxmlformats.org/officeDocument/2006/relationships" r:dm="rId3" r:lo="rId4" r:qs="rId5" r:cs="rId6"/>
+          </a:graphicData>
+        </a:graphic>
+      </p:graphicFrame>
+      <p:sp>
+        <p:nvSpPr>
+          <p:cNvPr id="30" name="Rectangle 29">
+            <a:extLst>
+              <a:ext uri="{FF2B5EF4-FFF2-40B4-BE49-F238E27FC236}">
+                <a16:creationId xmlns:a16="http://schemas.microsoft.com/office/drawing/2014/main" id="{060A8D74-F111-3310-6AC1-24F39DE6BB90}"/>
+              </a:ext>
+            </a:extLst>
+          </p:cNvPr>
+          <p:cNvSpPr/>
+          <p:nvPr/>
+        </p:nvSpPr>
+        <p:spPr>
+          <a:xfrm>
+            <a:off x="8493760" y="4013200"/>
+            <a:ext cx="2767677" cy="755565"/>
+          </a:xfrm>
+          <a:prstGeom prst="rect">
+            <a:avLst/>
+          </a:prstGeom>
+        </p:spPr>
+        <p:style>
+          <a:lnRef idx="2">
+            <a:schemeClr val="accent1">
+              <a:shade val="15000"/>
+            </a:schemeClr>
+          </a:lnRef>
+          <a:fillRef idx="1">
+            <a:schemeClr val="accent1"/>
+          </a:fillRef>
+          <a:effectRef idx="0">
+            <a:schemeClr val="accent1"/>
+          </a:effectRef>
+          <a:fontRef idx="minor">
+            <a:schemeClr val="lt1"/>
+          </a:fontRef>
+        </p:style>
+        <p:txBody>
+          <a:bodyPr rtlCol="0" anchor="ctr"/>
+          <a:lstStyle/>
+          <a:p>
+            <a:pPr algn="ctr"/>
+            <a:r>
+              <a:rPr lang="en-US" dirty="0"/>
+              <a:t>Create this folder, and put your files here</a:t>
+            </a:r>
+          </a:p>
+        </p:txBody>
+      </p:sp>
+      <p:cxnSp>
+        <p:nvCxnSpPr>
+          <p:cNvPr id="32" name="Straight Arrow Connector 31">
+            <a:extLst>
+              <a:ext uri="{FF2B5EF4-FFF2-40B4-BE49-F238E27FC236}">
+                <a16:creationId xmlns:a16="http://schemas.microsoft.com/office/drawing/2014/main" id="{61B96E45-913C-2367-0C9F-18D1DEF7A414}"/>
+              </a:ext>
+            </a:extLst>
+          </p:cNvPr>
+          <p:cNvCxnSpPr/>
+          <p:nvPr/>
+        </p:nvCxnSpPr>
+        <p:spPr>
+          <a:xfrm flipV="1">
+            <a:off x="10586720" y="2672080"/>
+            <a:ext cx="721360" cy="1330960"/>
+          </a:xfrm>
+          <a:prstGeom prst="straightConnector1">
+            <a:avLst/>
+          </a:prstGeom>
+          <a:ln>
+            <a:tailEnd type="triangle"/>
+          </a:ln>
+        </p:spPr>
+        <p:style>
+          <a:lnRef idx="1">
+            <a:schemeClr val="accent1"/>
+          </a:lnRef>
+          <a:fillRef idx="0">
+            <a:schemeClr val="accent1"/>
+          </a:fillRef>
+          <a:effectRef idx="0">
+            <a:schemeClr val="accent1"/>
+          </a:effectRef>
+          <a:fontRef idx="minor">
+            <a:schemeClr val="tx1"/>
+          </a:fontRef>
+        </p:style>
+      </p:cxnSp>
+    </p:spTree>
+    <p:extLst>
+      <p:ext uri="{BB962C8B-B14F-4D97-AF65-F5344CB8AC3E}">
+        <p14:creationId xmlns:p14="http://schemas.microsoft.com/office/powerpoint/2010/main" val="811148088"/>
+      </p:ext>
+    </p:extLst>
+  </p:cSld>
+  <p:clrMapOvr>
+    <a:masterClrMapping/>
+  </p:clrMapOvr>
+</p:sld>
+</file>
+
 <file path=ppt/theme/theme1.xml><?xml version="1.0" encoding="utf-8"?>
 <a:theme xmlns:a="http://schemas.openxmlformats.org/drawingml/2006/main" name="Office Theme">
   <a:themeElements>
